--- a/slides/C++.pptx
+++ b/slides/C++.pptx
@@ -257,7 +257,7 @@
           <a:p>
             <a:fld id="{F57348E8-8886-490D-B84A-D97E608AAD37}" type="datetimeFigureOut">
               <a:rPr lang="pt-BR" smtClean="0"/>
-              <a:t>10/11/2020</a:t>
+              <a:t>12/11/2020</a:t>
             </a:fld>
             <a:endParaRPr lang="pt-BR"/>
           </a:p>
@@ -674,7 +674,7 @@
           <a:p>
             <a:fld id="{61CAFA4C-84B1-4E56-B9FD-6D8048F08223}" type="datetime1">
               <a:rPr lang="pt-BR" smtClean="0"/>
-              <a:t>10/11/2020</a:t>
+              <a:t>12/11/2020</a:t>
             </a:fld>
             <a:endParaRPr lang="pt-BR"/>
           </a:p>
@@ -874,7 +874,7 @@
           <a:p>
             <a:fld id="{45305A30-CF91-450E-BD95-EF1DB408EEF5}" type="datetime1">
               <a:rPr lang="pt-BR" smtClean="0"/>
-              <a:t>10/11/2020</a:t>
+              <a:t>12/11/2020</a:t>
             </a:fld>
             <a:endParaRPr lang="pt-BR"/>
           </a:p>
@@ -1084,7 +1084,7 @@
           <a:p>
             <a:fld id="{112BEF76-305C-4396-8525-3589BC3A3147}" type="datetime1">
               <a:rPr lang="pt-BR" smtClean="0"/>
-              <a:t>10/11/2020</a:t>
+              <a:t>12/11/2020</a:t>
             </a:fld>
             <a:endParaRPr lang="pt-BR"/>
           </a:p>
@@ -1284,7 +1284,7 @@
           <a:p>
             <a:fld id="{B2F40358-9FFB-401B-8055-011F96392D10}" type="datetime1">
               <a:rPr lang="pt-BR" smtClean="0"/>
-              <a:t>10/11/2020</a:t>
+              <a:t>12/11/2020</a:t>
             </a:fld>
             <a:endParaRPr lang="pt-BR"/>
           </a:p>
@@ -1560,7 +1560,7 @@
           <a:p>
             <a:fld id="{220F6295-E54F-4770-9141-FDCF46A2ADAA}" type="datetime1">
               <a:rPr lang="pt-BR" smtClean="0"/>
-              <a:t>10/11/2020</a:t>
+              <a:t>12/11/2020</a:t>
             </a:fld>
             <a:endParaRPr lang="pt-BR"/>
           </a:p>
@@ -1828,7 +1828,7 @@
           <a:p>
             <a:fld id="{C57DBD24-AEDA-47E1-912F-DD5F3E5B0878}" type="datetime1">
               <a:rPr lang="pt-BR" smtClean="0"/>
-              <a:t>10/11/2020</a:t>
+              <a:t>12/11/2020</a:t>
             </a:fld>
             <a:endParaRPr lang="pt-BR"/>
           </a:p>
@@ -2243,7 +2243,7 @@
           <a:p>
             <a:fld id="{2B3C0E04-3AB0-4AFA-B718-209D69DD0606}" type="datetime1">
               <a:rPr lang="pt-BR" smtClean="0"/>
-              <a:t>10/11/2020</a:t>
+              <a:t>12/11/2020</a:t>
             </a:fld>
             <a:endParaRPr lang="pt-BR"/>
           </a:p>
@@ -2385,7 +2385,7 @@
           <a:p>
             <a:fld id="{3EC6698A-6B86-4D70-87CE-4826DF9D0312}" type="datetime1">
               <a:rPr lang="pt-BR" smtClean="0"/>
-              <a:t>10/11/2020</a:t>
+              <a:t>12/11/2020</a:t>
             </a:fld>
             <a:endParaRPr lang="pt-BR"/>
           </a:p>
@@ -2498,7 +2498,7 @@
           <a:p>
             <a:fld id="{E8D1940B-74B1-47B8-8137-DC1B3D7CFF92}" type="datetime1">
               <a:rPr lang="pt-BR" smtClean="0"/>
-              <a:t>10/11/2020</a:t>
+              <a:t>12/11/2020</a:t>
             </a:fld>
             <a:endParaRPr lang="pt-BR"/>
           </a:p>
@@ -2811,7 +2811,7 @@
           <a:p>
             <a:fld id="{8A2B5F9B-A892-44DC-A79E-EDA80B19CD1E}" type="datetime1">
               <a:rPr lang="pt-BR" smtClean="0"/>
-              <a:t>10/11/2020</a:t>
+              <a:t>12/11/2020</a:t>
             </a:fld>
             <a:endParaRPr lang="pt-BR"/>
           </a:p>
@@ -3100,7 +3100,7 @@
           <a:p>
             <a:fld id="{484A0796-8C5C-4FB3-93EA-5A1B21B7F90C}" type="datetime1">
               <a:rPr lang="pt-BR" smtClean="0"/>
-              <a:t>10/11/2020</a:t>
+              <a:t>12/11/2020</a:t>
             </a:fld>
             <a:endParaRPr lang="pt-BR"/>
           </a:p>
@@ -3343,7 +3343,7 @@
           <a:p>
             <a:fld id="{C60EDFCB-90FE-4183-81DD-507C9F560A9E}" type="datetime1">
               <a:rPr lang="pt-BR" smtClean="0"/>
-              <a:t>10/11/2020</a:t>
+              <a:t>12/11/2020</a:t>
             </a:fld>
             <a:endParaRPr lang="pt-BR"/>
           </a:p>
@@ -6659,7 +6659,7 @@
         </p:spPr>
         <p:txBody>
           <a:bodyPr>
-            <a:normAutofit fontScale="92500" lnSpcReduction="10000"/>
+            <a:normAutofit/>
           </a:bodyPr>
           <a:lstStyle/>
           <a:p>
@@ -6775,35 +6775,13 @@
                 <a:latin typeface="Segoe UI" panose="020B0502040204020203" pitchFamily="34" charset="0"/>
                 <a:cs typeface="Segoe UI" panose="020B0502040204020203" pitchFamily="34" charset="0"/>
               </a:rPr>
-              <a:t>Mutex e Condition Variables</a:t>
+              <a:t>Mutex</a:t>
             </a:r>
           </a:p>
           <a:p>
             <a:pPr>
               <a:buFont typeface="Wingdings" panose="05000000000000000000" pitchFamily="2" charset="2"/>
               <a:buChar char="§"/>
-            </a:pPr>
-            <a:endParaRPr lang="en-US" sz="2400" dirty="0">
-              <a:latin typeface="Segoe UI" panose="020B0502040204020203" pitchFamily="34" charset="0"/>
-              <a:cs typeface="Segoe UI" panose="020B0502040204020203" pitchFamily="34" charset="0"/>
-            </a:endParaRPr>
-          </a:p>
-          <a:p>
-            <a:pPr>
-              <a:buFont typeface="Wingdings" panose="05000000000000000000" pitchFamily="2" charset="2"/>
-              <a:buChar char="§"/>
-            </a:pPr>
-            <a:r>
-              <a:rPr lang="en-US" sz="2400" dirty="0">
-                <a:latin typeface="Segoe UI" panose="020B0502040204020203" pitchFamily="34" charset="0"/>
-                <a:cs typeface="Segoe UI" panose="020B0502040204020203" pitchFamily="34" charset="0"/>
-              </a:rPr>
-              <a:t>Active Objects</a:t>
-            </a:r>
-          </a:p>
-          <a:p>
-            <a:pPr marL="0" indent="0">
-              <a:buNone/>
             </a:pPr>
             <a:endParaRPr lang="en-US" sz="2400" dirty="0">
               <a:latin typeface="Segoe UI" panose="020B0502040204020203" pitchFamily="34" charset="0"/>

--- a/slides/C++.pptx
+++ b/slides/C++.pptx
@@ -5,7 +5,7 @@
     <p:sldMasterId id="2147483648" r:id="rId1"/>
   </p:sldMasterIdLst>
   <p:notesMasterIdLst>
-    <p:notesMasterId r:id="rId63"/>
+    <p:notesMasterId r:id="rId81"/>
   </p:notesMasterIdLst>
   <p:sldIdLst>
     <p:sldId id="256" r:id="rId2"/>
@@ -48,27 +48,45 @@
     <p:sldId id="393" r:id="rId39"/>
     <p:sldId id="378" r:id="rId40"/>
     <p:sldId id="376" r:id="rId41"/>
-    <p:sldId id="368" r:id="rId42"/>
+    <p:sldId id="394" r:id="rId42"/>
     <p:sldId id="360" r:id="rId43"/>
-    <p:sldId id="347" r:id="rId44"/>
-    <p:sldId id="348" r:id="rId45"/>
-    <p:sldId id="349" r:id="rId46"/>
-    <p:sldId id="350" r:id="rId47"/>
-    <p:sldId id="351" r:id="rId48"/>
-    <p:sldId id="352" r:id="rId49"/>
-    <p:sldId id="353" r:id="rId50"/>
-    <p:sldId id="354" r:id="rId51"/>
-    <p:sldId id="355" r:id="rId52"/>
-    <p:sldId id="356" r:id="rId53"/>
-    <p:sldId id="357" r:id="rId54"/>
-    <p:sldId id="367" r:id="rId55"/>
-    <p:sldId id="366" r:id="rId56"/>
-    <p:sldId id="358" r:id="rId57"/>
-    <p:sldId id="361" r:id="rId58"/>
-    <p:sldId id="362" r:id="rId59"/>
-    <p:sldId id="363" r:id="rId60"/>
-    <p:sldId id="364" r:id="rId61"/>
-    <p:sldId id="365" r:id="rId62"/>
+    <p:sldId id="399" r:id="rId44"/>
+    <p:sldId id="400" r:id="rId45"/>
+    <p:sldId id="401" r:id="rId46"/>
+    <p:sldId id="402" r:id="rId47"/>
+    <p:sldId id="403" r:id="rId48"/>
+    <p:sldId id="395" r:id="rId49"/>
+    <p:sldId id="405" r:id="rId50"/>
+    <p:sldId id="347" r:id="rId51"/>
+    <p:sldId id="406" r:id="rId52"/>
+    <p:sldId id="407" r:id="rId53"/>
+    <p:sldId id="408" r:id="rId54"/>
+    <p:sldId id="409" r:id="rId55"/>
+    <p:sldId id="410" r:id="rId56"/>
+    <p:sldId id="411" r:id="rId57"/>
+    <p:sldId id="396" r:id="rId58"/>
+    <p:sldId id="412" r:id="rId59"/>
+    <p:sldId id="413" r:id="rId60"/>
+    <p:sldId id="398" r:id="rId61"/>
+    <p:sldId id="368" r:id="rId62"/>
+    <p:sldId id="348" r:id="rId63"/>
+    <p:sldId id="349" r:id="rId64"/>
+    <p:sldId id="350" r:id="rId65"/>
+    <p:sldId id="351" r:id="rId66"/>
+    <p:sldId id="352" r:id="rId67"/>
+    <p:sldId id="353" r:id="rId68"/>
+    <p:sldId id="354" r:id="rId69"/>
+    <p:sldId id="355" r:id="rId70"/>
+    <p:sldId id="356" r:id="rId71"/>
+    <p:sldId id="357" r:id="rId72"/>
+    <p:sldId id="367" r:id="rId73"/>
+    <p:sldId id="366" r:id="rId74"/>
+    <p:sldId id="358" r:id="rId75"/>
+    <p:sldId id="361" r:id="rId76"/>
+    <p:sldId id="362" r:id="rId77"/>
+    <p:sldId id="363" r:id="rId78"/>
+    <p:sldId id="364" r:id="rId79"/>
+    <p:sldId id="365" r:id="rId80"/>
   </p:sldIdLst>
   <p:sldSz cx="12192000" cy="6858000"/>
   <p:notesSz cx="6858000" cy="9144000"/>
@@ -257,7 +275,7 @@
           <a:p>
             <a:fld id="{F57348E8-8886-490D-B84A-D97E608AAD37}" type="datetimeFigureOut">
               <a:rPr lang="pt-BR" smtClean="0"/>
-              <a:t>12/11/2020</a:t>
+              <a:t>17/11/2020</a:t>
             </a:fld>
             <a:endParaRPr lang="pt-BR"/>
           </a:p>
@@ -674,7 +692,7 @@
           <a:p>
             <a:fld id="{61CAFA4C-84B1-4E56-B9FD-6D8048F08223}" type="datetime1">
               <a:rPr lang="pt-BR" smtClean="0"/>
-              <a:t>12/11/2020</a:t>
+              <a:t>17/11/2020</a:t>
             </a:fld>
             <a:endParaRPr lang="pt-BR"/>
           </a:p>
@@ -874,7 +892,7 @@
           <a:p>
             <a:fld id="{45305A30-CF91-450E-BD95-EF1DB408EEF5}" type="datetime1">
               <a:rPr lang="pt-BR" smtClean="0"/>
-              <a:t>12/11/2020</a:t>
+              <a:t>17/11/2020</a:t>
             </a:fld>
             <a:endParaRPr lang="pt-BR"/>
           </a:p>
@@ -1084,7 +1102,7 @@
           <a:p>
             <a:fld id="{112BEF76-305C-4396-8525-3589BC3A3147}" type="datetime1">
               <a:rPr lang="pt-BR" smtClean="0"/>
-              <a:t>12/11/2020</a:t>
+              <a:t>17/11/2020</a:t>
             </a:fld>
             <a:endParaRPr lang="pt-BR"/>
           </a:p>
@@ -1284,7 +1302,7 @@
           <a:p>
             <a:fld id="{B2F40358-9FFB-401B-8055-011F96392D10}" type="datetime1">
               <a:rPr lang="pt-BR" smtClean="0"/>
-              <a:t>12/11/2020</a:t>
+              <a:t>17/11/2020</a:t>
             </a:fld>
             <a:endParaRPr lang="pt-BR"/>
           </a:p>
@@ -1560,7 +1578,7 @@
           <a:p>
             <a:fld id="{220F6295-E54F-4770-9141-FDCF46A2ADAA}" type="datetime1">
               <a:rPr lang="pt-BR" smtClean="0"/>
-              <a:t>12/11/2020</a:t>
+              <a:t>17/11/2020</a:t>
             </a:fld>
             <a:endParaRPr lang="pt-BR"/>
           </a:p>
@@ -1828,7 +1846,7 @@
           <a:p>
             <a:fld id="{C57DBD24-AEDA-47E1-912F-DD5F3E5B0878}" type="datetime1">
               <a:rPr lang="pt-BR" smtClean="0"/>
-              <a:t>12/11/2020</a:t>
+              <a:t>17/11/2020</a:t>
             </a:fld>
             <a:endParaRPr lang="pt-BR"/>
           </a:p>
@@ -2243,7 +2261,7 @@
           <a:p>
             <a:fld id="{2B3C0E04-3AB0-4AFA-B718-209D69DD0606}" type="datetime1">
               <a:rPr lang="pt-BR" smtClean="0"/>
-              <a:t>12/11/2020</a:t>
+              <a:t>17/11/2020</a:t>
             </a:fld>
             <a:endParaRPr lang="pt-BR"/>
           </a:p>
@@ -2385,7 +2403,7 @@
           <a:p>
             <a:fld id="{3EC6698A-6B86-4D70-87CE-4826DF9D0312}" type="datetime1">
               <a:rPr lang="pt-BR" smtClean="0"/>
-              <a:t>12/11/2020</a:t>
+              <a:t>17/11/2020</a:t>
             </a:fld>
             <a:endParaRPr lang="pt-BR"/>
           </a:p>
@@ -2498,7 +2516,7 @@
           <a:p>
             <a:fld id="{E8D1940B-74B1-47B8-8137-DC1B3D7CFF92}" type="datetime1">
               <a:rPr lang="pt-BR" smtClean="0"/>
-              <a:t>12/11/2020</a:t>
+              <a:t>17/11/2020</a:t>
             </a:fld>
             <a:endParaRPr lang="pt-BR"/>
           </a:p>
@@ -2811,7 +2829,7 @@
           <a:p>
             <a:fld id="{8A2B5F9B-A892-44DC-A79E-EDA80B19CD1E}" type="datetime1">
               <a:rPr lang="pt-BR" smtClean="0"/>
-              <a:t>12/11/2020</a:t>
+              <a:t>17/11/2020</a:t>
             </a:fld>
             <a:endParaRPr lang="pt-BR"/>
           </a:p>
@@ -3100,7 +3118,7 @@
           <a:p>
             <a:fld id="{484A0796-8C5C-4FB3-93EA-5A1B21B7F90C}" type="datetime1">
               <a:rPr lang="pt-BR" smtClean="0"/>
-              <a:t>12/11/2020</a:t>
+              <a:t>17/11/2020</a:t>
             </a:fld>
             <a:endParaRPr lang="pt-BR"/>
           </a:p>
@@ -3343,7 +3361,7 @@
           <a:p>
             <a:fld id="{C60EDFCB-90FE-4183-81DD-507C9F560A9E}" type="datetime1">
               <a:rPr lang="pt-BR" smtClean="0"/>
-              <a:t>12/11/2020</a:t>
+              <a:t>17/11/2020</a:t>
             </a:fld>
             <a:endParaRPr lang="pt-BR"/>
           </a:p>
@@ -33735,7 +33753,7 @@
                 <a:latin typeface="Segoe UI" panose="020B0502040204020203" pitchFamily="34" charset="0"/>
                 <a:cs typeface="Segoe UI" panose="020B0502040204020203" pitchFamily="34" charset="0"/>
               </a:rPr>
-              <a:t>Functions</a:t>
+              <a:t>Agenda</a:t>
             </a:r>
           </a:p>
         </p:txBody>
@@ -33816,10 +33834,157 @@
           </a:p>
         </p:txBody>
       </p:sp>
+      <p:sp>
+        <p:nvSpPr>
+          <p:cNvPr id="5" name="Content Placeholder 2">
+            <a:extLst>
+              <a:ext uri="{FF2B5EF4-FFF2-40B4-BE49-F238E27FC236}">
+                <a16:creationId xmlns:a16="http://schemas.microsoft.com/office/drawing/2014/main" id="{E8905B48-5B89-478E-B7BC-B0625487F9A1}"/>
+              </a:ext>
+            </a:extLst>
+          </p:cNvPr>
+          <p:cNvSpPr>
+            <a:spLocks noGrp="1"/>
+          </p:cNvSpPr>
+          <p:nvPr>
+            <p:ph idx="1"/>
+          </p:nvPr>
+        </p:nvSpPr>
+        <p:spPr>
+          <a:xfrm>
+            <a:off x="838200" y="1825625"/>
+            <a:ext cx="10515600" cy="4351338"/>
+          </a:xfrm>
+        </p:spPr>
+        <p:txBody>
+          <a:bodyPr>
+            <a:normAutofit/>
+          </a:bodyPr>
+          <a:lstStyle/>
+          <a:p>
+            <a:pPr>
+              <a:buFont typeface="Wingdings" panose="05000000000000000000" pitchFamily="2" charset="2"/>
+              <a:buChar char="§"/>
+            </a:pPr>
+            <a:r>
+              <a:rPr lang="en-US" sz="2400" dirty="0">
+                <a:latin typeface="Segoe UI" panose="020B0502040204020203" pitchFamily="34" charset="0"/>
+                <a:cs typeface="Segoe UI" panose="020B0502040204020203" pitchFamily="34" charset="0"/>
+              </a:rPr>
+              <a:t>Namespaces</a:t>
+            </a:r>
+          </a:p>
+          <a:p>
+            <a:pPr>
+              <a:buFont typeface="Wingdings" panose="05000000000000000000" pitchFamily="2" charset="2"/>
+              <a:buChar char="§"/>
+            </a:pPr>
+            <a:endParaRPr lang="en-US" sz="2400" dirty="0">
+              <a:latin typeface="Segoe UI" panose="020B0502040204020203" pitchFamily="34" charset="0"/>
+              <a:cs typeface="Segoe UI" panose="020B0502040204020203" pitchFamily="34" charset="0"/>
+            </a:endParaRPr>
+          </a:p>
+          <a:p>
+            <a:pPr>
+              <a:buFont typeface="Wingdings" panose="05000000000000000000" pitchFamily="2" charset="2"/>
+              <a:buChar char="§"/>
+            </a:pPr>
+            <a:r>
+              <a:rPr lang="en-US" sz="2400" dirty="0" err="1">
+                <a:latin typeface="Segoe UI" panose="020B0502040204020203" pitchFamily="34" charset="0"/>
+                <a:cs typeface="Segoe UI" panose="020B0502040204020203" pitchFamily="34" charset="0"/>
+              </a:rPr>
+              <a:t>Ponteiros</a:t>
+            </a:r>
+            <a:r>
+              <a:rPr lang="en-US" sz="2400" dirty="0">
+                <a:latin typeface="Segoe UI" panose="020B0502040204020203" pitchFamily="34" charset="0"/>
+                <a:cs typeface="Segoe UI" panose="020B0502040204020203" pitchFamily="34" charset="0"/>
+              </a:rPr>
+              <a:t> vs </a:t>
+            </a:r>
+            <a:r>
+              <a:rPr lang="en-US" sz="2400" dirty="0" err="1">
+                <a:latin typeface="Segoe UI" panose="020B0502040204020203" pitchFamily="34" charset="0"/>
+                <a:cs typeface="Segoe UI" panose="020B0502040204020203" pitchFamily="34" charset="0"/>
+              </a:rPr>
+              <a:t>Referencias</a:t>
+            </a:r>
+            <a:endParaRPr lang="en-US" sz="2400" dirty="0">
+              <a:latin typeface="Segoe UI" panose="020B0502040204020203" pitchFamily="34" charset="0"/>
+              <a:cs typeface="Segoe UI" panose="020B0502040204020203" pitchFamily="34" charset="0"/>
+            </a:endParaRPr>
+          </a:p>
+          <a:p>
+            <a:pPr>
+              <a:buFont typeface="Wingdings" panose="05000000000000000000" pitchFamily="2" charset="2"/>
+              <a:buChar char="§"/>
+            </a:pPr>
+            <a:endParaRPr lang="en-US" sz="2400" dirty="0">
+              <a:latin typeface="Segoe UI" panose="020B0502040204020203" pitchFamily="34" charset="0"/>
+              <a:cs typeface="Segoe UI" panose="020B0502040204020203" pitchFamily="34" charset="0"/>
+            </a:endParaRPr>
+          </a:p>
+          <a:p>
+            <a:pPr>
+              <a:buFont typeface="Wingdings" panose="05000000000000000000" pitchFamily="2" charset="2"/>
+              <a:buChar char="§"/>
+            </a:pPr>
+            <a:r>
+              <a:rPr lang="en-US" sz="2400" dirty="0">
+                <a:latin typeface="Segoe UI" panose="020B0502040204020203" pitchFamily="34" charset="0"/>
+                <a:cs typeface="Segoe UI" panose="020B0502040204020203" pitchFamily="34" charset="0"/>
+              </a:rPr>
+              <a:t>Classes</a:t>
+            </a:r>
+          </a:p>
+          <a:p>
+            <a:pPr>
+              <a:buFont typeface="Wingdings" panose="05000000000000000000" pitchFamily="2" charset="2"/>
+              <a:buChar char="§"/>
+            </a:pPr>
+            <a:endParaRPr lang="en-US" sz="2400" dirty="0">
+              <a:latin typeface="Segoe UI" panose="020B0502040204020203" pitchFamily="34" charset="0"/>
+              <a:cs typeface="Segoe UI" panose="020B0502040204020203" pitchFamily="34" charset="0"/>
+            </a:endParaRPr>
+          </a:p>
+          <a:p>
+            <a:pPr>
+              <a:buFont typeface="Wingdings" panose="05000000000000000000" pitchFamily="2" charset="2"/>
+              <a:buChar char="§"/>
+            </a:pPr>
+            <a:r>
+              <a:rPr lang="en-US" sz="2400" dirty="0" err="1">
+                <a:latin typeface="Segoe UI" panose="020B0502040204020203" pitchFamily="34" charset="0"/>
+                <a:cs typeface="Segoe UI" panose="020B0502040204020203" pitchFamily="34" charset="0"/>
+              </a:rPr>
+              <a:t>Dependências</a:t>
+            </a:r>
+            <a:r>
+              <a:rPr lang="en-US" sz="2400" dirty="0">
+                <a:latin typeface="Segoe UI" panose="020B0502040204020203" pitchFamily="34" charset="0"/>
+                <a:cs typeface="Segoe UI" panose="020B0502040204020203" pitchFamily="34" charset="0"/>
+              </a:rPr>
+              <a:t> com </a:t>
+            </a:r>
+            <a:r>
+              <a:rPr lang="en-US" sz="2400" dirty="0" err="1">
+                <a:latin typeface="Segoe UI" panose="020B0502040204020203" pitchFamily="34" charset="0"/>
+                <a:cs typeface="Segoe UI" panose="020B0502040204020203" pitchFamily="34" charset="0"/>
+              </a:rPr>
+              <a:t>CMake</a:t>
+            </a:r>
+            <a:endParaRPr lang="en-US" sz="2400" dirty="0">
+              <a:latin typeface="Segoe UI" panose="020B0502040204020203" pitchFamily="34" charset="0"/>
+              <a:cs typeface="Segoe UI" panose="020B0502040204020203" pitchFamily="34" charset="0"/>
+            </a:endParaRPr>
+          </a:p>
+        </p:txBody>
+      </p:sp>
     </p:spTree>
     <p:extLst>
       <p:ext uri="{BB962C8B-B14F-4D97-AF65-F5344CB8AC3E}">
-        <p14:creationId xmlns:p14="http://schemas.microsoft.com/office/powerpoint/2010/main" val="420841682"/>
+        <p14:creationId xmlns:p14="http://schemas.microsoft.com/office/powerpoint/2010/main" val="1750517549"/>
       </p:ext>
     </p:extLst>
   </p:cSld>
@@ -33953,6 +34118,534 @@
               <a:t>42</a:t>
             </a:fld>
             <a:endParaRPr lang="pt-BR"/>
+          </a:p>
+        </p:txBody>
+      </p:sp>
+      <p:sp>
+        <p:nvSpPr>
+          <p:cNvPr id="5" name="Content Placeholder 2">
+            <a:extLst>
+              <a:ext uri="{FF2B5EF4-FFF2-40B4-BE49-F238E27FC236}">
+                <a16:creationId xmlns:a16="http://schemas.microsoft.com/office/drawing/2014/main" id="{94F7752C-710D-4977-B663-FAABC149CC03}"/>
+              </a:ext>
+            </a:extLst>
+          </p:cNvPr>
+          <p:cNvSpPr>
+            <a:spLocks noGrp="1"/>
+          </p:cNvSpPr>
+          <p:nvPr>
+            <p:ph idx="1"/>
+          </p:nvPr>
+        </p:nvSpPr>
+        <p:spPr>
+          <a:xfrm>
+            <a:off x="838200" y="1825625"/>
+            <a:ext cx="10515600" cy="4351338"/>
+          </a:xfrm>
+        </p:spPr>
+        <p:txBody>
+          <a:bodyPr>
+            <a:normAutofit lnSpcReduction="10000"/>
+          </a:bodyPr>
+          <a:lstStyle/>
+          <a:p>
+            <a:pPr>
+              <a:buFont typeface="Wingdings" panose="05000000000000000000" pitchFamily="2" charset="2"/>
+              <a:buChar char="§"/>
+            </a:pPr>
+            <a:r>
+              <a:rPr lang="en-US" sz="2400" dirty="0">
+                <a:latin typeface="Segoe UI" panose="020B0502040204020203" pitchFamily="34" charset="0"/>
+                <a:cs typeface="Segoe UI" panose="020B0502040204020203" pitchFamily="34" charset="0"/>
+              </a:rPr>
+              <a:t>Serve para </a:t>
+            </a:r>
+            <a:r>
+              <a:rPr lang="en-US" sz="2400" dirty="0" err="1">
+                <a:latin typeface="Segoe UI" panose="020B0502040204020203" pitchFamily="34" charset="0"/>
+                <a:cs typeface="Segoe UI" panose="020B0502040204020203" pitchFamily="34" charset="0"/>
+              </a:rPr>
+              <a:t>evitar</a:t>
+            </a:r>
+            <a:r>
+              <a:rPr lang="en-US" sz="2400" dirty="0">
+                <a:latin typeface="Segoe UI" panose="020B0502040204020203" pitchFamily="34" charset="0"/>
+                <a:cs typeface="Segoe UI" panose="020B0502040204020203" pitchFamily="34" charset="0"/>
+              </a:rPr>
+              <a:t> o </a:t>
+            </a:r>
+            <a:r>
+              <a:rPr lang="en-US" sz="2400" dirty="0" err="1">
+                <a:latin typeface="Segoe UI" panose="020B0502040204020203" pitchFamily="34" charset="0"/>
+                <a:cs typeface="Segoe UI" panose="020B0502040204020203" pitchFamily="34" charset="0"/>
+              </a:rPr>
+              <a:t>conflito</a:t>
+            </a:r>
+            <a:r>
+              <a:rPr lang="en-US" sz="2400" dirty="0">
+                <a:latin typeface="Segoe UI" panose="020B0502040204020203" pitchFamily="34" charset="0"/>
+                <a:cs typeface="Segoe UI" panose="020B0502040204020203" pitchFamily="34" charset="0"/>
+              </a:rPr>
+              <a:t> de </a:t>
+            </a:r>
+            <a:r>
+              <a:rPr lang="en-US" sz="2400" dirty="0" err="1">
+                <a:latin typeface="Segoe UI" panose="020B0502040204020203" pitchFamily="34" charset="0"/>
+                <a:cs typeface="Segoe UI" panose="020B0502040204020203" pitchFamily="34" charset="0"/>
+              </a:rPr>
+              <a:t>nomes</a:t>
+            </a:r>
+            <a:r>
+              <a:rPr lang="en-US" sz="2400" dirty="0">
+                <a:latin typeface="Segoe UI" panose="020B0502040204020203" pitchFamily="34" charset="0"/>
+                <a:cs typeface="Segoe UI" panose="020B0502040204020203" pitchFamily="34" charset="0"/>
+              </a:rPr>
+              <a:t>, </a:t>
+            </a:r>
+            <a:r>
+              <a:rPr lang="en-US" sz="2400" dirty="0" err="1">
+                <a:latin typeface="Segoe UI" panose="020B0502040204020203" pitchFamily="34" charset="0"/>
+                <a:cs typeface="Segoe UI" panose="020B0502040204020203" pitchFamily="34" charset="0"/>
+              </a:rPr>
+              <a:t>principalmente</a:t>
+            </a:r>
+            <a:r>
+              <a:rPr lang="en-US" sz="2400" dirty="0">
+                <a:latin typeface="Segoe UI" panose="020B0502040204020203" pitchFamily="34" charset="0"/>
+                <a:cs typeface="Segoe UI" panose="020B0502040204020203" pitchFamily="34" charset="0"/>
+              </a:rPr>
+              <a:t> </a:t>
+            </a:r>
+            <a:r>
+              <a:rPr lang="en-US" sz="2400" dirty="0" err="1">
+                <a:latin typeface="Segoe UI" panose="020B0502040204020203" pitchFamily="34" charset="0"/>
+                <a:cs typeface="Segoe UI" panose="020B0502040204020203" pitchFamily="34" charset="0"/>
+              </a:rPr>
+              <a:t>em</a:t>
+            </a:r>
+            <a:r>
+              <a:rPr lang="en-US" sz="2400" dirty="0">
+                <a:latin typeface="Segoe UI" panose="020B0502040204020203" pitchFamily="34" charset="0"/>
+                <a:cs typeface="Segoe UI" panose="020B0502040204020203" pitchFamily="34" charset="0"/>
+              </a:rPr>
+              <a:t> </a:t>
+            </a:r>
+            <a:r>
+              <a:rPr lang="en-US" sz="2400" dirty="0" err="1">
+                <a:latin typeface="Segoe UI" panose="020B0502040204020203" pitchFamily="34" charset="0"/>
+                <a:cs typeface="Segoe UI" panose="020B0502040204020203" pitchFamily="34" charset="0"/>
+              </a:rPr>
+              <a:t>projetos</a:t>
+            </a:r>
+            <a:r>
+              <a:rPr lang="en-US" sz="2400" dirty="0">
+                <a:latin typeface="Segoe UI" panose="020B0502040204020203" pitchFamily="34" charset="0"/>
+                <a:cs typeface="Segoe UI" panose="020B0502040204020203" pitchFamily="34" charset="0"/>
+              </a:rPr>
+              <a:t> </a:t>
+            </a:r>
+            <a:r>
+              <a:rPr lang="en-US" sz="2400" dirty="0" err="1">
+                <a:latin typeface="Segoe UI" panose="020B0502040204020203" pitchFamily="34" charset="0"/>
+                <a:cs typeface="Segoe UI" panose="020B0502040204020203" pitchFamily="34" charset="0"/>
+              </a:rPr>
+              <a:t>grandes</a:t>
+            </a:r>
+            <a:r>
+              <a:rPr lang="en-US" sz="2400" dirty="0">
+                <a:latin typeface="Segoe UI" panose="020B0502040204020203" pitchFamily="34" charset="0"/>
+                <a:cs typeface="Segoe UI" panose="020B0502040204020203" pitchFamily="34" charset="0"/>
+              </a:rPr>
+              <a:t>;</a:t>
+            </a:r>
+          </a:p>
+          <a:p>
+            <a:pPr>
+              <a:buFont typeface="Wingdings" panose="05000000000000000000" pitchFamily="2" charset="2"/>
+              <a:buChar char="§"/>
+            </a:pPr>
+            <a:endParaRPr lang="en-US" sz="2400" dirty="0">
+              <a:latin typeface="Segoe UI" panose="020B0502040204020203" pitchFamily="34" charset="0"/>
+              <a:cs typeface="Segoe UI" panose="020B0502040204020203" pitchFamily="34" charset="0"/>
+            </a:endParaRPr>
+          </a:p>
+          <a:p>
+            <a:pPr>
+              <a:buFont typeface="Wingdings" panose="05000000000000000000" pitchFamily="2" charset="2"/>
+              <a:buChar char="§"/>
+            </a:pPr>
+            <a:r>
+              <a:rPr lang="en-US" sz="2400" dirty="0" err="1">
+                <a:latin typeface="Segoe UI" panose="020B0502040204020203" pitchFamily="34" charset="0"/>
+                <a:cs typeface="Segoe UI" panose="020B0502040204020203" pitchFamily="34" charset="0"/>
+              </a:rPr>
+              <a:t>Exemplos</a:t>
+            </a:r>
+            <a:r>
+              <a:rPr lang="en-US" sz="2400" dirty="0">
+                <a:latin typeface="Segoe UI" panose="020B0502040204020203" pitchFamily="34" charset="0"/>
+                <a:cs typeface="Segoe UI" panose="020B0502040204020203" pitchFamily="34" charset="0"/>
+              </a:rPr>
+              <a:t> de </a:t>
+            </a:r>
+            <a:r>
+              <a:rPr lang="en-US" sz="2400" dirty="0" err="1">
+                <a:latin typeface="Segoe UI" panose="020B0502040204020203" pitchFamily="34" charset="0"/>
+                <a:cs typeface="Segoe UI" panose="020B0502040204020203" pitchFamily="34" charset="0"/>
+              </a:rPr>
+              <a:t>artefatos</a:t>
+            </a:r>
+            <a:r>
+              <a:rPr lang="en-US" sz="2400" dirty="0">
+                <a:latin typeface="Segoe UI" panose="020B0502040204020203" pitchFamily="34" charset="0"/>
+                <a:cs typeface="Segoe UI" panose="020B0502040204020203" pitchFamily="34" charset="0"/>
+              </a:rPr>
+              <a:t> que </a:t>
+            </a:r>
+            <a:r>
+              <a:rPr lang="en-US" sz="2400" dirty="0" err="1">
+                <a:latin typeface="Segoe UI" panose="020B0502040204020203" pitchFamily="34" charset="0"/>
+                <a:cs typeface="Segoe UI" panose="020B0502040204020203" pitchFamily="34" charset="0"/>
+              </a:rPr>
+              <a:t>devem</a:t>
+            </a:r>
+            <a:r>
+              <a:rPr lang="en-US" sz="2400" dirty="0">
+                <a:latin typeface="Segoe UI" panose="020B0502040204020203" pitchFamily="34" charset="0"/>
+                <a:cs typeface="Segoe UI" panose="020B0502040204020203" pitchFamily="34" charset="0"/>
+              </a:rPr>
+              <a:t> ser </a:t>
+            </a:r>
+            <a:r>
+              <a:rPr lang="en-US" sz="2400" dirty="0" err="1">
+                <a:latin typeface="Segoe UI" panose="020B0502040204020203" pitchFamily="34" charset="0"/>
+                <a:cs typeface="Segoe UI" panose="020B0502040204020203" pitchFamily="34" charset="0"/>
+              </a:rPr>
+              <a:t>protegidos</a:t>
+            </a:r>
+            <a:r>
+              <a:rPr lang="en-US" sz="2400" dirty="0">
+                <a:latin typeface="Segoe UI" panose="020B0502040204020203" pitchFamily="34" charset="0"/>
+                <a:cs typeface="Segoe UI" panose="020B0502040204020203" pitchFamily="34" charset="0"/>
+              </a:rPr>
+              <a:t> por namespaces </a:t>
+            </a:r>
+            <a:r>
+              <a:rPr lang="en-US" sz="2400" dirty="0" err="1">
+                <a:latin typeface="Segoe UI" panose="020B0502040204020203" pitchFamily="34" charset="0"/>
+                <a:cs typeface="Segoe UI" panose="020B0502040204020203" pitchFamily="34" charset="0"/>
+              </a:rPr>
+              <a:t>incluem</a:t>
+            </a:r>
+            <a:r>
+              <a:rPr lang="en-US" sz="2400" dirty="0">
+                <a:latin typeface="Segoe UI" panose="020B0502040204020203" pitchFamily="34" charset="0"/>
+                <a:cs typeface="Segoe UI" panose="020B0502040204020203" pitchFamily="34" charset="0"/>
+              </a:rPr>
+              <a:t> classes, </a:t>
+            </a:r>
+            <a:r>
+              <a:rPr lang="en-US" sz="2400" dirty="0" err="1">
+                <a:latin typeface="Segoe UI" panose="020B0502040204020203" pitchFamily="34" charset="0"/>
+                <a:cs typeface="Segoe UI" panose="020B0502040204020203" pitchFamily="34" charset="0"/>
+              </a:rPr>
+              <a:t>estruturas</a:t>
+            </a:r>
+            <a:r>
+              <a:rPr lang="en-US" sz="2400" dirty="0">
+                <a:latin typeface="Segoe UI" panose="020B0502040204020203" pitchFamily="34" charset="0"/>
+                <a:cs typeface="Segoe UI" panose="020B0502040204020203" pitchFamily="34" charset="0"/>
+              </a:rPr>
+              <a:t>, </a:t>
+            </a:r>
+            <a:r>
+              <a:rPr lang="en-US" sz="2400" dirty="0" err="1">
+                <a:latin typeface="Segoe UI" panose="020B0502040204020203" pitchFamily="34" charset="0"/>
+                <a:cs typeface="Segoe UI" panose="020B0502040204020203" pitchFamily="34" charset="0"/>
+              </a:rPr>
+              <a:t>enums</a:t>
+            </a:r>
+            <a:r>
+              <a:rPr lang="en-US" sz="2400" dirty="0">
+                <a:latin typeface="Segoe UI" panose="020B0502040204020203" pitchFamily="34" charset="0"/>
+                <a:cs typeface="Segoe UI" panose="020B0502040204020203" pitchFamily="34" charset="0"/>
+              </a:rPr>
+              <a:t>, </a:t>
+            </a:r>
+            <a:r>
+              <a:rPr lang="en-US" sz="2400" dirty="0" err="1">
+                <a:latin typeface="Segoe UI" panose="020B0502040204020203" pitchFamily="34" charset="0"/>
+                <a:cs typeface="Segoe UI" panose="020B0502040204020203" pitchFamily="34" charset="0"/>
+              </a:rPr>
+              <a:t>funções</a:t>
+            </a:r>
+            <a:r>
+              <a:rPr lang="en-US" sz="2400" dirty="0">
+                <a:latin typeface="Segoe UI" panose="020B0502040204020203" pitchFamily="34" charset="0"/>
+                <a:cs typeface="Segoe UI" panose="020B0502040204020203" pitchFamily="34" charset="0"/>
+              </a:rPr>
+              <a:t> ;</a:t>
+            </a:r>
+          </a:p>
+          <a:p>
+            <a:pPr>
+              <a:buFont typeface="Wingdings" panose="05000000000000000000" pitchFamily="2" charset="2"/>
+              <a:buChar char="§"/>
+            </a:pPr>
+            <a:endParaRPr lang="en-US" sz="2400" dirty="0">
+              <a:latin typeface="Segoe UI" panose="020B0502040204020203" pitchFamily="34" charset="0"/>
+              <a:cs typeface="Segoe UI" panose="020B0502040204020203" pitchFamily="34" charset="0"/>
+            </a:endParaRPr>
+          </a:p>
+          <a:p>
+            <a:pPr>
+              <a:buFont typeface="Wingdings" panose="05000000000000000000" pitchFamily="2" charset="2"/>
+              <a:buChar char="§"/>
+            </a:pPr>
+            <a:r>
+              <a:rPr lang="en-US" sz="2400" dirty="0">
+                <a:latin typeface="Segoe UI" panose="020B0502040204020203" pitchFamily="34" charset="0"/>
+                <a:cs typeface="Segoe UI" panose="020B0502040204020203" pitchFamily="34" charset="0"/>
+              </a:rPr>
+              <a:t>O namespace da </a:t>
+            </a:r>
+            <a:r>
+              <a:rPr lang="en-US" sz="2400" dirty="0" err="1">
+                <a:latin typeface="Segoe UI" panose="020B0502040204020203" pitchFamily="34" charset="0"/>
+                <a:cs typeface="Segoe UI" panose="020B0502040204020203" pitchFamily="34" charset="0"/>
+              </a:rPr>
+              <a:t>biblioteca</a:t>
+            </a:r>
+            <a:r>
+              <a:rPr lang="en-US" sz="2400" dirty="0">
+                <a:latin typeface="Segoe UI" panose="020B0502040204020203" pitchFamily="34" charset="0"/>
+                <a:cs typeface="Segoe UI" panose="020B0502040204020203" pitchFamily="34" charset="0"/>
+              </a:rPr>
+              <a:t> </a:t>
+            </a:r>
+            <a:r>
+              <a:rPr lang="en-US" sz="2400" dirty="0" err="1">
+                <a:latin typeface="Segoe UI" panose="020B0502040204020203" pitchFamily="34" charset="0"/>
+                <a:cs typeface="Segoe UI" panose="020B0502040204020203" pitchFamily="34" charset="0"/>
+              </a:rPr>
+              <a:t>padrão</a:t>
+            </a:r>
+            <a:r>
+              <a:rPr lang="en-US" sz="2400" dirty="0">
+                <a:latin typeface="Segoe UI" panose="020B0502040204020203" pitchFamily="34" charset="0"/>
+                <a:cs typeface="Segoe UI" panose="020B0502040204020203" pitchFamily="34" charset="0"/>
+              </a:rPr>
+              <a:t> é o ‘std’ de ‘standard’;</a:t>
+            </a:r>
+          </a:p>
+          <a:p>
+            <a:pPr>
+              <a:buFont typeface="Wingdings" panose="05000000000000000000" pitchFamily="2" charset="2"/>
+              <a:buChar char="§"/>
+            </a:pPr>
+            <a:endParaRPr lang="en-US" sz="2400" dirty="0">
+              <a:latin typeface="Segoe UI" panose="020B0502040204020203" pitchFamily="34" charset="0"/>
+              <a:cs typeface="Segoe UI" panose="020B0502040204020203" pitchFamily="34" charset="0"/>
+            </a:endParaRPr>
+          </a:p>
+          <a:p>
+            <a:pPr>
+              <a:buFont typeface="Wingdings" panose="05000000000000000000" pitchFamily="2" charset="2"/>
+              <a:buChar char="§"/>
+            </a:pPr>
+            <a:r>
+              <a:rPr lang="en-US" sz="2400" dirty="0">
+                <a:latin typeface="Segoe UI" panose="020B0502040204020203" pitchFamily="34" charset="0"/>
+                <a:cs typeface="Segoe UI" panose="020B0502040204020203" pitchFamily="34" charset="0"/>
+              </a:rPr>
+              <a:t>O usual é </a:t>
+            </a:r>
+            <a:r>
+              <a:rPr lang="en-US" sz="2400" dirty="0" err="1">
+                <a:latin typeface="Segoe UI" panose="020B0502040204020203" pitchFamily="34" charset="0"/>
+                <a:cs typeface="Segoe UI" panose="020B0502040204020203" pitchFamily="34" charset="0"/>
+              </a:rPr>
+              <a:t>cada</a:t>
+            </a:r>
+            <a:r>
+              <a:rPr lang="en-US" sz="2400" dirty="0">
+                <a:latin typeface="Segoe UI" panose="020B0502040204020203" pitchFamily="34" charset="0"/>
+                <a:cs typeface="Segoe UI" panose="020B0502040204020203" pitchFamily="34" charset="0"/>
+              </a:rPr>
+              <a:t> </a:t>
+            </a:r>
+            <a:r>
+              <a:rPr lang="en-US" sz="2400" dirty="0" err="1">
+                <a:latin typeface="Segoe UI" panose="020B0502040204020203" pitchFamily="34" charset="0"/>
+                <a:cs typeface="Segoe UI" panose="020B0502040204020203" pitchFamily="34" charset="0"/>
+              </a:rPr>
+              <a:t>projeto</a:t>
+            </a:r>
+            <a:r>
+              <a:rPr lang="en-US" sz="2400" dirty="0">
+                <a:latin typeface="Segoe UI" panose="020B0502040204020203" pitchFamily="34" charset="0"/>
+                <a:cs typeface="Segoe UI" panose="020B0502040204020203" pitchFamily="34" charset="0"/>
+              </a:rPr>
+              <a:t> </a:t>
+            </a:r>
+            <a:r>
+              <a:rPr lang="en-US" sz="2400" dirty="0" err="1">
+                <a:latin typeface="Segoe UI" panose="020B0502040204020203" pitchFamily="34" charset="0"/>
+                <a:cs typeface="Segoe UI" panose="020B0502040204020203" pitchFamily="34" charset="0"/>
+              </a:rPr>
+              <a:t>ter</a:t>
+            </a:r>
+            <a:r>
+              <a:rPr lang="en-US" sz="2400" dirty="0">
+                <a:latin typeface="Segoe UI" panose="020B0502040204020203" pitchFamily="34" charset="0"/>
+                <a:cs typeface="Segoe UI" panose="020B0502040204020203" pitchFamily="34" charset="0"/>
+              </a:rPr>
+              <a:t> </a:t>
+            </a:r>
+            <a:r>
+              <a:rPr lang="en-US" sz="2400" dirty="0" err="1">
+                <a:latin typeface="Segoe UI" panose="020B0502040204020203" pitchFamily="34" charset="0"/>
+                <a:cs typeface="Segoe UI" panose="020B0502040204020203" pitchFamily="34" charset="0"/>
+              </a:rPr>
+              <a:t>pelo</a:t>
+            </a:r>
+            <a:r>
+              <a:rPr lang="en-US" sz="2400" dirty="0">
+                <a:latin typeface="Segoe UI" panose="020B0502040204020203" pitchFamily="34" charset="0"/>
+                <a:cs typeface="Segoe UI" panose="020B0502040204020203" pitchFamily="34" charset="0"/>
+              </a:rPr>
+              <a:t> </a:t>
+            </a:r>
+            <a:r>
+              <a:rPr lang="en-US" sz="2400" dirty="0" err="1">
+                <a:latin typeface="Segoe UI" panose="020B0502040204020203" pitchFamily="34" charset="0"/>
+                <a:cs typeface="Segoe UI" panose="020B0502040204020203" pitchFamily="34" charset="0"/>
+              </a:rPr>
+              <a:t>menos</a:t>
+            </a:r>
+            <a:r>
+              <a:rPr lang="en-US" sz="2400" dirty="0">
+                <a:latin typeface="Segoe UI" panose="020B0502040204020203" pitchFamily="34" charset="0"/>
+                <a:cs typeface="Segoe UI" panose="020B0502040204020203" pitchFamily="34" charset="0"/>
+              </a:rPr>
+              <a:t> um namespace com o </a:t>
+            </a:r>
+            <a:r>
+              <a:rPr lang="en-US" sz="2400" dirty="0" err="1">
+                <a:latin typeface="Segoe UI" panose="020B0502040204020203" pitchFamily="34" charset="0"/>
+                <a:cs typeface="Segoe UI" panose="020B0502040204020203" pitchFamily="34" charset="0"/>
+              </a:rPr>
+              <a:t>nome</a:t>
+            </a:r>
+            <a:r>
+              <a:rPr lang="en-US" sz="2400" dirty="0">
+                <a:latin typeface="Segoe UI" panose="020B0502040204020203" pitchFamily="34" charset="0"/>
+                <a:cs typeface="Segoe UI" panose="020B0502040204020203" pitchFamily="34" charset="0"/>
+              </a:rPr>
+              <a:t> da </a:t>
+            </a:r>
+            <a:r>
+              <a:rPr lang="en-US" sz="2400" dirty="0" err="1">
+                <a:latin typeface="Segoe UI" panose="020B0502040204020203" pitchFamily="34" charset="0"/>
+                <a:cs typeface="Segoe UI" panose="020B0502040204020203" pitchFamily="34" charset="0"/>
+              </a:rPr>
+              <a:t>empresa</a:t>
+            </a:r>
+            <a:r>
+              <a:rPr lang="en-US" sz="2400" dirty="0">
+                <a:latin typeface="Segoe UI" panose="020B0502040204020203" pitchFamily="34" charset="0"/>
+                <a:cs typeface="Segoe UI" panose="020B0502040204020203" pitchFamily="34" charset="0"/>
+              </a:rPr>
+              <a:t>/</a:t>
+            </a:r>
+            <a:r>
+              <a:rPr lang="en-US" sz="2400" dirty="0" err="1">
+                <a:latin typeface="Segoe UI" panose="020B0502040204020203" pitchFamily="34" charset="0"/>
+                <a:cs typeface="Segoe UI" panose="020B0502040204020203" pitchFamily="34" charset="0"/>
+              </a:rPr>
+              <a:t>pessoa</a:t>
+            </a:r>
+            <a:r>
+              <a:rPr lang="en-US" sz="2400" dirty="0">
+                <a:latin typeface="Segoe UI" panose="020B0502040204020203" pitchFamily="34" charset="0"/>
+                <a:cs typeface="Segoe UI" panose="020B0502040204020203" pitchFamily="34" charset="0"/>
+              </a:rPr>
+              <a:t>, e </a:t>
+            </a:r>
+            <a:r>
+              <a:rPr lang="en-US" sz="2400" dirty="0" err="1">
+                <a:latin typeface="Segoe UI" panose="020B0502040204020203" pitchFamily="34" charset="0"/>
+                <a:cs typeface="Segoe UI" panose="020B0502040204020203" pitchFamily="34" charset="0"/>
+              </a:rPr>
+              <a:t>demais</a:t>
+            </a:r>
+            <a:r>
+              <a:rPr lang="en-US" sz="2400" dirty="0">
+                <a:latin typeface="Segoe UI" panose="020B0502040204020203" pitchFamily="34" charset="0"/>
+                <a:cs typeface="Segoe UI" panose="020B0502040204020203" pitchFamily="34" charset="0"/>
+              </a:rPr>
+              <a:t> namespaces com </a:t>
+            </a:r>
+            <a:r>
+              <a:rPr lang="en-US" sz="2400" dirty="0" err="1">
+                <a:latin typeface="Segoe UI" panose="020B0502040204020203" pitchFamily="34" charset="0"/>
+                <a:cs typeface="Segoe UI" panose="020B0502040204020203" pitchFamily="34" charset="0"/>
+              </a:rPr>
+              <a:t>especializações</a:t>
+            </a:r>
+            <a:r>
+              <a:rPr lang="en-US" sz="2400" dirty="0">
+                <a:latin typeface="Segoe UI" panose="020B0502040204020203" pitchFamily="34" charset="0"/>
+                <a:cs typeface="Segoe UI" panose="020B0502040204020203" pitchFamily="34" charset="0"/>
+              </a:rPr>
+              <a:t> dentro </a:t>
+            </a:r>
+            <a:r>
+              <a:rPr lang="en-US" sz="2400" dirty="0" err="1">
+                <a:latin typeface="Segoe UI" panose="020B0502040204020203" pitchFamily="34" charset="0"/>
+                <a:cs typeface="Segoe UI" panose="020B0502040204020203" pitchFamily="34" charset="0"/>
+              </a:rPr>
+              <a:t>deste</a:t>
+            </a:r>
+            <a:r>
+              <a:rPr lang="en-US" sz="2400" dirty="0">
+                <a:latin typeface="Segoe UI" panose="020B0502040204020203" pitchFamily="34" charset="0"/>
+                <a:cs typeface="Segoe UI" panose="020B0502040204020203" pitchFamily="34" charset="0"/>
+              </a:rPr>
+              <a:t> </a:t>
+            </a:r>
+            <a:r>
+              <a:rPr lang="en-US" sz="2400" dirty="0" err="1">
+                <a:latin typeface="Segoe UI" panose="020B0502040204020203" pitchFamily="34" charset="0"/>
+                <a:cs typeface="Segoe UI" panose="020B0502040204020203" pitchFamily="34" charset="0"/>
+              </a:rPr>
+              <a:t>mesmo</a:t>
+            </a:r>
+            <a:r>
+              <a:rPr lang="en-US" sz="2400" dirty="0">
+                <a:latin typeface="Segoe UI" panose="020B0502040204020203" pitchFamily="34" charset="0"/>
+                <a:cs typeface="Segoe UI" panose="020B0502040204020203" pitchFamily="34" charset="0"/>
+              </a:rPr>
+              <a:t> namespace;</a:t>
+            </a:r>
+          </a:p>
+          <a:p>
+            <a:pPr marL="0" indent="0">
+              <a:buNone/>
+            </a:pPr>
+            <a:endParaRPr lang="en-US" sz="2400" dirty="0">
+              <a:latin typeface="Segoe UI" panose="020B0502040204020203" pitchFamily="34" charset="0"/>
+              <a:cs typeface="Segoe UI" panose="020B0502040204020203" pitchFamily="34" charset="0"/>
+            </a:endParaRPr>
+          </a:p>
+          <a:p>
+            <a:pPr marL="0" indent="0">
+              <a:buNone/>
+            </a:pPr>
+            <a:endParaRPr lang="pt-BR" sz="2400" dirty="0">
+              <a:latin typeface="Segoe UI" panose="020B0502040204020203" pitchFamily="34" charset="0"/>
+              <a:cs typeface="Segoe UI" panose="020B0502040204020203" pitchFamily="34" charset="0"/>
+            </a:endParaRPr>
           </a:p>
         </p:txBody>
       </p:sp>
@@ -34015,7 +34708,7 @@
                 <a:latin typeface="Segoe UI" panose="020B0502040204020203" pitchFamily="34" charset="0"/>
                 <a:cs typeface="Segoe UI" panose="020B0502040204020203" pitchFamily="34" charset="0"/>
               </a:rPr>
-              <a:t>Classes</a:t>
+              <a:t>Namespaces</a:t>
             </a:r>
           </a:p>
         </p:txBody>
@@ -34096,10 +34789,70 @@
           </a:p>
         </p:txBody>
       </p:sp>
+      <p:pic>
+        <p:nvPicPr>
+          <p:cNvPr id="7" name="Picture 6">
+            <a:extLst>
+              <a:ext uri="{FF2B5EF4-FFF2-40B4-BE49-F238E27FC236}">
+                <a16:creationId xmlns:a16="http://schemas.microsoft.com/office/drawing/2014/main" id="{6E884D8B-7DEF-4122-9DC9-4F26611DACEF}"/>
+              </a:ext>
+            </a:extLst>
+          </p:cNvPr>
+          <p:cNvPicPr>
+            <a:picLocks noChangeAspect="1"/>
+          </p:cNvPicPr>
+          <p:nvPr/>
+        </p:nvPicPr>
+        <p:blipFill>
+          <a:blip r:embed="rId3"/>
+          <a:stretch>
+            <a:fillRect/>
+          </a:stretch>
+        </p:blipFill>
+        <p:spPr>
+          <a:xfrm>
+            <a:off x="976094" y="1651794"/>
+            <a:ext cx="4686300" cy="4743450"/>
+          </a:xfrm>
+          <a:prstGeom prst="rect">
+            <a:avLst/>
+          </a:prstGeom>
+        </p:spPr>
+      </p:pic>
+      <p:pic>
+        <p:nvPicPr>
+          <p:cNvPr id="8" name="Picture 7">
+            <a:extLst>
+              <a:ext uri="{FF2B5EF4-FFF2-40B4-BE49-F238E27FC236}">
+                <a16:creationId xmlns:a16="http://schemas.microsoft.com/office/drawing/2014/main" id="{F43D419C-54CD-437D-BA6C-0F947968595F}"/>
+              </a:ext>
+            </a:extLst>
+          </p:cNvPr>
+          <p:cNvPicPr>
+            <a:picLocks noChangeAspect="1"/>
+          </p:cNvPicPr>
+          <p:nvPr/>
+        </p:nvPicPr>
+        <p:blipFill>
+          <a:blip r:embed="rId4"/>
+          <a:stretch>
+            <a:fillRect/>
+          </a:stretch>
+        </p:blipFill>
+        <p:spPr>
+          <a:xfrm>
+            <a:off x="6160158" y="3252390"/>
+            <a:ext cx="4791075" cy="790575"/>
+          </a:xfrm>
+          <a:prstGeom prst="rect">
+            <a:avLst/>
+          </a:prstGeom>
+        </p:spPr>
+      </p:pic>
     </p:spTree>
     <p:extLst>
       <p:ext uri="{BB962C8B-B14F-4D97-AF65-F5344CB8AC3E}">
-        <p14:creationId xmlns:p14="http://schemas.microsoft.com/office/powerpoint/2010/main" val="207020190"/>
+        <p14:creationId xmlns:p14="http://schemas.microsoft.com/office/powerpoint/2010/main" val="2000344713"/>
       </p:ext>
     </p:extLst>
   </p:cSld>
@@ -34155,7 +34908,7 @@
                 <a:latin typeface="Segoe UI" panose="020B0502040204020203" pitchFamily="34" charset="0"/>
                 <a:cs typeface="Segoe UI" panose="020B0502040204020203" pitchFamily="34" charset="0"/>
               </a:rPr>
-              <a:t>Function Templates</a:t>
+              <a:t>Namespaces</a:t>
             </a:r>
           </a:p>
         </p:txBody>
@@ -34236,10 +34989,70 @@
           </a:p>
         </p:txBody>
       </p:sp>
+      <p:pic>
+        <p:nvPicPr>
+          <p:cNvPr id="8" name="Picture 7">
+            <a:extLst>
+              <a:ext uri="{FF2B5EF4-FFF2-40B4-BE49-F238E27FC236}">
+                <a16:creationId xmlns:a16="http://schemas.microsoft.com/office/drawing/2014/main" id="{F43D419C-54CD-437D-BA6C-0F947968595F}"/>
+              </a:ext>
+            </a:extLst>
+          </p:cNvPr>
+          <p:cNvPicPr>
+            <a:picLocks noChangeAspect="1"/>
+          </p:cNvPicPr>
+          <p:nvPr/>
+        </p:nvPicPr>
+        <p:blipFill>
+          <a:blip r:embed="rId3"/>
+          <a:stretch>
+            <a:fillRect/>
+          </a:stretch>
+        </p:blipFill>
+        <p:spPr>
+          <a:xfrm>
+            <a:off x="6160158" y="3252390"/>
+            <a:ext cx="4791075" cy="790575"/>
+          </a:xfrm>
+          <a:prstGeom prst="rect">
+            <a:avLst/>
+          </a:prstGeom>
+        </p:spPr>
+      </p:pic>
+      <p:pic>
+        <p:nvPicPr>
+          <p:cNvPr id="3" name="Picture 2">
+            <a:extLst>
+              <a:ext uri="{FF2B5EF4-FFF2-40B4-BE49-F238E27FC236}">
+                <a16:creationId xmlns:a16="http://schemas.microsoft.com/office/drawing/2014/main" id="{EA233FA4-6287-4BA1-A277-B9E3DFA12E71}"/>
+              </a:ext>
+            </a:extLst>
+          </p:cNvPr>
+          <p:cNvPicPr>
+            <a:picLocks noChangeAspect="1"/>
+          </p:cNvPicPr>
+          <p:nvPr/>
+        </p:nvPicPr>
+        <p:blipFill>
+          <a:blip r:embed="rId4"/>
+          <a:stretch>
+            <a:fillRect/>
+          </a:stretch>
+        </p:blipFill>
+        <p:spPr>
+          <a:xfrm>
+            <a:off x="838200" y="1499790"/>
+            <a:ext cx="4495800" cy="5086350"/>
+          </a:xfrm>
+          <a:prstGeom prst="rect">
+            <a:avLst/>
+          </a:prstGeom>
+        </p:spPr>
+      </p:pic>
     </p:spTree>
     <p:extLst>
       <p:ext uri="{BB962C8B-B14F-4D97-AF65-F5344CB8AC3E}">
-        <p14:creationId xmlns:p14="http://schemas.microsoft.com/office/powerpoint/2010/main" val="2297078418"/>
+        <p14:creationId xmlns:p14="http://schemas.microsoft.com/office/powerpoint/2010/main" val="2100980839"/>
       </p:ext>
     </p:extLst>
   </p:cSld>
@@ -34295,7 +35108,7 @@
                 <a:latin typeface="Segoe UI" panose="020B0502040204020203" pitchFamily="34" charset="0"/>
                 <a:cs typeface="Segoe UI" panose="020B0502040204020203" pitchFamily="34" charset="0"/>
               </a:rPr>
-              <a:t>Classes Templates</a:t>
+              <a:t>Namespaces</a:t>
             </a:r>
           </a:p>
         </p:txBody>
@@ -34376,10 +35189,70 @@
           </a:p>
         </p:txBody>
       </p:sp>
+      <p:pic>
+        <p:nvPicPr>
+          <p:cNvPr id="8" name="Picture 7">
+            <a:extLst>
+              <a:ext uri="{FF2B5EF4-FFF2-40B4-BE49-F238E27FC236}">
+                <a16:creationId xmlns:a16="http://schemas.microsoft.com/office/drawing/2014/main" id="{F43D419C-54CD-437D-BA6C-0F947968595F}"/>
+              </a:ext>
+            </a:extLst>
+          </p:cNvPr>
+          <p:cNvPicPr>
+            <a:picLocks noChangeAspect="1"/>
+          </p:cNvPicPr>
+          <p:nvPr/>
+        </p:nvPicPr>
+        <p:blipFill>
+          <a:blip r:embed="rId3"/>
+          <a:stretch>
+            <a:fillRect/>
+          </a:stretch>
+        </p:blipFill>
+        <p:spPr>
+          <a:xfrm>
+            <a:off x="6160158" y="3252390"/>
+            <a:ext cx="4791075" cy="790575"/>
+          </a:xfrm>
+          <a:prstGeom prst="rect">
+            <a:avLst/>
+          </a:prstGeom>
+        </p:spPr>
+      </p:pic>
+      <p:pic>
+        <p:nvPicPr>
+          <p:cNvPr id="5" name="Picture 4">
+            <a:extLst>
+              <a:ext uri="{FF2B5EF4-FFF2-40B4-BE49-F238E27FC236}">
+                <a16:creationId xmlns:a16="http://schemas.microsoft.com/office/drawing/2014/main" id="{DC6CB9D8-0303-4170-8061-46BDDA9B00E0}"/>
+              </a:ext>
+            </a:extLst>
+          </p:cNvPr>
+          <p:cNvPicPr>
+            <a:picLocks noChangeAspect="1"/>
+          </p:cNvPicPr>
+          <p:nvPr/>
+        </p:nvPicPr>
+        <p:blipFill>
+          <a:blip r:embed="rId4"/>
+          <a:stretch>
+            <a:fillRect/>
+          </a:stretch>
+        </p:blipFill>
+        <p:spPr>
+          <a:xfrm>
+            <a:off x="776016" y="1633537"/>
+            <a:ext cx="4981575" cy="4905375"/>
+          </a:xfrm>
+          <a:prstGeom prst="rect">
+            <a:avLst/>
+          </a:prstGeom>
+        </p:spPr>
+      </p:pic>
     </p:spTree>
     <p:extLst>
       <p:ext uri="{BB962C8B-B14F-4D97-AF65-F5344CB8AC3E}">
-        <p14:creationId xmlns:p14="http://schemas.microsoft.com/office/powerpoint/2010/main" val="1007957260"/>
+        <p14:creationId xmlns:p14="http://schemas.microsoft.com/office/powerpoint/2010/main" val="3542038813"/>
       </p:ext>
     </p:extLst>
   </p:cSld>
@@ -34435,7 +35308,7 @@
                 <a:latin typeface="Segoe UI" panose="020B0502040204020203" pitchFamily="34" charset="0"/>
                 <a:cs typeface="Segoe UI" panose="020B0502040204020203" pitchFamily="34" charset="0"/>
               </a:rPr>
-              <a:t>Lambdas</a:t>
+              <a:t>Namespaces</a:t>
             </a:r>
           </a:p>
         </p:txBody>
@@ -34516,10 +35389,40 @@
           </a:p>
         </p:txBody>
       </p:sp>
+      <p:pic>
+        <p:nvPicPr>
+          <p:cNvPr id="3" name="Picture 2">
+            <a:extLst>
+              <a:ext uri="{FF2B5EF4-FFF2-40B4-BE49-F238E27FC236}">
+                <a16:creationId xmlns:a16="http://schemas.microsoft.com/office/drawing/2014/main" id="{D2613807-6506-4ED2-A062-9A504E4ACD14}"/>
+              </a:ext>
+            </a:extLst>
+          </p:cNvPr>
+          <p:cNvPicPr>
+            <a:picLocks noChangeAspect="1"/>
+          </p:cNvPicPr>
+          <p:nvPr/>
+        </p:nvPicPr>
+        <p:blipFill>
+          <a:blip r:embed="rId3"/>
+          <a:stretch>
+            <a:fillRect/>
+          </a:stretch>
+        </p:blipFill>
+        <p:spPr>
+          <a:xfrm>
+            <a:off x="5114576" y="437975"/>
+            <a:ext cx="4781550" cy="6210300"/>
+          </a:xfrm>
+          <a:prstGeom prst="rect">
+            <a:avLst/>
+          </a:prstGeom>
+        </p:spPr>
+      </p:pic>
     </p:spTree>
     <p:extLst>
       <p:ext uri="{BB962C8B-B14F-4D97-AF65-F5344CB8AC3E}">
-        <p14:creationId xmlns:p14="http://schemas.microsoft.com/office/powerpoint/2010/main" val="2503949774"/>
+        <p14:creationId xmlns:p14="http://schemas.microsoft.com/office/powerpoint/2010/main" val="1698779017"/>
       </p:ext>
     </p:extLst>
   </p:cSld>
@@ -34575,7 +35478,7 @@
                 <a:latin typeface="Segoe UI" panose="020B0502040204020203" pitchFamily="34" charset="0"/>
                 <a:cs typeface="Segoe UI" panose="020B0502040204020203" pitchFamily="34" charset="0"/>
               </a:rPr>
-              <a:t>Standard Template Library</a:t>
+              <a:t>Namespaces</a:t>
             </a:r>
           </a:p>
         </p:txBody>
@@ -34656,10 +35559,40 @@
           </a:p>
         </p:txBody>
       </p:sp>
+      <p:pic>
+        <p:nvPicPr>
+          <p:cNvPr id="6" name="Picture 5">
+            <a:extLst>
+              <a:ext uri="{FF2B5EF4-FFF2-40B4-BE49-F238E27FC236}">
+                <a16:creationId xmlns:a16="http://schemas.microsoft.com/office/drawing/2014/main" id="{7001B713-F50C-47A9-8663-234F208B6032}"/>
+              </a:ext>
+            </a:extLst>
+          </p:cNvPr>
+          <p:cNvPicPr>
+            <a:picLocks noChangeAspect="1"/>
+          </p:cNvPicPr>
+          <p:nvPr/>
+        </p:nvPicPr>
+        <p:blipFill>
+          <a:blip r:embed="rId3"/>
+          <a:stretch>
+            <a:fillRect/>
+          </a:stretch>
+        </p:blipFill>
+        <p:spPr>
+          <a:xfrm>
+            <a:off x="5446553" y="396875"/>
+            <a:ext cx="4419600" cy="6324600"/>
+          </a:xfrm>
+          <a:prstGeom prst="rect">
+            <a:avLst/>
+          </a:prstGeom>
+        </p:spPr>
+      </p:pic>
     </p:spTree>
     <p:extLst>
       <p:ext uri="{BB962C8B-B14F-4D97-AF65-F5344CB8AC3E}">
-        <p14:creationId xmlns:p14="http://schemas.microsoft.com/office/powerpoint/2010/main" val="3506633628"/>
+        <p14:creationId xmlns:p14="http://schemas.microsoft.com/office/powerpoint/2010/main" val="3288657521"/>
       </p:ext>
     </p:extLst>
   </p:cSld>
@@ -34715,7 +35648,7 @@
                 <a:latin typeface="Segoe UI" panose="020B0502040204020203" pitchFamily="34" charset="0"/>
                 <a:cs typeface="Segoe UI" panose="020B0502040204020203" pitchFamily="34" charset="0"/>
               </a:rPr>
-              <a:t>Containers</a:t>
+              <a:t>Ponteiros vs Referencias</a:t>
             </a:r>
           </a:p>
         </p:txBody>
@@ -34796,10 +35729,2120 @@
           </a:p>
         </p:txBody>
       </p:sp>
+      <p:sp>
+        <p:nvSpPr>
+          <p:cNvPr id="5" name="Content Placeholder 2">
+            <a:extLst>
+              <a:ext uri="{FF2B5EF4-FFF2-40B4-BE49-F238E27FC236}">
+                <a16:creationId xmlns:a16="http://schemas.microsoft.com/office/drawing/2014/main" id="{B69E5B65-8E23-4F53-82D1-DC727300089C}"/>
+              </a:ext>
+            </a:extLst>
+          </p:cNvPr>
+          <p:cNvSpPr>
+            <a:spLocks noGrp="1"/>
+          </p:cNvSpPr>
+          <p:nvPr>
+            <p:ph idx="1"/>
+          </p:nvPr>
+        </p:nvSpPr>
+        <p:spPr>
+          <a:xfrm>
+            <a:off x="343950" y="1392572"/>
+            <a:ext cx="5352176" cy="5465428"/>
+          </a:xfrm>
+        </p:spPr>
+        <p:txBody>
+          <a:bodyPr>
+            <a:normAutofit fontScale="62500" lnSpcReduction="20000"/>
+          </a:bodyPr>
+          <a:lstStyle/>
+          <a:p>
+            <a:pPr>
+              <a:buFont typeface="Wingdings" panose="05000000000000000000" pitchFamily="2" charset="2"/>
+              <a:buChar char="§"/>
+            </a:pPr>
+            <a:r>
+              <a:rPr lang="en-US" sz="2400" dirty="0" err="1">
+                <a:latin typeface="Segoe UI" panose="020B0502040204020203" pitchFamily="34" charset="0"/>
+                <a:cs typeface="Segoe UI" panose="020B0502040204020203" pitchFamily="34" charset="0"/>
+              </a:rPr>
+              <a:t>Ponteiros</a:t>
+            </a:r>
+            <a:endParaRPr lang="en-US" sz="2400" dirty="0">
+              <a:latin typeface="Segoe UI" panose="020B0502040204020203" pitchFamily="34" charset="0"/>
+              <a:cs typeface="Segoe UI" panose="020B0502040204020203" pitchFamily="34" charset="0"/>
+            </a:endParaRPr>
+          </a:p>
+          <a:p>
+            <a:pPr>
+              <a:buFont typeface="Wingdings" panose="05000000000000000000" pitchFamily="2" charset="2"/>
+              <a:buChar char="§"/>
+            </a:pPr>
+            <a:endParaRPr lang="en-US" sz="2400" dirty="0">
+              <a:latin typeface="Segoe UI" panose="020B0502040204020203" pitchFamily="34" charset="0"/>
+              <a:cs typeface="Segoe UI" panose="020B0502040204020203" pitchFamily="34" charset="0"/>
+            </a:endParaRPr>
+          </a:p>
+          <a:p>
+            <a:pPr lvl="1">
+              <a:buFont typeface="Wingdings" panose="05000000000000000000" pitchFamily="2" charset="2"/>
+              <a:buChar char="§"/>
+            </a:pPr>
+            <a:r>
+              <a:rPr lang="en-US" sz="2000" dirty="0" err="1">
+                <a:latin typeface="Segoe UI" panose="020B0502040204020203" pitchFamily="34" charset="0"/>
+                <a:cs typeface="Segoe UI" panose="020B0502040204020203" pitchFamily="34" charset="0"/>
+              </a:rPr>
+              <a:t>Sintaxe</a:t>
+            </a:r>
+            <a:r>
+              <a:rPr lang="en-US" sz="2000" dirty="0">
+                <a:latin typeface="Segoe UI" panose="020B0502040204020203" pitchFamily="34" charset="0"/>
+                <a:cs typeface="Segoe UI" panose="020B0502040204020203" pitchFamily="34" charset="0"/>
+              </a:rPr>
+              <a:t>: T *p;</a:t>
+            </a:r>
+          </a:p>
+          <a:p>
+            <a:pPr lvl="1">
+              <a:buFont typeface="Wingdings" panose="05000000000000000000" pitchFamily="2" charset="2"/>
+              <a:buChar char="§"/>
+            </a:pPr>
+            <a:endParaRPr lang="en-US" sz="2000" dirty="0">
+              <a:latin typeface="Segoe UI" panose="020B0502040204020203" pitchFamily="34" charset="0"/>
+              <a:cs typeface="Segoe UI" panose="020B0502040204020203" pitchFamily="34" charset="0"/>
+            </a:endParaRPr>
+          </a:p>
+          <a:p>
+            <a:pPr lvl="1">
+              <a:buFont typeface="Wingdings" panose="05000000000000000000" pitchFamily="2" charset="2"/>
+              <a:buChar char="§"/>
+            </a:pPr>
+            <a:r>
+              <a:rPr lang="en-US" sz="2000" dirty="0" err="1">
+                <a:latin typeface="Segoe UI" panose="020B0502040204020203" pitchFamily="34" charset="0"/>
+                <a:cs typeface="Segoe UI" panose="020B0502040204020203" pitchFamily="34" charset="0"/>
+              </a:rPr>
+              <a:t>Usa</a:t>
+            </a:r>
+            <a:r>
+              <a:rPr lang="en-US" sz="2000" dirty="0">
+                <a:latin typeface="Segoe UI" panose="020B0502040204020203" pitchFamily="34" charset="0"/>
+                <a:cs typeface="Segoe UI" panose="020B0502040204020203" pitchFamily="34" charset="0"/>
+              </a:rPr>
+              <a:t> o </a:t>
+            </a:r>
+            <a:r>
+              <a:rPr lang="en-US" sz="2000" dirty="0" err="1">
+                <a:latin typeface="Segoe UI" panose="020B0502040204020203" pitchFamily="34" charset="0"/>
+                <a:cs typeface="Segoe UI" panose="020B0502040204020203" pitchFamily="34" charset="0"/>
+              </a:rPr>
+              <a:t>operador</a:t>
+            </a:r>
+            <a:r>
+              <a:rPr lang="en-US" sz="2000" dirty="0">
+                <a:latin typeface="Segoe UI" panose="020B0502040204020203" pitchFamily="34" charset="0"/>
+                <a:cs typeface="Segoe UI" panose="020B0502040204020203" pitchFamily="34" charset="0"/>
+              </a:rPr>
+              <a:t> ‘-&gt;’ para </a:t>
+            </a:r>
+            <a:r>
+              <a:rPr lang="en-US" sz="2000" dirty="0" err="1">
+                <a:latin typeface="Segoe UI" panose="020B0502040204020203" pitchFamily="34" charset="0"/>
+                <a:cs typeface="Segoe UI" panose="020B0502040204020203" pitchFamily="34" charset="0"/>
+              </a:rPr>
+              <a:t>acessar</a:t>
+            </a:r>
+            <a:r>
+              <a:rPr lang="en-US" sz="2000" dirty="0">
+                <a:latin typeface="Segoe UI" panose="020B0502040204020203" pitchFamily="34" charset="0"/>
+                <a:cs typeface="Segoe UI" panose="020B0502040204020203" pitchFamily="34" charset="0"/>
+              </a:rPr>
+              <a:t> </a:t>
+            </a:r>
+            <a:r>
+              <a:rPr lang="en-US" sz="2000" dirty="0" err="1">
+                <a:latin typeface="Segoe UI" panose="020B0502040204020203" pitchFamily="34" charset="0"/>
+                <a:cs typeface="Segoe UI" panose="020B0502040204020203" pitchFamily="34" charset="0"/>
+              </a:rPr>
+              <a:t>membros</a:t>
+            </a:r>
+            <a:r>
+              <a:rPr lang="en-US" sz="2000" dirty="0">
+                <a:latin typeface="Segoe UI" panose="020B0502040204020203" pitchFamily="34" charset="0"/>
+                <a:cs typeface="Segoe UI" panose="020B0502040204020203" pitchFamily="34" charset="0"/>
+              </a:rPr>
+              <a:t> e </a:t>
+            </a:r>
+            <a:r>
+              <a:rPr lang="en-US" sz="2000" dirty="0" err="1">
+                <a:latin typeface="Segoe UI" panose="020B0502040204020203" pitchFamily="34" charset="0"/>
+                <a:cs typeface="Segoe UI" panose="020B0502040204020203" pitchFamily="34" charset="0"/>
+              </a:rPr>
+              <a:t>funções</a:t>
+            </a:r>
+            <a:r>
+              <a:rPr lang="en-US" sz="2000" dirty="0">
+                <a:latin typeface="Segoe UI" panose="020B0502040204020203" pitchFamily="34" charset="0"/>
+                <a:cs typeface="Segoe UI" panose="020B0502040204020203" pitchFamily="34" charset="0"/>
+              </a:rPr>
+              <a:t>;</a:t>
+            </a:r>
+          </a:p>
+          <a:p>
+            <a:pPr lvl="1">
+              <a:buFont typeface="Wingdings" panose="05000000000000000000" pitchFamily="2" charset="2"/>
+              <a:buChar char="§"/>
+            </a:pPr>
+            <a:endParaRPr lang="en-US" sz="2000" dirty="0">
+              <a:latin typeface="Segoe UI" panose="020B0502040204020203" pitchFamily="34" charset="0"/>
+              <a:cs typeface="Segoe UI" panose="020B0502040204020203" pitchFamily="34" charset="0"/>
+            </a:endParaRPr>
+          </a:p>
+          <a:p>
+            <a:pPr lvl="1">
+              <a:buFont typeface="Wingdings" panose="05000000000000000000" pitchFamily="2" charset="2"/>
+              <a:buChar char="§"/>
+            </a:pPr>
+            <a:r>
+              <a:rPr lang="en-US" sz="2000" dirty="0" err="1">
+                <a:latin typeface="Segoe UI" panose="020B0502040204020203" pitchFamily="34" charset="0"/>
+                <a:cs typeface="Segoe UI" panose="020B0502040204020203" pitchFamily="34" charset="0"/>
+              </a:rPr>
+              <a:t>Usa</a:t>
+            </a:r>
+            <a:r>
+              <a:rPr lang="en-US" sz="2000" dirty="0">
+                <a:latin typeface="Segoe UI" panose="020B0502040204020203" pitchFamily="34" charset="0"/>
+                <a:cs typeface="Segoe UI" panose="020B0502040204020203" pitchFamily="34" charset="0"/>
+              </a:rPr>
+              <a:t> o </a:t>
+            </a:r>
+            <a:r>
+              <a:rPr lang="en-US" sz="2000" dirty="0" err="1">
+                <a:latin typeface="Segoe UI" panose="020B0502040204020203" pitchFamily="34" charset="0"/>
+                <a:cs typeface="Segoe UI" panose="020B0502040204020203" pitchFamily="34" charset="0"/>
+              </a:rPr>
+              <a:t>operador</a:t>
+            </a:r>
+            <a:r>
+              <a:rPr lang="en-US" sz="2000" dirty="0">
+                <a:latin typeface="Segoe UI" panose="020B0502040204020203" pitchFamily="34" charset="0"/>
+                <a:cs typeface="Segoe UI" panose="020B0502040204020203" pitchFamily="34" charset="0"/>
+              </a:rPr>
+              <a:t> ‘*’ para </a:t>
+            </a:r>
+            <a:r>
+              <a:rPr lang="en-US" sz="2000" dirty="0" err="1">
+                <a:latin typeface="Segoe UI" panose="020B0502040204020203" pitchFamily="34" charset="0"/>
+                <a:cs typeface="Segoe UI" panose="020B0502040204020203" pitchFamily="34" charset="0"/>
+              </a:rPr>
+              <a:t>obter</a:t>
+            </a:r>
+            <a:r>
+              <a:rPr lang="en-US" sz="2000" dirty="0">
+                <a:latin typeface="Segoe UI" panose="020B0502040204020203" pitchFamily="34" charset="0"/>
+                <a:cs typeface="Segoe UI" panose="020B0502040204020203" pitchFamily="34" charset="0"/>
+              </a:rPr>
+              <a:t> o valor </a:t>
+            </a:r>
+            <a:r>
+              <a:rPr lang="en-US" sz="2000" dirty="0" err="1">
+                <a:latin typeface="Segoe UI" panose="020B0502040204020203" pitchFamily="34" charset="0"/>
+                <a:cs typeface="Segoe UI" panose="020B0502040204020203" pitchFamily="34" charset="0"/>
+              </a:rPr>
+              <a:t>apontado</a:t>
+            </a:r>
+            <a:r>
+              <a:rPr lang="en-US" sz="2000" dirty="0">
+                <a:latin typeface="Segoe UI" panose="020B0502040204020203" pitchFamily="34" charset="0"/>
+                <a:cs typeface="Segoe UI" panose="020B0502040204020203" pitchFamily="34" charset="0"/>
+              </a:rPr>
+              <a:t> </a:t>
+            </a:r>
+            <a:r>
+              <a:rPr lang="en-US" sz="2000" dirty="0" err="1">
+                <a:latin typeface="Segoe UI" panose="020B0502040204020203" pitchFamily="34" charset="0"/>
+                <a:cs typeface="Segoe UI" panose="020B0502040204020203" pitchFamily="34" charset="0"/>
+              </a:rPr>
+              <a:t>pelo</a:t>
+            </a:r>
+            <a:r>
+              <a:rPr lang="en-US" sz="2000" dirty="0">
+                <a:latin typeface="Segoe UI" panose="020B0502040204020203" pitchFamily="34" charset="0"/>
+                <a:cs typeface="Segoe UI" panose="020B0502040204020203" pitchFamily="34" charset="0"/>
+              </a:rPr>
+              <a:t> </a:t>
+            </a:r>
+            <a:r>
+              <a:rPr lang="en-US" sz="2000" dirty="0" err="1">
+                <a:latin typeface="Segoe UI" panose="020B0502040204020203" pitchFamily="34" charset="0"/>
+                <a:cs typeface="Segoe UI" panose="020B0502040204020203" pitchFamily="34" charset="0"/>
+              </a:rPr>
+              <a:t>ponteiro</a:t>
+            </a:r>
+            <a:r>
+              <a:rPr lang="en-US" sz="2000" dirty="0">
+                <a:latin typeface="Segoe UI" panose="020B0502040204020203" pitchFamily="34" charset="0"/>
+                <a:cs typeface="Segoe UI" panose="020B0502040204020203" pitchFamily="34" charset="0"/>
+              </a:rPr>
+              <a:t>;</a:t>
+            </a:r>
+          </a:p>
+          <a:p>
+            <a:pPr lvl="1">
+              <a:buFont typeface="Wingdings" panose="05000000000000000000" pitchFamily="2" charset="2"/>
+              <a:buChar char="§"/>
+            </a:pPr>
+            <a:endParaRPr lang="en-US" sz="2000" dirty="0">
+              <a:latin typeface="Segoe UI" panose="020B0502040204020203" pitchFamily="34" charset="0"/>
+              <a:cs typeface="Segoe UI" panose="020B0502040204020203" pitchFamily="34" charset="0"/>
+            </a:endParaRPr>
+          </a:p>
+          <a:p>
+            <a:pPr lvl="1">
+              <a:buFont typeface="Wingdings" panose="05000000000000000000" pitchFamily="2" charset="2"/>
+              <a:buChar char="§"/>
+            </a:pPr>
+            <a:r>
+              <a:rPr lang="en-US" sz="2000" dirty="0" err="1">
+                <a:latin typeface="Segoe UI" panose="020B0502040204020203" pitchFamily="34" charset="0"/>
+                <a:cs typeface="Segoe UI" panose="020B0502040204020203" pitchFamily="34" charset="0"/>
+              </a:rPr>
+              <a:t>Não</a:t>
+            </a:r>
+            <a:r>
+              <a:rPr lang="en-US" sz="2000" dirty="0">
+                <a:latin typeface="Segoe UI" panose="020B0502040204020203" pitchFamily="34" charset="0"/>
+                <a:cs typeface="Segoe UI" panose="020B0502040204020203" pitchFamily="34" charset="0"/>
+              </a:rPr>
+              <a:t> </a:t>
+            </a:r>
+            <a:r>
+              <a:rPr lang="en-US" sz="2000" dirty="0" err="1">
+                <a:latin typeface="Segoe UI" panose="020B0502040204020203" pitchFamily="34" charset="0"/>
+                <a:cs typeface="Segoe UI" panose="020B0502040204020203" pitchFamily="34" charset="0"/>
+              </a:rPr>
+              <a:t>precisar</a:t>
+            </a:r>
+            <a:r>
+              <a:rPr lang="en-US" sz="2000" dirty="0">
+                <a:latin typeface="Segoe UI" panose="020B0502040204020203" pitchFamily="34" charset="0"/>
+                <a:cs typeface="Segoe UI" panose="020B0502040204020203" pitchFamily="34" charset="0"/>
+              </a:rPr>
+              <a:t> ser </a:t>
+            </a:r>
+            <a:r>
+              <a:rPr lang="en-US" sz="2000" dirty="0" err="1">
+                <a:latin typeface="Segoe UI" panose="020B0502040204020203" pitchFamily="34" charset="0"/>
+                <a:cs typeface="Segoe UI" panose="020B0502040204020203" pitchFamily="34" charset="0"/>
+              </a:rPr>
+              <a:t>inicializado</a:t>
+            </a:r>
+            <a:r>
+              <a:rPr lang="en-US" sz="2000" dirty="0">
+                <a:latin typeface="Segoe UI" panose="020B0502040204020203" pitchFamily="34" charset="0"/>
+                <a:cs typeface="Segoe UI" panose="020B0502040204020203" pitchFamily="34" charset="0"/>
+              </a:rPr>
+              <a:t> </a:t>
+            </a:r>
+            <a:r>
+              <a:rPr lang="en-US" sz="2000" dirty="0" err="1">
+                <a:latin typeface="Segoe UI" panose="020B0502040204020203" pitchFamily="34" charset="0"/>
+                <a:cs typeface="Segoe UI" panose="020B0502040204020203" pitchFamily="34" charset="0"/>
+              </a:rPr>
+              <a:t>na</a:t>
+            </a:r>
+            <a:r>
+              <a:rPr lang="en-US" sz="2000" dirty="0">
+                <a:latin typeface="Segoe UI" panose="020B0502040204020203" pitchFamily="34" charset="0"/>
+                <a:cs typeface="Segoe UI" panose="020B0502040204020203" pitchFamily="34" charset="0"/>
+              </a:rPr>
+              <a:t> </a:t>
+            </a:r>
+            <a:r>
+              <a:rPr lang="en-US" sz="2000" dirty="0" err="1">
+                <a:latin typeface="Segoe UI" panose="020B0502040204020203" pitchFamily="34" charset="0"/>
+                <a:cs typeface="Segoe UI" panose="020B0502040204020203" pitchFamily="34" charset="0"/>
+              </a:rPr>
+              <a:t>declaração</a:t>
+            </a:r>
+            <a:r>
+              <a:rPr lang="en-US" sz="2000" dirty="0">
+                <a:latin typeface="Segoe UI" panose="020B0502040204020203" pitchFamily="34" charset="0"/>
+                <a:cs typeface="Segoe UI" panose="020B0502040204020203" pitchFamily="34" charset="0"/>
+              </a:rPr>
+              <a:t>;</a:t>
+            </a:r>
+          </a:p>
+          <a:p>
+            <a:pPr lvl="1">
+              <a:buFont typeface="Wingdings" panose="05000000000000000000" pitchFamily="2" charset="2"/>
+              <a:buChar char="§"/>
+            </a:pPr>
+            <a:endParaRPr lang="en-US" sz="2000" dirty="0">
+              <a:latin typeface="Segoe UI" panose="020B0502040204020203" pitchFamily="34" charset="0"/>
+              <a:cs typeface="Segoe UI" panose="020B0502040204020203" pitchFamily="34" charset="0"/>
+            </a:endParaRPr>
+          </a:p>
+          <a:p>
+            <a:pPr lvl="1">
+              <a:buFont typeface="Wingdings" panose="05000000000000000000" pitchFamily="2" charset="2"/>
+              <a:buChar char="§"/>
+            </a:pPr>
+            <a:r>
+              <a:rPr lang="en-US" sz="2000" dirty="0" err="1">
+                <a:latin typeface="Segoe UI" panose="020B0502040204020203" pitchFamily="34" charset="0"/>
+                <a:cs typeface="Segoe UI" panose="020B0502040204020203" pitchFamily="34" charset="0"/>
+              </a:rPr>
+              <a:t>Pode</a:t>
+            </a:r>
+            <a:r>
+              <a:rPr lang="en-US" sz="2000" dirty="0">
+                <a:latin typeface="Segoe UI" panose="020B0502040204020203" pitchFamily="34" charset="0"/>
+                <a:cs typeface="Segoe UI" panose="020B0502040204020203" pitchFamily="34" charset="0"/>
+              </a:rPr>
+              <a:t> </a:t>
+            </a:r>
+            <a:r>
+              <a:rPr lang="en-US" sz="2000" dirty="0" err="1">
+                <a:latin typeface="Segoe UI" panose="020B0502040204020203" pitchFamily="34" charset="0"/>
+                <a:cs typeface="Segoe UI" panose="020B0502040204020203" pitchFamily="34" charset="0"/>
+              </a:rPr>
+              <a:t>apontar</a:t>
+            </a:r>
+            <a:r>
+              <a:rPr lang="en-US" sz="2000" dirty="0">
+                <a:latin typeface="Segoe UI" panose="020B0502040204020203" pitchFamily="34" charset="0"/>
+                <a:cs typeface="Segoe UI" panose="020B0502040204020203" pitchFamily="34" charset="0"/>
+              </a:rPr>
+              <a:t> para outro local a </a:t>
+            </a:r>
+            <a:r>
+              <a:rPr lang="en-US" sz="2000" dirty="0" err="1">
+                <a:latin typeface="Segoe UI" panose="020B0502040204020203" pitchFamily="34" charset="0"/>
+                <a:cs typeface="Segoe UI" panose="020B0502040204020203" pitchFamily="34" charset="0"/>
+              </a:rPr>
+              <a:t>qualquer</a:t>
+            </a:r>
+            <a:r>
+              <a:rPr lang="en-US" sz="2000" dirty="0">
+                <a:latin typeface="Segoe UI" panose="020B0502040204020203" pitchFamily="34" charset="0"/>
+                <a:cs typeface="Segoe UI" panose="020B0502040204020203" pitchFamily="34" charset="0"/>
+              </a:rPr>
+              <a:t> </a:t>
+            </a:r>
+            <a:r>
+              <a:rPr lang="en-US" sz="2000" dirty="0" err="1">
+                <a:latin typeface="Segoe UI" panose="020B0502040204020203" pitchFamily="34" charset="0"/>
+                <a:cs typeface="Segoe UI" panose="020B0502040204020203" pitchFamily="34" charset="0"/>
+              </a:rPr>
+              <a:t>momento</a:t>
+            </a:r>
+            <a:r>
+              <a:rPr lang="en-US" sz="2000" dirty="0">
+                <a:latin typeface="Segoe UI" panose="020B0502040204020203" pitchFamily="34" charset="0"/>
+                <a:cs typeface="Segoe UI" panose="020B0502040204020203" pitchFamily="34" charset="0"/>
+              </a:rPr>
+              <a:t>;</a:t>
+            </a:r>
+          </a:p>
+          <a:p>
+            <a:pPr lvl="1">
+              <a:buFont typeface="Wingdings" panose="05000000000000000000" pitchFamily="2" charset="2"/>
+              <a:buChar char="§"/>
+            </a:pPr>
+            <a:endParaRPr lang="en-US" sz="2000" dirty="0">
+              <a:latin typeface="Segoe UI" panose="020B0502040204020203" pitchFamily="34" charset="0"/>
+              <a:cs typeface="Segoe UI" panose="020B0502040204020203" pitchFamily="34" charset="0"/>
+            </a:endParaRPr>
+          </a:p>
+          <a:p>
+            <a:pPr lvl="1">
+              <a:buFont typeface="Wingdings" panose="05000000000000000000" pitchFamily="2" charset="2"/>
+              <a:buChar char="§"/>
+            </a:pPr>
+            <a:r>
+              <a:rPr lang="en-US" sz="2000" dirty="0" err="1">
+                <a:latin typeface="Segoe UI" panose="020B0502040204020203" pitchFamily="34" charset="0"/>
+                <a:cs typeface="Segoe UI" panose="020B0502040204020203" pitchFamily="34" charset="0"/>
+              </a:rPr>
+              <a:t>Possui</a:t>
+            </a:r>
+            <a:r>
+              <a:rPr lang="en-US" sz="2000" dirty="0">
+                <a:latin typeface="Segoe UI" panose="020B0502040204020203" pitchFamily="34" charset="0"/>
+                <a:cs typeface="Segoe UI" panose="020B0502040204020203" pitchFamily="34" charset="0"/>
+              </a:rPr>
+              <a:t> </a:t>
+            </a:r>
+            <a:r>
+              <a:rPr lang="en-US" sz="2000" dirty="0" err="1">
+                <a:latin typeface="Segoe UI" panose="020B0502040204020203" pitchFamily="34" charset="0"/>
+                <a:cs typeface="Segoe UI" panose="020B0502040204020203" pitchFamily="34" charset="0"/>
+              </a:rPr>
+              <a:t>seu</a:t>
+            </a:r>
+            <a:r>
+              <a:rPr lang="en-US" sz="2000" dirty="0">
+                <a:latin typeface="Segoe UI" panose="020B0502040204020203" pitchFamily="34" charset="0"/>
+                <a:cs typeface="Segoe UI" panose="020B0502040204020203" pitchFamily="34" charset="0"/>
+              </a:rPr>
+              <a:t> </a:t>
+            </a:r>
+            <a:r>
+              <a:rPr lang="en-US" sz="2000" dirty="0" err="1">
+                <a:latin typeface="Segoe UI" panose="020B0502040204020203" pitchFamily="34" charset="0"/>
+                <a:cs typeface="Segoe UI" panose="020B0502040204020203" pitchFamily="34" charset="0"/>
+              </a:rPr>
+              <a:t>próprio</a:t>
+            </a:r>
+            <a:r>
+              <a:rPr lang="en-US" sz="2000" dirty="0">
+                <a:latin typeface="Segoe UI" panose="020B0502040204020203" pitchFamily="34" charset="0"/>
+                <a:cs typeface="Segoe UI" panose="020B0502040204020203" pitchFamily="34" charset="0"/>
+              </a:rPr>
+              <a:t> </a:t>
+            </a:r>
+            <a:r>
+              <a:rPr lang="en-US" sz="2000" dirty="0" err="1">
+                <a:latin typeface="Segoe UI" panose="020B0502040204020203" pitchFamily="34" charset="0"/>
+                <a:cs typeface="Segoe UI" panose="020B0502040204020203" pitchFamily="34" charset="0"/>
+              </a:rPr>
+              <a:t>endereço</a:t>
+            </a:r>
+            <a:r>
+              <a:rPr lang="en-US" sz="2000" dirty="0">
+                <a:latin typeface="Segoe UI" panose="020B0502040204020203" pitchFamily="34" charset="0"/>
+                <a:cs typeface="Segoe UI" panose="020B0502040204020203" pitchFamily="34" charset="0"/>
+              </a:rPr>
+              <a:t> e </a:t>
+            </a:r>
+            <a:r>
+              <a:rPr lang="en-US" sz="2000" dirty="0" err="1">
+                <a:latin typeface="Segoe UI" panose="020B0502040204020203" pitchFamily="34" charset="0"/>
+                <a:cs typeface="Segoe UI" panose="020B0502040204020203" pitchFamily="34" charset="0"/>
+              </a:rPr>
+              <a:t>ocupa</a:t>
+            </a:r>
+            <a:r>
+              <a:rPr lang="en-US" sz="2000" dirty="0">
+                <a:latin typeface="Segoe UI" panose="020B0502040204020203" pitchFamily="34" charset="0"/>
+                <a:cs typeface="Segoe UI" panose="020B0502040204020203" pitchFamily="34" charset="0"/>
+              </a:rPr>
+              <a:t> </a:t>
+            </a:r>
+            <a:r>
+              <a:rPr lang="en-US" sz="2000" dirty="0" err="1">
+                <a:latin typeface="Segoe UI" panose="020B0502040204020203" pitchFamily="34" charset="0"/>
+                <a:cs typeface="Segoe UI" panose="020B0502040204020203" pitchFamily="34" charset="0"/>
+              </a:rPr>
+              <a:t>memória</a:t>
+            </a:r>
+            <a:r>
+              <a:rPr lang="en-US" sz="2000" dirty="0">
+                <a:latin typeface="Segoe UI" panose="020B0502040204020203" pitchFamily="34" charset="0"/>
+                <a:cs typeface="Segoe UI" panose="020B0502040204020203" pitchFamily="34" charset="0"/>
+              </a:rPr>
+              <a:t>;</a:t>
+            </a:r>
+          </a:p>
+          <a:p>
+            <a:pPr lvl="1">
+              <a:buFont typeface="Wingdings" panose="05000000000000000000" pitchFamily="2" charset="2"/>
+              <a:buChar char="§"/>
+            </a:pPr>
+            <a:endParaRPr lang="en-US" sz="2000" dirty="0">
+              <a:latin typeface="Segoe UI" panose="020B0502040204020203" pitchFamily="34" charset="0"/>
+              <a:cs typeface="Segoe UI" panose="020B0502040204020203" pitchFamily="34" charset="0"/>
+            </a:endParaRPr>
+          </a:p>
+          <a:p>
+            <a:pPr lvl="1">
+              <a:buFont typeface="Wingdings" panose="05000000000000000000" pitchFamily="2" charset="2"/>
+              <a:buChar char="§"/>
+            </a:pPr>
+            <a:r>
+              <a:rPr lang="en-US" sz="2000" dirty="0" err="1">
+                <a:latin typeface="Segoe UI" panose="020B0502040204020203" pitchFamily="34" charset="0"/>
+                <a:cs typeface="Segoe UI" panose="020B0502040204020203" pitchFamily="34" charset="0"/>
+              </a:rPr>
+              <a:t>Podem</a:t>
+            </a:r>
+            <a:r>
+              <a:rPr lang="en-US" sz="2000" dirty="0">
+                <a:latin typeface="Segoe UI" panose="020B0502040204020203" pitchFamily="34" charset="0"/>
+                <a:cs typeface="Segoe UI" panose="020B0502040204020203" pitchFamily="34" charset="0"/>
+              </a:rPr>
+              <a:t> </a:t>
+            </a:r>
+            <a:r>
+              <a:rPr lang="en-US" sz="2000" dirty="0" err="1">
+                <a:latin typeface="Segoe UI" panose="020B0502040204020203" pitchFamily="34" charset="0"/>
+                <a:cs typeface="Segoe UI" panose="020B0502040204020203" pitchFamily="34" charset="0"/>
+              </a:rPr>
+              <a:t>ter</a:t>
+            </a:r>
+            <a:r>
+              <a:rPr lang="en-US" sz="2000" dirty="0">
+                <a:latin typeface="Segoe UI" panose="020B0502040204020203" pitchFamily="34" charset="0"/>
+                <a:cs typeface="Segoe UI" panose="020B0502040204020203" pitchFamily="34" charset="0"/>
+              </a:rPr>
+              <a:t> </a:t>
+            </a:r>
+            <a:r>
+              <a:rPr lang="en-US" sz="2000" dirty="0" err="1">
+                <a:latin typeface="Segoe UI" panose="020B0502040204020203" pitchFamily="34" charset="0"/>
+                <a:cs typeface="Segoe UI" panose="020B0502040204020203" pitchFamily="34" charset="0"/>
+              </a:rPr>
+              <a:t>vários</a:t>
+            </a:r>
+            <a:r>
+              <a:rPr lang="en-US" sz="2000" dirty="0">
+                <a:latin typeface="Segoe UI" panose="020B0502040204020203" pitchFamily="34" charset="0"/>
+                <a:cs typeface="Segoe UI" panose="020B0502040204020203" pitchFamily="34" charset="0"/>
+              </a:rPr>
+              <a:t> </a:t>
+            </a:r>
+            <a:r>
+              <a:rPr lang="en-US" sz="2000" dirty="0" err="1">
+                <a:latin typeface="Segoe UI" panose="020B0502040204020203" pitchFamily="34" charset="0"/>
+                <a:cs typeface="Segoe UI" panose="020B0502040204020203" pitchFamily="34" charset="0"/>
+              </a:rPr>
+              <a:t>níveis</a:t>
+            </a:r>
+            <a:r>
+              <a:rPr lang="en-US" sz="2000" dirty="0">
+                <a:latin typeface="Segoe UI" panose="020B0502040204020203" pitchFamily="34" charset="0"/>
+                <a:cs typeface="Segoe UI" panose="020B0502040204020203" pitchFamily="34" charset="0"/>
+              </a:rPr>
+              <a:t> (</a:t>
+            </a:r>
+            <a:r>
+              <a:rPr lang="en-US" sz="2000" dirty="0" err="1">
+                <a:latin typeface="Segoe UI" panose="020B0502040204020203" pitchFamily="34" charset="0"/>
+                <a:cs typeface="Segoe UI" panose="020B0502040204020203" pitchFamily="34" charset="0"/>
+              </a:rPr>
+              <a:t>ponteiros</a:t>
+            </a:r>
+            <a:r>
+              <a:rPr lang="en-US" sz="2000" dirty="0">
+                <a:latin typeface="Segoe UI" panose="020B0502040204020203" pitchFamily="34" charset="0"/>
+                <a:cs typeface="Segoe UI" panose="020B0502040204020203" pitchFamily="34" charset="0"/>
+              </a:rPr>
+              <a:t> de </a:t>
+            </a:r>
+            <a:r>
+              <a:rPr lang="en-US" sz="2000" dirty="0" err="1">
+                <a:latin typeface="Segoe UI" panose="020B0502040204020203" pitchFamily="34" charset="0"/>
+                <a:cs typeface="Segoe UI" panose="020B0502040204020203" pitchFamily="34" charset="0"/>
+              </a:rPr>
+              <a:t>ponteiros</a:t>
+            </a:r>
+            <a:r>
+              <a:rPr lang="en-US" sz="2000" dirty="0">
+                <a:latin typeface="Segoe UI" panose="020B0502040204020203" pitchFamily="34" charset="0"/>
+                <a:cs typeface="Segoe UI" panose="020B0502040204020203" pitchFamily="34" charset="0"/>
+              </a:rPr>
+              <a:t> de </a:t>
+            </a:r>
+            <a:r>
+              <a:rPr lang="en-US" sz="2000" dirty="0" err="1">
+                <a:latin typeface="Segoe UI" panose="020B0502040204020203" pitchFamily="34" charset="0"/>
+                <a:cs typeface="Segoe UI" panose="020B0502040204020203" pitchFamily="34" charset="0"/>
+              </a:rPr>
+              <a:t>ponteiros</a:t>
+            </a:r>
+            <a:r>
+              <a:rPr lang="en-US" sz="2000" dirty="0">
+                <a:latin typeface="Segoe UI" panose="020B0502040204020203" pitchFamily="34" charset="0"/>
+                <a:cs typeface="Segoe UI" panose="020B0502040204020203" pitchFamily="34" charset="0"/>
+              </a:rPr>
+              <a:t>…);</a:t>
+            </a:r>
+          </a:p>
+          <a:p>
+            <a:pPr lvl="1">
+              <a:buFont typeface="Wingdings" panose="05000000000000000000" pitchFamily="2" charset="2"/>
+              <a:buChar char="§"/>
+            </a:pPr>
+            <a:endParaRPr lang="en-US" sz="2000" dirty="0">
+              <a:latin typeface="Segoe UI" panose="020B0502040204020203" pitchFamily="34" charset="0"/>
+              <a:cs typeface="Segoe UI" panose="020B0502040204020203" pitchFamily="34" charset="0"/>
+            </a:endParaRPr>
+          </a:p>
+          <a:p>
+            <a:pPr lvl="1">
+              <a:buFont typeface="Wingdings" panose="05000000000000000000" pitchFamily="2" charset="2"/>
+              <a:buChar char="§"/>
+            </a:pPr>
+            <a:r>
+              <a:rPr lang="en-US" sz="2000" dirty="0" err="1">
+                <a:latin typeface="Segoe UI" panose="020B0502040204020203" pitchFamily="34" charset="0"/>
+                <a:cs typeface="Segoe UI" panose="020B0502040204020203" pitchFamily="34" charset="0"/>
+              </a:rPr>
+              <a:t>Pode</a:t>
+            </a:r>
+            <a:r>
+              <a:rPr lang="en-US" sz="2000" dirty="0">
+                <a:latin typeface="Segoe UI" panose="020B0502040204020203" pitchFamily="34" charset="0"/>
+                <a:cs typeface="Segoe UI" panose="020B0502040204020203" pitchFamily="34" charset="0"/>
+              </a:rPr>
+              <a:t> ser </a:t>
+            </a:r>
+            <a:r>
+              <a:rPr lang="en-US" sz="2000" dirty="0" err="1">
+                <a:latin typeface="Segoe UI" panose="020B0502040204020203" pitchFamily="34" charset="0"/>
+                <a:cs typeface="Segoe UI" panose="020B0502040204020203" pitchFamily="34" charset="0"/>
+              </a:rPr>
+              <a:t>nulo</a:t>
+            </a:r>
+            <a:r>
+              <a:rPr lang="en-US" sz="2000" dirty="0">
+                <a:latin typeface="Segoe UI" panose="020B0502040204020203" pitchFamily="34" charset="0"/>
+                <a:cs typeface="Segoe UI" panose="020B0502040204020203" pitchFamily="34" charset="0"/>
+              </a:rPr>
+              <a:t> (</a:t>
+            </a:r>
+            <a:r>
+              <a:rPr lang="en-US" sz="2000" dirty="0" err="1">
+                <a:latin typeface="Segoe UI" panose="020B0502040204020203" pitchFamily="34" charset="0"/>
+                <a:cs typeface="Segoe UI" panose="020B0502040204020203" pitchFamily="34" charset="0"/>
+              </a:rPr>
+              <a:t>nullptr</a:t>
+            </a:r>
+            <a:r>
+              <a:rPr lang="en-US" sz="2000" dirty="0">
+                <a:latin typeface="Segoe UI" panose="020B0502040204020203" pitchFamily="34" charset="0"/>
+                <a:cs typeface="Segoe UI" panose="020B0502040204020203" pitchFamily="34" charset="0"/>
+              </a:rPr>
+              <a:t>);</a:t>
+            </a:r>
+          </a:p>
+          <a:p>
+            <a:pPr lvl="1">
+              <a:buFont typeface="Wingdings" panose="05000000000000000000" pitchFamily="2" charset="2"/>
+              <a:buChar char="§"/>
+            </a:pPr>
+            <a:endParaRPr lang="en-US" sz="2000" dirty="0">
+              <a:latin typeface="Segoe UI" panose="020B0502040204020203" pitchFamily="34" charset="0"/>
+              <a:cs typeface="Segoe UI" panose="020B0502040204020203" pitchFamily="34" charset="0"/>
+            </a:endParaRPr>
+          </a:p>
+          <a:p>
+            <a:pPr lvl="1">
+              <a:buFont typeface="Wingdings" panose="05000000000000000000" pitchFamily="2" charset="2"/>
+              <a:buChar char="§"/>
+            </a:pPr>
+            <a:r>
+              <a:rPr lang="en-US" sz="2000" dirty="0" err="1">
+                <a:latin typeface="Segoe UI" panose="020B0502040204020203" pitchFamily="34" charset="0"/>
+                <a:cs typeface="Segoe UI" panose="020B0502040204020203" pitchFamily="34" charset="0"/>
+              </a:rPr>
+              <a:t>Pode</a:t>
+            </a:r>
+            <a:r>
+              <a:rPr lang="en-US" sz="2000" dirty="0">
+                <a:latin typeface="Segoe UI" panose="020B0502040204020203" pitchFamily="34" charset="0"/>
+                <a:cs typeface="Segoe UI" panose="020B0502040204020203" pitchFamily="34" charset="0"/>
+              </a:rPr>
+              <a:t> haver arrays de </a:t>
+            </a:r>
+            <a:r>
+              <a:rPr lang="en-US" sz="2000" dirty="0" err="1">
+                <a:latin typeface="Segoe UI" panose="020B0502040204020203" pitchFamily="34" charset="0"/>
+                <a:cs typeface="Segoe UI" panose="020B0502040204020203" pitchFamily="34" charset="0"/>
+              </a:rPr>
+              <a:t>ponteiros</a:t>
+            </a:r>
+            <a:r>
+              <a:rPr lang="en-US" sz="2000" dirty="0">
+                <a:latin typeface="Segoe UI" panose="020B0502040204020203" pitchFamily="34" charset="0"/>
+                <a:cs typeface="Segoe UI" panose="020B0502040204020203" pitchFamily="34" charset="0"/>
+              </a:rPr>
+              <a:t>;</a:t>
+            </a:r>
+          </a:p>
+          <a:p>
+            <a:pPr lvl="1">
+              <a:buFont typeface="Wingdings" panose="05000000000000000000" pitchFamily="2" charset="2"/>
+              <a:buChar char="§"/>
+            </a:pPr>
+            <a:endParaRPr lang="en-US" sz="2000" dirty="0">
+              <a:latin typeface="Segoe UI" panose="020B0502040204020203" pitchFamily="34" charset="0"/>
+              <a:cs typeface="Segoe UI" panose="020B0502040204020203" pitchFamily="34" charset="0"/>
+            </a:endParaRPr>
+          </a:p>
+          <a:p>
+            <a:pPr lvl="1">
+              <a:buFont typeface="Wingdings" panose="05000000000000000000" pitchFamily="2" charset="2"/>
+              <a:buChar char="§"/>
+            </a:pPr>
+            <a:r>
+              <a:rPr lang="en-US" sz="2000" dirty="0" err="1">
+                <a:latin typeface="Segoe UI" panose="020B0502040204020203" pitchFamily="34" charset="0"/>
+                <a:cs typeface="Segoe UI" panose="020B0502040204020203" pitchFamily="34" charset="0"/>
+              </a:rPr>
+              <a:t>Aritimética</a:t>
+            </a:r>
+            <a:r>
+              <a:rPr lang="en-US" sz="2000" dirty="0">
+                <a:latin typeface="Segoe UI" panose="020B0502040204020203" pitchFamily="34" charset="0"/>
+                <a:cs typeface="Segoe UI" panose="020B0502040204020203" pitchFamily="34" charset="0"/>
+              </a:rPr>
+              <a:t> de </a:t>
+            </a:r>
+            <a:r>
+              <a:rPr lang="en-US" sz="2000" dirty="0" err="1">
+                <a:latin typeface="Segoe UI" panose="020B0502040204020203" pitchFamily="34" charset="0"/>
+                <a:cs typeface="Segoe UI" panose="020B0502040204020203" pitchFamily="34" charset="0"/>
+              </a:rPr>
+              <a:t>ponteiro</a:t>
+            </a:r>
+            <a:r>
+              <a:rPr lang="en-US" sz="2000" dirty="0">
+                <a:latin typeface="Segoe UI" panose="020B0502040204020203" pitchFamily="34" charset="0"/>
+                <a:cs typeface="Segoe UI" panose="020B0502040204020203" pitchFamily="34" charset="0"/>
+              </a:rPr>
+              <a:t> </a:t>
+            </a:r>
+            <a:r>
+              <a:rPr lang="en-US" sz="2000" dirty="0" err="1">
+                <a:latin typeface="Segoe UI" panose="020B0502040204020203" pitchFamily="34" charset="0"/>
+                <a:cs typeface="Segoe UI" panose="020B0502040204020203" pitchFamily="34" charset="0"/>
+              </a:rPr>
+              <a:t>permite</a:t>
+            </a:r>
+            <a:r>
+              <a:rPr lang="en-US" sz="2000" dirty="0">
+                <a:latin typeface="Segoe UI" panose="020B0502040204020203" pitchFamily="34" charset="0"/>
+                <a:cs typeface="Segoe UI" panose="020B0502040204020203" pitchFamily="34" charset="0"/>
+              </a:rPr>
+              <a:t> </a:t>
+            </a:r>
+            <a:r>
+              <a:rPr lang="en-US" sz="2000" dirty="0" err="1">
+                <a:latin typeface="Segoe UI" panose="020B0502040204020203" pitchFamily="34" charset="0"/>
+                <a:cs typeface="Segoe UI" panose="020B0502040204020203" pitchFamily="34" charset="0"/>
+              </a:rPr>
+              <a:t>iterar</a:t>
+            </a:r>
+            <a:r>
+              <a:rPr lang="en-US" sz="2000" dirty="0">
+                <a:latin typeface="Segoe UI" panose="020B0502040204020203" pitchFamily="34" charset="0"/>
+                <a:cs typeface="Segoe UI" panose="020B0502040204020203" pitchFamily="34" charset="0"/>
+              </a:rPr>
+              <a:t> </a:t>
+            </a:r>
+            <a:r>
+              <a:rPr lang="en-US" sz="2000" dirty="0" err="1">
+                <a:latin typeface="Segoe UI" panose="020B0502040204020203" pitchFamily="34" charset="0"/>
+                <a:cs typeface="Segoe UI" panose="020B0502040204020203" pitchFamily="34" charset="0"/>
+              </a:rPr>
+              <a:t>sobre</a:t>
+            </a:r>
+            <a:r>
+              <a:rPr lang="en-US" sz="2000" dirty="0">
+                <a:latin typeface="Segoe UI" panose="020B0502040204020203" pitchFamily="34" charset="0"/>
+                <a:cs typeface="Segoe UI" panose="020B0502040204020203" pitchFamily="34" charset="0"/>
+              </a:rPr>
+              <a:t> </a:t>
+            </a:r>
+            <a:r>
+              <a:rPr lang="en-US" sz="2000" dirty="0" err="1">
+                <a:latin typeface="Segoe UI" panose="020B0502040204020203" pitchFamily="34" charset="0"/>
+                <a:cs typeface="Segoe UI" panose="020B0502040204020203" pitchFamily="34" charset="0"/>
+              </a:rPr>
+              <a:t>uma</a:t>
+            </a:r>
+            <a:r>
+              <a:rPr lang="en-US" sz="2000" dirty="0">
+                <a:latin typeface="Segoe UI" panose="020B0502040204020203" pitchFamily="34" charset="0"/>
+                <a:cs typeface="Segoe UI" panose="020B0502040204020203" pitchFamily="34" charset="0"/>
+              </a:rPr>
+              <a:t> </a:t>
+            </a:r>
+            <a:r>
+              <a:rPr lang="en-US" sz="2000" dirty="0" err="1">
+                <a:latin typeface="Segoe UI" panose="020B0502040204020203" pitchFamily="34" charset="0"/>
+                <a:cs typeface="Segoe UI" panose="020B0502040204020203" pitchFamily="34" charset="0"/>
+              </a:rPr>
+              <a:t>lista</a:t>
+            </a:r>
+            <a:r>
+              <a:rPr lang="en-US" sz="2000" dirty="0">
+                <a:latin typeface="Segoe UI" panose="020B0502040204020203" pitchFamily="34" charset="0"/>
+                <a:cs typeface="Segoe UI" panose="020B0502040204020203" pitchFamily="34" charset="0"/>
+              </a:rPr>
+              <a:t>;</a:t>
+            </a:r>
+          </a:p>
+          <a:p>
+            <a:pPr lvl="1">
+              <a:buFont typeface="Wingdings" panose="05000000000000000000" pitchFamily="2" charset="2"/>
+              <a:buChar char="§"/>
+            </a:pPr>
+            <a:endParaRPr lang="en-US" sz="2000" dirty="0">
+              <a:latin typeface="Segoe UI" panose="020B0502040204020203" pitchFamily="34" charset="0"/>
+              <a:cs typeface="Segoe UI" panose="020B0502040204020203" pitchFamily="34" charset="0"/>
+            </a:endParaRPr>
+          </a:p>
+          <a:p>
+            <a:pPr lvl="1">
+              <a:buFont typeface="Wingdings" panose="05000000000000000000" pitchFamily="2" charset="2"/>
+              <a:buChar char="§"/>
+            </a:pPr>
+            <a:r>
+              <a:rPr lang="en-US" sz="2000" dirty="0" err="1">
+                <a:latin typeface="Segoe UI" panose="020B0502040204020203" pitchFamily="34" charset="0"/>
+                <a:cs typeface="Segoe UI" panose="020B0502040204020203" pitchFamily="34" charset="0"/>
+              </a:rPr>
+              <a:t>Ponteiros</a:t>
+            </a:r>
+            <a:r>
+              <a:rPr lang="en-US" sz="2000" dirty="0">
+                <a:latin typeface="Segoe UI" panose="020B0502040204020203" pitchFamily="34" charset="0"/>
+                <a:cs typeface="Segoe UI" panose="020B0502040204020203" pitchFamily="34" charset="0"/>
+              </a:rPr>
+              <a:t> </a:t>
+            </a:r>
+            <a:r>
+              <a:rPr lang="en-US" sz="2000" dirty="0" err="1">
+                <a:latin typeface="Segoe UI" panose="020B0502040204020203" pitchFamily="34" charset="0"/>
+                <a:cs typeface="Segoe UI" panose="020B0502040204020203" pitchFamily="34" charset="0"/>
+              </a:rPr>
+              <a:t>não</a:t>
+            </a:r>
+            <a:r>
+              <a:rPr lang="en-US" sz="2000" dirty="0">
+                <a:latin typeface="Segoe UI" panose="020B0502040204020203" pitchFamily="34" charset="0"/>
+                <a:cs typeface="Segoe UI" panose="020B0502040204020203" pitchFamily="34" charset="0"/>
+              </a:rPr>
+              <a:t> </a:t>
+            </a:r>
+            <a:r>
+              <a:rPr lang="en-US" sz="2000" dirty="0" err="1">
+                <a:latin typeface="Segoe UI" panose="020B0502040204020203" pitchFamily="34" charset="0"/>
+                <a:cs typeface="Segoe UI" panose="020B0502040204020203" pitchFamily="34" charset="0"/>
+              </a:rPr>
+              <a:t>podem</a:t>
+            </a:r>
+            <a:r>
+              <a:rPr lang="en-US" sz="2000" dirty="0">
+                <a:latin typeface="Segoe UI" panose="020B0502040204020203" pitchFamily="34" charset="0"/>
+                <a:cs typeface="Segoe UI" panose="020B0502040204020203" pitchFamily="34" charset="0"/>
+              </a:rPr>
+              <a:t> ser </a:t>
+            </a:r>
+            <a:r>
+              <a:rPr lang="en-US" sz="2000" dirty="0" err="1">
+                <a:latin typeface="Segoe UI" panose="020B0502040204020203" pitchFamily="34" charset="0"/>
+                <a:cs typeface="Segoe UI" panose="020B0502040204020203" pitchFamily="34" charset="0"/>
+              </a:rPr>
+              <a:t>associados</a:t>
+            </a:r>
+            <a:r>
+              <a:rPr lang="en-US" sz="2000" dirty="0">
+                <a:latin typeface="Segoe UI" panose="020B0502040204020203" pitchFamily="34" charset="0"/>
+                <a:cs typeface="Segoe UI" panose="020B0502040204020203" pitchFamily="34" charset="0"/>
+              </a:rPr>
+              <a:t> a um valor </a:t>
+            </a:r>
+            <a:r>
+              <a:rPr lang="en-US" sz="2000" dirty="0" err="1">
+                <a:latin typeface="Segoe UI" panose="020B0502040204020203" pitchFamily="34" charset="0"/>
+                <a:cs typeface="Segoe UI" panose="020B0502040204020203" pitchFamily="34" charset="0"/>
+              </a:rPr>
+              <a:t>temporário</a:t>
+            </a:r>
+            <a:r>
+              <a:rPr lang="en-US" sz="2000" dirty="0">
+                <a:latin typeface="Segoe UI" panose="020B0502040204020203" pitchFamily="34" charset="0"/>
+                <a:cs typeface="Segoe UI" panose="020B0502040204020203" pitchFamily="34" charset="0"/>
+              </a:rPr>
+              <a:t>;</a:t>
+            </a:r>
+          </a:p>
+          <a:p>
+            <a:pPr marL="0" indent="0">
+              <a:buNone/>
+            </a:pPr>
+            <a:r>
+              <a:rPr lang="en-US" sz="2400" dirty="0">
+                <a:latin typeface="Segoe UI" panose="020B0502040204020203" pitchFamily="34" charset="0"/>
+                <a:cs typeface="Segoe UI" panose="020B0502040204020203" pitchFamily="34" charset="0"/>
+              </a:rPr>
+              <a:t>	</a:t>
+            </a:r>
+          </a:p>
+          <a:p>
+            <a:pPr marL="0" indent="0">
+              <a:buNone/>
+            </a:pPr>
+            <a:endParaRPr lang="pt-BR" sz="2400" dirty="0">
+              <a:latin typeface="Segoe UI" panose="020B0502040204020203" pitchFamily="34" charset="0"/>
+              <a:cs typeface="Segoe UI" panose="020B0502040204020203" pitchFamily="34" charset="0"/>
+            </a:endParaRPr>
+          </a:p>
+        </p:txBody>
+      </p:sp>
+      <p:sp>
+        <p:nvSpPr>
+          <p:cNvPr id="6" name="Content Placeholder 2">
+            <a:extLst>
+              <a:ext uri="{FF2B5EF4-FFF2-40B4-BE49-F238E27FC236}">
+                <a16:creationId xmlns:a16="http://schemas.microsoft.com/office/drawing/2014/main" id="{CAEF20E1-3D0E-4FE6-A0F6-44CF6AF48463}"/>
+              </a:ext>
+            </a:extLst>
+          </p:cNvPr>
+          <p:cNvSpPr txBox="1">
+            <a:spLocks/>
+          </p:cNvSpPr>
+          <p:nvPr/>
+        </p:nvSpPr>
+        <p:spPr>
+          <a:xfrm>
+            <a:off x="6495877" y="1392572"/>
+            <a:ext cx="5433268" cy="5328903"/>
+          </a:xfrm>
+          <a:prstGeom prst="rect">
+            <a:avLst/>
+          </a:prstGeom>
+        </p:spPr>
+        <p:txBody>
+          <a:bodyPr vert="horz" lIns="91440" tIns="45720" rIns="91440" bIns="45720" rtlCol="0">
+            <a:normAutofit fontScale="62500" lnSpcReduction="20000"/>
+          </a:bodyPr>
+          <a:lstStyle>
+            <a:lvl1pPr marL="228600" indent="-228600" algn="l" defTabSz="914400" rtl="0" eaLnBrk="1" latinLnBrk="0" hangingPunct="1">
+              <a:lnSpc>
+                <a:spcPct val="90000"/>
+              </a:lnSpc>
+              <a:spcBef>
+                <a:spcPts val="1000"/>
+              </a:spcBef>
+              <a:buFont typeface="Arial" panose="020B0604020202020204" pitchFamily="34" charset="0"/>
+              <a:buChar char="•"/>
+              <a:defRPr sz="2800" kern="1200">
+                <a:solidFill>
+                  <a:schemeClr val="tx1"/>
+                </a:solidFill>
+                <a:latin typeface="+mn-lt"/>
+                <a:ea typeface="+mn-ea"/>
+                <a:cs typeface="+mn-cs"/>
+              </a:defRPr>
+            </a:lvl1pPr>
+            <a:lvl2pPr marL="685800" indent="-228600" algn="l" defTabSz="914400" rtl="0" eaLnBrk="1" latinLnBrk="0" hangingPunct="1">
+              <a:lnSpc>
+                <a:spcPct val="90000"/>
+              </a:lnSpc>
+              <a:spcBef>
+                <a:spcPts val="500"/>
+              </a:spcBef>
+              <a:buFont typeface="Arial" panose="020B0604020202020204" pitchFamily="34" charset="0"/>
+              <a:buChar char="•"/>
+              <a:defRPr sz="2400" kern="1200">
+                <a:solidFill>
+                  <a:schemeClr val="tx1"/>
+                </a:solidFill>
+                <a:latin typeface="+mn-lt"/>
+                <a:ea typeface="+mn-ea"/>
+                <a:cs typeface="+mn-cs"/>
+              </a:defRPr>
+            </a:lvl2pPr>
+            <a:lvl3pPr marL="1143000" indent="-228600" algn="l" defTabSz="914400" rtl="0" eaLnBrk="1" latinLnBrk="0" hangingPunct="1">
+              <a:lnSpc>
+                <a:spcPct val="90000"/>
+              </a:lnSpc>
+              <a:spcBef>
+                <a:spcPts val="500"/>
+              </a:spcBef>
+              <a:buFont typeface="Arial" panose="020B0604020202020204" pitchFamily="34" charset="0"/>
+              <a:buChar char="•"/>
+              <a:defRPr sz="2000" kern="1200">
+                <a:solidFill>
+                  <a:schemeClr val="tx1"/>
+                </a:solidFill>
+                <a:latin typeface="+mn-lt"/>
+                <a:ea typeface="+mn-ea"/>
+                <a:cs typeface="+mn-cs"/>
+              </a:defRPr>
+            </a:lvl3pPr>
+            <a:lvl4pPr marL="1600200" indent="-228600" algn="l" defTabSz="914400" rtl="0" eaLnBrk="1" latinLnBrk="0" hangingPunct="1">
+              <a:lnSpc>
+                <a:spcPct val="90000"/>
+              </a:lnSpc>
+              <a:spcBef>
+                <a:spcPts val="500"/>
+              </a:spcBef>
+              <a:buFont typeface="Arial" panose="020B0604020202020204" pitchFamily="34" charset="0"/>
+              <a:buChar char="•"/>
+              <a:defRPr sz="1800" kern="1200">
+                <a:solidFill>
+                  <a:schemeClr val="tx1"/>
+                </a:solidFill>
+                <a:latin typeface="+mn-lt"/>
+                <a:ea typeface="+mn-ea"/>
+                <a:cs typeface="+mn-cs"/>
+              </a:defRPr>
+            </a:lvl4pPr>
+            <a:lvl5pPr marL="2057400" indent="-228600" algn="l" defTabSz="914400" rtl="0" eaLnBrk="1" latinLnBrk="0" hangingPunct="1">
+              <a:lnSpc>
+                <a:spcPct val="90000"/>
+              </a:lnSpc>
+              <a:spcBef>
+                <a:spcPts val="500"/>
+              </a:spcBef>
+              <a:buFont typeface="Arial" panose="020B0604020202020204" pitchFamily="34" charset="0"/>
+              <a:buChar char="•"/>
+              <a:defRPr sz="1800" kern="1200">
+                <a:solidFill>
+                  <a:schemeClr val="tx1"/>
+                </a:solidFill>
+                <a:latin typeface="+mn-lt"/>
+                <a:ea typeface="+mn-ea"/>
+                <a:cs typeface="+mn-cs"/>
+              </a:defRPr>
+            </a:lvl5pPr>
+            <a:lvl6pPr marL="2514600" indent="-228600" algn="l" defTabSz="914400" rtl="0" eaLnBrk="1" latinLnBrk="0" hangingPunct="1">
+              <a:lnSpc>
+                <a:spcPct val="90000"/>
+              </a:lnSpc>
+              <a:spcBef>
+                <a:spcPts val="500"/>
+              </a:spcBef>
+              <a:buFont typeface="Arial" panose="020B0604020202020204" pitchFamily="34" charset="0"/>
+              <a:buChar char="•"/>
+              <a:defRPr sz="1800" kern="1200">
+                <a:solidFill>
+                  <a:schemeClr val="tx1"/>
+                </a:solidFill>
+                <a:latin typeface="+mn-lt"/>
+                <a:ea typeface="+mn-ea"/>
+                <a:cs typeface="+mn-cs"/>
+              </a:defRPr>
+            </a:lvl6pPr>
+            <a:lvl7pPr marL="2971800" indent="-228600" algn="l" defTabSz="914400" rtl="0" eaLnBrk="1" latinLnBrk="0" hangingPunct="1">
+              <a:lnSpc>
+                <a:spcPct val="90000"/>
+              </a:lnSpc>
+              <a:spcBef>
+                <a:spcPts val="500"/>
+              </a:spcBef>
+              <a:buFont typeface="Arial" panose="020B0604020202020204" pitchFamily="34" charset="0"/>
+              <a:buChar char="•"/>
+              <a:defRPr sz="1800" kern="1200">
+                <a:solidFill>
+                  <a:schemeClr val="tx1"/>
+                </a:solidFill>
+                <a:latin typeface="+mn-lt"/>
+                <a:ea typeface="+mn-ea"/>
+                <a:cs typeface="+mn-cs"/>
+              </a:defRPr>
+            </a:lvl7pPr>
+            <a:lvl8pPr marL="3429000" indent="-228600" algn="l" defTabSz="914400" rtl="0" eaLnBrk="1" latinLnBrk="0" hangingPunct="1">
+              <a:lnSpc>
+                <a:spcPct val="90000"/>
+              </a:lnSpc>
+              <a:spcBef>
+                <a:spcPts val="500"/>
+              </a:spcBef>
+              <a:buFont typeface="Arial" panose="020B0604020202020204" pitchFamily="34" charset="0"/>
+              <a:buChar char="•"/>
+              <a:defRPr sz="1800" kern="1200">
+                <a:solidFill>
+                  <a:schemeClr val="tx1"/>
+                </a:solidFill>
+                <a:latin typeface="+mn-lt"/>
+                <a:ea typeface="+mn-ea"/>
+                <a:cs typeface="+mn-cs"/>
+              </a:defRPr>
+            </a:lvl8pPr>
+            <a:lvl9pPr marL="3886200" indent="-228600" algn="l" defTabSz="914400" rtl="0" eaLnBrk="1" latinLnBrk="0" hangingPunct="1">
+              <a:lnSpc>
+                <a:spcPct val="90000"/>
+              </a:lnSpc>
+              <a:spcBef>
+                <a:spcPts val="500"/>
+              </a:spcBef>
+              <a:buFont typeface="Arial" panose="020B0604020202020204" pitchFamily="34" charset="0"/>
+              <a:buChar char="•"/>
+              <a:defRPr sz="1800" kern="1200">
+                <a:solidFill>
+                  <a:schemeClr val="tx1"/>
+                </a:solidFill>
+                <a:latin typeface="+mn-lt"/>
+                <a:ea typeface="+mn-ea"/>
+                <a:cs typeface="+mn-cs"/>
+              </a:defRPr>
+            </a:lvl9pPr>
+          </a:lstStyle>
+          <a:p>
+            <a:pPr>
+              <a:buFont typeface="Wingdings" panose="05000000000000000000" pitchFamily="2" charset="2"/>
+              <a:buChar char="§"/>
+            </a:pPr>
+            <a:r>
+              <a:rPr lang="en-US" sz="2400" dirty="0" err="1">
+                <a:latin typeface="Segoe UI" panose="020B0502040204020203" pitchFamily="34" charset="0"/>
+                <a:cs typeface="Segoe UI" panose="020B0502040204020203" pitchFamily="34" charset="0"/>
+              </a:rPr>
+              <a:t>Referencias</a:t>
+            </a:r>
+            <a:endParaRPr lang="en-US" sz="2400" dirty="0">
+              <a:latin typeface="Segoe UI" panose="020B0502040204020203" pitchFamily="34" charset="0"/>
+              <a:cs typeface="Segoe UI" panose="020B0502040204020203" pitchFamily="34" charset="0"/>
+            </a:endParaRPr>
+          </a:p>
+          <a:p>
+            <a:pPr>
+              <a:buFont typeface="Wingdings" panose="05000000000000000000" pitchFamily="2" charset="2"/>
+              <a:buChar char="§"/>
+            </a:pPr>
+            <a:endParaRPr lang="en-US" sz="2400" dirty="0">
+              <a:latin typeface="Segoe UI" panose="020B0502040204020203" pitchFamily="34" charset="0"/>
+              <a:cs typeface="Segoe UI" panose="020B0502040204020203" pitchFamily="34" charset="0"/>
+            </a:endParaRPr>
+          </a:p>
+          <a:p>
+            <a:pPr lvl="1">
+              <a:buFont typeface="Wingdings" panose="05000000000000000000" pitchFamily="2" charset="2"/>
+              <a:buChar char="§"/>
+            </a:pPr>
+            <a:r>
+              <a:rPr lang="en-US" sz="2000" dirty="0" err="1">
+                <a:latin typeface="Segoe UI" panose="020B0502040204020203" pitchFamily="34" charset="0"/>
+                <a:cs typeface="Segoe UI" panose="020B0502040204020203" pitchFamily="34" charset="0"/>
+              </a:rPr>
+              <a:t>Sintaxe</a:t>
+            </a:r>
+            <a:r>
+              <a:rPr lang="en-US" sz="2000" dirty="0">
+                <a:latin typeface="Segoe UI" panose="020B0502040204020203" pitchFamily="34" charset="0"/>
+                <a:cs typeface="Segoe UI" panose="020B0502040204020203" pitchFamily="34" charset="0"/>
+              </a:rPr>
+              <a:t>: T&amp; p;</a:t>
+            </a:r>
+          </a:p>
+          <a:p>
+            <a:pPr lvl="1">
+              <a:buFont typeface="Wingdings" panose="05000000000000000000" pitchFamily="2" charset="2"/>
+              <a:buChar char="§"/>
+            </a:pPr>
+            <a:endParaRPr lang="en-US" sz="2000" dirty="0">
+              <a:latin typeface="Segoe UI" panose="020B0502040204020203" pitchFamily="34" charset="0"/>
+              <a:cs typeface="Segoe UI" panose="020B0502040204020203" pitchFamily="34" charset="0"/>
+            </a:endParaRPr>
+          </a:p>
+          <a:p>
+            <a:pPr lvl="1">
+              <a:buFont typeface="Wingdings" panose="05000000000000000000" pitchFamily="2" charset="2"/>
+              <a:buChar char="§"/>
+            </a:pPr>
+            <a:r>
+              <a:rPr lang="en-US" sz="2000" dirty="0" err="1">
+                <a:latin typeface="Segoe UI" panose="020B0502040204020203" pitchFamily="34" charset="0"/>
+                <a:cs typeface="Segoe UI" panose="020B0502040204020203" pitchFamily="34" charset="0"/>
+              </a:rPr>
+              <a:t>Usa</a:t>
+            </a:r>
+            <a:r>
+              <a:rPr lang="en-US" sz="2000" dirty="0">
+                <a:latin typeface="Segoe UI" panose="020B0502040204020203" pitchFamily="34" charset="0"/>
+                <a:cs typeface="Segoe UI" panose="020B0502040204020203" pitchFamily="34" charset="0"/>
+              </a:rPr>
+              <a:t> o </a:t>
+            </a:r>
+            <a:r>
+              <a:rPr lang="en-US" sz="2000" dirty="0" err="1">
+                <a:latin typeface="Segoe UI" panose="020B0502040204020203" pitchFamily="34" charset="0"/>
+                <a:cs typeface="Segoe UI" panose="020B0502040204020203" pitchFamily="34" charset="0"/>
+              </a:rPr>
+              <a:t>operador</a:t>
+            </a:r>
+            <a:r>
+              <a:rPr lang="en-US" sz="2000" dirty="0">
+                <a:latin typeface="Segoe UI" panose="020B0502040204020203" pitchFamily="34" charset="0"/>
+                <a:cs typeface="Segoe UI" panose="020B0502040204020203" pitchFamily="34" charset="0"/>
+              </a:rPr>
+              <a:t> ‘.’ para </a:t>
+            </a:r>
+            <a:r>
+              <a:rPr lang="en-US" sz="2000" dirty="0" err="1">
+                <a:latin typeface="Segoe UI" panose="020B0502040204020203" pitchFamily="34" charset="0"/>
+                <a:cs typeface="Segoe UI" panose="020B0502040204020203" pitchFamily="34" charset="0"/>
+              </a:rPr>
+              <a:t>acessar</a:t>
+            </a:r>
+            <a:r>
+              <a:rPr lang="en-US" sz="2000" dirty="0">
+                <a:latin typeface="Segoe UI" panose="020B0502040204020203" pitchFamily="34" charset="0"/>
+                <a:cs typeface="Segoe UI" panose="020B0502040204020203" pitchFamily="34" charset="0"/>
+              </a:rPr>
+              <a:t> </a:t>
+            </a:r>
+            <a:r>
+              <a:rPr lang="en-US" sz="2000" dirty="0" err="1">
+                <a:latin typeface="Segoe UI" panose="020B0502040204020203" pitchFamily="34" charset="0"/>
+                <a:cs typeface="Segoe UI" panose="020B0502040204020203" pitchFamily="34" charset="0"/>
+              </a:rPr>
+              <a:t>membros</a:t>
+            </a:r>
+            <a:r>
+              <a:rPr lang="en-US" sz="2000" dirty="0">
+                <a:latin typeface="Segoe UI" panose="020B0502040204020203" pitchFamily="34" charset="0"/>
+                <a:cs typeface="Segoe UI" panose="020B0502040204020203" pitchFamily="34" charset="0"/>
+              </a:rPr>
+              <a:t> e </a:t>
+            </a:r>
+            <a:r>
+              <a:rPr lang="en-US" sz="2000" dirty="0" err="1">
+                <a:latin typeface="Segoe UI" panose="020B0502040204020203" pitchFamily="34" charset="0"/>
+                <a:cs typeface="Segoe UI" panose="020B0502040204020203" pitchFamily="34" charset="0"/>
+              </a:rPr>
+              <a:t>funções</a:t>
+            </a:r>
+            <a:r>
+              <a:rPr lang="en-US" sz="2000" dirty="0">
+                <a:latin typeface="Segoe UI" panose="020B0502040204020203" pitchFamily="34" charset="0"/>
+                <a:cs typeface="Segoe UI" panose="020B0502040204020203" pitchFamily="34" charset="0"/>
+              </a:rPr>
+              <a:t>;</a:t>
+            </a:r>
+          </a:p>
+          <a:p>
+            <a:pPr lvl="1">
+              <a:buFont typeface="Wingdings" panose="05000000000000000000" pitchFamily="2" charset="2"/>
+              <a:buChar char="§"/>
+            </a:pPr>
+            <a:endParaRPr lang="en-US" sz="2000" dirty="0">
+              <a:latin typeface="Segoe UI" panose="020B0502040204020203" pitchFamily="34" charset="0"/>
+              <a:cs typeface="Segoe UI" panose="020B0502040204020203" pitchFamily="34" charset="0"/>
+            </a:endParaRPr>
+          </a:p>
+          <a:p>
+            <a:pPr lvl="1">
+              <a:buFont typeface="Wingdings" panose="05000000000000000000" pitchFamily="2" charset="2"/>
+              <a:buChar char="§"/>
+            </a:pPr>
+            <a:r>
+              <a:rPr lang="en-US" sz="2000" dirty="0" err="1">
+                <a:latin typeface="Segoe UI" panose="020B0502040204020203" pitchFamily="34" charset="0"/>
+                <a:cs typeface="Segoe UI" panose="020B0502040204020203" pitchFamily="34" charset="0"/>
+              </a:rPr>
+              <a:t>Pode</a:t>
+            </a:r>
+            <a:r>
+              <a:rPr lang="en-US" sz="2000" dirty="0">
+                <a:latin typeface="Segoe UI" panose="020B0502040204020203" pitchFamily="34" charset="0"/>
+                <a:cs typeface="Segoe UI" panose="020B0502040204020203" pitchFamily="34" charset="0"/>
+              </a:rPr>
+              <a:t> ser </a:t>
+            </a:r>
+            <a:r>
+              <a:rPr lang="en-US" sz="2000" dirty="0" err="1">
+                <a:latin typeface="Segoe UI" panose="020B0502040204020203" pitchFamily="34" charset="0"/>
+                <a:cs typeface="Segoe UI" panose="020B0502040204020203" pitchFamily="34" charset="0"/>
+              </a:rPr>
+              <a:t>usado</a:t>
+            </a:r>
+            <a:r>
+              <a:rPr lang="en-US" sz="2000" dirty="0">
+                <a:latin typeface="Segoe UI" panose="020B0502040204020203" pitchFamily="34" charset="0"/>
+                <a:cs typeface="Segoe UI" panose="020B0502040204020203" pitchFamily="34" charset="0"/>
+              </a:rPr>
+              <a:t> </a:t>
+            </a:r>
+            <a:r>
+              <a:rPr lang="en-US" sz="2000" dirty="0" err="1">
+                <a:latin typeface="Segoe UI" panose="020B0502040204020203" pitchFamily="34" charset="0"/>
+                <a:cs typeface="Segoe UI" panose="020B0502040204020203" pitchFamily="34" charset="0"/>
+              </a:rPr>
+              <a:t>diretamente</a:t>
+            </a:r>
+            <a:r>
+              <a:rPr lang="en-US" sz="2000" dirty="0">
+                <a:latin typeface="Segoe UI" panose="020B0502040204020203" pitchFamily="34" charset="0"/>
+                <a:cs typeface="Segoe UI" panose="020B0502040204020203" pitchFamily="34" charset="0"/>
+              </a:rPr>
+              <a:t> </a:t>
+            </a:r>
+            <a:r>
+              <a:rPr lang="en-US" sz="2000" dirty="0" err="1">
+                <a:latin typeface="Segoe UI" panose="020B0502040204020203" pitchFamily="34" charset="0"/>
+                <a:cs typeface="Segoe UI" panose="020B0502040204020203" pitchFamily="34" charset="0"/>
+              </a:rPr>
+              <a:t>sem</a:t>
+            </a:r>
+            <a:r>
+              <a:rPr lang="en-US" sz="2000" dirty="0">
+                <a:latin typeface="Segoe UI" panose="020B0502040204020203" pitchFamily="34" charset="0"/>
+                <a:cs typeface="Segoe UI" panose="020B0502040204020203" pitchFamily="34" charset="0"/>
+              </a:rPr>
+              <a:t> </a:t>
+            </a:r>
+            <a:r>
+              <a:rPr lang="en-US" sz="2000" dirty="0" err="1">
+                <a:latin typeface="Segoe UI" panose="020B0502040204020203" pitchFamily="34" charset="0"/>
+                <a:cs typeface="Segoe UI" panose="020B0502040204020203" pitchFamily="34" charset="0"/>
+              </a:rPr>
+              <a:t>operadores</a:t>
+            </a:r>
+            <a:r>
+              <a:rPr lang="en-US" sz="2000" dirty="0">
+                <a:latin typeface="Segoe UI" panose="020B0502040204020203" pitchFamily="34" charset="0"/>
+                <a:cs typeface="Segoe UI" panose="020B0502040204020203" pitchFamily="34" charset="0"/>
+              </a:rPr>
+              <a:t> para </a:t>
+            </a:r>
+            <a:r>
+              <a:rPr lang="en-US" sz="2000" dirty="0" err="1">
+                <a:latin typeface="Segoe UI" panose="020B0502040204020203" pitchFamily="34" charset="0"/>
+                <a:cs typeface="Segoe UI" panose="020B0502040204020203" pitchFamily="34" charset="0"/>
+              </a:rPr>
+              <a:t>obter</a:t>
+            </a:r>
+            <a:r>
+              <a:rPr lang="en-US" sz="2000" dirty="0">
+                <a:latin typeface="Segoe UI" panose="020B0502040204020203" pitchFamily="34" charset="0"/>
+                <a:cs typeface="Segoe UI" panose="020B0502040204020203" pitchFamily="34" charset="0"/>
+              </a:rPr>
+              <a:t> o valor da </a:t>
+            </a:r>
+            <a:r>
+              <a:rPr lang="en-US" sz="2000" dirty="0" err="1">
+                <a:latin typeface="Segoe UI" panose="020B0502040204020203" pitchFamily="34" charset="0"/>
+                <a:cs typeface="Segoe UI" panose="020B0502040204020203" pitchFamily="34" charset="0"/>
+              </a:rPr>
+              <a:t>referencia</a:t>
+            </a:r>
+            <a:r>
+              <a:rPr lang="en-US" sz="2000" dirty="0">
+                <a:latin typeface="Segoe UI" panose="020B0502040204020203" pitchFamily="34" charset="0"/>
+                <a:cs typeface="Segoe UI" panose="020B0502040204020203" pitchFamily="34" charset="0"/>
+              </a:rPr>
+              <a:t>;</a:t>
+            </a:r>
+          </a:p>
+          <a:p>
+            <a:pPr lvl="1">
+              <a:buFont typeface="Wingdings" panose="05000000000000000000" pitchFamily="2" charset="2"/>
+              <a:buChar char="§"/>
+            </a:pPr>
+            <a:endParaRPr lang="en-US" sz="2000" dirty="0">
+              <a:latin typeface="Segoe UI" panose="020B0502040204020203" pitchFamily="34" charset="0"/>
+              <a:cs typeface="Segoe UI" panose="020B0502040204020203" pitchFamily="34" charset="0"/>
+            </a:endParaRPr>
+          </a:p>
+          <a:p>
+            <a:pPr lvl="1">
+              <a:buFont typeface="Wingdings" panose="05000000000000000000" pitchFamily="2" charset="2"/>
+              <a:buChar char="§"/>
+            </a:pPr>
+            <a:r>
+              <a:rPr lang="en-US" sz="2000" dirty="0" err="1">
+                <a:latin typeface="Segoe UI" panose="020B0502040204020203" pitchFamily="34" charset="0"/>
+                <a:cs typeface="Segoe UI" panose="020B0502040204020203" pitchFamily="34" charset="0"/>
+              </a:rPr>
+              <a:t>Deve</a:t>
+            </a:r>
+            <a:r>
+              <a:rPr lang="en-US" sz="2000" dirty="0">
+                <a:latin typeface="Segoe UI" panose="020B0502040204020203" pitchFamily="34" charset="0"/>
+                <a:cs typeface="Segoe UI" panose="020B0502040204020203" pitchFamily="34" charset="0"/>
+              </a:rPr>
+              <a:t> ser </a:t>
+            </a:r>
+            <a:r>
+              <a:rPr lang="en-US" sz="2000" dirty="0" err="1">
+                <a:latin typeface="Segoe UI" panose="020B0502040204020203" pitchFamily="34" charset="0"/>
+                <a:cs typeface="Segoe UI" panose="020B0502040204020203" pitchFamily="34" charset="0"/>
+              </a:rPr>
+              <a:t>inicializado</a:t>
+            </a:r>
+            <a:r>
+              <a:rPr lang="en-US" sz="2000" dirty="0">
+                <a:latin typeface="Segoe UI" panose="020B0502040204020203" pitchFamily="34" charset="0"/>
+                <a:cs typeface="Segoe UI" panose="020B0502040204020203" pitchFamily="34" charset="0"/>
+              </a:rPr>
+              <a:t> </a:t>
+            </a:r>
+            <a:r>
+              <a:rPr lang="en-US" sz="2000" dirty="0" err="1">
+                <a:latin typeface="Segoe UI" panose="020B0502040204020203" pitchFamily="34" charset="0"/>
+                <a:cs typeface="Segoe UI" panose="020B0502040204020203" pitchFamily="34" charset="0"/>
+              </a:rPr>
+              <a:t>na</a:t>
+            </a:r>
+            <a:r>
+              <a:rPr lang="en-US" sz="2000" dirty="0">
+                <a:latin typeface="Segoe UI" panose="020B0502040204020203" pitchFamily="34" charset="0"/>
+                <a:cs typeface="Segoe UI" panose="020B0502040204020203" pitchFamily="34" charset="0"/>
+              </a:rPr>
+              <a:t> </a:t>
+            </a:r>
+            <a:r>
+              <a:rPr lang="en-US" sz="2000" dirty="0" err="1">
+                <a:latin typeface="Segoe UI" panose="020B0502040204020203" pitchFamily="34" charset="0"/>
+                <a:cs typeface="Segoe UI" panose="020B0502040204020203" pitchFamily="34" charset="0"/>
+              </a:rPr>
+              <a:t>declaração</a:t>
+            </a:r>
+            <a:r>
+              <a:rPr lang="en-US" sz="2000" dirty="0">
+                <a:latin typeface="Segoe UI" panose="020B0502040204020203" pitchFamily="34" charset="0"/>
+                <a:cs typeface="Segoe UI" panose="020B0502040204020203" pitchFamily="34" charset="0"/>
+              </a:rPr>
+              <a:t>;</a:t>
+            </a:r>
+          </a:p>
+          <a:p>
+            <a:pPr lvl="1">
+              <a:buFont typeface="Wingdings" panose="05000000000000000000" pitchFamily="2" charset="2"/>
+              <a:buChar char="§"/>
+            </a:pPr>
+            <a:endParaRPr lang="en-US" sz="2000" dirty="0">
+              <a:latin typeface="Segoe UI" panose="020B0502040204020203" pitchFamily="34" charset="0"/>
+              <a:cs typeface="Segoe UI" panose="020B0502040204020203" pitchFamily="34" charset="0"/>
+            </a:endParaRPr>
+          </a:p>
+          <a:p>
+            <a:pPr lvl="1">
+              <a:buFont typeface="Wingdings" panose="05000000000000000000" pitchFamily="2" charset="2"/>
+              <a:buChar char="§"/>
+            </a:pPr>
+            <a:r>
+              <a:rPr lang="en-US" sz="2000" dirty="0">
+                <a:latin typeface="Segoe UI" panose="020B0502040204020203" pitchFamily="34" charset="0"/>
+                <a:cs typeface="Segoe UI" panose="020B0502040204020203" pitchFamily="34" charset="0"/>
+              </a:rPr>
+              <a:t>Uma </a:t>
+            </a:r>
+            <a:r>
+              <a:rPr lang="en-US" sz="2000" dirty="0" err="1">
+                <a:latin typeface="Segoe UI" panose="020B0502040204020203" pitchFamily="34" charset="0"/>
+                <a:cs typeface="Segoe UI" panose="020B0502040204020203" pitchFamily="34" charset="0"/>
+              </a:rPr>
+              <a:t>vez</a:t>
+            </a:r>
+            <a:r>
+              <a:rPr lang="en-US" sz="2000" dirty="0">
+                <a:latin typeface="Segoe UI" panose="020B0502040204020203" pitchFamily="34" charset="0"/>
+                <a:cs typeface="Segoe UI" panose="020B0502040204020203" pitchFamily="34" charset="0"/>
+              </a:rPr>
+              <a:t> </a:t>
+            </a:r>
+            <a:r>
+              <a:rPr lang="en-US" sz="2000" dirty="0" err="1">
+                <a:latin typeface="Segoe UI" panose="020B0502040204020203" pitchFamily="34" charset="0"/>
+                <a:cs typeface="Segoe UI" panose="020B0502040204020203" pitchFamily="34" charset="0"/>
+              </a:rPr>
+              <a:t>inicializado</a:t>
+            </a:r>
+            <a:r>
+              <a:rPr lang="en-US" sz="2000" dirty="0">
+                <a:latin typeface="Segoe UI" panose="020B0502040204020203" pitchFamily="34" charset="0"/>
+                <a:cs typeface="Segoe UI" panose="020B0502040204020203" pitchFamily="34" charset="0"/>
+              </a:rPr>
+              <a:t> </a:t>
+            </a:r>
+            <a:r>
+              <a:rPr lang="en-US" sz="2000" dirty="0" err="1">
+                <a:latin typeface="Segoe UI" panose="020B0502040204020203" pitchFamily="34" charset="0"/>
+                <a:cs typeface="Segoe UI" panose="020B0502040204020203" pitchFamily="34" charset="0"/>
+              </a:rPr>
+              <a:t>não</a:t>
+            </a:r>
+            <a:r>
+              <a:rPr lang="en-US" sz="2000" dirty="0">
+                <a:latin typeface="Segoe UI" panose="020B0502040204020203" pitchFamily="34" charset="0"/>
+                <a:cs typeface="Segoe UI" panose="020B0502040204020203" pitchFamily="34" charset="0"/>
+              </a:rPr>
+              <a:t> </a:t>
+            </a:r>
+            <a:r>
+              <a:rPr lang="en-US" sz="2000" dirty="0" err="1">
+                <a:latin typeface="Segoe UI" panose="020B0502040204020203" pitchFamily="34" charset="0"/>
+                <a:cs typeface="Segoe UI" panose="020B0502040204020203" pitchFamily="34" charset="0"/>
+              </a:rPr>
+              <a:t>pode</a:t>
+            </a:r>
+            <a:r>
+              <a:rPr lang="en-US" sz="2000" dirty="0">
+                <a:latin typeface="Segoe UI" panose="020B0502040204020203" pitchFamily="34" charset="0"/>
+                <a:cs typeface="Segoe UI" panose="020B0502040204020203" pitchFamily="34" charset="0"/>
+              </a:rPr>
+              <a:t> </a:t>
+            </a:r>
+            <a:r>
+              <a:rPr lang="en-US" sz="2000" dirty="0" err="1">
+                <a:latin typeface="Segoe UI" panose="020B0502040204020203" pitchFamily="34" charset="0"/>
+                <a:cs typeface="Segoe UI" panose="020B0502040204020203" pitchFamily="34" charset="0"/>
+              </a:rPr>
+              <a:t>mais</a:t>
+            </a:r>
+            <a:r>
+              <a:rPr lang="en-US" sz="2000" dirty="0">
+                <a:latin typeface="Segoe UI" panose="020B0502040204020203" pitchFamily="34" charset="0"/>
+                <a:cs typeface="Segoe UI" panose="020B0502040204020203" pitchFamily="34" charset="0"/>
+              </a:rPr>
+              <a:t> </a:t>
+            </a:r>
+            <a:r>
+              <a:rPr lang="en-US" sz="2000" dirty="0" err="1">
+                <a:latin typeface="Segoe UI" panose="020B0502040204020203" pitchFamily="34" charset="0"/>
+                <a:cs typeface="Segoe UI" panose="020B0502040204020203" pitchFamily="34" charset="0"/>
+              </a:rPr>
+              <a:t>referenciar</a:t>
+            </a:r>
+            <a:r>
+              <a:rPr lang="en-US" sz="2000" dirty="0">
+                <a:latin typeface="Segoe UI" panose="020B0502040204020203" pitchFamily="34" charset="0"/>
+                <a:cs typeface="Segoe UI" panose="020B0502040204020203" pitchFamily="34" charset="0"/>
+              </a:rPr>
+              <a:t> </a:t>
+            </a:r>
+            <a:r>
+              <a:rPr lang="en-US" sz="2000" dirty="0" err="1">
+                <a:latin typeface="Segoe UI" panose="020B0502040204020203" pitchFamily="34" charset="0"/>
+                <a:cs typeface="Segoe UI" panose="020B0502040204020203" pitchFamily="34" charset="0"/>
+              </a:rPr>
+              <a:t>outra</a:t>
+            </a:r>
+            <a:r>
+              <a:rPr lang="en-US" sz="2000" dirty="0">
+                <a:latin typeface="Segoe UI" panose="020B0502040204020203" pitchFamily="34" charset="0"/>
+                <a:cs typeface="Segoe UI" panose="020B0502040204020203" pitchFamily="34" charset="0"/>
+              </a:rPr>
+              <a:t> </a:t>
+            </a:r>
+            <a:r>
+              <a:rPr lang="en-US" sz="2000" dirty="0" err="1">
+                <a:latin typeface="Segoe UI" panose="020B0502040204020203" pitchFamily="34" charset="0"/>
+                <a:cs typeface="Segoe UI" panose="020B0502040204020203" pitchFamily="34" charset="0"/>
+              </a:rPr>
+              <a:t>variável</a:t>
+            </a:r>
+            <a:r>
+              <a:rPr lang="en-US" sz="2000" dirty="0">
+                <a:latin typeface="Segoe UI" panose="020B0502040204020203" pitchFamily="34" charset="0"/>
+                <a:cs typeface="Segoe UI" panose="020B0502040204020203" pitchFamily="34" charset="0"/>
+              </a:rPr>
+              <a:t>;</a:t>
+            </a:r>
+          </a:p>
+          <a:p>
+            <a:pPr lvl="1">
+              <a:buFont typeface="Wingdings" panose="05000000000000000000" pitchFamily="2" charset="2"/>
+              <a:buChar char="§"/>
+            </a:pPr>
+            <a:endParaRPr lang="en-US" sz="2000" dirty="0">
+              <a:latin typeface="Segoe UI" panose="020B0502040204020203" pitchFamily="34" charset="0"/>
+              <a:cs typeface="Segoe UI" panose="020B0502040204020203" pitchFamily="34" charset="0"/>
+            </a:endParaRPr>
+          </a:p>
+          <a:p>
+            <a:pPr lvl="1">
+              <a:buFont typeface="Wingdings" panose="05000000000000000000" pitchFamily="2" charset="2"/>
+              <a:buChar char="§"/>
+            </a:pPr>
+            <a:r>
+              <a:rPr lang="en-US" sz="2000" dirty="0" err="1">
+                <a:latin typeface="Segoe UI" panose="020B0502040204020203" pitchFamily="34" charset="0"/>
+                <a:cs typeface="Segoe UI" panose="020B0502040204020203" pitchFamily="34" charset="0"/>
+              </a:rPr>
+              <a:t>Não</a:t>
+            </a:r>
+            <a:r>
+              <a:rPr lang="en-US" sz="2000" dirty="0">
+                <a:latin typeface="Segoe UI" panose="020B0502040204020203" pitchFamily="34" charset="0"/>
+                <a:cs typeface="Segoe UI" panose="020B0502040204020203" pitchFamily="34" charset="0"/>
+              </a:rPr>
+              <a:t> </a:t>
+            </a:r>
+            <a:r>
+              <a:rPr lang="en-US" sz="2000" dirty="0" err="1">
+                <a:latin typeface="Segoe UI" panose="020B0502040204020203" pitchFamily="34" charset="0"/>
+                <a:cs typeface="Segoe UI" panose="020B0502040204020203" pitchFamily="34" charset="0"/>
+              </a:rPr>
+              <a:t>possui</a:t>
+            </a:r>
+            <a:r>
+              <a:rPr lang="en-US" sz="2000" dirty="0">
+                <a:latin typeface="Segoe UI" panose="020B0502040204020203" pitchFamily="34" charset="0"/>
+                <a:cs typeface="Segoe UI" panose="020B0502040204020203" pitchFamily="34" charset="0"/>
+              </a:rPr>
+              <a:t> </a:t>
+            </a:r>
+            <a:r>
+              <a:rPr lang="en-US" sz="2000" dirty="0" err="1">
+                <a:latin typeface="Segoe UI" panose="020B0502040204020203" pitchFamily="34" charset="0"/>
+                <a:cs typeface="Segoe UI" panose="020B0502040204020203" pitchFamily="34" charset="0"/>
+              </a:rPr>
+              <a:t>seu</a:t>
+            </a:r>
+            <a:r>
+              <a:rPr lang="en-US" sz="2000" dirty="0">
+                <a:latin typeface="Segoe UI" panose="020B0502040204020203" pitchFamily="34" charset="0"/>
+                <a:cs typeface="Segoe UI" panose="020B0502040204020203" pitchFamily="34" charset="0"/>
+              </a:rPr>
+              <a:t> </a:t>
+            </a:r>
+            <a:r>
+              <a:rPr lang="en-US" sz="2000" dirty="0" err="1">
+                <a:latin typeface="Segoe UI" panose="020B0502040204020203" pitchFamily="34" charset="0"/>
+                <a:cs typeface="Segoe UI" panose="020B0502040204020203" pitchFamily="34" charset="0"/>
+              </a:rPr>
+              <a:t>próprio</a:t>
+            </a:r>
+            <a:r>
+              <a:rPr lang="en-US" sz="2000" dirty="0">
+                <a:latin typeface="Segoe UI" panose="020B0502040204020203" pitchFamily="34" charset="0"/>
+                <a:cs typeface="Segoe UI" panose="020B0502040204020203" pitchFamily="34" charset="0"/>
+              </a:rPr>
+              <a:t> </a:t>
+            </a:r>
+            <a:r>
+              <a:rPr lang="en-US" sz="2000" dirty="0" err="1">
+                <a:latin typeface="Segoe UI" panose="020B0502040204020203" pitchFamily="34" charset="0"/>
+                <a:cs typeface="Segoe UI" panose="020B0502040204020203" pitchFamily="34" charset="0"/>
+              </a:rPr>
+              <a:t>endereço</a:t>
+            </a:r>
+            <a:r>
+              <a:rPr lang="en-US" sz="2000" dirty="0">
+                <a:latin typeface="Segoe UI" panose="020B0502040204020203" pitchFamily="34" charset="0"/>
+                <a:cs typeface="Segoe UI" panose="020B0502040204020203" pitchFamily="34" charset="0"/>
+              </a:rPr>
+              <a:t>;</a:t>
+            </a:r>
+          </a:p>
+          <a:p>
+            <a:pPr lvl="1">
+              <a:buFont typeface="Wingdings" panose="05000000000000000000" pitchFamily="2" charset="2"/>
+              <a:buChar char="§"/>
+            </a:pPr>
+            <a:endParaRPr lang="en-US" sz="2000" dirty="0">
+              <a:latin typeface="Segoe UI" panose="020B0502040204020203" pitchFamily="34" charset="0"/>
+              <a:cs typeface="Segoe UI" panose="020B0502040204020203" pitchFamily="34" charset="0"/>
+            </a:endParaRPr>
+          </a:p>
+          <a:p>
+            <a:pPr lvl="1">
+              <a:buFont typeface="Wingdings" panose="05000000000000000000" pitchFamily="2" charset="2"/>
+              <a:buChar char="§"/>
+            </a:pPr>
+            <a:r>
+              <a:rPr lang="en-US" sz="2000" dirty="0" err="1">
+                <a:latin typeface="Segoe UI" panose="020B0502040204020203" pitchFamily="34" charset="0"/>
+                <a:cs typeface="Segoe UI" panose="020B0502040204020203" pitchFamily="34" charset="0"/>
+              </a:rPr>
+              <a:t>Apenas</a:t>
+            </a:r>
+            <a:r>
+              <a:rPr lang="en-US" sz="2000" dirty="0">
+                <a:latin typeface="Segoe UI" panose="020B0502040204020203" pitchFamily="34" charset="0"/>
+                <a:cs typeface="Segoe UI" panose="020B0502040204020203" pitchFamily="34" charset="0"/>
+              </a:rPr>
+              <a:t> um </a:t>
+            </a:r>
+            <a:r>
+              <a:rPr lang="en-US" sz="2000" dirty="0" err="1">
+                <a:latin typeface="Segoe UI" panose="020B0502040204020203" pitchFamily="34" charset="0"/>
+                <a:cs typeface="Segoe UI" panose="020B0502040204020203" pitchFamily="34" charset="0"/>
+              </a:rPr>
+              <a:t>nível</a:t>
+            </a:r>
+            <a:r>
+              <a:rPr lang="en-US" sz="2000" dirty="0">
+                <a:latin typeface="Segoe UI" panose="020B0502040204020203" pitchFamily="34" charset="0"/>
+                <a:cs typeface="Segoe UI" panose="020B0502040204020203" pitchFamily="34" charset="0"/>
+              </a:rPr>
+              <a:t> (</a:t>
+            </a:r>
+            <a:r>
+              <a:rPr lang="en-US" sz="2000" dirty="0" err="1">
+                <a:latin typeface="Segoe UI" panose="020B0502040204020203" pitchFamily="34" charset="0"/>
+                <a:cs typeface="Segoe UI" panose="020B0502040204020203" pitchFamily="34" charset="0"/>
+              </a:rPr>
+              <a:t>sem</a:t>
+            </a:r>
+            <a:r>
+              <a:rPr lang="en-US" sz="2000" dirty="0">
+                <a:latin typeface="Segoe UI" panose="020B0502040204020203" pitchFamily="34" charset="0"/>
+                <a:cs typeface="Segoe UI" panose="020B0502040204020203" pitchFamily="34" charset="0"/>
+              </a:rPr>
+              <a:t> </a:t>
+            </a:r>
+            <a:r>
+              <a:rPr lang="en-US" sz="2000" dirty="0" err="1">
+                <a:latin typeface="Segoe UI" panose="020B0502040204020203" pitchFamily="34" charset="0"/>
+                <a:cs typeface="Segoe UI" panose="020B0502040204020203" pitchFamily="34" charset="0"/>
+              </a:rPr>
+              <a:t>referencias</a:t>
+            </a:r>
+            <a:r>
+              <a:rPr lang="en-US" sz="2000" dirty="0">
+                <a:latin typeface="Segoe UI" panose="020B0502040204020203" pitchFamily="34" charset="0"/>
+                <a:cs typeface="Segoe UI" panose="020B0502040204020203" pitchFamily="34" charset="0"/>
+              </a:rPr>
+              <a:t> de </a:t>
+            </a:r>
+            <a:r>
+              <a:rPr lang="en-US" sz="2000" dirty="0" err="1">
+                <a:latin typeface="Segoe UI" panose="020B0502040204020203" pitchFamily="34" charset="0"/>
+                <a:cs typeface="Segoe UI" panose="020B0502040204020203" pitchFamily="34" charset="0"/>
+              </a:rPr>
+              <a:t>referencias</a:t>
+            </a:r>
+            <a:r>
+              <a:rPr lang="en-US" sz="2000" dirty="0">
+                <a:latin typeface="Segoe UI" panose="020B0502040204020203" pitchFamily="34" charset="0"/>
+                <a:cs typeface="Segoe UI" panose="020B0502040204020203" pitchFamily="34" charset="0"/>
+              </a:rPr>
+              <a:t>);</a:t>
+            </a:r>
+          </a:p>
+          <a:p>
+            <a:pPr lvl="1">
+              <a:buFont typeface="Wingdings" panose="05000000000000000000" pitchFamily="2" charset="2"/>
+              <a:buChar char="§"/>
+            </a:pPr>
+            <a:endParaRPr lang="en-US" sz="2000" dirty="0">
+              <a:latin typeface="Segoe UI" panose="020B0502040204020203" pitchFamily="34" charset="0"/>
+              <a:cs typeface="Segoe UI" panose="020B0502040204020203" pitchFamily="34" charset="0"/>
+            </a:endParaRPr>
+          </a:p>
+          <a:p>
+            <a:pPr lvl="1">
+              <a:buFont typeface="Wingdings" panose="05000000000000000000" pitchFamily="2" charset="2"/>
+              <a:buChar char="§"/>
+            </a:pPr>
+            <a:r>
+              <a:rPr lang="en-US" sz="2000" dirty="0" err="1">
+                <a:latin typeface="Segoe UI" panose="020B0502040204020203" pitchFamily="34" charset="0"/>
+                <a:cs typeface="Segoe UI" panose="020B0502040204020203" pitchFamily="34" charset="0"/>
+              </a:rPr>
+              <a:t>Não</a:t>
+            </a:r>
+            <a:r>
+              <a:rPr lang="en-US" sz="2000" dirty="0">
+                <a:latin typeface="Segoe UI" panose="020B0502040204020203" pitchFamily="34" charset="0"/>
+                <a:cs typeface="Segoe UI" panose="020B0502040204020203" pitchFamily="34" charset="0"/>
+              </a:rPr>
+              <a:t> </a:t>
+            </a:r>
+            <a:r>
+              <a:rPr lang="en-US" sz="2000" dirty="0" err="1">
+                <a:latin typeface="Segoe UI" panose="020B0502040204020203" pitchFamily="34" charset="0"/>
+                <a:cs typeface="Segoe UI" panose="020B0502040204020203" pitchFamily="34" charset="0"/>
+              </a:rPr>
+              <a:t>pode</a:t>
+            </a:r>
+            <a:r>
+              <a:rPr lang="en-US" sz="2000" dirty="0">
+                <a:latin typeface="Segoe UI" panose="020B0502040204020203" pitchFamily="34" charset="0"/>
+                <a:cs typeface="Segoe UI" panose="020B0502040204020203" pitchFamily="34" charset="0"/>
+              </a:rPr>
+              <a:t> ser </a:t>
+            </a:r>
+            <a:r>
+              <a:rPr lang="en-US" sz="2000" dirty="0" err="1">
+                <a:latin typeface="Segoe UI" panose="020B0502040204020203" pitchFamily="34" charset="0"/>
+                <a:cs typeface="Segoe UI" panose="020B0502040204020203" pitchFamily="34" charset="0"/>
+              </a:rPr>
+              <a:t>nulo</a:t>
+            </a:r>
+            <a:r>
+              <a:rPr lang="en-US" sz="2000" dirty="0">
+                <a:latin typeface="Segoe UI" panose="020B0502040204020203" pitchFamily="34" charset="0"/>
+                <a:cs typeface="Segoe UI" panose="020B0502040204020203" pitchFamily="34" charset="0"/>
+              </a:rPr>
+              <a:t>*;</a:t>
+            </a:r>
+          </a:p>
+          <a:p>
+            <a:pPr lvl="1">
+              <a:buFont typeface="Wingdings" panose="05000000000000000000" pitchFamily="2" charset="2"/>
+              <a:buChar char="§"/>
+            </a:pPr>
+            <a:endParaRPr lang="en-US" sz="2000" dirty="0">
+              <a:latin typeface="Segoe UI" panose="020B0502040204020203" pitchFamily="34" charset="0"/>
+              <a:cs typeface="Segoe UI" panose="020B0502040204020203" pitchFamily="34" charset="0"/>
+            </a:endParaRPr>
+          </a:p>
+          <a:p>
+            <a:pPr lvl="1">
+              <a:buFont typeface="Wingdings" panose="05000000000000000000" pitchFamily="2" charset="2"/>
+              <a:buChar char="§"/>
+            </a:pPr>
+            <a:r>
+              <a:rPr lang="en-US" sz="2000" dirty="0" err="1">
+                <a:latin typeface="Segoe UI" panose="020B0502040204020203" pitchFamily="34" charset="0"/>
+                <a:cs typeface="Segoe UI" panose="020B0502040204020203" pitchFamily="34" charset="0"/>
+              </a:rPr>
+              <a:t>Não</a:t>
+            </a:r>
+            <a:r>
+              <a:rPr lang="en-US" sz="2000" dirty="0">
+                <a:latin typeface="Segoe UI" panose="020B0502040204020203" pitchFamily="34" charset="0"/>
+                <a:cs typeface="Segoe UI" panose="020B0502040204020203" pitchFamily="34" charset="0"/>
+              </a:rPr>
+              <a:t> </a:t>
+            </a:r>
+            <a:r>
+              <a:rPr lang="en-US" sz="2000" dirty="0" err="1">
+                <a:latin typeface="Segoe UI" panose="020B0502040204020203" pitchFamily="34" charset="0"/>
+                <a:cs typeface="Segoe UI" panose="020B0502040204020203" pitchFamily="34" charset="0"/>
+              </a:rPr>
+              <a:t>há</a:t>
+            </a:r>
+            <a:r>
+              <a:rPr lang="en-US" sz="2000" dirty="0">
+                <a:latin typeface="Segoe UI" panose="020B0502040204020203" pitchFamily="34" charset="0"/>
+                <a:cs typeface="Segoe UI" panose="020B0502040204020203" pitchFamily="34" charset="0"/>
+              </a:rPr>
+              <a:t> arrays de </a:t>
+            </a:r>
+            <a:r>
+              <a:rPr lang="en-US" sz="2000" dirty="0" err="1">
+                <a:latin typeface="Segoe UI" panose="020B0502040204020203" pitchFamily="34" charset="0"/>
+                <a:cs typeface="Segoe UI" panose="020B0502040204020203" pitchFamily="34" charset="0"/>
+              </a:rPr>
+              <a:t>referencias</a:t>
+            </a:r>
+            <a:r>
+              <a:rPr lang="en-US" sz="2000" dirty="0">
+                <a:latin typeface="Segoe UI" panose="020B0502040204020203" pitchFamily="34" charset="0"/>
+                <a:cs typeface="Segoe UI" panose="020B0502040204020203" pitchFamily="34" charset="0"/>
+              </a:rPr>
+              <a:t>;</a:t>
+            </a:r>
+          </a:p>
+          <a:p>
+            <a:pPr lvl="1">
+              <a:buFont typeface="Wingdings" panose="05000000000000000000" pitchFamily="2" charset="2"/>
+              <a:buChar char="§"/>
+            </a:pPr>
+            <a:endParaRPr lang="en-US" sz="2000" dirty="0">
+              <a:latin typeface="Segoe UI" panose="020B0502040204020203" pitchFamily="34" charset="0"/>
+              <a:cs typeface="Segoe UI" panose="020B0502040204020203" pitchFamily="34" charset="0"/>
+            </a:endParaRPr>
+          </a:p>
+          <a:p>
+            <a:pPr lvl="1">
+              <a:buFont typeface="Wingdings" panose="05000000000000000000" pitchFamily="2" charset="2"/>
+              <a:buChar char="§"/>
+            </a:pPr>
+            <a:r>
+              <a:rPr lang="en-US" sz="2000" dirty="0" err="1">
+                <a:latin typeface="Segoe UI" panose="020B0502040204020203" pitchFamily="34" charset="0"/>
+                <a:cs typeface="Segoe UI" panose="020B0502040204020203" pitchFamily="34" charset="0"/>
+              </a:rPr>
+              <a:t>Não</a:t>
+            </a:r>
+            <a:r>
+              <a:rPr lang="en-US" sz="2000" dirty="0">
+                <a:latin typeface="Segoe UI" panose="020B0502040204020203" pitchFamily="34" charset="0"/>
+                <a:cs typeface="Segoe UI" panose="020B0502040204020203" pitchFamily="34" charset="0"/>
+              </a:rPr>
+              <a:t> </a:t>
+            </a:r>
+            <a:r>
+              <a:rPr lang="en-US" sz="2000" dirty="0" err="1">
+                <a:latin typeface="Segoe UI" panose="020B0502040204020203" pitchFamily="34" charset="0"/>
+                <a:cs typeface="Segoe UI" panose="020B0502040204020203" pitchFamily="34" charset="0"/>
+              </a:rPr>
+              <a:t>existe</a:t>
+            </a:r>
+            <a:r>
+              <a:rPr lang="en-US" sz="2000" dirty="0">
+                <a:latin typeface="Segoe UI" panose="020B0502040204020203" pitchFamily="34" charset="0"/>
+                <a:cs typeface="Segoe UI" panose="020B0502040204020203" pitchFamily="34" charset="0"/>
+              </a:rPr>
+              <a:t> ‘</a:t>
+            </a:r>
+            <a:r>
+              <a:rPr lang="en-US" sz="2000" dirty="0" err="1">
+                <a:latin typeface="Segoe UI" panose="020B0502040204020203" pitchFamily="34" charset="0"/>
+                <a:cs typeface="Segoe UI" panose="020B0502040204020203" pitchFamily="34" charset="0"/>
+              </a:rPr>
+              <a:t>aritmética</a:t>
+            </a:r>
+            <a:r>
+              <a:rPr lang="en-US" sz="2000" dirty="0">
+                <a:latin typeface="Segoe UI" panose="020B0502040204020203" pitchFamily="34" charset="0"/>
+                <a:cs typeface="Segoe UI" panose="020B0502040204020203" pitchFamily="34" charset="0"/>
+              </a:rPr>
+              <a:t> de </a:t>
+            </a:r>
+            <a:r>
+              <a:rPr lang="en-US" sz="2000" dirty="0" err="1">
+                <a:latin typeface="Segoe UI" panose="020B0502040204020203" pitchFamily="34" charset="0"/>
+                <a:cs typeface="Segoe UI" panose="020B0502040204020203" pitchFamily="34" charset="0"/>
+              </a:rPr>
+              <a:t>referencias</a:t>
+            </a:r>
+            <a:r>
+              <a:rPr lang="en-US" sz="2000" dirty="0">
+                <a:latin typeface="Segoe UI" panose="020B0502040204020203" pitchFamily="34" charset="0"/>
+                <a:cs typeface="Segoe UI" panose="020B0502040204020203" pitchFamily="34" charset="0"/>
+              </a:rPr>
+              <a:t>’;</a:t>
+            </a:r>
+          </a:p>
+          <a:p>
+            <a:pPr lvl="1">
+              <a:buFont typeface="Wingdings" panose="05000000000000000000" pitchFamily="2" charset="2"/>
+              <a:buChar char="§"/>
+            </a:pPr>
+            <a:endParaRPr lang="en-US" sz="2000" dirty="0">
+              <a:latin typeface="Segoe UI" panose="020B0502040204020203" pitchFamily="34" charset="0"/>
+              <a:cs typeface="Segoe UI" panose="020B0502040204020203" pitchFamily="34" charset="0"/>
+            </a:endParaRPr>
+          </a:p>
+          <a:p>
+            <a:pPr lvl="1">
+              <a:buFont typeface="Wingdings" panose="05000000000000000000" pitchFamily="2" charset="2"/>
+              <a:buChar char="§"/>
+            </a:pPr>
+            <a:r>
+              <a:rPr lang="en-US" sz="2000" dirty="0" err="1">
+                <a:latin typeface="Segoe UI" panose="020B0502040204020203" pitchFamily="34" charset="0"/>
+                <a:cs typeface="Segoe UI" panose="020B0502040204020203" pitchFamily="34" charset="0"/>
+              </a:rPr>
+              <a:t>Referências</a:t>
+            </a:r>
+            <a:r>
+              <a:rPr lang="en-US" sz="2000" dirty="0">
+                <a:latin typeface="Segoe UI" panose="020B0502040204020203" pitchFamily="34" charset="0"/>
+                <a:cs typeface="Segoe UI" panose="020B0502040204020203" pitchFamily="34" charset="0"/>
+              </a:rPr>
+              <a:t> do </a:t>
+            </a:r>
+            <a:r>
+              <a:rPr lang="en-US" sz="2000" dirty="0" err="1">
+                <a:latin typeface="Segoe UI" panose="020B0502040204020203" pitchFamily="34" charset="0"/>
+                <a:cs typeface="Segoe UI" panose="020B0502040204020203" pitchFamily="34" charset="0"/>
+              </a:rPr>
+              <a:t>tipo</a:t>
+            </a:r>
+            <a:r>
+              <a:rPr lang="en-US" sz="2000" dirty="0">
+                <a:latin typeface="Segoe UI" panose="020B0502040204020203" pitchFamily="34" charset="0"/>
+                <a:cs typeface="Segoe UI" panose="020B0502040204020203" pitchFamily="34" charset="0"/>
+              </a:rPr>
+              <a:t> ‘const’ </a:t>
+            </a:r>
+            <a:r>
+              <a:rPr lang="en-US" sz="2000" dirty="0" err="1">
+                <a:latin typeface="Segoe UI" panose="020B0502040204020203" pitchFamily="34" charset="0"/>
+                <a:cs typeface="Segoe UI" panose="020B0502040204020203" pitchFamily="34" charset="0"/>
+              </a:rPr>
+              <a:t>podem</a:t>
+            </a:r>
+            <a:r>
+              <a:rPr lang="en-US" sz="2000" dirty="0">
+                <a:latin typeface="Segoe UI" panose="020B0502040204020203" pitchFamily="34" charset="0"/>
+                <a:cs typeface="Segoe UI" panose="020B0502040204020203" pitchFamily="34" charset="0"/>
+              </a:rPr>
+              <a:t> ser </a:t>
+            </a:r>
+            <a:r>
+              <a:rPr lang="en-US" sz="2000" dirty="0" err="1">
+                <a:latin typeface="Segoe UI" panose="020B0502040204020203" pitchFamily="34" charset="0"/>
+                <a:cs typeface="Segoe UI" panose="020B0502040204020203" pitchFamily="34" charset="0"/>
+              </a:rPr>
+              <a:t>associadas</a:t>
+            </a:r>
+            <a:r>
+              <a:rPr lang="en-US" sz="2000" dirty="0">
+                <a:latin typeface="Segoe UI" panose="020B0502040204020203" pitchFamily="34" charset="0"/>
+                <a:cs typeface="Segoe UI" panose="020B0502040204020203" pitchFamily="34" charset="0"/>
+              </a:rPr>
+              <a:t> a um valor </a:t>
+            </a:r>
+            <a:r>
+              <a:rPr lang="en-US" sz="2000" dirty="0" err="1">
+                <a:latin typeface="Segoe UI" panose="020B0502040204020203" pitchFamily="34" charset="0"/>
+                <a:cs typeface="Segoe UI" panose="020B0502040204020203" pitchFamily="34" charset="0"/>
+              </a:rPr>
+              <a:t>temporário</a:t>
+            </a:r>
+            <a:r>
+              <a:rPr lang="en-US" sz="2000" dirty="0">
+                <a:latin typeface="Segoe UI" panose="020B0502040204020203" pitchFamily="34" charset="0"/>
+                <a:cs typeface="Segoe UI" panose="020B0502040204020203" pitchFamily="34" charset="0"/>
+              </a:rPr>
+              <a:t>; </a:t>
+            </a:r>
+          </a:p>
+          <a:p>
+            <a:pPr lvl="1">
+              <a:buFont typeface="Wingdings" panose="05000000000000000000" pitchFamily="2" charset="2"/>
+              <a:buChar char="§"/>
+            </a:pPr>
+            <a:endParaRPr lang="en-US" sz="2000" dirty="0">
+              <a:latin typeface="Segoe UI" panose="020B0502040204020203" pitchFamily="34" charset="0"/>
+              <a:cs typeface="Segoe UI" panose="020B0502040204020203" pitchFamily="34" charset="0"/>
+            </a:endParaRPr>
+          </a:p>
+          <a:p>
+            <a:pPr lvl="1">
+              <a:buFont typeface="Wingdings" panose="05000000000000000000" pitchFamily="2" charset="2"/>
+              <a:buChar char="§"/>
+            </a:pPr>
+            <a:endParaRPr lang="en-US" sz="2000" dirty="0">
+              <a:latin typeface="Segoe UI" panose="020B0502040204020203" pitchFamily="34" charset="0"/>
+              <a:cs typeface="Segoe UI" panose="020B0502040204020203" pitchFamily="34" charset="0"/>
+            </a:endParaRPr>
+          </a:p>
+          <a:p>
+            <a:pPr lvl="1">
+              <a:buFont typeface="Wingdings" panose="05000000000000000000" pitchFamily="2" charset="2"/>
+              <a:buChar char="§"/>
+            </a:pPr>
+            <a:endParaRPr lang="en-US" sz="2000" dirty="0">
+              <a:latin typeface="Segoe UI" panose="020B0502040204020203" pitchFamily="34" charset="0"/>
+              <a:cs typeface="Segoe UI" panose="020B0502040204020203" pitchFamily="34" charset="0"/>
+            </a:endParaRPr>
+          </a:p>
+          <a:p>
+            <a:pPr lvl="1">
+              <a:buFont typeface="Wingdings" panose="05000000000000000000" pitchFamily="2" charset="2"/>
+              <a:buChar char="§"/>
+            </a:pPr>
+            <a:endParaRPr lang="en-US" sz="2000" dirty="0">
+              <a:latin typeface="Segoe UI" panose="020B0502040204020203" pitchFamily="34" charset="0"/>
+              <a:cs typeface="Segoe UI" panose="020B0502040204020203" pitchFamily="34" charset="0"/>
+            </a:endParaRPr>
+          </a:p>
+          <a:p>
+            <a:pPr marL="0" indent="0">
+              <a:buFont typeface="Arial" panose="020B0604020202020204" pitchFamily="34" charset="0"/>
+              <a:buNone/>
+            </a:pPr>
+            <a:endParaRPr lang="en-US" sz="2400" dirty="0">
+              <a:latin typeface="Segoe UI" panose="020B0502040204020203" pitchFamily="34" charset="0"/>
+              <a:cs typeface="Segoe UI" panose="020B0502040204020203" pitchFamily="34" charset="0"/>
+            </a:endParaRPr>
+          </a:p>
+          <a:p>
+            <a:pPr marL="0" indent="0">
+              <a:buFont typeface="Arial" panose="020B0604020202020204" pitchFamily="34" charset="0"/>
+              <a:buNone/>
+            </a:pPr>
+            <a:endParaRPr lang="pt-BR" sz="2400" dirty="0">
+              <a:latin typeface="Segoe UI" panose="020B0502040204020203" pitchFamily="34" charset="0"/>
+              <a:cs typeface="Segoe UI" panose="020B0502040204020203" pitchFamily="34" charset="0"/>
+            </a:endParaRPr>
+          </a:p>
+        </p:txBody>
+      </p:sp>
     </p:spTree>
     <p:extLst>
       <p:ext uri="{BB962C8B-B14F-4D97-AF65-F5344CB8AC3E}">
-        <p14:creationId xmlns:p14="http://schemas.microsoft.com/office/powerpoint/2010/main" val="2167016015"/>
+        <p14:creationId xmlns:p14="http://schemas.microsoft.com/office/powerpoint/2010/main" val="2103670096"/>
       </p:ext>
     </p:extLst>
   </p:cSld>
@@ -34855,7 +37898,7 @@
                 <a:latin typeface="Segoe UI" panose="020B0502040204020203" pitchFamily="34" charset="0"/>
                 <a:cs typeface="Segoe UI" panose="020B0502040204020203" pitchFamily="34" charset="0"/>
               </a:rPr>
-              <a:t>Iterators</a:t>
+              <a:t>Ponteiros vs Referencias</a:t>
             </a:r>
           </a:p>
         </p:txBody>
@@ -34936,10 +37979,256 @@
           </a:p>
         </p:txBody>
       </p:sp>
+      <p:sp>
+        <p:nvSpPr>
+          <p:cNvPr id="5" name="Content Placeholder 2">
+            <a:extLst>
+              <a:ext uri="{FF2B5EF4-FFF2-40B4-BE49-F238E27FC236}">
+                <a16:creationId xmlns:a16="http://schemas.microsoft.com/office/drawing/2014/main" id="{B69E5B65-8E23-4F53-82D1-DC727300089C}"/>
+              </a:ext>
+            </a:extLst>
+          </p:cNvPr>
+          <p:cNvSpPr>
+            <a:spLocks noGrp="1"/>
+          </p:cNvSpPr>
+          <p:nvPr>
+            <p:ph idx="1"/>
+          </p:nvPr>
+        </p:nvSpPr>
+        <p:spPr>
+          <a:xfrm>
+            <a:off x="931178" y="1828800"/>
+            <a:ext cx="8992998" cy="5029200"/>
+          </a:xfrm>
+        </p:spPr>
+        <p:txBody>
+          <a:bodyPr>
+            <a:normAutofit/>
+          </a:bodyPr>
+          <a:lstStyle/>
+          <a:p>
+            <a:pPr marL="0" indent="0">
+              <a:buNone/>
+            </a:pPr>
+            <a:r>
+              <a:rPr lang="en-US" sz="2400" dirty="0">
+                <a:latin typeface="Segoe UI" panose="020B0502040204020203" pitchFamily="34" charset="0"/>
+                <a:cs typeface="Segoe UI" panose="020B0502040204020203" pitchFamily="34" charset="0"/>
+              </a:rPr>
+              <a:t>Se </a:t>
+            </a:r>
+            <a:r>
+              <a:rPr lang="en-US" sz="2400" dirty="0" err="1">
+                <a:latin typeface="Segoe UI" panose="020B0502040204020203" pitchFamily="34" charset="0"/>
+                <a:cs typeface="Segoe UI" panose="020B0502040204020203" pitchFamily="34" charset="0"/>
+              </a:rPr>
+              <a:t>precisar</a:t>
+            </a:r>
+            <a:r>
+              <a:rPr lang="en-US" sz="2400" dirty="0">
+                <a:latin typeface="Segoe UI" panose="020B0502040204020203" pitchFamily="34" charset="0"/>
+                <a:cs typeface="Segoe UI" panose="020B0502040204020203" pitchFamily="34" charset="0"/>
+              </a:rPr>
+              <a:t> </a:t>
+            </a:r>
+            <a:r>
+              <a:rPr lang="en-US" sz="2400" dirty="0" err="1">
+                <a:latin typeface="Segoe UI" panose="020B0502040204020203" pitchFamily="34" charset="0"/>
+                <a:cs typeface="Segoe UI" panose="020B0502040204020203" pitchFamily="34" charset="0"/>
+              </a:rPr>
+              <a:t>guardar</a:t>
+            </a:r>
+            <a:r>
+              <a:rPr lang="en-US" sz="2400" dirty="0">
+                <a:latin typeface="Segoe UI" panose="020B0502040204020203" pitchFamily="34" charset="0"/>
+                <a:cs typeface="Segoe UI" panose="020B0502040204020203" pitchFamily="34" charset="0"/>
+              </a:rPr>
+              <a:t> o </a:t>
+            </a:r>
+            <a:r>
+              <a:rPr lang="en-US" sz="2400" dirty="0" err="1">
+                <a:latin typeface="Segoe UI" panose="020B0502040204020203" pitchFamily="34" charset="0"/>
+                <a:cs typeface="Segoe UI" panose="020B0502040204020203" pitchFamily="34" charset="0"/>
+              </a:rPr>
+              <a:t>endereço</a:t>
+            </a:r>
+            <a:r>
+              <a:rPr lang="en-US" sz="2400" dirty="0">
+                <a:latin typeface="Segoe UI" panose="020B0502040204020203" pitchFamily="34" charset="0"/>
+                <a:cs typeface="Segoe UI" panose="020B0502040204020203" pitchFamily="34" charset="0"/>
+              </a:rPr>
+              <a:t> da </a:t>
+            </a:r>
+            <a:r>
+              <a:rPr lang="en-US" sz="2400" dirty="0" err="1">
+                <a:latin typeface="Segoe UI" panose="020B0502040204020203" pitchFamily="34" charset="0"/>
+                <a:cs typeface="Segoe UI" panose="020B0502040204020203" pitchFamily="34" charset="0"/>
+              </a:rPr>
+              <a:t>variável</a:t>
+            </a:r>
+            <a:r>
+              <a:rPr lang="en-US" sz="2400" dirty="0">
+                <a:latin typeface="Segoe UI" panose="020B0502040204020203" pitchFamily="34" charset="0"/>
+                <a:cs typeface="Segoe UI" panose="020B0502040204020203" pitchFamily="34" charset="0"/>
+              </a:rPr>
+              <a:t> </a:t>
+            </a:r>
+            <a:r>
+              <a:rPr lang="en-US" sz="2400" dirty="0" err="1">
+                <a:latin typeface="Segoe UI" panose="020B0502040204020203" pitchFamily="34" charset="0"/>
+                <a:cs typeface="Segoe UI" panose="020B0502040204020203" pitchFamily="34" charset="0"/>
+              </a:rPr>
+              <a:t>ou</a:t>
+            </a:r>
+            <a:r>
+              <a:rPr lang="en-US" sz="2400" dirty="0">
+                <a:latin typeface="Segoe UI" panose="020B0502040204020203" pitchFamily="34" charset="0"/>
+                <a:cs typeface="Segoe UI" panose="020B0502040204020203" pitchFamily="34" charset="0"/>
+              </a:rPr>
+              <a:t> </a:t>
+            </a:r>
+            <a:r>
+              <a:rPr lang="en-US" sz="2400" dirty="0" err="1">
+                <a:latin typeface="Segoe UI" panose="020B0502040204020203" pitchFamily="34" charset="0"/>
+                <a:cs typeface="Segoe UI" panose="020B0502040204020203" pitchFamily="34" charset="0"/>
+              </a:rPr>
+              <a:t>precisar</a:t>
+            </a:r>
+            <a:r>
+              <a:rPr lang="en-US" sz="2400" dirty="0">
+                <a:latin typeface="Segoe UI" panose="020B0502040204020203" pitchFamily="34" charset="0"/>
+                <a:cs typeface="Segoe UI" panose="020B0502040204020203" pitchFamily="34" charset="0"/>
+              </a:rPr>
+              <a:t> </a:t>
+            </a:r>
+            <a:r>
+              <a:rPr lang="en-US" sz="2400" dirty="0" err="1">
+                <a:latin typeface="Segoe UI" panose="020B0502040204020203" pitchFamily="34" charset="0"/>
+                <a:cs typeface="Segoe UI" panose="020B0502040204020203" pitchFamily="34" charset="0"/>
+              </a:rPr>
+              <a:t>armazenar</a:t>
+            </a:r>
+            <a:r>
+              <a:rPr lang="en-US" sz="2400" dirty="0">
+                <a:latin typeface="Segoe UI" panose="020B0502040204020203" pitchFamily="34" charset="0"/>
+                <a:cs typeface="Segoe UI" panose="020B0502040204020203" pitchFamily="34" charset="0"/>
+              </a:rPr>
+              <a:t> um array: </a:t>
+            </a:r>
+            <a:r>
+              <a:rPr lang="en-US" sz="2400" dirty="0" err="1">
+                <a:latin typeface="Segoe UI" panose="020B0502040204020203" pitchFamily="34" charset="0"/>
+                <a:cs typeface="Segoe UI" panose="020B0502040204020203" pitchFamily="34" charset="0"/>
+              </a:rPr>
+              <a:t>utilizar</a:t>
+            </a:r>
+            <a:r>
+              <a:rPr lang="en-US" sz="2400" dirty="0">
+                <a:latin typeface="Segoe UI" panose="020B0502040204020203" pitchFamily="34" charset="0"/>
+                <a:cs typeface="Segoe UI" panose="020B0502040204020203" pitchFamily="34" charset="0"/>
+              </a:rPr>
+              <a:t> </a:t>
+            </a:r>
+            <a:r>
+              <a:rPr lang="en-US" sz="2400" dirty="0" err="1">
+                <a:latin typeface="Segoe UI" panose="020B0502040204020203" pitchFamily="34" charset="0"/>
+                <a:cs typeface="Segoe UI" panose="020B0502040204020203" pitchFamily="34" charset="0"/>
+              </a:rPr>
+              <a:t>ponteiro</a:t>
+            </a:r>
+            <a:r>
+              <a:rPr lang="en-US" sz="2400" dirty="0">
+                <a:latin typeface="Segoe UI" panose="020B0502040204020203" pitchFamily="34" charset="0"/>
+                <a:cs typeface="Segoe UI" panose="020B0502040204020203" pitchFamily="34" charset="0"/>
+              </a:rPr>
+              <a:t>;</a:t>
+            </a:r>
+          </a:p>
+          <a:p>
+            <a:pPr marL="0" indent="0">
+              <a:buNone/>
+            </a:pPr>
+            <a:endParaRPr lang="en-US" sz="2400" dirty="0">
+              <a:latin typeface="Segoe UI" panose="020B0502040204020203" pitchFamily="34" charset="0"/>
+              <a:cs typeface="Segoe UI" panose="020B0502040204020203" pitchFamily="34" charset="0"/>
+            </a:endParaRPr>
+          </a:p>
+          <a:p>
+            <a:pPr marL="0" indent="0">
+              <a:buNone/>
+            </a:pPr>
+            <a:r>
+              <a:rPr lang="en-US" sz="2400" dirty="0" err="1">
+                <a:latin typeface="Segoe UI" panose="020B0502040204020203" pitchFamily="34" charset="0"/>
+                <a:cs typeface="Segoe UI" panose="020B0502040204020203" pitchFamily="34" charset="0"/>
+              </a:rPr>
+              <a:t>Demais</a:t>
+            </a:r>
+            <a:r>
+              <a:rPr lang="en-US" sz="2400" dirty="0">
+                <a:latin typeface="Segoe UI" panose="020B0502040204020203" pitchFamily="34" charset="0"/>
+                <a:cs typeface="Segoe UI" panose="020B0502040204020203" pitchFamily="34" charset="0"/>
+              </a:rPr>
+              <a:t> </a:t>
+            </a:r>
+            <a:r>
+              <a:rPr lang="en-US" sz="2400" dirty="0" err="1">
+                <a:latin typeface="Segoe UI" panose="020B0502040204020203" pitchFamily="34" charset="0"/>
+                <a:cs typeface="Segoe UI" panose="020B0502040204020203" pitchFamily="34" charset="0"/>
+              </a:rPr>
+              <a:t>casos</a:t>
+            </a:r>
+            <a:r>
+              <a:rPr lang="en-US" sz="2400" dirty="0">
+                <a:latin typeface="Segoe UI" panose="020B0502040204020203" pitchFamily="34" charset="0"/>
+                <a:cs typeface="Segoe UI" panose="020B0502040204020203" pitchFamily="34" charset="0"/>
+              </a:rPr>
+              <a:t>: </a:t>
+            </a:r>
+            <a:r>
+              <a:rPr lang="en-US" sz="2400" dirty="0" err="1">
+                <a:latin typeface="Segoe UI" panose="020B0502040204020203" pitchFamily="34" charset="0"/>
+                <a:cs typeface="Segoe UI" panose="020B0502040204020203" pitchFamily="34" charset="0"/>
+              </a:rPr>
+              <a:t>utilizar</a:t>
+            </a:r>
+            <a:r>
+              <a:rPr lang="en-US" sz="2400" dirty="0">
+                <a:latin typeface="Segoe UI" panose="020B0502040204020203" pitchFamily="34" charset="0"/>
+                <a:cs typeface="Segoe UI" panose="020B0502040204020203" pitchFamily="34" charset="0"/>
+              </a:rPr>
+              <a:t> </a:t>
+            </a:r>
+            <a:r>
+              <a:rPr lang="en-US" sz="2400" dirty="0" err="1">
+                <a:latin typeface="Segoe UI" panose="020B0502040204020203" pitchFamily="34" charset="0"/>
+                <a:cs typeface="Segoe UI" panose="020B0502040204020203" pitchFamily="34" charset="0"/>
+              </a:rPr>
+              <a:t>referência</a:t>
+            </a:r>
+            <a:r>
+              <a:rPr lang="en-US" sz="2400" dirty="0">
+                <a:latin typeface="Segoe UI" panose="020B0502040204020203" pitchFamily="34" charset="0"/>
+                <a:cs typeface="Segoe UI" panose="020B0502040204020203" pitchFamily="34" charset="0"/>
+              </a:rPr>
+              <a:t>;</a:t>
+            </a:r>
+          </a:p>
+          <a:p>
+            <a:pPr marL="0" indent="0">
+              <a:buNone/>
+            </a:pPr>
+            <a:endParaRPr lang="pt-BR" sz="2400" dirty="0">
+              <a:latin typeface="Segoe UI" panose="020B0502040204020203" pitchFamily="34" charset="0"/>
+              <a:cs typeface="Segoe UI" panose="020B0502040204020203" pitchFamily="34" charset="0"/>
+            </a:endParaRPr>
+          </a:p>
+        </p:txBody>
+      </p:sp>
     </p:spTree>
     <p:extLst>
       <p:ext uri="{BB962C8B-B14F-4D97-AF65-F5344CB8AC3E}">
-        <p14:creationId xmlns:p14="http://schemas.microsoft.com/office/powerpoint/2010/main" val="4245057799"/>
+        <p14:creationId xmlns:p14="http://schemas.microsoft.com/office/powerpoint/2010/main" val="146694835"/>
       </p:ext>
     </p:extLst>
   </p:cSld>
@@ -35432,7 +38721,7 @@
                 <a:latin typeface="Segoe UI" panose="020B0502040204020203" pitchFamily="34" charset="0"/>
                 <a:cs typeface="Segoe UI" panose="020B0502040204020203" pitchFamily="34" charset="0"/>
               </a:rPr>
-              <a:t>Ranges</a:t>
+              <a:t>Classes</a:t>
             </a:r>
           </a:p>
         </p:txBody>
@@ -35513,10 +38802,100 @@
           </a:p>
         </p:txBody>
       </p:sp>
+      <p:pic>
+        <p:nvPicPr>
+          <p:cNvPr id="3" name="Picture 2">
+            <a:extLst>
+              <a:ext uri="{FF2B5EF4-FFF2-40B4-BE49-F238E27FC236}">
+                <a16:creationId xmlns:a16="http://schemas.microsoft.com/office/drawing/2014/main" id="{C270FC54-BF43-4952-9279-5F5FC96DF9FD}"/>
+              </a:ext>
+            </a:extLst>
+          </p:cNvPr>
+          <p:cNvPicPr>
+            <a:picLocks noChangeAspect="1"/>
+          </p:cNvPicPr>
+          <p:nvPr/>
+        </p:nvPicPr>
+        <p:blipFill>
+          <a:blip r:embed="rId3"/>
+          <a:stretch>
+            <a:fillRect/>
+          </a:stretch>
+        </p:blipFill>
+        <p:spPr>
+          <a:xfrm>
+            <a:off x="1221298" y="2254250"/>
+            <a:ext cx="2095500" cy="2876550"/>
+          </a:xfrm>
+          <a:prstGeom prst="rect">
+            <a:avLst/>
+          </a:prstGeom>
+        </p:spPr>
+      </p:pic>
+      <p:pic>
+        <p:nvPicPr>
+          <p:cNvPr id="5" name="Picture 4">
+            <a:extLst>
+              <a:ext uri="{FF2B5EF4-FFF2-40B4-BE49-F238E27FC236}">
+                <a16:creationId xmlns:a16="http://schemas.microsoft.com/office/drawing/2014/main" id="{6584F378-38C9-4993-BE8E-784BEDBB5D97}"/>
+              </a:ext>
+            </a:extLst>
+          </p:cNvPr>
+          <p:cNvPicPr>
+            <a:picLocks noChangeAspect="1"/>
+          </p:cNvPicPr>
+          <p:nvPr/>
+        </p:nvPicPr>
+        <p:blipFill>
+          <a:blip r:embed="rId4"/>
+          <a:stretch>
+            <a:fillRect/>
+          </a:stretch>
+        </p:blipFill>
+        <p:spPr>
+          <a:xfrm>
+            <a:off x="3381376" y="1948780"/>
+            <a:ext cx="2438400" cy="3771900"/>
+          </a:xfrm>
+          <a:prstGeom prst="rect">
+            <a:avLst/>
+          </a:prstGeom>
+        </p:spPr>
+      </p:pic>
+      <p:pic>
+        <p:nvPicPr>
+          <p:cNvPr id="6" name="Picture 5">
+            <a:extLst>
+              <a:ext uri="{FF2B5EF4-FFF2-40B4-BE49-F238E27FC236}">
+                <a16:creationId xmlns:a16="http://schemas.microsoft.com/office/drawing/2014/main" id="{985DA3AB-CD1C-4206-9415-F9232D3455E5}"/>
+              </a:ext>
+            </a:extLst>
+          </p:cNvPr>
+          <p:cNvPicPr>
+            <a:picLocks noChangeAspect="1"/>
+          </p:cNvPicPr>
+          <p:nvPr/>
+        </p:nvPicPr>
+        <p:blipFill>
+          <a:blip r:embed="rId5"/>
+          <a:stretch>
+            <a:fillRect/>
+          </a:stretch>
+        </p:blipFill>
+        <p:spPr>
+          <a:xfrm>
+            <a:off x="7742427" y="817659"/>
+            <a:ext cx="2038350" cy="5600700"/>
+          </a:xfrm>
+          <a:prstGeom prst="rect">
+            <a:avLst/>
+          </a:prstGeom>
+        </p:spPr>
+      </p:pic>
     </p:spTree>
     <p:extLst>
       <p:ext uri="{BB962C8B-B14F-4D97-AF65-F5344CB8AC3E}">
-        <p14:creationId xmlns:p14="http://schemas.microsoft.com/office/powerpoint/2010/main" val="759493610"/>
+        <p14:creationId xmlns:p14="http://schemas.microsoft.com/office/powerpoint/2010/main" val="207020190"/>
       </p:ext>
     </p:extLst>
   </p:cSld>
@@ -35572,7 +38951,7 @@
                 <a:latin typeface="Segoe UI" panose="020B0502040204020203" pitchFamily="34" charset="0"/>
                 <a:cs typeface="Segoe UI" panose="020B0502040204020203" pitchFamily="34" charset="0"/>
               </a:rPr>
-              <a:t>Algorithms</a:t>
+              <a:t>Classes - Construtores</a:t>
             </a:r>
           </a:p>
         </p:txBody>
@@ -35653,10 +39032,40 @@
           </a:p>
         </p:txBody>
       </p:sp>
+      <p:pic>
+        <p:nvPicPr>
+          <p:cNvPr id="8" name="Picture 7">
+            <a:extLst>
+              <a:ext uri="{FF2B5EF4-FFF2-40B4-BE49-F238E27FC236}">
+                <a16:creationId xmlns:a16="http://schemas.microsoft.com/office/drawing/2014/main" id="{3BE67A65-A33C-4021-BEC4-28F9E726175B}"/>
+              </a:ext>
+            </a:extLst>
+          </p:cNvPr>
+          <p:cNvPicPr>
+            <a:picLocks noChangeAspect="1"/>
+          </p:cNvPicPr>
+          <p:nvPr/>
+        </p:nvPicPr>
+        <p:blipFill>
+          <a:blip r:embed="rId3"/>
+          <a:stretch>
+            <a:fillRect/>
+          </a:stretch>
+        </p:blipFill>
+        <p:spPr>
+          <a:xfrm>
+            <a:off x="1027651" y="1419225"/>
+            <a:ext cx="4953000" cy="5438775"/>
+          </a:xfrm>
+          <a:prstGeom prst="rect">
+            <a:avLst/>
+          </a:prstGeom>
+        </p:spPr>
+      </p:pic>
     </p:spTree>
     <p:extLst>
       <p:ext uri="{BB962C8B-B14F-4D97-AF65-F5344CB8AC3E}">
-        <p14:creationId xmlns:p14="http://schemas.microsoft.com/office/powerpoint/2010/main" val="2698399529"/>
+        <p14:creationId xmlns:p14="http://schemas.microsoft.com/office/powerpoint/2010/main" val="3533685594"/>
       </p:ext>
     </p:extLst>
   </p:cSld>
@@ -35712,7 +39121,7 @@
                 <a:latin typeface="Segoe UI" panose="020B0502040204020203" pitchFamily="34" charset="0"/>
                 <a:cs typeface="Segoe UI" panose="020B0502040204020203" pitchFamily="34" charset="0"/>
               </a:rPr>
-              <a:t>Exceptions</a:t>
+              <a:t>Classes - Destrutores</a:t>
             </a:r>
           </a:p>
         </p:txBody>
@@ -35793,10 +39202,40 @@
           </a:p>
         </p:txBody>
       </p:sp>
+      <p:pic>
+        <p:nvPicPr>
+          <p:cNvPr id="7" name="Picture 6">
+            <a:extLst>
+              <a:ext uri="{FF2B5EF4-FFF2-40B4-BE49-F238E27FC236}">
+                <a16:creationId xmlns:a16="http://schemas.microsoft.com/office/drawing/2014/main" id="{3435FDAF-C70C-43E9-A7D7-065480BBF545}"/>
+              </a:ext>
+            </a:extLst>
+          </p:cNvPr>
+          <p:cNvPicPr>
+            <a:picLocks noChangeAspect="1"/>
+          </p:cNvPicPr>
+          <p:nvPr/>
+        </p:nvPicPr>
+        <p:blipFill>
+          <a:blip r:embed="rId3"/>
+          <a:stretch>
+            <a:fillRect/>
+          </a:stretch>
+        </p:blipFill>
+        <p:spPr>
+          <a:xfrm>
+            <a:off x="4295775" y="2143125"/>
+            <a:ext cx="3600450" cy="2571750"/>
+          </a:xfrm>
+          <a:prstGeom prst="rect">
+            <a:avLst/>
+          </a:prstGeom>
+        </p:spPr>
+      </p:pic>
     </p:spTree>
     <p:extLst>
       <p:ext uri="{BB962C8B-B14F-4D97-AF65-F5344CB8AC3E}">
-        <p14:creationId xmlns:p14="http://schemas.microsoft.com/office/powerpoint/2010/main" val="932889925"/>
+        <p14:creationId xmlns:p14="http://schemas.microsoft.com/office/powerpoint/2010/main" val="2415497091"/>
       </p:ext>
     </p:extLst>
   </p:cSld>
@@ -35852,7 +39291,7 @@
                 <a:latin typeface="Segoe UI" panose="020B0502040204020203" pitchFamily="34" charset="0"/>
                 <a:cs typeface="Segoe UI" panose="020B0502040204020203" pitchFamily="34" charset="0"/>
               </a:rPr>
-              <a:t>Constructors</a:t>
+              <a:t>Classes – Herança e Funções Virtuais</a:t>
             </a:r>
           </a:p>
         </p:txBody>
@@ -35933,10 +39372,100 @@
           </a:p>
         </p:txBody>
       </p:sp>
+      <p:pic>
+        <p:nvPicPr>
+          <p:cNvPr id="7" name="Picture 6">
+            <a:extLst>
+              <a:ext uri="{FF2B5EF4-FFF2-40B4-BE49-F238E27FC236}">
+                <a16:creationId xmlns:a16="http://schemas.microsoft.com/office/drawing/2014/main" id="{8C2A96FA-78D0-4FFD-8E17-B6C3CFF1F279}"/>
+              </a:ext>
+            </a:extLst>
+          </p:cNvPr>
+          <p:cNvPicPr>
+            <a:picLocks noChangeAspect="1"/>
+          </p:cNvPicPr>
+          <p:nvPr/>
+        </p:nvPicPr>
+        <p:blipFill>
+          <a:blip r:embed="rId3"/>
+          <a:stretch>
+            <a:fillRect/>
+          </a:stretch>
+        </p:blipFill>
+        <p:spPr>
+          <a:xfrm>
+            <a:off x="948131" y="1556544"/>
+            <a:ext cx="3467100" cy="4933950"/>
+          </a:xfrm>
+          <a:prstGeom prst="rect">
+            <a:avLst/>
+          </a:prstGeom>
+        </p:spPr>
+      </p:pic>
+      <p:pic>
+        <p:nvPicPr>
+          <p:cNvPr id="8" name="Picture 7">
+            <a:extLst>
+              <a:ext uri="{FF2B5EF4-FFF2-40B4-BE49-F238E27FC236}">
+                <a16:creationId xmlns:a16="http://schemas.microsoft.com/office/drawing/2014/main" id="{0CF8EA27-F534-4BFA-BA1C-836D8CD2E6DE}"/>
+              </a:ext>
+            </a:extLst>
+          </p:cNvPr>
+          <p:cNvPicPr>
+            <a:picLocks noChangeAspect="1"/>
+          </p:cNvPicPr>
+          <p:nvPr/>
+        </p:nvPicPr>
+        <p:blipFill>
+          <a:blip r:embed="rId4"/>
+          <a:stretch>
+            <a:fillRect/>
+          </a:stretch>
+        </p:blipFill>
+        <p:spPr>
+          <a:xfrm>
+            <a:off x="4724400" y="2409825"/>
+            <a:ext cx="5257800" cy="1019175"/>
+          </a:xfrm>
+          <a:prstGeom prst="rect">
+            <a:avLst/>
+          </a:prstGeom>
+        </p:spPr>
+      </p:pic>
+      <p:pic>
+        <p:nvPicPr>
+          <p:cNvPr id="9" name="Picture 8">
+            <a:extLst>
+              <a:ext uri="{FF2B5EF4-FFF2-40B4-BE49-F238E27FC236}">
+                <a16:creationId xmlns:a16="http://schemas.microsoft.com/office/drawing/2014/main" id="{06E820A7-C52B-49C0-AFB7-05F01D6D2422}"/>
+              </a:ext>
+            </a:extLst>
+          </p:cNvPr>
+          <p:cNvPicPr>
+            <a:picLocks noChangeAspect="1"/>
+          </p:cNvPicPr>
+          <p:nvPr/>
+        </p:nvPicPr>
+        <p:blipFill>
+          <a:blip r:embed="rId5"/>
+          <a:stretch>
+            <a:fillRect/>
+          </a:stretch>
+        </p:blipFill>
+        <p:spPr>
+          <a:xfrm>
+            <a:off x="5305425" y="3761978"/>
+            <a:ext cx="4095750" cy="657225"/>
+          </a:xfrm>
+          <a:prstGeom prst="rect">
+            <a:avLst/>
+          </a:prstGeom>
+        </p:spPr>
+      </p:pic>
     </p:spTree>
     <p:extLst>
       <p:ext uri="{BB962C8B-B14F-4D97-AF65-F5344CB8AC3E}">
-        <p14:creationId xmlns:p14="http://schemas.microsoft.com/office/powerpoint/2010/main" val="3869309130"/>
+        <p14:creationId xmlns:p14="http://schemas.microsoft.com/office/powerpoint/2010/main" val="1680241062"/>
       </p:ext>
     </p:extLst>
   </p:cSld>
@@ -35992,7 +39521,7 @@
                 <a:latin typeface="Segoe UI" panose="020B0502040204020203" pitchFamily="34" charset="0"/>
                 <a:cs typeface="Segoe UI" panose="020B0502040204020203" pitchFamily="34" charset="0"/>
               </a:rPr>
-              <a:t>Destructors</a:t>
+              <a:t>Classes – Interfaces</a:t>
             </a:r>
           </a:p>
         </p:txBody>
@@ -36073,10 +39602,100 @@
           </a:p>
         </p:txBody>
       </p:sp>
+      <p:pic>
+        <p:nvPicPr>
+          <p:cNvPr id="8" name="Picture 7">
+            <a:extLst>
+              <a:ext uri="{FF2B5EF4-FFF2-40B4-BE49-F238E27FC236}">
+                <a16:creationId xmlns:a16="http://schemas.microsoft.com/office/drawing/2014/main" id="{0CF8EA27-F534-4BFA-BA1C-836D8CD2E6DE}"/>
+              </a:ext>
+            </a:extLst>
+          </p:cNvPr>
+          <p:cNvPicPr>
+            <a:picLocks noChangeAspect="1"/>
+          </p:cNvPicPr>
+          <p:nvPr/>
+        </p:nvPicPr>
+        <p:blipFill>
+          <a:blip r:embed="rId3"/>
+          <a:stretch>
+            <a:fillRect/>
+          </a:stretch>
+        </p:blipFill>
+        <p:spPr>
+          <a:xfrm>
+            <a:off x="4724400" y="2409825"/>
+            <a:ext cx="5257800" cy="1019175"/>
+          </a:xfrm>
+          <a:prstGeom prst="rect">
+            <a:avLst/>
+          </a:prstGeom>
+        </p:spPr>
+      </p:pic>
+      <p:pic>
+        <p:nvPicPr>
+          <p:cNvPr id="3" name="Picture 2">
+            <a:extLst>
+              <a:ext uri="{FF2B5EF4-FFF2-40B4-BE49-F238E27FC236}">
+                <a16:creationId xmlns:a16="http://schemas.microsoft.com/office/drawing/2014/main" id="{D1A2824C-A2A7-4F4C-9305-CDF29C1256DD}"/>
+              </a:ext>
+            </a:extLst>
+          </p:cNvPr>
+          <p:cNvPicPr>
+            <a:picLocks noChangeAspect="1"/>
+          </p:cNvPicPr>
+          <p:nvPr/>
+        </p:nvPicPr>
+        <p:blipFill>
+          <a:blip r:embed="rId4"/>
+          <a:stretch>
+            <a:fillRect/>
+          </a:stretch>
+        </p:blipFill>
+        <p:spPr>
+          <a:xfrm>
+            <a:off x="1034073" y="1673225"/>
+            <a:ext cx="3362325" cy="4819650"/>
+          </a:xfrm>
+          <a:prstGeom prst="rect">
+            <a:avLst/>
+          </a:prstGeom>
+        </p:spPr>
+      </p:pic>
+      <p:pic>
+        <p:nvPicPr>
+          <p:cNvPr id="5" name="Picture 4">
+            <a:extLst>
+              <a:ext uri="{FF2B5EF4-FFF2-40B4-BE49-F238E27FC236}">
+                <a16:creationId xmlns:a16="http://schemas.microsoft.com/office/drawing/2014/main" id="{BB329313-4BC0-4A61-9B7E-1B903CF0D762}"/>
+              </a:ext>
+            </a:extLst>
+          </p:cNvPr>
+          <p:cNvPicPr>
+            <a:picLocks noChangeAspect="1"/>
+          </p:cNvPicPr>
+          <p:nvPr/>
+        </p:nvPicPr>
+        <p:blipFill>
+          <a:blip r:embed="rId5"/>
+          <a:stretch>
+            <a:fillRect/>
+          </a:stretch>
+        </p:blipFill>
+        <p:spPr>
+          <a:xfrm>
+            <a:off x="5314950" y="3943830"/>
+            <a:ext cx="4076700" cy="581025"/>
+          </a:xfrm>
+          <a:prstGeom prst="rect">
+            <a:avLst/>
+          </a:prstGeom>
+        </p:spPr>
+      </p:pic>
     </p:spTree>
     <p:extLst>
       <p:ext uri="{BB962C8B-B14F-4D97-AF65-F5344CB8AC3E}">
-        <p14:creationId xmlns:p14="http://schemas.microsoft.com/office/powerpoint/2010/main" val="3535446579"/>
+        <p14:creationId xmlns:p14="http://schemas.microsoft.com/office/powerpoint/2010/main" val="831440273"/>
       </p:ext>
     </p:extLst>
   </p:cSld>
@@ -36132,7 +39751,7 @@
                 <a:latin typeface="Segoe UI" panose="020B0502040204020203" pitchFamily="34" charset="0"/>
                 <a:cs typeface="Segoe UI" panose="020B0502040204020203" pitchFamily="34" charset="0"/>
               </a:rPr>
-              <a:t>Resource Management</a:t>
+              <a:t>Classes – Interfaces</a:t>
             </a:r>
           </a:p>
         </p:txBody>
@@ -36213,10 +39832,40 @@
           </a:p>
         </p:txBody>
       </p:sp>
+      <p:pic>
+        <p:nvPicPr>
+          <p:cNvPr id="7" name="Picture 6">
+            <a:extLst>
+              <a:ext uri="{FF2B5EF4-FFF2-40B4-BE49-F238E27FC236}">
+                <a16:creationId xmlns:a16="http://schemas.microsoft.com/office/drawing/2014/main" id="{47A9CB56-BE80-44F5-896E-7173DFD3414B}"/>
+              </a:ext>
+            </a:extLst>
+          </p:cNvPr>
+          <p:cNvPicPr>
+            <a:picLocks noChangeAspect="1"/>
+          </p:cNvPicPr>
+          <p:nvPr/>
+        </p:nvPicPr>
+        <p:blipFill>
+          <a:blip r:embed="rId3"/>
+          <a:stretch>
+            <a:fillRect/>
+          </a:stretch>
+        </p:blipFill>
+        <p:spPr>
+          <a:xfrm>
+            <a:off x="1818576" y="2132806"/>
+            <a:ext cx="3219450" cy="3781425"/>
+          </a:xfrm>
+          <a:prstGeom prst="rect">
+            <a:avLst/>
+          </a:prstGeom>
+        </p:spPr>
+      </p:pic>
     </p:spTree>
     <p:extLst>
       <p:ext uri="{BB962C8B-B14F-4D97-AF65-F5344CB8AC3E}">
-        <p14:creationId xmlns:p14="http://schemas.microsoft.com/office/powerpoint/2010/main" val="3899385258"/>
+        <p14:creationId xmlns:p14="http://schemas.microsoft.com/office/powerpoint/2010/main" val="3647695864"/>
       </p:ext>
     </p:extLst>
   </p:cSld>
@@ -36272,7 +39921,7 @@
                 <a:latin typeface="Segoe UI" panose="020B0502040204020203" pitchFamily="34" charset="0"/>
                 <a:cs typeface="Segoe UI" panose="020B0502040204020203" pitchFamily="34" charset="0"/>
               </a:rPr>
-              <a:t>Compile-time Programming</a:t>
+              <a:t>Classes – Interfaces</a:t>
             </a:r>
           </a:p>
         </p:txBody>
@@ -36353,10 +40002,230 @@
           </a:p>
         </p:txBody>
       </p:sp>
+      <p:pic>
+        <p:nvPicPr>
+          <p:cNvPr id="6" name="Picture 5">
+            <a:extLst>
+              <a:ext uri="{FF2B5EF4-FFF2-40B4-BE49-F238E27FC236}">
+                <a16:creationId xmlns:a16="http://schemas.microsoft.com/office/drawing/2014/main" id="{926AECD1-37C6-437B-A73A-E2C5500C5661}"/>
+              </a:ext>
+            </a:extLst>
+          </p:cNvPr>
+          <p:cNvPicPr>
+            <a:picLocks noChangeAspect="1"/>
+          </p:cNvPicPr>
+          <p:nvPr/>
+        </p:nvPicPr>
+        <p:blipFill>
+          <a:blip r:embed="rId3"/>
+          <a:stretch>
+            <a:fillRect/>
+          </a:stretch>
+        </p:blipFill>
+        <p:spPr>
+          <a:xfrm>
+            <a:off x="1536758" y="2164571"/>
+            <a:ext cx="3162300" cy="3600450"/>
+          </a:xfrm>
+          <a:prstGeom prst="rect">
+            <a:avLst/>
+          </a:prstGeom>
+        </p:spPr>
+      </p:pic>
+      <p:sp>
+        <p:nvSpPr>
+          <p:cNvPr id="7" name="Content Placeholder 2">
+            <a:extLst>
+              <a:ext uri="{FF2B5EF4-FFF2-40B4-BE49-F238E27FC236}">
+                <a16:creationId xmlns:a16="http://schemas.microsoft.com/office/drawing/2014/main" id="{88BEED13-B20B-4A92-B34B-1C1B9372B10E}"/>
+              </a:ext>
+            </a:extLst>
+          </p:cNvPr>
+          <p:cNvSpPr>
+            <a:spLocks noGrp="1"/>
+          </p:cNvSpPr>
+          <p:nvPr>
+            <p:ph idx="1"/>
+          </p:nvPr>
+        </p:nvSpPr>
+        <p:spPr>
+          <a:xfrm>
+            <a:off x="4983061" y="2818701"/>
+            <a:ext cx="5968172" cy="2496783"/>
+          </a:xfrm>
+        </p:spPr>
+        <p:txBody>
+          <a:bodyPr>
+            <a:normAutofit/>
+          </a:bodyPr>
+          <a:lstStyle/>
+          <a:p>
+            <a:pPr marL="0" indent="0">
+              <a:buNone/>
+            </a:pPr>
+            <a:r>
+              <a:rPr lang="en-US" sz="2400" dirty="0">
+                <a:latin typeface="Segoe UI" panose="020B0502040204020203" pitchFamily="34" charset="0"/>
+                <a:cs typeface="Segoe UI" panose="020B0502040204020203" pitchFamily="34" charset="0"/>
+              </a:rPr>
+              <a:t>Se </a:t>
+            </a:r>
+            <a:r>
+              <a:rPr lang="en-US" sz="2400" dirty="0" err="1">
+                <a:latin typeface="Segoe UI" panose="020B0502040204020203" pitchFamily="34" charset="0"/>
+                <a:cs typeface="Segoe UI" panose="020B0502040204020203" pitchFamily="34" charset="0"/>
+              </a:rPr>
+              <a:t>sua</a:t>
+            </a:r>
+            <a:r>
+              <a:rPr lang="en-US" sz="2400" dirty="0">
+                <a:latin typeface="Segoe UI" panose="020B0502040204020203" pitchFamily="34" charset="0"/>
+                <a:cs typeface="Segoe UI" panose="020B0502040204020203" pitchFamily="34" charset="0"/>
+              </a:rPr>
+              <a:t> </a:t>
+            </a:r>
+            <a:r>
+              <a:rPr lang="en-US" sz="2400" dirty="0" err="1">
+                <a:latin typeface="Segoe UI" panose="020B0502040204020203" pitchFamily="34" charset="0"/>
+                <a:cs typeface="Segoe UI" panose="020B0502040204020203" pitchFamily="34" charset="0"/>
+              </a:rPr>
+              <a:t>classe</a:t>
+            </a:r>
+            <a:r>
+              <a:rPr lang="en-US" sz="2400" dirty="0">
+                <a:latin typeface="Segoe UI" panose="020B0502040204020203" pitchFamily="34" charset="0"/>
+                <a:cs typeface="Segoe UI" panose="020B0502040204020203" pitchFamily="34" charset="0"/>
+              </a:rPr>
+              <a:t> </a:t>
+            </a:r>
+            <a:r>
+              <a:rPr lang="en-US" sz="2400" dirty="0" err="1">
+                <a:latin typeface="Segoe UI" panose="020B0502040204020203" pitchFamily="34" charset="0"/>
+                <a:cs typeface="Segoe UI" panose="020B0502040204020203" pitchFamily="34" charset="0"/>
+              </a:rPr>
+              <a:t>possuir</a:t>
+            </a:r>
+            <a:r>
+              <a:rPr lang="en-US" sz="2400" dirty="0">
+                <a:latin typeface="Segoe UI" panose="020B0502040204020203" pitchFamily="34" charset="0"/>
+                <a:cs typeface="Segoe UI" panose="020B0502040204020203" pitchFamily="34" charset="0"/>
+              </a:rPr>
+              <a:t> </a:t>
+            </a:r>
+            <a:r>
+              <a:rPr lang="en-US" sz="2400" dirty="0" err="1">
+                <a:latin typeface="Segoe UI" panose="020B0502040204020203" pitchFamily="34" charset="0"/>
+                <a:cs typeface="Segoe UI" panose="020B0502040204020203" pitchFamily="34" charset="0"/>
+              </a:rPr>
+              <a:t>pelo</a:t>
+            </a:r>
+            <a:r>
+              <a:rPr lang="en-US" sz="2400" dirty="0">
+                <a:latin typeface="Segoe UI" panose="020B0502040204020203" pitchFamily="34" charset="0"/>
+                <a:cs typeface="Segoe UI" panose="020B0502040204020203" pitchFamily="34" charset="0"/>
+              </a:rPr>
+              <a:t> </a:t>
+            </a:r>
+            <a:r>
+              <a:rPr lang="en-US" sz="2400" dirty="0" err="1">
+                <a:latin typeface="Segoe UI" panose="020B0502040204020203" pitchFamily="34" charset="0"/>
+                <a:cs typeface="Segoe UI" panose="020B0502040204020203" pitchFamily="34" charset="0"/>
+              </a:rPr>
+              <a:t>menos</a:t>
+            </a:r>
+            <a:r>
+              <a:rPr lang="en-US" sz="2400" dirty="0">
+                <a:latin typeface="Segoe UI" panose="020B0502040204020203" pitchFamily="34" charset="0"/>
+                <a:cs typeface="Segoe UI" panose="020B0502040204020203" pitchFamily="34" charset="0"/>
+              </a:rPr>
+              <a:t> </a:t>
+            </a:r>
+            <a:r>
+              <a:rPr lang="en-US" sz="2400" dirty="0" err="1">
+                <a:latin typeface="Segoe UI" panose="020B0502040204020203" pitchFamily="34" charset="0"/>
+                <a:cs typeface="Segoe UI" panose="020B0502040204020203" pitchFamily="34" charset="0"/>
+              </a:rPr>
+              <a:t>uma</a:t>
+            </a:r>
+            <a:r>
+              <a:rPr lang="en-US" sz="2400" dirty="0">
+                <a:latin typeface="Segoe UI" panose="020B0502040204020203" pitchFamily="34" charset="0"/>
+                <a:cs typeface="Segoe UI" panose="020B0502040204020203" pitchFamily="34" charset="0"/>
+              </a:rPr>
+              <a:t> </a:t>
+            </a:r>
+            <a:r>
+              <a:rPr lang="en-US" sz="2400" dirty="0" err="1">
+                <a:latin typeface="Segoe UI" panose="020B0502040204020203" pitchFamily="34" charset="0"/>
+                <a:cs typeface="Segoe UI" panose="020B0502040204020203" pitchFamily="34" charset="0"/>
+              </a:rPr>
+              <a:t>função</a:t>
+            </a:r>
+            <a:r>
+              <a:rPr lang="en-US" sz="2400" dirty="0">
+                <a:latin typeface="Segoe UI" panose="020B0502040204020203" pitchFamily="34" charset="0"/>
+                <a:cs typeface="Segoe UI" panose="020B0502040204020203" pitchFamily="34" charset="0"/>
+              </a:rPr>
+              <a:t> virtual o </a:t>
+            </a:r>
+            <a:r>
+              <a:rPr lang="en-US" sz="2400" dirty="0" err="1">
+                <a:latin typeface="Segoe UI" panose="020B0502040204020203" pitchFamily="34" charset="0"/>
+                <a:cs typeface="Segoe UI" panose="020B0502040204020203" pitchFamily="34" charset="0"/>
+              </a:rPr>
+              <a:t>destrutor</a:t>
+            </a:r>
+            <a:r>
+              <a:rPr lang="en-US" sz="2400" dirty="0">
+                <a:latin typeface="Segoe UI" panose="020B0502040204020203" pitchFamily="34" charset="0"/>
+                <a:cs typeface="Segoe UI" panose="020B0502040204020203" pitchFamily="34" charset="0"/>
+              </a:rPr>
+              <a:t> </a:t>
+            </a:r>
+            <a:r>
+              <a:rPr lang="en-US" sz="2400" dirty="0" err="1">
+                <a:latin typeface="Segoe UI" panose="020B0502040204020203" pitchFamily="34" charset="0"/>
+                <a:cs typeface="Segoe UI" panose="020B0502040204020203" pitchFamily="34" charset="0"/>
+              </a:rPr>
+              <a:t>deve</a:t>
+            </a:r>
+            <a:r>
+              <a:rPr lang="en-US" sz="2400" dirty="0">
+                <a:latin typeface="Segoe UI" panose="020B0502040204020203" pitchFamily="34" charset="0"/>
+                <a:cs typeface="Segoe UI" panose="020B0502040204020203" pitchFamily="34" charset="0"/>
+              </a:rPr>
+              <a:t> </a:t>
+            </a:r>
+            <a:r>
+              <a:rPr lang="en-US" sz="2400" dirty="0" err="1">
+                <a:latin typeface="Segoe UI" panose="020B0502040204020203" pitchFamily="34" charset="0"/>
+                <a:cs typeface="Segoe UI" panose="020B0502040204020203" pitchFamily="34" charset="0"/>
+              </a:rPr>
+              <a:t>também</a:t>
+            </a:r>
+            <a:r>
+              <a:rPr lang="en-US" sz="2400" dirty="0">
+                <a:latin typeface="Segoe UI" panose="020B0502040204020203" pitchFamily="34" charset="0"/>
+                <a:cs typeface="Segoe UI" panose="020B0502040204020203" pitchFamily="34" charset="0"/>
+              </a:rPr>
+              <a:t> ser virtual;</a:t>
+            </a:r>
+          </a:p>
+          <a:p>
+            <a:pPr marL="0" indent="0">
+              <a:buNone/>
+            </a:pPr>
+            <a:endParaRPr lang="pt-BR" sz="2400" dirty="0">
+              <a:latin typeface="Segoe UI" panose="020B0502040204020203" pitchFamily="34" charset="0"/>
+              <a:cs typeface="Segoe UI" panose="020B0502040204020203" pitchFamily="34" charset="0"/>
+            </a:endParaRPr>
+          </a:p>
+        </p:txBody>
+      </p:sp>
     </p:spTree>
     <p:extLst>
       <p:ext uri="{BB962C8B-B14F-4D97-AF65-F5344CB8AC3E}">
-        <p14:creationId xmlns:p14="http://schemas.microsoft.com/office/powerpoint/2010/main" val="2450211822"/>
+        <p14:creationId xmlns:p14="http://schemas.microsoft.com/office/powerpoint/2010/main" val="2311587909"/>
       </p:ext>
     </p:extLst>
   </p:cSld>
@@ -36412,7 +40281,7 @@
                 <a:latin typeface="Segoe UI" panose="020B0502040204020203" pitchFamily="34" charset="0"/>
                 <a:cs typeface="Segoe UI" panose="020B0502040204020203" pitchFamily="34" charset="0"/>
               </a:rPr>
-              <a:t>Pointers</a:t>
+              <a:t>Dependências</a:t>
             </a:r>
           </a:p>
         </p:txBody>
@@ -36493,10 +40362,323 @@
           </a:p>
         </p:txBody>
       </p:sp>
+      <p:sp>
+        <p:nvSpPr>
+          <p:cNvPr id="5" name="Content Placeholder 2">
+            <a:extLst>
+              <a:ext uri="{FF2B5EF4-FFF2-40B4-BE49-F238E27FC236}">
+                <a16:creationId xmlns:a16="http://schemas.microsoft.com/office/drawing/2014/main" id="{A695B74D-2A4B-41B4-A700-86718315170D}"/>
+              </a:ext>
+            </a:extLst>
+          </p:cNvPr>
+          <p:cNvSpPr>
+            <a:spLocks noGrp="1"/>
+          </p:cNvSpPr>
+          <p:nvPr>
+            <p:ph idx="1"/>
+          </p:nvPr>
+        </p:nvSpPr>
+        <p:spPr>
+          <a:xfrm>
+            <a:off x="838200" y="1825625"/>
+            <a:ext cx="10515600" cy="4351338"/>
+          </a:xfrm>
+        </p:spPr>
+        <p:txBody>
+          <a:bodyPr>
+            <a:normAutofit/>
+          </a:bodyPr>
+          <a:lstStyle/>
+          <a:p>
+            <a:pPr>
+              <a:buFont typeface="Wingdings" panose="05000000000000000000" pitchFamily="2" charset="2"/>
+              <a:buChar char="§"/>
+            </a:pPr>
+            <a:r>
+              <a:rPr lang="en-US" sz="2400" dirty="0" err="1">
+                <a:latin typeface="Segoe UI" panose="020B0502040204020203" pitchFamily="34" charset="0"/>
+                <a:cs typeface="Segoe UI" panose="020B0502040204020203" pitchFamily="34" charset="0"/>
+              </a:rPr>
+              <a:t>Vamos</a:t>
+            </a:r>
+            <a:r>
+              <a:rPr lang="en-US" sz="2400" dirty="0">
+                <a:latin typeface="Segoe UI" panose="020B0502040204020203" pitchFamily="34" charset="0"/>
+                <a:cs typeface="Segoe UI" panose="020B0502040204020203" pitchFamily="34" charset="0"/>
+              </a:rPr>
+              <a:t> </a:t>
+            </a:r>
+            <a:r>
+              <a:rPr lang="en-US" sz="2400" dirty="0" err="1">
+                <a:latin typeface="Segoe UI" panose="020B0502040204020203" pitchFamily="34" charset="0"/>
+                <a:cs typeface="Segoe UI" panose="020B0502040204020203" pitchFamily="34" charset="0"/>
+              </a:rPr>
+              <a:t>adicionar</a:t>
+            </a:r>
+            <a:r>
+              <a:rPr lang="en-US" sz="2400" dirty="0">
+                <a:latin typeface="Segoe UI" panose="020B0502040204020203" pitchFamily="34" charset="0"/>
+                <a:cs typeface="Segoe UI" panose="020B0502040204020203" pitchFamily="34" charset="0"/>
+              </a:rPr>
+              <a:t> a </a:t>
+            </a:r>
+            <a:r>
+              <a:rPr lang="en-US" sz="2400" dirty="0" err="1">
+                <a:latin typeface="Segoe UI" panose="020B0502040204020203" pitchFamily="34" charset="0"/>
+                <a:cs typeface="Segoe UI" panose="020B0502040204020203" pitchFamily="34" charset="0"/>
+              </a:rPr>
+              <a:t>dependencia</a:t>
+            </a:r>
+            <a:r>
+              <a:rPr lang="en-US" sz="2400" dirty="0">
+                <a:latin typeface="Segoe UI" panose="020B0502040204020203" pitchFamily="34" charset="0"/>
+                <a:cs typeface="Segoe UI" panose="020B0502040204020203" pitchFamily="34" charset="0"/>
+              </a:rPr>
+              <a:t> ‘</a:t>
+            </a:r>
+            <a:r>
+              <a:rPr lang="en-US" sz="2400" dirty="0" err="1">
+                <a:latin typeface="Segoe UI" panose="020B0502040204020203" pitchFamily="34" charset="0"/>
+                <a:cs typeface="Segoe UI" panose="020B0502040204020203" pitchFamily="34" charset="0"/>
+              </a:rPr>
+              <a:t>libfmt</a:t>
+            </a:r>
+            <a:r>
+              <a:rPr lang="en-US" sz="2400" dirty="0">
+                <a:latin typeface="Segoe UI" panose="020B0502040204020203" pitchFamily="34" charset="0"/>
+                <a:cs typeface="Segoe UI" panose="020B0502040204020203" pitchFamily="34" charset="0"/>
+              </a:rPr>
+              <a:t>’ </a:t>
+            </a:r>
+            <a:r>
+              <a:rPr lang="en-US" sz="2400" dirty="0" err="1">
+                <a:latin typeface="Segoe UI" panose="020B0502040204020203" pitchFamily="34" charset="0"/>
+                <a:cs typeface="Segoe UI" panose="020B0502040204020203" pitchFamily="34" charset="0"/>
+              </a:rPr>
+              <a:t>ao</a:t>
+            </a:r>
+            <a:r>
+              <a:rPr lang="en-US" sz="2400" dirty="0">
+                <a:latin typeface="Segoe UI" panose="020B0502040204020203" pitchFamily="34" charset="0"/>
+                <a:cs typeface="Segoe UI" panose="020B0502040204020203" pitchFamily="34" charset="0"/>
+              </a:rPr>
+              <a:t> </a:t>
+            </a:r>
+            <a:r>
+              <a:rPr lang="en-US" sz="2400" dirty="0" err="1">
+                <a:latin typeface="Segoe UI" panose="020B0502040204020203" pitchFamily="34" charset="0"/>
+                <a:cs typeface="Segoe UI" panose="020B0502040204020203" pitchFamily="34" charset="0"/>
+              </a:rPr>
+              <a:t>nosso</a:t>
+            </a:r>
+            <a:r>
+              <a:rPr lang="en-US" sz="2400" dirty="0">
+                <a:latin typeface="Segoe UI" panose="020B0502040204020203" pitchFamily="34" charset="0"/>
+                <a:cs typeface="Segoe UI" panose="020B0502040204020203" pitchFamily="34" charset="0"/>
+              </a:rPr>
+              <a:t> </a:t>
+            </a:r>
+            <a:r>
+              <a:rPr lang="en-US" sz="2400" dirty="0" err="1">
+                <a:latin typeface="Segoe UI" panose="020B0502040204020203" pitchFamily="34" charset="0"/>
+                <a:cs typeface="Segoe UI" panose="020B0502040204020203" pitchFamily="34" charset="0"/>
+              </a:rPr>
+              <a:t>projeto</a:t>
+            </a:r>
+            <a:r>
+              <a:rPr lang="en-US" sz="2400" dirty="0">
+                <a:latin typeface="Segoe UI" panose="020B0502040204020203" pitchFamily="34" charset="0"/>
+                <a:cs typeface="Segoe UI" panose="020B0502040204020203" pitchFamily="34" charset="0"/>
+              </a:rPr>
+              <a:t>;</a:t>
+            </a:r>
+          </a:p>
+          <a:p>
+            <a:pPr>
+              <a:buFont typeface="Wingdings" panose="05000000000000000000" pitchFamily="2" charset="2"/>
+              <a:buChar char="§"/>
+            </a:pPr>
+            <a:endParaRPr lang="en-US" sz="2400" dirty="0">
+              <a:latin typeface="Segoe UI" panose="020B0502040204020203" pitchFamily="34" charset="0"/>
+              <a:cs typeface="Segoe UI" panose="020B0502040204020203" pitchFamily="34" charset="0"/>
+            </a:endParaRPr>
+          </a:p>
+          <a:p>
+            <a:pPr>
+              <a:buFont typeface="Wingdings" panose="05000000000000000000" pitchFamily="2" charset="2"/>
+              <a:buChar char="§"/>
+            </a:pPr>
+            <a:r>
+              <a:rPr lang="en-US" sz="2400" dirty="0" err="1">
+                <a:latin typeface="Segoe UI" panose="020B0502040204020203" pitchFamily="34" charset="0"/>
+                <a:cs typeface="Segoe UI" panose="020B0502040204020203" pitchFamily="34" charset="0"/>
+              </a:rPr>
+              <a:t>Clonar</a:t>
+            </a:r>
+            <a:r>
+              <a:rPr lang="en-US" sz="2400" dirty="0">
+                <a:latin typeface="Segoe UI" panose="020B0502040204020203" pitchFamily="34" charset="0"/>
+                <a:cs typeface="Segoe UI" panose="020B0502040204020203" pitchFamily="34" charset="0"/>
+              </a:rPr>
+              <a:t> </a:t>
+            </a:r>
+            <a:r>
+              <a:rPr lang="en-US" sz="2400" dirty="0">
+                <a:latin typeface="Segoe UI" panose="020B0502040204020203" pitchFamily="34" charset="0"/>
+                <a:cs typeface="Segoe UI" panose="020B0502040204020203" pitchFamily="34" charset="0"/>
+                <a:hlinkClick r:id="rId3"/>
+              </a:rPr>
+              <a:t>https://github.com/fmtlib/fmt</a:t>
+            </a:r>
+            <a:endParaRPr lang="en-US" sz="2400" dirty="0">
+              <a:latin typeface="Segoe UI" panose="020B0502040204020203" pitchFamily="34" charset="0"/>
+              <a:cs typeface="Segoe UI" panose="020B0502040204020203" pitchFamily="34" charset="0"/>
+            </a:endParaRPr>
+          </a:p>
+          <a:p>
+            <a:pPr>
+              <a:buFont typeface="Wingdings" panose="05000000000000000000" pitchFamily="2" charset="2"/>
+              <a:buChar char="§"/>
+            </a:pPr>
+            <a:endParaRPr lang="en-US" sz="2400" dirty="0">
+              <a:latin typeface="Segoe UI" panose="020B0502040204020203" pitchFamily="34" charset="0"/>
+              <a:cs typeface="Segoe UI" panose="020B0502040204020203" pitchFamily="34" charset="0"/>
+            </a:endParaRPr>
+          </a:p>
+          <a:p>
+            <a:pPr>
+              <a:buFont typeface="Wingdings" panose="05000000000000000000" pitchFamily="2" charset="2"/>
+              <a:buChar char="§"/>
+            </a:pPr>
+            <a:r>
+              <a:rPr lang="en-US" sz="2400" dirty="0">
+                <a:latin typeface="Segoe UI" panose="020B0502040204020203" pitchFamily="34" charset="0"/>
+                <a:cs typeface="Segoe UI" panose="020B0502040204020203" pitchFamily="34" charset="0"/>
+              </a:rPr>
+              <a:t>Dentro da pasta do </a:t>
+            </a:r>
+            <a:r>
+              <a:rPr lang="en-US" sz="2400" dirty="0" err="1">
+                <a:latin typeface="Segoe UI" panose="020B0502040204020203" pitchFamily="34" charset="0"/>
+                <a:cs typeface="Segoe UI" panose="020B0502040204020203" pitchFamily="34" charset="0"/>
+              </a:rPr>
+              <a:t>projeto</a:t>
+            </a:r>
+            <a:r>
+              <a:rPr lang="en-US" sz="2400" dirty="0">
+                <a:latin typeface="Segoe UI" panose="020B0502040204020203" pitchFamily="34" charset="0"/>
+                <a:cs typeface="Segoe UI" panose="020B0502040204020203" pitchFamily="34" charset="0"/>
+              </a:rPr>
+              <a:t>: </a:t>
+            </a:r>
+          </a:p>
+          <a:p>
+            <a:pPr lvl="1">
+              <a:buFont typeface="Wingdings" panose="05000000000000000000" pitchFamily="2" charset="2"/>
+              <a:buChar char="§"/>
+            </a:pPr>
+            <a:r>
+              <a:rPr lang="en-US" sz="2000" dirty="0">
+                <a:latin typeface="Segoe UI" panose="020B0502040204020203" pitchFamily="34" charset="0"/>
+                <a:cs typeface="Segoe UI" panose="020B0502040204020203" pitchFamily="34" charset="0"/>
+              </a:rPr>
+              <a:t>$ </a:t>
+            </a:r>
+            <a:r>
+              <a:rPr lang="en-US" sz="2000" dirty="0" err="1">
+                <a:latin typeface="Segoe UI" panose="020B0502040204020203" pitchFamily="34" charset="0"/>
+                <a:cs typeface="Segoe UI" panose="020B0502040204020203" pitchFamily="34" charset="0"/>
+              </a:rPr>
+              <a:t>mkdir</a:t>
+            </a:r>
+            <a:r>
+              <a:rPr lang="en-US" sz="2000" dirty="0">
+                <a:latin typeface="Segoe UI" panose="020B0502040204020203" pitchFamily="34" charset="0"/>
+                <a:cs typeface="Segoe UI" panose="020B0502040204020203" pitchFamily="34" charset="0"/>
+              </a:rPr>
+              <a:t> build &amp;&amp; cd build</a:t>
+            </a:r>
+          </a:p>
+          <a:p>
+            <a:pPr lvl="1">
+              <a:buFont typeface="Wingdings" panose="05000000000000000000" pitchFamily="2" charset="2"/>
+              <a:buChar char="§"/>
+            </a:pPr>
+            <a:r>
+              <a:rPr lang="en-US" sz="2000" dirty="0">
+                <a:latin typeface="Segoe UI" panose="020B0502040204020203" pitchFamily="34" charset="0"/>
+                <a:cs typeface="Segoe UI" panose="020B0502040204020203" pitchFamily="34" charset="0"/>
+              </a:rPr>
+              <a:t>$ </a:t>
+            </a:r>
+            <a:r>
+              <a:rPr lang="en-US" sz="2000" dirty="0" err="1">
+                <a:latin typeface="Segoe UI" panose="020B0502040204020203" pitchFamily="34" charset="0"/>
+                <a:cs typeface="Segoe UI" panose="020B0502040204020203" pitchFamily="34" charset="0"/>
+              </a:rPr>
+              <a:t>cmake</a:t>
+            </a:r>
+            <a:r>
+              <a:rPr lang="en-US" sz="2000" dirty="0">
+                <a:latin typeface="Segoe UI" panose="020B0502040204020203" pitchFamily="34" charset="0"/>
+                <a:cs typeface="Segoe UI" panose="020B0502040204020203" pitchFamily="34" charset="0"/>
+              </a:rPr>
+              <a:t> –</a:t>
+            </a:r>
+            <a:r>
+              <a:rPr lang="en-US" sz="2000" dirty="0" err="1">
+                <a:latin typeface="Segoe UI" panose="020B0502040204020203" pitchFamily="34" charset="0"/>
+                <a:cs typeface="Segoe UI" panose="020B0502040204020203" pitchFamily="34" charset="0"/>
+              </a:rPr>
+              <a:t>GNinja</a:t>
+            </a:r>
+            <a:r>
+              <a:rPr lang="en-US" sz="2000" dirty="0">
+                <a:latin typeface="Segoe UI" panose="020B0502040204020203" pitchFamily="34" charset="0"/>
+                <a:cs typeface="Segoe UI" panose="020B0502040204020203" pitchFamily="34" charset="0"/>
+              </a:rPr>
+              <a:t> –DCMAKE_INSTALL_PREFIX=C:/cmake ..</a:t>
+            </a:r>
+          </a:p>
+          <a:p>
+            <a:pPr lvl="1">
+              <a:buFont typeface="Wingdings" panose="05000000000000000000" pitchFamily="2" charset="2"/>
+              <a:buChar char="§"/>
+            </a:pPr>
+            <a:r>
+              <a:rPr lang="en-US" sz="2000" dirty="0">
+                <a:latin typeface="Segoe UI" panose="020B0502040204020203" pitchFamily="34" charset="0"/>
+                <a:cs typeface="Segoe UI" panose="020B0502040204020203" pitchFamily="34" charset="0"/>
+              </a:rPr>
+              <a:t>$ ninja install</a:t>
+            </a:r>
+          </a:p>
+          <a:p>
+            <a:pPr>
+              <a:buFont typeface="Wingdings" panose="05000000000000000000" pitchFamily="2" charset="2"/>
+              <a:buChar char="§"/>
+            </a:pPr>
+            <a:endParaRPr lang="en-US" sz="2400" dirty="0">
+              <a:latin typeface="Segoe UI" panose="020B0502040204020203" pitchFamily="34" charset="0"/>
+              <a:cs typeface="Segoe UI" panose="020B0502040204020203" pitchFamily="34" charset="0"/>
+            </a:endParaRPr>
+          </a:p>
+          <a:p>
+            <a:pPr>
+              <a:buFont typeface="Wingdings" panose="05000000000000000000" pitchFamily="2" charset="2"/>
+              <a:buChar char="§"/>
+            </a:pPr>
+            <a:endParaRPr lang="en-US" sz="2400" dirty="0">
+              <a:latin typeface="Segoe UI" panose="020B0502040204020203" pitchFamily="34" charset="0"/>
+              <a:cs typeface="Segoe UI" panose="020B0502040204020203" pitchFamily="34" charset="0"/>
+            </a:endParaRPr>
+          </a:p>
+        </p:txBody>
+      </p:sp>
     </p:spTree>
     <p:extLst>
       <p:ext uri="{BB962C8B-B14F-4D97-AF65-F5344CB8AC3E}">
-        <p14:creationId xmlns:p14="http://schemas.microsoft.com/office/powerpoint/2010/main" val="512212757"/>
+        <p14:creationId xmlns:p14="http://schemas.microsoft.com/office/powerpoint/2010/main" val="586698769"/>
       </p:ext>
     </p:extLst>
   </p:cSld>
@@ -36552,7 +40734,7 @@
                 <a:latin typeface="Segoe UI" panose="020B0502040204020203" pitchFamily="34" charset="0"/>
                 <a:cs typeface="Segoe UI" panose="020B0502040204020203" pitchFamily="34" charset="0"/>
               </a:rPr>
-              <a:t>References</a:t>
+              <a:t>Dependências</a:t>
             </a:r>
           </a:p>
         </p:txBody>
@@ -36633,10 +40815,404 @@
           </a:p>
         </p:txBody>
       </p:sp>
+      <p:sp>
+        <p:nvSpPr>
+          <p:cNvPr id="5" name="Content Placeholder 2">
+            <a:extLst>
+              <a:ext uri="{FF2B5EF4-FFF2-40B4-BE49-F238E27FC236}">
+                <a16:creationId xmlns:a16="http://schemas.microsoft.com/office/drawing/2014/main" id="{A695B74D-2A4B-41B4-A700-86718315170D}"/>
+              </a:ext>
+            </a:extLst>
+          </p:cNvPr>
+          <p:cNvSpPr>
+            <a:spLocks noGrp="1"/>
+          </p:cNvSpPr>
+          <p:nvPr>
+            <p:ph idx="1"/>
+          </p:nvPr>
+        </p:nvSpPr>
+        <p:spPr>
+          <a:xfrm>
+            <a:off x="838200" y="1825625"/>
+            <a:ext cx="10515600" cy="4351338"/>
+          </a:xfrm>
+        </p:spPr>
+        <p:txBody>
+          <a:bodyPr>
+            <a:normAutofit fontScale="92500" lnSpcReduction="10000"/>
+          </a:bodyPr>
+          <a:lstStyle/>
+          <a:p>
+            <a:pPr>
+              <a:buFont typeface="Wingdings" panose="05000000000000000000" pitchFamily="2" charset="2"/>
+              <a:buChar char="§"/>
+            </a:pPr>
+            <a:r>
+              <a:rPr lang="en-US" sz="2400" dirty="0" err="1">
+                <a:latin typeface="Segoe UI" panose="020B0502040204020203" pitchFamily="34" charset="0"/>
+                <a:cs typeface="Segoe UI" panose="020B0502040204020203" pitchFamily="34" charset="0"/>
+              </a:rPr>
+              <a:t>Vamos</a:t>
+            </a:r>
+            <a:r>
+              <a:rPr lang="en-US" sz="2400" dirty="0">
+                <a:latin typeface="Segoe UI" panose="020B0502040204020203" pitchFamily="34" charset="0"/>
+                <a:cs typeface="Segoe UI" panose="020B0502040204020203" pitchFamily="34" charset="0"/>
+              </a:rPr>
+              <a:t> </a:t>
+            </a:r>
+            <a:r>
+              <a:rPr lang="en-US" sz="2400" dirty="0" err="1">
+                <a:latin typeface="Segoe UI" panose="020B0502040204020203" pitchFamily="34" charset="0"/>
+                <a:cs typeface="Segoe UI" panose="020B0502040204020203" pitchFamily="34" charset="0"/>
+              </a:rPr>
+              <a:t>adicionar</a:t>
+            </a:r>
+            <a:r>
+              <a:rPr lang="en-US" sz="2400" dirty="0">
+                <a:latin typeface="Segoe UI" panose="020B0502040204020203" pitchFamily="34" charset="0"/>
+                <a:cs typeface="Segoe UI" panose="020B0502040204020203" pitchFamily="34" charset="0"/>
+              </a:rPr>
+              <a:t> a </a:t>
+            </a:r>
+            <a:r>
+              <a:rPr lang="en-US" sz="2400" dirty="0" err="1">
+                <a:latin typeface="Segoe UI" panose="020B0502040204020203" pitchFamily="34" charset="0"/>
+                <a:cs typeface="Segoe UI" panose="020B0502040204020203" pitchFamily="34" charset="0"/>
+              </a:rPr>
+              <a:t>dependencia</a:t>
+            </a:r>
+            <a:r>
+              <a:rPr lang="en-US" sz="2400" dirty="0">
+                <a:latin typeface="Segoe UI" panose="020B0502040204020203" pitchFamily="34" charset="0"/>
+                <a:cs typeface="Segoe UI" panose="020B0502040204020203" pitchFamily="34" charset="0"/>
+              </a:rPr>
+              <a:t> ‘</a:t>
+            </a:r>
+            <a:r>
+              <a:rPr lang="en-US" sz="2400" dirty="0" err="1">
+                <a:latin typeface="Segoe UI" panose="020B0502040204020203" pitchFamily="34" charset="0"/>
+                <a:cs typeface="Segoe UI" panose="020B0502040204020203" pitchFamily="34" charset="0"/>
+              </a:rPr>
+              <a:t>libfmt</a:t>
+            </a:r>
+            <a:r>
+              <a:rPr lang="en-US" sz="2400" dirty="0">
+                <a:latin typeface="Segoe UI" panose="020B0502040204020203" pitchFamily="34" charset="0"/>
+                <a:cs typeface="Segoe UI" panose="020B0502040204020203" pitchFamily="34" charset="0"/>
+              </a:rPr>
+              <a:t>’ </a:t>
+            </a:r>
+            <a:r>
+              <a:rPr lang="en-US" sz="2400" dirty="0" err="1">
+                <a:latin typeface="Segoe UI" panose="020B0502040204020203" pitchFamily="34" charset="0"/>
+                <a:cs typeface="Segoe UI" panose="020B0502040204020203" pitchFamily="34" charset="0"/>
+              </a:rPr>
+              <a:t>ao</a:t>
+            </a:r>
+            <a:r>
+              <a:rPr lang="en-US" sz="2400" dirty="0">
+                <a:latin typeface="Segoe UI" panose="020B0502040204020203" pitchFamily="34" charset="0"/>
+                <a:cs typeface="Segoe UI" panose="020B0502040204020203" pitchFamily="34" charset="0"/>
+              </a:rPr>
+              <a:t> </a:t>
+            </a:r>
+            <a:r>
+              <a:rPr lang="en-US" sz="2400" dirty="0" err="1">
+                <a:latin typeface="Segoe UI" panose="020B0502040204020203" pitchFamily="34" charset="0"/>
+                <a:cs typeface="Segoe UI" panose="020B0502040204020203" pitchFamily="34" charset="0"/>
+              </a:rPr>
+              <a:t>nosso</a:t>
+            </a:r>
+            <a:r>
+              <a:rPr lang="en-US" sz="2400" dirty="0">
+                <a:latin typeface="Segoe UI" panose="020B0502040204020203" pitchFamily="34" charset="0"/>
+                <a:cs typeface="Segoe UI" panose="020B0502040204020203" pitchFamily="34" charset="0"/>
+              </a:rPr>
+              <a:t> </a:t>
+            </a:r>
+            <a:r>
+              <a:rPr lang="en-US" sz="2400" dirty="0" err="1">
+                <a:latin typeface="Segoe UI" panose="020B0502040204020203" pitchFamily="34" charset="0"/>
+                <a:cs typeface="Segoe UI" panose="020B0502040204020203" pitchFamily="34" charset="0"/>
+              </a:rPr>
+              <a:t>projeto</a:t>
+            </a:r>
+            <a:r>
+              <a:rPr lang="en-US" sz="2400" dirty="0">
+                <a:latin typeface="Segoe UI" panose="020B0502040204020203" pitchFamily="34" charset="0"/>
+                <a:cs typeface="Segoe UI" panose="020B0502040204020203" pitchFamily="34" charset="0"/>
+              </a:rPr>
+              <a:t>;</a:t>
+            </a:r>
+          </a:p>
+          <a:p>
+            <a:pPr>
+              <a:buFont typeface="Wingdings" panose="05000000000000000000" pitchFamily="2" charset="2"/>
+              <a:buChar char="§"/>
+            </a:pPr>
+            <a:endParaRPr lang="en-US" sz="2400" dirty="0">
+              <a:latin typeface="Segoe UI" panose="020B0502040204020203" pitchFamily="34" charset="0"/>
+              <a:cs typeface="Segoe UI" panose="020B0502040204020203" pitchFamily="34" charset="0"/>
+            </a:endParaRPr>
+          </a:p>
+          <a:p>
+            <a:pPr>
+              <a:buFont typeface="Wingdings" panose="05000000000000000000" pitchFamily="2" charset="2"/>
+              <a:buChar char="§"/>
+            </a:pPr>
+            <a:r>
+              <a:rPr lang="en-US" sz="2400" dirty="0">
+                <a:latin typeface="Segoe UI" panose="020B0502040204020203" pitchFamily="34" charset="0"/>
+                <a:cs typeface="Segoe UI" panose="020B0502040204020203" pitchFamily="34" charset="0"/>
+                <a:hlinkClick r:id="rId3"/>
+              </a:rPr>
+              <a:t>https://github.com/fmtlib/fmt</a:t>
+            </a:r>
+            <a:endParaRPr lang="en-US" sz="2400" dirty="0">
+              <a:latin typeface="Segoe UI" panose="020B0502040204020203" pitchFamily="34" charset="0"/>
+              <a:cs typeface="Segoe UI" panose="020B0502040204020203" pitchFamily="34" charset="0"/>
+            </a:endParaRPr>
+          </a:p>
+          <a:p>
+            <a:pPr>
+              <a:buFont typeface="Wingdings" panose="05000000000000000000" pitchFamily="2" charset="2"/>
+              <a:buChar char="§"/>
+            </a:pPr>
+            <a:endParaRPr lang="en-US" sz="2400" dirty="0">
+              <a:latin typeface="Segoe UI" panose="020B0502040204020203" pitchFamily="34" charset="0"/>
+              <a:cs typeface="Segoe UI" panose="020B0502040204020203" pitchFamily="34" charset="0"/>
+            </a:endParaRPr>
+          </a:p>
+          <a:p>
+            <a:pPr>
+              <a:buFont typeface="Wingdings" panose="05000000000000000000" pitchFamily="2" charset="2"/>
+              <a:buChar char="§"/>
+            </a:pPr>
+            <a:r>
+              <a:rPr lang="en-US" sz="2400" dirty="0">
+                <a:latin typeface="Segoe UI" panose="020B0502040204020203" pitchFamily="34" charset="0"/>
+                <a:cs typeface="Segoe UI" panose="020B0502040204020203" pitchFamily="34" charset="0"/>
+                <a:hlinkClick r:id="rId4"/>
+              </a:rPr>
+              <a:t>https://github.com/fmtlib/fmt/blob/master/doc/usage.rst</a:t>
+            </a:r>
+            <a:r>
+              <a:rPr lang="en-US" sz="2400" dirty="0">
+                <a:latin typeface="Segoe UI" panose="020B0502040204020203" pitchFamily="34" charset="0"/>
+                <a:cs typeface="Segoe UI" panose="020B0502040204020203" pitchFamily="34" charset="0"/>
+              </a:rPr>
+              <a:t> </a:t>
+            </a:r>
+          </a:p>
+          <a:p>
+            <a:pPr>
+              <a:buFont typeface="Wingdings" panose="05000000000000000000" pitchFamily="2" charset="2"/>
+              <a:buChar char="§"/>
+            </a:pPr>
+            <a:endParaRPr lang="en-US" sz="2400" dirty="0">
+              <a:latin typeface="Segoe UI" panose="020B0502040204020203" pitchFamily="34" charset="0"/>
+              <a:cs typeface="Segoe UI" panose="020B0502040204020203" pitchFamily="34" charset="0"/>
+            </a:endParaRPr>
+          </a:p>
+          <a:p>
+            <a:pPr>
+              <a:buFont typeface="Wingdings" panose="05000000000000000000" pitchFamily="2" charset="2"/>
+              <a:buChar char="§"/>
+            </a:pPr>
+            <a:r>
+              <a:rPr lang="en-US" sz="2400" dirty="0">
+                <a:latin typeface="Segoe UI" panose="020B0502040204020203" pitchFamily="34" charset="0"/>
+                <a:cs typeface="Segoe UI" panose="020B0502040204020203" pitchFamily="34" charset="0"/>
+              </a:rPr>
+              <a:t>Dentro da pasta do </a:t>
+            </a:r>
+            <a:r>
+              <a:rPr lang="en-US" sz="2400" dirty="0" err="1">
+                <a:latin typeface="Segoe UI" panose="020B0502040204020203" pitchFamily="34" charset="0"/>
+                <a:cs typeface="Segoe UI" panose="020B0502040204020203" pitchFamily="34" charset="0"/>
+              </a:rPr>
+              <a:t>projeto</a:t>
+            </a:r>
+            <a:r>
+              <a:rPr lang="en-US" sz="2400" dirty="0">
+                <a:latin typeface="Segoe UI" panose="020B0502040204020203" pitchFamily="34" charset="0"/>
+                <a:cs typeface="Segoe UI" panose="020B0502040204020203" pitchFamily="34" charset="0"/>
+              </a:rPr>
+              <a:t>: </a:t>
+            </a:r>
+          </a:p>
+          <a:p>
+            <a:pPr lvl="1">
+              <a:buFont typeface="Wingdings" panose="05000000000000000000" pitchFamily="2" charset="2"/>
+              <a:buChar char="§"/>
+            </a:pPr>
+            <a:r>
+              <a:rPr lang="en-US" sz="2000" dirty="0">
+                <a:latin typeface="Segoe UI" panose="020B0502040204020203" pitchFamily="34" charset="0"/>
+                <a:cs typeface="Segoe UI" panose="020B0502040204020203" pitchFamily="34" charset="0"/>
+              </a:rPr>
+              <a:t>$ </a:t>
+            </a:r>
+            <a:r>
+              <a:rPr lang="en-US" sz="2000" dirty="0" err="1">
+                <a:latin typeface="Segoe UI" panose="020B0502040204020203" pitchFamily="34" charset="0"/>
+                <a:cs typeface="Segoe UI" panose="020B0502040204020203" pitchFamily="34" charset="0"/>
+              </a:rPr>
+              <a:t>mkdir</a:t>
+            </a:r>
+            <a:r>
+              <a:rPr lang="en-US" sz="2000" dirty="0">
+                <a:latin typeface="Segoe UI" panose="020B0502040204020203" pitchFamily="34" charset="0"/>
+                <a:cs typeface="Segoe UI" panose="020B0502040204020203" pitchFamily="34" charset="0"/>
+              </a:rPr>
+              <a:t> build &amp;&amp; cd build</a:t>
+            </a:r>
+          </a:p>
+          <a:p>
+            <a:pPr lvl="1">
+              <a:buFont typeface="Wingdings" panose="05000000000000000000" pitchFamily="2" charset="2"/>
+              <a:buChar char="§"/>
+            </a:pPr>
+            <a:r>
+              <a:rPr lang="en-US" sz="2000" dirty="0">
+                <a:latin typeface="Segoe UI" panose="020B0502040204020203" pitchFamily="34" charset="0"/>
+                <a:cs typeface="Segoe UI" panose="020B0502040204020203" pitchFamily="34" charset="0"/>
+              </a:rPr>
+              <a:t>$ </a:t>
+            </a:r>
+            <a:r>
+              <a:rPr lang="en-US" sz="2000" dirty="0" err="1">
+                <a:latin typeface="Segoe UI" panose="020B0502040204020203" pitchFamily="34" charset="0"/>
+                <a:cs typeface="Segoe UI" panose="020B0502040204020203" pitchFamily="34" charset="0"/>
+              </a:rPr>
+              <a:t>cmake</a:t>
+            </a:r>
+            <a:r>
+              <a:rPr lang="en-US" sz="2000" dirty="0">
+                <a:latin typeface="Segoe UI" panose="020B0502040204020203" pitchFamily="34" charset="0"/>
+                <a:cs typeface="Segoe UI" panose="020B0502040204020203" pitchFamily="34" charset="0"/>
+              </a:rPr>
+              <a:t> –</a:t>
+            </a:r>
+            <a:r>
+              <a:rPr lang="en-US" sz="2000" dirty="0" err="1">
+                <a:latin typeface="Segoe UI" panose="020B0502040204020203" pitchFamily="34" charset="0"/>
+                <a:cs typeface="Segoe UI" panose="020B0502040204020203" pitchFamily="34" charset="0"/>
+              </a:rPr>
+              <a:t>GNinja</a:t>
+            </a:r>
+            <a:r>
+              <a:rPr lang="en-US" sz="2000" dirty="0">
+                <a:latin typeface="Segoe UI" panose="020B0502040204020203" pitchFamily="34" charset="0"/>
+                <a:cs typeface="Segoe UI" panose="020B0502040204020203" pitchFamily="34" charset="0"/>
+              </a:rPr>
+              <a:t> –DCMAKE_INSTALL_PREFIX=C:/cmake –DCMAKE_BUILD_TYPE=Debug ..</a:t>
+            </a:r>
+          </a:p>
+          <a:p>
+            <a:pPr lvl="1">
+              <a:buFont typeface="Wingdings" panose="05000000000000000000" pitchFamily="2" charset="2"/>
+              <a:buChar char="§"/>
+            </a:pPr>
+            <a:r>
+              <a:rPr lang="en-US" sz="2000" dirty="0">
+                <a:latin typeface="Segoe UI" panose="020B0502040204020203" pitchFamily="34" charset="0"/>
+                <a:cs typeface="Segoe UI" panose="020B0502040204020203" pitchFamily="34" charset="0"/>
+              </a:rPr>
+              <a:t>$ ninja install</a:t>
+            </a:r>
+          </a:p>
+          <a:p>
+            <a:pPr lvl="1">
+              <a:buFont typeface="Wingdings" panose="05000000000000000000" pitchFamily="2" charset="2"/>
+              <a:buChar char="§"/>
+            </a:pPr>
+            <a:r>
+              <a:rPr lang="en-US" sz="2000" dirty="0">
+                <a:latin typeface="Segoe UI" panose="020B0502040204020203" pitchFamily="34" charset="0"/>
+                <a:cs typeface="Segoe UI" panose="020B0502040204020203" pitchFamily="34" charset="0"/>
+              </a:rPr>
+              <a:t>$ </a:t>
+            </a:r>
+            <a:r>
+              <a:rPr lang="en-US" sz="2000" dirty="0" err="1">
+                <a:latin typeface="Segoe UI" panose="020B0502040204020203" pitchFamily="34" charset="0"/>
+                <a:cs typeface="Segoe UI" panose="020B0502040204020203" pitchFamily="34" charset="0"/>
+              </a:rPr>
+              <a:t>cmake</a:t>
+            </a:r>
+            <a:r>
+              <a:rPr lang="en-US" sz="2000" dirty="0">
+                <a:latin typeface="Segoe UI" panose="020B0502040204020203" pitchFamily="34" charset="0"/>
+                <a:cs typeface="Segoe UI" panose="020B0502040204020203" pitchFamily="34" charset="0"/>
+              </a:rPr>
+              <a:t> –</a:t>
+            </a:r>
+            <a:r>
+              <a:rPr lang="en-US" sz="2000" dirty="0" err="1">
+                <a:latin typeface="Segoe UI" panose="020B0502040204020203" pitchFamily="34" charset="0"/>
+                <a:cs typeface="Segoe UI" panose="020B0502040204020203" pitchFamily="34" charset="0"/>
+              </a:rPr>
+              <a:t>GNinja</a:t>
+            </a:r>
+            <a:r>
+              <a:rPr lang="en-US" sz="2000" dirty="0">
+                <a:latin typeface="Segoe UI" panose="020B0502040204020203" pitchFamily="34" charset="0"/>
+                <a:cs typeface="Segoe UI" panose="020B0502040204020203" pitchFamily="34" charset="0"/>
+              </a:rPr>
+              <a:t> –DCMAKE_INSTALL_PREFIX=C:/cmake –DCMAKE_BUILD_TYPE=Release ..</a:t>
+            </a:r>
+          </a:p>
+          <a:p>
+            <a:pPr lvl="1">
+              <a:buFont typeface="Wingdings" panose="05000000000000000000" pitchFamily="2" charset="2"/>
+              <a:buChar char="§"/>
+            </a:pPr>
+            <a:r>
+              <a:rPr lang="en-US" sz="2000" dirty="0">
+                <a:latin typeface="Segoe UI" panose="020B0502040204020203" pitchFamily="34" charset="0"/>
+                <a:cs typeface="Segoe UI" panose="020B0502040204020203" pitchFamily="34" charset="0"/>
+              </a:rPr>
+              <a:t>$ ninja install</a:t>
+            </a:r>
+          </a:p>
+          <a:p>
+            <a:pPr lvl="1">
+              <a:buFont typeface="Wingdings" panose="05000000000000000000" pitchFamily="2" charset="2"/>
+              <a:buChar char="§"/>
+            </a:pPr>
+            <a:endParaRPr lang="en-US" sz="2000" dirty="0">
+              <a:latin typeface="Segoe UI" panose="020B0502040204020203" pitchFamily="34" charset="0"/>
+              <a:cs typeface="Segoe UI" panose="020B0502040204020203" pitchFamily="34" charset="0"/>
+            </a:endParaRPr>
+          </a:p>
+          <a:p>
+            <a:pPr>
+              <a:buFont typeface="Wingdings" panose="05000000000000000000" pitchFamily="2" charset="2"/>
+              <a:buChar char="§"/>
+            </a:pPr>
+            <a:endParaRPr lang="en-US" sz="2400" dirty="0">
+              <a:latin typeface="Segoe UI" panose="020B0502040204020203" pitchFamily="34" charset="0"/>
+              <a:cs typeface="Segoe UI" panose="020B0502040204020203" pitchFamily="34" charset="0"/>
+            </a:endParaRPr>
+          </a:p>
+          <a:p>
+            <a:pPr>
+              <a:buFont typeface="Wingdings" panose="05000000000000000000" pitchFamily="2" charset="2"/>
+              <a:buChar char="§"/>
+            </a:pPr>
+            <a:endParaRPr lang="en-US" sz="2400" dirty="0">
+              <a:latin typeface="Segoe UI" panose="020B0502040204020203" pitchFamily="34" charset="0"/>
+              <a:cs typeface="Segoe UI" panose="020B0502040204020203" pitchFamily="34" charset="0"/>
+            </a:endParaRPr>
+          </a:p>
+        </p:txBody>
+      </p:sp>
     </p:spTree>
     <p:extLst>
       <p:ext uri="{BB962C8B-B14F-4D97-AF65-F5344CB8AC3E}">
-        <p14:creationId xmlns:p14="http://schemas.microsoft.com/office/powerpoint/2010/main" val="3547693240"/>
+        <p14:creationId xmlns:p14="http://schemas.microsoft.com/office/powerpoint/2010/main" val="1220859912"/>
       </p:ext>
     </p:extLst>
   </p:cSld>
@@ -36692,7 +41268,7 @@
                 <a:latin typeface="Segoe UI" panose="020B0502040204020203" pitchFamily="34" charset="0"/>
                 <a:cs typeface="Segoe UI" panose="020B0502040204020203" pitchFamily="34" charset="0"/>
               </a:rPr>
-              <a:t>Const and Mutable</a:t>
+              <a:t>Dependências</a:t>
             </a:r>
           </a:p>
         </p:txBody>
@@ -36773,10 +41349,392 @@
           </a:p>
         </p:txBody>
       </p:sp>
+      <p:sp>
+        <p:nvSpPr>
+          <p:cNvPr id="5" name="Content Placeholder 2">
+            <a:extLst>
+              <a:ext uri="{FF2B5EF4-FFF2-40B4-BE49-F238E27FC236}">
+                <a16:creationId xmlns:a16="http://schemas.microsoft.com/office/drawing/2014/main" id="{A695B74D-2A4B-41B4-A700-86718315170D}"/>
+              </a:ext>
+            </a:extLst>
+          </p:cNvPr>
+          <p:cNvSpPr>
+            <a:spLocks noGrp="1"/>
+          </p:cNvSpPr>
+          <p:nvPr>
+            <p:ph idx="1"/>
+          </p:nvPr>
+        </p:nvSpPr>
+        <p:spPr>
+          <a:xfrm>
+            <a:off x="838200" y="1825625"/>
+            <a:ext cx="10515600" cy="4351338"/>
+          </a:xfrm>
+        </p:spPr>
+        <p:txBody>
+          <a:bodyPr>
+            <a:normAutofit/>
+          </a:bodyPr>
+          <a:lstStyle/>
+          <a:p>
+            <a:pPr>
+              <a:buFont typeface="Wingdings" panose="05000000000000000000" pitchFamily="2" charset="2"/>
+              <a:buChar char="§"/>
+            </a:pPr>
+            <a:r>
+              <a:rPr lang="en-US" sz="2400" dirty="0">
+                <a:latin typeface="Segoe UI" panose="020B0502040204020203" pitchFamily="34" charset="0"/>
+                <a:cs typeface="Segoe UI" panose="020B0502040204020203" pitchFamily="34" charset="0"/>
+              </a:rPr>
+              <a:t>No </a:t>
+            </a:r>
+            <a:r>
+              <a:rPr lang="en-US" sz="2400" dirty="0" err="1">
+                <a:latin typeface="Segoe UI" panose="020B0502040204020203" pitchFamily="34" charset="0"/>
+                <a:cs typeface="Segoe UI" panose="020B0502040204020203" pitchFamily="34" charset="0"/>
+              </a:rPr>
+              <a:t>nosso</a:t>
+            </a:r>
+            <a:r>
+              <a:rPr lang="en-US" sz="2400" dirty="0">
+                <a:latin typeface="Segoe UI" panose="020B0502040204020203" pitchFamily="34" charset="0"/>
+                <a:cs typeface="Segoe UI" panose="020B0502040204020203" pitchFamily="34" charset="0"/>
+              </a:rPr>
+              <a:t> </a:t>
+            </a:r>
+            <a:r>
+              <a:rPr lang="en-US" sz="2400" dirty="0" err="1">
+                <a:latin typeface="Segoe UI" panose="020B0502040204020203" pitchFamily="34" charset="0"/>
+                <a:cs typeface="Segoe UI" panose="020B0502040204020203" pitchFamily="34" charset="0"/>
+              </a:rPr>
+              <a:t>projeto</a:t>
+            </a:r>
+            <a:r>
+              <a:rPr lang="en-US" sz="2400" dirty="0">
+                <a:latin typeface="Segoe UI" panose="020B0502040204020203" pitchFamily="34" charset="0"/>
+                <a:cs typeface="Segoe UI" panose="020B0502040204020203" pitchFamily="34" charset="0"/>
+              </a:rPr>
+              <a:t> </a:t>
+            </a:r>
+            <a:r>
+              <a:rPr lang="en-US" sz="2400" dirty="0" err="1">
+                <a:latin typeface="Segoe UI" panose="020B0502040204020203" pitchFamily="34" charset="0"/>
+                <a:cs typeface="Segoe UI" panose="020B0502040204020203" pitchFamily="34" charset="0"/>
+              </a:rPr>
+              <a:t>deve</a:t>
+            </a:r>
+            <a:r>
+              <a:rPr lang="en-US" sz="2400" dirty="0">
+                <a:latin typeface="Segoe UI" panose="020B0502040204020203" pitchFamily="34" charset="0"/>
+                <a:cs typeface="Segoe UI" panose="020B0502040204020203" pitchFamily="34" charset="0"/>
+              </a:rPr>
+              <a:t>-se </a:t>
+            </a:r>
+            <a:r>
+              <a:rPr lang="en-US" sz="2400" dirty="0" err="1">
+                <a:latin typeface="Segoe UI" panose="020B0502040204020203" pitchFamily="34" charset="0"/>
+                <a:cs typeface="Segoe UI" panose="020B0502040204020203" pitchFamily="34" charset="0"/>
+              </a:rPr>
+              <a:t>ter</a:t>
+            </a:r>
+            <a:r>
+              <a:rPr lang="en-US" sz="2400" dirty="0">
+                <a:latin typeface="Segoe UI" panose="020B0502040204020203" pitchFamily="34" charset="0"/>
+                <a:cs typeface="Segoe UI" panose="020B0502040204020203" pitchFamily="34" charset="0"/>
+              </a:rPr>
+              <a:t> </a:t>
+            </a:r>
+            <a:r>
+              <a:rPr lang="en-US" sz="2400" dirty="0" err="1">
+                <a:latin typeface="Segoe UI" panose="020B0502040204020203" pitchFamily="34" charset="0"/>
+                <a:cs typeface="Segoe UI" panose="020B0502040204020203" pitchFamily="34" charset="0"/>
+              </a:rPr>
+              <a:t>executado</a:t>
+            </a:r>
+            <a:r>
+              <a:rPr lang="en-US" sz="2400" dirty="0">
+                <a:latin typeface="Segoe UI" panose="020B0502040204020203" pitchFamily="34" charset="0"/>
+                <a:cs typeface="Segoe UI" panose="020B0502040204020203" pitchFamily="34" charset="0"/>
+              </a:rPr>
+              <a:t> o </a:t>
+            </a:r>
+            <a:r>
+              <a:rPr lang="en-US" sz="2400" dirty="0" err="1">
+                <a:latin typeface="Segoe UI" panose="020B0502040204020203" pitchFamily="34" charset="0"/>
+                <a:cs typeface="Segoe UI" panose="020B0502040204020203" pitchFamily="34" charset="0"/>
+              </a:rPr>
+              <a:t>cmake</a:t>
+            </a:r>
+            <a:r>
+              <a:rPr lang="en-US" sz="2400" dirty="0">
+                <a:latin typeface="Segoe UI" panose="020B0502040204020203" pitchFamily="34" charset="0"/>
+                <a:cs typeface="Segoe UI" panose="020B0502040204020203" pitchFamily="34" charset="0"/>
+              </a:rPr>
+              <a:t> com o </a:t>
+            </a:r>
+            <a:r>
+              <a:rPr lang="en-US" sz="2400" dirty="0" err="1">
+                <a:latin typeface="Segoe UI" panose="020B0502040204020203" pitchFamily="34" charset="0"/>
+                <a:cs typeface="Segoe UI" panose="020B0502040204020203" pitchFamily="34" charset="0"/>
+              </a:rPr>
+              <a:t>mesmo</a:t>
+            </a:r>
+            <a:r>
+              <a:rPr lang="en-US" sz="2400" dirty="0">
+                <a:latin typeface="Segoe UI" panose="020B0502040204020203" pitchFamily="34" charset="0"/>
+                <a:cs typeface="Segoe UI" panose="020B0502040204020203" pitchFamily="34" charset="0"/>
+              </a:rPr>
+              <a:t> install prefix; Para </a:t>
+            </a:r>
+            <a:r>
+              <a:rPr lang="en-US" sz="2400" dirty="0" err="1">
+                <a:latin typeface="Segoe UI" panose="020B0502040204020203" pitchFamily="34" charset="0"/>
+                <a:cs typeface="Segoe UI" panose="020B0502040204020203" pitchFamily="34" charset="0"/>
+              </a:rPr>
+              <a:t>certificar</a:t>
+            </a:r>
+            <a:r>
+              <a:rPr lang="en-US" sz="2400" dirty="0">
+                <a:latin typeface="Segoe UI" panose="020B0502040204020203" pitchFamily="34" charset="0"/>
+                <a:cs typeface="Segoe UI" panose="020B0502040204020203" pitchFamily="34" charset="0"/>
+              </a:rPr>
+              <a:t>-se:</a:t>
+            </a:r>
+          </a:p>
+          <a:p>
+            <a:pPr lvl="1">
+              <a:buFont typeface="Wingdings" panose="05000000000000000000" pitchFamily="2" charset="2"/>
+              <a:buChar char="§"/>
+            </a:pPr>
+            <a:r>
+              <a:rPr lang="en-US" sz="2000" dirty="0">
+                <a:latin typeface="Segoe UI" panose="020B0502040204020203" pitchFamily="34" charset="0"/>
+                <a:cs typeface="Segoe UI" panose="020B0502040204020203" pitchFamily="34" charset="0"/>
+              </a:rPr>
+              <a:t>$ </a:t>
+            </a:r>
+            <a:r>
+              <a:rPr lang="en-US" sz="2000" dirty="0" err="1">
+                <a:latin typeface="Segoe UI" panose="020B0502040204020203" pitchFamily="34" charset="0"/>
+                <a:cs typeface="Segoe UI" panose="020B0502040204020203" pitchFamily="34" charset="0"/>
+              </a:rPr>
+              <a:t>cmake</a:t>
+            </a:r>
+            <a:r>
+              <a:rPr lang="en-US" sz="2000" dirty="0">
+                <a:latin typeface="Segoe UI" panose="020B0502040204020203" pitchFamily="34" charset="0"/>
+                <a:cs typeface="Segoe UI" panose="020B0502040204020203" pitchFamily="34" charset="0"/>
+              </a:rPr>
+              <a:t> –</a:t>
+            </a:r>
+            <a:r>
+              <a:rPr lang="en-US" sz="2000" dirty="0" err="1">
+                <a:latin typeface="Segoe UI" panose="020B0502040204020203" pitchFamily="34" charset="0"/>
+                <a:cs typeface="Segoe UI" panose="020B0502040204020203" pitchFamily="34" charset="0"/>
+              </a:rPr>
+              <a:t>GNinja</a:t>
+            </a:r>
+            <a:r>
+              <a:rPr lang="en-US" sz="2000" dirty="0">
+                <a:latin typeface="Segoe UI" panose="020B0502040204020203" pitchFamily="34" charset="0"/>
+                <a:cs typeface="Segoe UI" panose="020B0502040204020203" pitchFamily="34" charset="0"/>
+              </a:rPr>
+              <a:t> –DCMAKE_INSTALL_PREFIX=C:/cmake ..</a:t>
+            </a:r>
+          </a:p>
+          <a:p>
+            <a:pPr>
+              <a:buFont typeface="Wingdings" panose="05000000000000000000" pitchFamily="2" charset="2"/>
+              <a:buChar char="§"/>
+            </a:pPr>
+            <a:endParaRPr lang="en-US" sz="2400" dirty="0">
+              <a:latin typeface="Segoe UI" panose="020B0502040204020203" pitchFamily="34" charset="0"/>
+              <a:cs typeface="Segoe UI" panose="020B0502040204020203" pitchFamily="34" charset="0"/>
+            </a:endParaRPr>
+          </a:p>
+          <a:p>
+            <a:pPr>
+              <a:buFont typeface="Wingdings" panose="05000000000000000000" pitchFamily="2" charset="2"/>
+              <a:buChar char="§"/>
+            </a:pPr>
+            <a:r>
+              <a:rPr lang="en-US" sz="2400" dirty="0">
+                <a:latin typeface="Segoe UI" panose="020B0502040204020203" pitchFamily="34" charset="0"/>
+                <a:cs typeface="Segoe UI" panose="020B0502040204020203" pitchFamily="34" charset="0"/>
+              </a:rPr>
+              <a:t>No CMakeLists.txt, </a:t>
+            </a:r>
+            <a:r>
+              <a:rPr lang="en-US" sz="2400" dirty="0" err="1">
+                <a:latin typeface="Segoe UI" panose="020B0502040204020203" pitchFamily="34" charset="0"/>
+                <a:cs typeface="Segoe UI" panose="020B0502040204020203" pitchFamily="34" charset="0"/>
+              </a:rPr>
+              <a:t>adicionar</a:t>
+            </a:r>
+            <a:r>
+              <a:rPr lang="en-US" sz="2400" dirty="0">
+                <a:latin typeface="Segoe UI" panose="020B0502040204020203" pitchFamily="34" charset="0"/>
+                <a:cs typeface="Segoe UI" panose="020B0502040204020203" pitchFamily="34" charset="0"/>
+              </a:rPr>
+              <a:t>:</a:t>
+            </a:r>
+          </a:p>
+          <a:p>
+            <a:pPr marL="457200" lvl="1" indent="0">
+              <a:buNone/>
+            </a:pPr>
+            <a:r>
+              <a:rPr lang="pt-BR" sz="1600" b="0" dirty="0">
+                <a:solidFill>
+                  <a:srgbClr val="569CD6"/>
+                </a:solidFill>
+                <a:effectLst/>
+                <a:latin typeface="Consolas" panose="020B0609020204030204" pitchFamily="49" charset="0"/>
+              </a:rPr>
+              <a:t>find_package</a:t>
+            </a:r>
+            <a:r>
+              <a:rPr lang="pt-BR" sz="1600" b="0" dirty="0">
+                <a:solidFill>
+                  <a:srgbClr val="D4D4D4"/>
+                </a:solidFill>
+                <a:effectLst/>
+                <a:latin typeface="Consolas" panose="020B0609020204030204" pitchFamily="49" charset="0"/>
+              </a:rPr>
+              <a:t>(fmt REQUIRED)</a:t>
+            </a:r>
+          </a:p>
+          <a:p>
+            <a:pPr marL="457200" lvl="1" indent="0">
+              <a:buNone/>
+            </a:pPr>
+            <a:r>
+              <a:rPr lang="pt-BR" sz="1400" b="0" dirty="0">
+                <a:solidFill>
+                  <a:srgbClr val="569CD6"/>
+                </a:solidFill>
+                <a:effectLst/>
+                <a:latin typeface="Consolas" panose="020B0609020204030204" pitchFamily="49" charset="0"/>
+              </a:rPr>
+              <a:t>target_link_libraries</a:t>
+            </a:r>
+            <a:r>
+              <a:rPr lang="pt-BR" sz="1400" b="0" dirty="0">
+                <a:solidFill>
+                  <a:srgbClr val="D4D4D4"/>
+                </a:solidFill>
+                <a:effectLst/>
+                <a:latin typeface="Consolas" panose="020B0609020204030204" pitchFamily="49" charset="0"/>
+              </a:rPr>
+              <a:t>(</a:t>
+            </a:r>
+          </a:p>
+          <a:p>
+            <a:pPr marL="457200" lvl="1" indent="0">
+              <a:buNone/>
+            </a:pPr>
+            <a:r>
+              <a:rPr lang="pt-BR" sz="1400" b="0" dirty="0">
+                <a:solidFill>
+                  <a:srgbClr val="D4D4D4"/>
+                </a:solidFill>
+                <a:effectLst/>
+                <a:latin typeface="Consolas" panose="020B0609020204030204" pitchFamily="49" charset="0"/>
+              </a:rPr>
+              <a:t>    </a:t>
+            </a:r>
+            <a:r>
+              <a:rPr lang="pt-BR" sz="1400" b="0" dirty="0">
+                <a:solidFill>
+                  <a:srgbClr val="569CD6"/>
+                </a:solidFill>
+                <a:effectLst/>
+                <a:latin typeface="Consolas" panose="020B0609020204030204" pitchFamily="49" charset="0"/>
+              </a:rPr>
+              <a:t>${PROJECT_NAME}</a:t>
+            </a:r>
+            <a:endParaRPr lang="pt-BR" sz="1400" b="0" dirty="0">
+              <a:solidFill>
+                <a:srgbClr val="D4D4D4"/>
+              </a:solidFill>
+              <a:effectLst/>
+              <a:latin typeface="Consolas" panose="020B0609020204030204" pitchFamily="49" charset="0"/>
+            </a:endParaRPr>
+          </a:p>
+          <a:p>
+            <a:pPr marL="457200" lvl="1" indent="0">
+              <a:buNone/>
+            </a:pPr>
+            <a:br>
+              <a:rPr lang="pt-BR" sz="1400" b="0" dirty="0">
+                <a:solidFill>
+                  <a:srgbClr val="D4D4D4"/>
+                </a:solidFill>
+                <a:effectLst/>
+                <a:latin typeface="Consolas" panose="020B0609020204030204" pitchFamily="49" charset="0"/>
+              </a:rPr>
+            </a:br>
+            <a:r>
+              <a:rPr lang="pt-BR" sz="1400" b="0" dirty="0">
+                <a:solidFill>
+                  <a:srgbClr val="D4D4D4"/>
+                </a:solidFill>
+                <a:effectLst/>
+                <a:latin typeface="Consolas" panose="020B0609020204030204" pitchFamily="49" charset="0"/>
+              </a:rPr>
+              <a:t>    PRIVATE</a:t>
+            </a:r>
+          </a:p>
+          <a:p>
+            <a:pPr marL="457200" lvl="1" indent="0">
+              <a:buNone/>
+            </a:pPr>
+            <a:r>
+              <a:rPr lang="pt-BR" sz="1400" b="0" dirty="0">
+                <a:solidFill>
+                  <a:srgbClr val="D4D4D4"/>
+                </a:solidFill>
+                <a:effectLst/>
+                <a:latin typeface="Consolas" panose="020B0609020204030204" pitchFamily="49" charset="0"/>
+              </a:rPr>
+              <a:t>        fmt::fmt</a:t>
+            </a:r>
+          </a:p>
+          <a:p>
+            <a:pPr marL="457200" lvl="1" indent="0">
+              <a:buNone/>
+            </a:pPr>
+            <a:r>
+              <a:rPr lang="pt-BR" sz="1400" b="0" dirty="0">
+                <a:solidFill>
+                  <a:srgbClr val="D4D4D4"/>
+                </a:solidFill>
+                <a:effectLst/>
+                <a:latin typeface="Consolas" panose="020B0609020204030204" pitchFamily="49" charset="0"/>
+              </a:rPr>
+              <a:t>)</a:t>
+            </a:r>
+            <a:endParaRPr lang="en-US" sz="2400" dirty="0">
+              <a:latin typeface="Segoe UI" panose="020B0502040204020203" pitchFamily="34" charset="0"/>
+              <a:cs typeface="Segoe UI" panose="020B0502040204020203" pitchFamily="34" charset="0"/>
+            </a:endParaRPr>
+          </a:p>
+          <a:p>
+            <a:pPr>
+              <a:buFont typeface="Wingdings" panose="05000000000000000000" pitchFamily="2" charset="2"/>
+              <a:buChar char="§"/>
+            </a:pPr>
+            <a:endParaRPr lang="en-US" sz="2400" dirty="0">
+              <a:latin typeface="Segoe UI" panose="020B0502040204020203" pitchFamily="34" charset="0"/>
+              <a:cs typeface="Segoe UI" panose="020B0502040204020203" pitchFamily="34" charset="0"/>
+            </a:endParaRPr>
+          </a:p>
+        </p:txBody>
+      </p:sp>
     </p:spTree>
     <p:extLst>
       <p:ext uri="{BB962C8B-B14F-4D97-AF65-F5344CB8AC3E}">
-        <p14:creationId xmlns:p14="http://schemas.microsoft.com/office/powerpoint/2010/main" val="204148954"/>
+        <p14:creationId xmlns:p14="http://schemas.microsoft.com/office/powerpoint/2010/main" val="3934196488"/>
       </p:ext>
     </p:extLst>
   </p:cSld>
@@ -37239,46 +42197,12 @@
           <a:chExt cx="0" cy="0"/>
         </a:xfrm>
       </p:grpSpPr>
-      <p:sp>
-        <p:nvSpPr>
-          <p:cNvPr id="2" name="Title 1">
+      <p:pic>
+        <p:nvPicPr>
+          <p:cNvPr id="1026" name="Picture 2" descr="GitHub - isocpp/logos: C++ logos created for isocpp.org">
             <a:extLst>
               <a:ext uri="{FF2B5EF4-FFF2-40B4-BE49-F238E27FC236}">
-                <a16:creationId xmlns:a16="http://schemas.microsoft.com/office/drawing/2014/main" id="{3681D759-3FEC-433A-94E5-DC6F4F23EF5E}"/>
-              </a:ext>
-            </a:extLst>
-          </p:cNvPr>
-          <p:cNvSpPr>
-            <a:spLocks noGrp="1"/>
-          </p:cNvSpPr>
-          <p:nvPr>
-            <p:ph type="title"/>
-          </p:nvPr>
-        </p:nvSpPr>
-        <p:spPr/>
-        <p:txBody>
-          <a:bodyPr/>
-          <a:lstStyle/>
-          <a:p>
-            <a:r>
-              <a:rPr lang="pt-BR" dirty="0">
-                <a:solidFill>
-                  <a:srgbClr val="00B0F0"/>
-                </a:solidFill>
-                <a:latin typeface="Segoe UI" panose="020B0502040204020203" pitchFamily="34" charset="0"/>
-                <a:cs typeface="Segoe UI" panose="020B0502040204020203" pitchFamily="34" charset="0"/>
-              </a:rPr>
-              <a:t>Move Semantics</a:t>
-            </a:r>
-          </a:p>
-        </p:txBody>
-      </p:sp>
-      <p:pic>
-        <p:nvPicPr>
-          <p:cNvPr id="10" name="Picture 2" descr="GitHub - isocpp/logos: C++ logos created for isocpp.org">
-            <a:extLst>
-              <a:ext uri="{FF2B5EF4-FFF2-40B4-BE49-F238E27FC236}">
-                <a16:creationId xmlns:a16="http://schemas.microsoft.com/office/drawing/2014/main" id="{6B7F8B00-6ACA-413F-BF98-5B69C47599E9}"/>
+                <a16:creationId xmlns:a16="http://schemas.microsoft.com/office/drawing/2014/main" id="{A0F21991-30A2-4BF2-84DE-6D66369A1590}"/>
               </a:ext>
             </a:extLst>
           </p:cNvPr>
@@ -37302,8 +42226,8 @@
         </p:blipFill>
         <p:spPr bwMode="auto">
           <a:xfrm>
-            <a:off x="10951233" y="365125"/>
-            <a:ext cx="805134" cy="905069"/>
+            <a:off x="4290025" y="1398864"/>
+            <a:ext cx="3611949" cy="4060271"/>
           </a:xfrm>
           <a:prstGeom prst="rect">
             <a:avLst/>
@@ -37322,10 +42246,10 @@
       </p:pic>
       <p:sp>
         <p:nvSpPr>
-          <p:cNvPr id="4" name="Slide Number Placeholder 3">
+          <p:cNvPr id="2" name="Slide Number Placeholder 1">
             <a:extLst>
               <a:ext uri="{FF2B5EF4-FFF2-40B4-BE49-F238E27FC236}">
-                <a16:creationId xmlns:a16="http://schemas.microsoft.com/office/drawing/2014/main" id="{1FB7980D-6ABC-4A00-8DC8-A167ABC49549}"/>
+                <a16:creationId xmlns:a16="http://schemas.microsoft.com/office/drawing/2014/main" id="{F7D0471A-28BC-4706-950D-1331DB87B3AB}"/>
               </a:ext>
             </a:extLst>
           </p:cNvPr>
@@ -37352,7 +42276,7 @@
     </p:spTree>
     <p:extLst>
       <p:ext uri="{BB962C8B-B14F-4D97-AF65-F5344CB8AC3E}">
-        <p14:creationId xmlns:p14="http://schemas.microsoft.com/office/powerpoint/2010/main" val="1201841896"/>
+        <p14:creationId xmlns:p14="http://schemas.microsoft.com/office/powerpoint/2010/main" val="160969148"/>
       </p:ext>
     </p:extLst>
   </p:cSld>
@@ -37408,7 +42332,7 @@
                 <a:latin typeface="Segoe UI" panose="020B0502040204020203" pitchFamily="34" charset="0"/>
                 <a:cs typeface="Segoe UI" panose="020B0502040204020203" pitchFamily="34" charset="0"/>
               </a:rPr>
-              <a:t>Passing Parameters</a:t>
+              <a:t>Functions</a:t>
             </a:r>
           </a:p>
         </p:txBody>
@@ -37492,7 +42416,1127 @@
     </p:spTree>
     <p:extLst>
       <p:ext uri="{BB962C8B-B14F-4D97-AF65-F5344CB8AC3E}">
-        <p14:creationId xmlns:p14="http://schemas.microsoft.com/office/powerpoint/2010/main" val="2403597044"/>
+        <p14:creationId xmlns:p14="http://schemas.microsoft.com/office/powerpoint/2010/main" val="420841682"/>
+      </p:ext>
+    </p:extLst>
+  </p:cSld>
+  <p:clrMapOvr>
+    <a:masterClrMapping/>
+  </p:clrMapOvr>
+</p:sld>
+</file>
+
+<file path=ppt/slides/slide62.xml><?xml version="1.0" encoding="utf-8"?>
+<p:sld xmlns:a="http://schemas.openxmlformats.org/drawingml/2006/main" xmlns:r="http://schemas.openxmlformats.org/officeDocument/2006/relationships" xmlns:p="http://schemas.openxmlformats.org/presentationml/2006/main">
+  <p:cSld>
+    <p:spTree>
+      <p:nvGrpSpPr>
+        <p:cNvPr id="1" name=""/>
+        <p:cNvGrpSpPr/>
+        <p:nvPr/>
+      </p:nvGrpSpPr>
+      <p:grpSpPr>
+        <a:xfrm>
+          <a:off x="0" y="0"/>
+          <a:ext cx="0" cy="0"/>
+          <a:chOff x="0" y="0"/>
+          <a:chExt cx="0" cy="0"/>
+        </a:xfrm>
+      </p:grpSpPr>
+      <p:sp>
+        <p:nvSpPr>
+          <p:cNvPr id="2" name="Title 1">
+            <a:extLst>
+              <a:ext uri="{FF2B5EF4-FFF2-40B4-BE49-F238E27FC236}">
+                <a16:creationId xmlns:a16="http://schemas.microsoft.com/office/drawing/2014/main" id="{3681D759-3FEC-433A-94E5-DC6F4F23EF5E}"/>
+              </a:ext>
+            </a:extLst>
+          </p:cNvPr>
+          <p:cNvSpPr>
+            <a:spLocks noGrp="1"/>
+          </p:cNvSpPr>
+          <p:nvPr>
+            <p:ph type="title"/>
+          </p:nvPr>
+        </p:nvSpPr>
+        <p:spPr/>
+        <p:txBody>
+          <a:bodyPr/>
+          <a:lstStyle/>
+          <a:p>
+            <a:r>
+              <a:rPr lang="pt-BR" dirty="0">
+                <a:solidFill>
+                  <a:srgbClr val="00B0F0"/>
+                </a:solidFill>
+                <a:latin typeface="Segoe UI" panose="020B0502040204020203" pitchFamily="34" charset="0"/>
+                <a:cs typeface="Segoe UI" panose="020B0502040204020203" pitchFamily="34" charset="0"/>
+              </a:rPr>
+              <a:t>Function Templates</a:t>
+            </a:r>
+          </a:p>
+        </p:txBody>
+      </p:sp>
+      <p:pic>
+        <p:nvPicPr>
+          <p:cNvPr id="10" name="Picture 2" descr="GitHub - isocpp/logos: C++ logos created for isocpp.org">
+            <a:extLst>
+              <a:ext uri="{FF2B5EF4-FFF2-40B4-BE49-F238E27FC236}">
+                <a16:creationId xmlns:a16="http://schemas.microsoft.com/office/drawing/2014/main" id="{6B7F8B00-6ACA-413F-BF98-5B69C47599E9}"/>
+              </a:ext>
+            </a:extLst>
+          </p:cNvPr>
+          <p:cNvPicPr>
+            <a:picLocks noChangeAspect="1" noChangeArrowheads="1"/>
+          </p:cNvPicPr>
+          <p:nvPr/>
+        </p:nvPicPr>
+        <p:blipFill>
+          <a:blip r:embed="rId2">
+            <a:extLst>
+              <a:ext uri="{28A0092B-C50C-407E-A947-70E740481C1C}">
+                <a14:useLocalDpi xmlns:a14="http://schemas.microsoft.com/office/drawing/2010/main" val="0"/>
+              </a:ext>
+            </a:extLst>
+          </a:blip>
+          <a:srcRect/>
+          <a:stretch>
+            <a:fillRect/>
+          </a:stretch>
+        </p:blipFill>
+        <p:spPr bwMode="auto">
+          <a:xfrm>
+            <a:off x="10951233" y="365125"/>
+            <a:ext cx="805134" cy="905069"/>
+          </a:xfrm>
+          <a:prstGeom prst="rect">
+            <a:avLst/>
+          </a:prstGeom>
+          <a:noFill/>
+          <a:extLst>
+            <a:ext uri="{909E8E84-426E-40DD-AFC4-6F175D3DCCD1}">
+              <a14:hiddenFill xmlns:a14="http://schemas.microsoft.com/office/drawing/2010/main">
+                <a:solidFill>
+                  <a:srgbClr val="FFFFFF"/>
+                </a:solidFill>
+              </a14:hiddenFill>
+            </a:ext>
+          </a:extLst>
+        </p:spPr>
+      </p:pic>
+      <p:sp>
+        <p:nvSpPr>
+          <p:cNvPr id="4" name="Slide Number Placeholder 3">
+            <a:extLst>
+              <a:ext uri="{FF2B5EF4-FFF2-40B4-BE49-F238E27FC236}">
+                <a16:creationId xmlns:a16="http://schemas.microsoft.com/office/drawing/2014/main" id="{1FB7980D-6ABC-4A00-8DC8-A167ABC49549}"/>
+              </a:ext>
+            </a:extLst>
+          </p:cNvPr>
+          <p:cNvSpPr>
+            <a:spLocks noGrp="1"/>
+          </p:cNvSpPr>
+          <p:nvPr>
+            <p:ph type="sldNum" sz="quarter" idx="12"/>
+          </p:nvPr>
+        </p:nvSpPr>
+        <p:spPr/>
+        <p:txBody>
+          <a:bodyPr/>
+          <a:lstStyle/>
+          <a:p>
+            <a:fld id="{5A188BD9-5E81-43C5-AE66-36AE3BDE6A9D}" type="slidenum">
+              <a:rPr lang="pt-BR" smtClean="0"/>
+              <a:t>62</a:t>
+            </a:fld>
+            <a:endParaRPr lang="pt-BR"/>
+          </a:p>
+        </p:txBody>
+      </p:sp>
+    </p:spTree>
+    <p:extLst>
+      <p:ext uri="{BB962C8B-B14F-4D97-AF65-F5344CB8AC3E}">
+        <p14:creationId xmlns:p14="http://schemas.microsoft.com/office/powerpoint/2010/main" val="2297078418"/>
+      </p:ext>
+    </p:extLst>
+  </p:cSld>
+  <p:clrMapOvr>
+    <a:masterClrMapping/>
+  </p:clrMapOvr>
+</p:sld>
+</file>
+
+<file path=ppt/slides/slide63.xml><?xml version="1.0" encoding="utf-8"?>
+<p:sld xmlns:a="http://schemas.openxmlformats.org/drawingml/2006/main" xmlns:r="http://schemas.openxmlformats.org/officeDocument/2006/relationships" xmlns:p="http://schemas.openxmlformats.org/presentationml/2006/main">
+  <p:cSld>
+    <p:spTree>
+      <p:nvGrpSpPr>
+        <p:cNvPr id="1" name=""/>
+        <p:cNvGrpSpPr/>
+        <p:nvPr/>
+      </p:nvGrpSpPr>
+      <p:grpSpPr>
+        <a:xfrm>
+          <a:off x="0" y="0"/>
+          <a:ext cx="0" cy="0"/>
+          <a:chOff x="0" y="0"/>
+          <a:chExt cx="0" cy="0"/>
+        </a:xfrm>
+      </p:grpSpPr>
+      <p:sp>
+        <p:nvSpPr>
+          <p:cNvPr id="2" name="Title 1">
+            <a:extLst>
+              <a:ext uri="{FF2B5EF4-FFF2-40B4-BE49-F238E27FC236}">
+                <a16:creationId xmlns:a16="http://schemas.microsoft.com/office/drawing/2014/main" id="{3681D759-3FEC-433A-94E5-DC6F4F23EF5E}"/>
+              </a:ext>
+            </a:extLst>
+          </p:cNvPr>
+          <p:cNvSpPr>
+            <a:spLocks noGrp="1"/>
+          </p:cNvSpPr>
+          <p:nvPr>
+            <p:ph type="title"/>
+          </p:nvPr>
+        </p:nvSpPr>
+        <p:spPr/>
+        <p:txBody>
+          <a:bodyPr/>
+          <a:lstStyle/>
+          <a:p>
+            <a:r>
+              <a:rPr lang="pt-BR" dirty="0">
+                <a:solidFill>
+                  <a:srgbClr val="00B0F0"/>
+                </a:solidFill>
+                <a:latin typeface="Segoe UI" panose="020B0502040204020203" pitchFamily="34" charset="0"/>
+                <a:cs typeface="Segoe UI" panose="020B0502040204020203" pitchFamily="34" charset="0"/>
+              </a:rPr>
+              <a:t>Classes Templates</a:t>
+            </a:r>
+          </a:p>
+        </p:txBody>
+      </p:sp>
+      <p:pic>
+        <p:nvPicPr>
+          <p:cNvPr id="10" name="Picture 2" descr="GitHub - isocpp/logos: C++ logos created for isocpp.org">
+            <a:extLst>
+              <a:ext uri="{FF2B5EF4-FFF2-40B4-BE49-F238E27FC236}">
+                <a16:creationId xmlns:a16="http://schemas.microsoft.com/office/drawing/2014/main" id="{6B7F8B00-6ACA-413F-BF98-5B69C47599E9}"/>
+              </a:ext>
+            </a:extLst>
+          </p:cNvPr>
+          <p:cNvPicPr>
+            <a:picLocks noChangeAspect="1" noChangeArrowheads="1"/>
+          </p:cNvPicPr>
+          <p:nvPr/>
+        </p:nvPicPr>
+        <p:blipFill>
+          <a:blip r:embed="rId2">
+            <a:extLst>
+              <a:ext uri="{28A0092B-C50C-407E-A947-70E740481C1C}">
+                <a14:useLocalDpi xmlns:a14="http://schemas.microsoft.com/office/drawing/2010/main" val="0"/>
+              </a:ext>
+            </a:extLst>
+          </a:blip>
+          <a:srcRect/>
+          <a:stretch>
+            <a:fillRect/>
+          </a:stretch>
+        </p:blipFill>
+        <p:spPr bwMode="auto">
+          <a:xfrm>
+            <a:off x="10951233" y="365125"/>
+            <a:ext cx="805134" cy="905069"/>
+          </a:xfrm>
+          <a:prstGeom prst="rect">
+            <a:avLst/>
+          </a:prstGeom>
+          <a:noFill/>
+          <a:extLst>
+            <a:ext uri="{909E8E84-426E-40DD-AFC4-6F175D3DCCD1}">
+              <a14:hiddenFill xmlns:a14="http://schemas.microsoft.com/office/drawing/2010/main">
+                <a:solidFill>
+                  <a:srgbClr val="FFFFFF"/>
+                </a:solidFill>
+              </a14:hiddenFill>
+            </a:ext>
+          </a:extLst>
+        </p:spPr>
+      </p:pic>
+      <p:sp>
+        <p:nvSpPr>
+          <p:cNvPr id="4" name="Slide Number Placeholder 3">
+            <a:extLst>
+              <a:ext uri="{FF2B5EF4-FFF2-40B4-BE49-F238E27FC236}">
+                <a16:creationId xmlns:a16="http://schemas.microsoft.com/office/drawing/2014/main" id="{1FB7980D-6ABC-4A00-8DC8-A167ABC49549}"/>
+              </a:ext>
+            </a:extLst>
+          </p:cNvPr>
+          <p:cNvSpPr>
+            <a:spLocks noGrp="1"/>
+          </p:cNvSpPr>
+          <p:nvPr>
+            <p:ph type="sldNum" sz="quarter" idx="12"/>
+          </p:nvPr>
+        </p:nvSpPr>
+        <p:spPr/>
+        <p:txBody>
+          <a:bodyPr/>
+          <a:lstStyle/>
+          <a:p>
+            <a:fld id="{5A188BD9-5E81-43C5-AE66-36AE3BDE6A9D}" type="slidenum">
+              <a:rPr lang="pt-BR" smtClean="0"/>
+              <a:t>63</a:t>
+            </a:fld>
+            <a:endParaRPr lang="pt-BR"/>
+          </a:p>
+        </p:txBody>
+      </p:sp>
+    </p:spTree>
+    <p:extLst>
+      <p:ext uri="{BB962C8B-B14F-4D97-AF65-F5344CB8AC3E}">
+        <p14:creationId xmlns:p14="http://schemas.microsoft.com/office/powerpoint/2010/main" val="1007957260"/>
+      </p:ext>
+    </p:extLst>
+  </p:cSld>
+  <p:clrMapOvr>
+    <a:masterClrMapping/>
+  </p:clrMapOvr>
+</p:sld>
+</file>
+
+<file path=ppt/slides/slide64.xml><?xml version="1.0" encoding="utf-8"?>
+<p:sld xmlns:a="http://schemas.openxmlformats.org/drawingml/2006/main" xmlns:r="http://schemas.openxmlformats.org/officeDocument/2006/relationships" xmlns:p="http://schemas.openxmlformats.org/presentationml/2006/main">
+  <p:cSld>
+    <p:spTree>
+      <p:nvGrpSpPr>
+        <p:cNvPr id="1" name=""/>
+        <p:cNvGrpSpPr/>
+        <p:nvPr/>
+      </p:nvGrpSpPr>
+      <p:grpSpPr>
+        <a:xfrm>
+          <a:off x="0" y="0"/>
+          <a:ext cx="0" cy="0"/>
+          <a:chOff x="0" y="0"/>
+          <a:chExt cx="0" cy="0"/>
+        </a:xfrm>
+      </p:grpSpPr>
+      <p:sp>
+        <p:nvSpPr>
+          <p:cNvPr id="2" name="Title 1">
+            <a:extLst>
+              <a:ext uri="{FF2B5EF4-FFF2-40B4-BE49-F238E27FC236}">
+                <a16:creationId xmlns:a16="http://schemas.microsoft.com/office/drawing/2014/main" id="{3681D759-3FEC-433A-94E5-DC6F4F23EF5E}"/>
+              </a:ext>
+            </a:extLst>
+          </p:cNvPr>
+          <p:cNvSpPr>
+            <a:spLocks noGrp="1"/>
+          </p:cNvSpPr>
+          <p:nvPr>
+            <p:ph type="title"/>
+          </p:nvPr>
+        </p:nvSpPr>
+        <p:spPr/>
+        <p:txBody>
+          <a:bodyPr/>
+          <a:lstStyle/>
+          <a:p>
+            <a:r>
+              <a:rPr lang="pt-BR" dirty="0">
+                <a:solidFill>
+                  <a:srgbClr val="00B0F0"/>
+                </a:solidFill>
+                <a:latin typeface="Segoe UI" panose="020B0502040204020203" pitchFamily="34" charset="0"/>
+                <a:cs typeface="Segoe UI" panose="020B0502040204020203" pitchFamily="34" charset="0"/>
+              </a:rPr>
+              <a:t>Lambdas</a:t>
+            </a:r>
+          </a:p>
+        </p:txBody>
+      </p:sp>
+      <p:pic>
+        <p:nvPicPr>
+          <p:cNvPr id="10" name="Picture 2" descr="GitHub - isocpp/logos: C++ logos created for isocpp.org">
+            <a:extLst>
+              <a:ext uri="{FF2B5EF4-FFF2-40B4-BE49-F238E27FC236}">
+                <a16:creationId xmlns:a16="http://schemas.microsoft.com/office/drawing/2014/main" id="{6B7F8B00-6ACA-413F-BF98-5B69C47599E9}"/>
+              </a:ext>
+            </a:extLst>
+          </p:cNvPr>
+          <p:cNvPicPr>
+            <a:picLocks noChangeAspect="1" noChangeArrowheads="1"/>
+          </p:cNvPicPr>
+          <p:nvPr/>
+        </p:nvPicPr>
+        <p:blipFill>
+          <a:blip r:embed="rId2">
+            <a:extLst>
+              <a:ext uri="{28A0092B-C50C-407E-A947-70E740481C1C}">
+                <a14:useLocalDpi xmlns:a14="http://schemas.microsoft.com/office/drawing/2010/main" val="0"/>
+              </a:ext>
+            </a:extLst>
+          </a:blip>
+          <a:srcRect/>
+          <a:stretch>
+            <a:fillRect/>
+          </a:stretch>
+        </p:blipFill>
+        <p:spPr bwMode="auto">
+          <a:xfrm>
+            <a:off x="10951233" y="365125"/>
+            <a:ext cx="805134" cy="905069"/>
+          </a:xfrm>
+          <a:prstGeom prst="rect">
+            <a:avLst/>
+          </a:prstGeom>
+          <a:noFill/>
+          <a:extLst>
+            <a:ext uri="{909E8E84-426E-40DD-AFC4-6F175D3DCCD1}">
+              <a14:hiddenFill xmlns:a14="http://schemas.microsoft.com/office/drawing/2010/main">
+                <a:solidFill>
+                  <a:srgbClr val="FFFFFF"/>
+                </a:solidFill>
+              </a14:hiddenFill>
+            </a:ext>
+          </a:extLst>
+        </p:spPr>
+      </p:pic>
+      <p:sp>
+        <p:nvSpPr>
+          <p:cNvPr id="4" name="Slide Number Placeholder 3">
+            <a:extLst>
+              <a:ext uri="{FF2B5EF4-FFF2-40B4-BE49-F238E27FC236}">
+                <a16:creationId xmlns:a16="http://schemas.microsoft.com/office/drawing/2014/main" id="{1FB7980D-6ABC-4A00-8DC8-A167ABC49549}"/>
+              </a:ext>
+            </a:extLst>
+          </p:cNvPr>
+          <p:cNvSpPr>
+            <a:spLocks noGrp="1"/>
+          </p:cNvSpPr>
+          <p:nvPr>
+            <p:ph type="sldNum" sz="quarter" idx="12"/>
+          </p:nvPr>
+        </p:nvSpPr>
+        <p:spPr/>
+        <p:txBody>
+          <a:bodyPr/>
+          <a:lstStyle/>
+          <a:p>
+            <a:fld id="{5A188BD9-5E81-43C5-AE66-36AE3BDE6A9D}" type="slidenum">
+              <a:rPr lang="pt-BR" smtClean="0"/>
+              <a:t>64</a:t>
+            </a:fld>
+            <a:endParaRPr lang="pt-BR"/>
+          </a:p>
+        </p:txBody>
+      </p:sp>
+    </p:spTree>
+    <p:extLst>
+      <p:ext uri="{BB962C8B-B14F-4D97-AF65-F5344CB8AC3E}">
+        <p14:creationId xmlns:p14="http://schemas.microsoft.com/office/powerpoint/2010/main" val="2503949774"/>
+      </p:ext>
+    </p:extLst>
+  </p:cSld>
+  <p:clrMapOvr>
+    <a:masterClrMapping/>
+  </p:clrMapOvr>
+</p:sld>
+</file>
+
+<file path=ppt/slides/slide65.xml><?xml version="1.0" encoding="utf-8"?>
+<p:sld xmlns:a="http://schemas.openxmlformats.org/drawingml/2006/main" xmlns:r="http://schemas.openxmlformats.org/officeDocument/2006/relationships" xmlns:p="http://schemas.openxmlformats.org/presentationml/2006/main">
+  <p:cSld>
+    <p:spTree>
+      <p:nvGrpSpPr>
+        <p:cNvPr id="1" name=""/>
+        <p:cNvGrpSpPr/>
+        <p:nvPr/>
+      </p:nvGrpSpPr>
+      <p:grpSpPr>
+        <a:xfrm>
+          <a:off x="0" y="0"/>
+          <a:ext cx="0" cy="0"/>
+          <a:chOff x="0" y="0"/>
+          <a:chExt cx="0" cy="0"/>
+        </a:xfrm>
+      </p:grpSpPr>
+      <p:sp>
+        <p:nvSpPr>
+          <p:cNvPr id="2" name="Title 1">
+            <a:extLst>
+              <a:ext uri="{FF2B5EF4-FFF2-40B4-BE49-F238E27FC236}">
+                <a16:creationId xmlns:a16="http://schemas.microsoft.com/office/drawing/2014/main" id="{3681D759-3FEC-433A-94E5-DC6F4F23EF5E}"/>
+              </a:ext>
+            </a:extLst>
+          </p:cNvPr>
+          <p:cNvSpPr>
+            <a:spLocks noGrp="1"/>
+          </p:cNvSpPr>
+          <p:nvPr>
+            <p:ph type="title"/>
+          </p:nvPr>
+        </p:nvSpPr>
+        <p:spPr/>
+        <p:txBody>
+          <a:bodyPr/>
+          <a:lstStyle/>
+          <a:p>
+            <a:r>
+              <a:rPr lang="pt-BR" dirty="0">
+                <a:solidFill>
+                  <a:srgbClr val="00B0F0"/>
+                </a:solidFill>
+                <a:latin typeface="Segoe UI" panose="020B0502040204020203" pitchFamily="34" charset="0"/>
+                <a:cs typeface="Segoe UI" panose="020B0502040204020203" pitchFamily="34" charset="0"/>
+              </a:rPr>
+              <a:t>Standard Template Library</a:t>
+            </a:r>
+          </a:p>
+        </p:txBody>
+      </p:sp>
+      <p:pic>
+        <p:nvPicPr>
+          <p:cNvPr id="10" name="Picture 2" descr="GitHub - isocpp/logos: C++ logos created for isocpp.org">
+            <a:extLst>
+              <a:ext uri="{FF2B5EF4-FFF2-40B4-BE49-F238E27FC236}">
+                <a16:creationId xmlns:a16="http://schemas.microsoft.com/office/drawing/2014/main" id="{6B7F8B00-6ACA-413F-BF98-5B69C47599E9}"/>
+              </a:ext>
+            </a:extLst>
+          </p:cNvPr>
+          <p:cNvPicPr>
+            <a:picLocks noChangeAspect="1" noChangeArrowheads="1"/>
+          </p:cNvPicPr>
+          <p:nvPr/>
+        </p:nvPicPr>
+        <p:blipFill>
+          <a:blip r:embed="rId2">
+            <a:extLst>
+              <a:ext uri="{28A0092B-C50C-407E-A947-70E740481C1C}">
+                <a14:useLocalDpi xmlns:a14="http://schemas.microsoft.com/office/drawing/2010/main" val="0"/>
+              </a:ext>
+            </a:extLst>
+          </a:blip>
+          <a:srcRect/>
+          <a:stretch>
+            <a:fillRect/>
+          </a:stretch>
+        </p:blipFill>
+        <p:spPr bwMode="auto">
+          <a:xfrm>
+            <a:off x="10951233" y="365125"/>
+            <a:ext cx="805134" cy="905069"/>
+          </a:xfrm>
+          <a:prstGeom prst="rect">
+            <a:avLst/>
+          </a:prstGeom>
+          <a:noFill/>
+          <a:extLst>
+            <a:ext uri="{909E8E84-426E-40DD-AFC4-6F175D3DCCD1}">
+              <a14:hiddenFill xmlns:a14="http://schemas.microsoft.com/office/drawing/2010/main">
+                <a:solidFill>
+                  <a:srgbClr val="FFFFFF"/>
+                </a:solidFill>
+              </a14:hiddenFill>
+            </a:ext>
+          </a:extLst>
+        </p:spPr>
+      </p:pic>
+      <p:sp>
+        <p:nvSpPr>
+          <p:cNvPr id="4" name="Slide Number Placeholder 3">
+            <a:extLst>
+              <a:ext uri="{FF2B5EF4-FFF2-40B4-BE49-F238E27FC236}">
+                <a16:creationId xmlns:a16="http://schemas.microsoft.com/office/drawing/2014/main" id="{1FB7980D-6ABC-4A00-8DC8-A167ABC49549}"/>
+              </a:ext>
+            </a:extLst>
+          </p:cNvPr>
+          <p:cNvSpPr>
+            <a:spLocks noGrp="1"/>
+          </p:cNvSpPr>
+          <p:nvPr>
+            <p:ph type="sldNum" sz="quarter" idx="12"/>
+          </p:nvPr>
+        </p:nvSpPr>
+        <p:spPr/>
+        <p:txBody>
+          <a:bodyPr/>
+          <a:lstStyle/>
+          <a:p>
+            <a:fld id="{5A188BD9-5E81-43C5-AE66-36AE3BDE6A9D}" type="slidenum">
+              <a:rPr lang="pt-BR" smtClean="0"/>
+              <a:t>65</a:t>
+            </a:fld>
+            <a:endParaRPr lang="pt-BR"/>
+          </a:p>
+        </p:txBody>
+      </p:sp>
+    </p:spTree>
+    <p:extLst>
+      <p:ext uri="{BB962C8B-B14F-4D97-AF65-F5344CB8AC3E}">
+        <p14:creationId xmlns:p14="http://schemas.microsoft.com/office/powerpoint/2010/main" val="3506633628"/>
+      </p:ext>
+    </p:extLst>
+  </p:cSld>
+  <p:clrMapOvr>
+    <a:masterClrMapping/>
+  </p:clrMapOvr>
+</p:sld>
+</file>
+
+<file path=ppt/slides/slide66.xml><?xml version="1.0" encoding="utf-8"?>
+<p:sld xmlns:a="http://schemas.openxmlformats.org/drawingml/2006/main" xmlns:r="http://schemas.openxmlformats.org/officeDocument/2006/relationships" xmlns:p="http://schemas.openxmlformats.org/presentationml/2006/main">
+  <p:cSld>
+    <p:spTree>
+      <p:nvGrpSpPr>
+        <p:cNvPr id="1" name=""/>
+        <p:cNvGrpSpPr/>
+        <p:nvPr/>
+      </p:nvGrpSpPr>
+      <p:grpSpPr>
+        <a:xfrm>
+          <a:off x="0" y="0"/>
+          <a:ext cx="0" cy="0"/>
+          <a:chOff x="0" y="0"/>
+          <a:chExt cx="0" cy="0"/>
+        </a:xfrm>
+      </p:grpSpPr>
+      <p:sp>
+        <p:nvSpPr>
+          <p:cNvPr id="2" name="Title 1">
+            <a:extLst>
+              <a:ext uri="{FF2B5EF4-FFF2-40B4-BE49-F238E27FC236}">
+                <a16:creationId xmlns:a16="http://schemas.microsoft.com/office/drawing/2014/main" id="{3681D759-3FEC-433A-94E5-DC6F4F23EF5E}"/>
+              </a:ext>
+            </a:extLst>
+          </p:cNvPr>
+          <p:cNvSpPr>
+            <a:spLocks noGrp="1"/>
+          </p:cNvSpPr>
+          <p:nvPr>
+            <p:ph type="title"/>
+          </p:nvPr>
+        </p:nvSpPr>
+        <p:spPr/>
+        <p:txBody>
+          <a:bodyPr/>
+          <a:lstStyle/>
+          <a:p>
+            <a:r>
+              <a:rPr lang="pt-BR" dirty="0">
+                <a:solidFill>
+                  <a:srgbClr val="00B0F0"/>
+                </a:solidFill>
+                <a:latin typeface="Segoe UI" panose="020B0502040204020203" pitchFamily="34" charset="0"/>
+                <a:cs typeface="Segoe UI" panose="020B0502040204020203" pitchFamily="34" charset="0"/>
+              </a:rPr>
+              <a:t>Containers</a:t>
+            </a:r>
+          </a:p>
+        </p:txBody>
+      </p:sp>
+      <p:pic>
+        <p:nvPicPr>
+          <p:cNvPr id="10" name="Picture 2" descr="GitHub - isocpp/logos: C++ logos created for isocpp.org">
+            <a:extLst>
+              <a:ext uri="{FF2B5EF4-FFF2-40B4-BE49-F238E27FC236}">
+                <a16:creationId xmlns:a16="http://schemas.microsoft.com/office/drawing/2014/main" id="{6B7F8B00-6ACA-413F-BF98-5B69C47599E9}"/>
+              </a:ext>
+            </a:extLst>
+          </p:cNvPr>
+          <p:cNvPicPr>
+            <a:picLocks noChangeAspect="1" noChangeArrowheads="1"/>
+          </p:cNvPicPr>
+          <p:nvPr/>
+        </p:nvPicPr>
+        <p:blipFill>
+          <a:blip r:embed="rId2">
+            <a:extLst>
+              <a:ext uri="{28A0092B-C50C-407E-A947-70E740481C1C}">
+                <a14:useLocalDpi xmlns:a14="http://schemas.microsoft.com/office/drawing/2010/main" val="0"/>
+              </a:ext>
+            </a:extLst>
+          </a:blip>
+          <a:srcRect/>
+          <a:stretch>
+            <a:fillRect/>
+          </a:stretch>
+        </p:blipFill>
+        <p:spPr bwMode="auto">
+          <a:xfrm>
+            <a:off x="10951233" y="365125"/>
+            <a:ext cx="805134" cy="905069"/>
+          </a:xfrm>
+          <a:prstGeom prst="rect">
+            <a:avLst/>
+          </a:prstGeom>
+          <a:noFill/>
+          <a:extLst>
+            <a:ext uri="{909E8E84-426E-40DD-AFC4-6F175D3DCCD1}">
+              <a14:hiddenFill xmlns:a14="http://schemas.microsoft.com/office/drawing/2010/main">
+                <a:solidFill>
+                  <a:srgbClr val="FFFFFF"/>
+                </a:solidFill>
+              </a14:hiddenFill>
+            </a:ext>
+          </a:extLst>
+        </p:spPr>
+      </p:pic>
+      <p:sp>
+        <p:nvSpPr>
+          <p:cNvPr id="4" name="Slide Number Placeholder 3">
+            <a:extLst>
+              <a:ext uri="{FF2B5EF4-FFF2-40B4-BE49-F238E27FC236}">
+                <a16:creationId xmlns:a16="http://schemas.microsoft.com/office/drawing/2014/main" id="{1FB7980D-6ABC-4A00-8DC8-A167ABC49549}"/>
+              </a:ext>
+            </a:extLst>
+          </p:cNvPr>
+          <p:cNvSpPr>
+            <a:spLocks noGrp="1"/>
+          </p:cNvSpPr>
+          <p:nvPr>
+            <p:ph type="sldNum" sz="quarter" idx="12"/>
+          </p:nvPr>
+        </p:nvSpPr>
+        <p:spPr/>
+        <p:txBody>
+          <a:bodyPr/>
+          <a:lstStyle/>
+          <a:p>
+            <a:fld id="{5A188BD9-5E81-43C5-AE66-36AE3BDE6A9D}" type="slidenum">
+              <a:rPr lang="pt-BR" smtClean="0"/>
+              <a:t>66</a:t>
+            </a:fld>
+            <a:endParaRPr lang="pt-BR"/>
+          </a:p>
+        </p:txBody>
+      </p:sp>
+    </p:spTree>
+    <p:extLst>
+      <p:ext uri="{BB962C8B-B14F-4D97-AF65-F5344CB8AC3E}">
+        <p14:creationId xmlns:p14="http://schemas.microsoft.com/office/powerpoint/2010/main" val="2167016015"/>
+      </p:ext>
+    </p:extLst>
+  </p:cSld>
+  <p:clrMapOvr>
+    <a:masterClrMapping/>
+  </p:clrMapOvr>
+</p:sld>
+</file>
+
+<file path=ppt/slides/slide67.xml><?xml version="1.0" encoding="utf-8"?>
+<p:sld xmlns:a="http://schemas.openxmlformats.org/drawingml/2006/main" xmlns:r="http://schemas.openxmlformats.org/officeDocument/2006/relationships" xmlns:p="http://schemas.openxmlformats.org/presentationml/2006/main">
+  <p:cSld>
+    <p:spTree>
+      <p:nvGrpSpPr>
+        <p:cNvPr id="1" name=""/>
+        <p:cNvGrpSpPr/>
+        <p:nvPr/>
+      </p:nvGrpSpPr>
+      <p:grpSpPr>
+        <a:xfrm>
+          <a:off x="0" y="0"/>
+          <a:ext cx="0" cy="0"/>
+          <a:chOff x="0" y="0"/>
+          <a:chExt cx="0" cy="0"/>
+        </a:xfrm>
+      </p:grpSpPr>
+      <p:sp>
+        <p:nvSpPr>
+          <p:cNvPr id="2" name="Title 1">
+            <a:extLst>
+              <a:ext uri="{FF2B5EF4-FFF2-40B4-BE49-F238E27FC236}">
+                <a16:creationId xmlns:a16="http://schemas.microsoft.com/office/drawing/2014/main" id="{3681D759-3FEC-433A-94E5-DC6F4F23EF5E}"/>
+              </a:ext>
+            </a:extLst>
+          </p:cNvPr>
+          <p:cNvSpPr>
+            <a:spLocks noGrp="1"/>
+          </p:cNvSpPr>
+          <p:nvPr>
+            <p:ph type="title"/>
+          </p:nvPr>
+        </p:nvSpPr>
+        <p:spPr/>
+        <p:txBody>
+          <a:bodyPr/>
+          <a:lstStyle/>
+          <a:p>
+            <a:r>
+              <a:rPr lang="pt-BR" dirty="0">
+                <a:solidFill>
+                  <a:srgbClr val="00B0F0"/>
+                </a:solidFill>
+                <a:latin typeface="Segoe UI" panose="020B0502040204020203" pitchFamily="34" charset="0"/>
+                <a:cs typeface="Segoe UI" panose="020B0502040204020203" pitchFamily="34" charset="0"/>
+              </a:rPr>
+              <a:t>Iterators</a:t>
+            </a:r>
+          </a:p>
+        </p:txBody>
+      </p:sp>
+      <p:pic>
+        <p:nvPicPr>
+          <p:cNvPr id="10" name="Picture 2" descr="GitHub - isocpp/logos: C++ logos created for isocpp.org">
+            <a:extLst>
+              <a:ext uri="{FF2B5EF4-FFF2-40B4-BE49-F238E27FC236}">
+                <a16:creationId xmlns:a16="http://schemas.microsoft.com/office/drawing/2014/main" id="{6B7F8B00-6ACA-413F-BF98-5B69C47599E9}"/>
+              </a:ext>
+            </a:extLst>
+          </p:cNvPr>
+          <p:cNvPicPr>
+            <a:picLocks noChangeAspect="1" noChangeArrowheads="1"/>
+          </p:cNvPicPr>
+          <p:nvPr/>
+        </p:nvPicPr>
+        <p:blipFill>
+          <a:blip r:embed="rId2">
+            <a:extLst>
+              <a:ext uri="{28A0092B-C50C-407E-A947-70E740481C1C}">
+                <a14:useLocalDpi xmlns:a14="http://schemas.microsoft.com/office/drawing/2010/main" val="0"/>
+              </a:ext>
+            </a:extLst>
+          </a:blip>
+          <a:srcRect/>
+          <a:stretch>
+            <a:fillRect/>
+          </a:stretch>
+        </p:blipFill>
+        <p:spPr bwMode="auto">
+          <a:xfrm>
+            <a:off x="10951233" y="365125"/>
+            <a:ext cx="805134" cy="905069"/>
+          </a:xfrm>
+          <a:prstGeom prst="rect">
+            <a:avLst/>
+          </a:prstGeom>
+          <a:noFill/>
+          <a:extLst>
+            <a:ext uri="{909E8E84-426E-40DD-AFC4-6F175D3DCCD1}">
+              <a14:hiddenFill xmlns:a14="http://schemas.microsoft.com/office/drawing/2010/main">
+                <a:solidFill>
+                  <a:srgbClr val="FFFFFF"/>
+                </a:solidFill>
+              </a14:hiddenFill>
+            </a:ext>
+          </a:extLst>
+        </p:spPr>
+      </p:pic>
+      <p:sp>
+        <p:nvSpPr>
+          <p:cNvPr id="4" name="Slide Number Placeholder 3">
+            <a:extLst>
+              <a:ext uri="{FF2B5EF4-FFF2-40B4-BE49-F238E27FC236}">
+                <a16:creationId xmlns:a16="http://schemas.microsoft.com/office/drawing/2014/main" id="{1FB7980D-6ABC-4A00-8DC8-A167ABC49549}"/>
+              </a:ext>
+            </a:extLst>
+          </p:cNvPr>
+          <p:cNvSpPr>
+            <a:spLocks noGrp="1"/>
+          </p:cNvSpPr>
+          <p:nvPr>
+            <p:ph type="sldNum" sz="quarter" idx="12"/>
+          </p:nvPr>
+        </p:nvSpPr>
+        <p:spPr/>
+        <p:txBody>
+          <a:bodyPr/>
+          <a:lstStyle/>
+          <a:p>
+            <a:fld id="{5A188BD9-5E81-43C5-AE66-36AE3BDE6A9D}" type="slidenum">
+              <a:rPr lang="pt-BR" smtClean="0"/>
+              <a:t>67</a:t>
+            </a:fld>
+            <a:endParaRPr lang="pt-BR"/>
+          </a:p>
+        </p:txBody>
+      </p:sp>
+    </p:spTree>
+    <p:extLst>
+      <p:ext uri="{BB962C8B-B14F-4D97-AF65-F5344CB8AC3E}">
+        <p14:creationId xmlns:p14="http://schemas.microsoft.com/office/powerpoint/2010/main" val="4245057799"/>
+      </p:ext>
+    </p:extLst>
+  </p:cSld>
+  <p:clrMapOvr>
+    <a:masterClrMapping/>
+  </p:clrMapOvr>
+</p:sld>
+</file>
+
+<file path=ppt/slides/slide68.xml><?xml version="1.0" encoding="utf-8"?>
+<p:sld xmlns:a="http://schemas.openxmlformats.org/drawingml/2006/main" xmlns:r="http://schemas.openxmlformats.org/officeDocument/2006/relationships" xmlns:p="http://schemas.openxmlformats.org/presentationml/2006/main">
+  <p:cSld>
+    <p:spTree>
+      <p:nvGrpSpPr>
+        <p:cNvPr id="1" name=""/>
+        <p:cNvGrpSpPr/>
+        <p:nvPr/>
+      </p:nvGrpSpPr>
+      <p:grpSpPr>
+        <a:xfrm>
+          <a:off x="0" y="0"/>
+          <a:ext cx="0" cy="0"/>
+          <a:chOff x="0" y="0"/>
+          <a:chExt cx="0" cy="0"/>
+        </a:xfrm>
+      </p:grpSpPr>
+      <p:sp>
+        <p:nvSpPr>
+          <p:cNvPr id="2" name="Title 1">
+            <a:extLst>
+              <a:ext uri="{FF2B5EF4-FFF2-40B4-BE49-F238E27FC236}">
+                <a16:creationId xmlns:a16="http://schemas.microsoft.com/office/drawing/2014/main" id="{3681D759-3FEC-433A-94E5-DC6F4F23EF5E}"/>
+              </a:ext>
+            </a:extLst>
+          </p:cNvPr>
+          <p:cNvSpPr>
+            <a:spLocks noGrp="1"/>
+          </p:cNvSpPr>
+          <p:nvPr>
+            <p:ph type="title"/>
+          </p:nvPr>
+        </p:nvSpPr>
+        <p:spPr/>
+        <p:txBody>
+          <a:bodyPr/>
+          <a:lstStyle/>
+          <a:p>
+            <a:r>
+              <a:rPr lang="pt-BR" dirty="0">
+                <a:solidFill>
+                  <a:srgbClr val="00B0F0"/>
+                </a:solidFill>
+                <a:latin typeface="Segoe UI" panose="020B0502040204020203" pitchFamily="34" charset="0"/>
+                <a:cs typeface="Segoe UI" panose="020B0502040204020203" pitchFamily="34" charset="0"/>
+              </a:rPr>
+              <a:t>Ranges</a:t>
+            </a:r>
+          </a:p>
+        </p:txBody>
+      </p:sp>
+      <p:pic>
+        <p:nvPicPr>
+          <p:cNvPr id="10" name="Picture 2" descr="GitHub - isocpp/logos: C++ logos created for isocpp.org">
+            <a:extLst>
+              <a:ext uri="{FF2B5EF4-FFF2-40B4-BE49-F238E27FC236}">
+                <a16:creationId xmlns:a16="http://schemas.microsoft.com/office/drawing/2014/main" id="{6B7F8B00-6ACA-413F-BF98-5B69C47599E9}"/>
+              </a:ext>
+            </a:extLst>
+          </p:cNvPr>
+          <p:cNvPicPr>
+            <a:picLocks noChangeAspect="1" noChangeArrowheads="1"/>
+          </p:cNvPicPr>
+          <p:nvPr/>
+        </p:nvPicPr>
+        <p:blipFill>
+          <a:blip r:embed="rId2">
+            <a:extLst>
+              <a:ext uri="{28A0092B-C50C-407E-A947-70E740481C1C}">
+                <a14:useLocalDpi xmlns:a14="http://schemas.microsoft.com/office/drawing/2010/main" val="0"/>
+              </a:ext>
+            </a:extLst>
+          </a:blip>
+          <a:srcRect/>
+          <a:stretch>
+            <a:fillRect/>
+          </a:stretch>
+        </p:blipFill>
+        <p:spPr bwMode="auto">
+          <a:xfrm>
+            <a:off x="10951233" y="365125"/>
+            <a:ext cx="805134" cy="905069"/>
+          </a:xfrm>
+          <a:prstGeom prst="rect">
+            <a:avLst/>
+          </a:prstGeom>
+          <a:noFill/>
+          <a:extLst>
+            <a:ext uri="{909E8E84-426E-40DD-AFC4-6F175D3DCCD1}">
+              <a14:hiddenFill xmlns:a14="http://schemas.microsoft.com/office/drawing/2010/main">
+                <a:solidFill>
+                  <a:srgbClr val="FFFFFF"/>
+                </a:solidFill>
+              </a14:hiddenFill>
+            </a:ext>
+          </a:extLst>
+        </p:spPr>
+      </p:pic>
+      <p:sp>
+        <p:nvSpPr>
+          <p:cNvPr id="4" name="Slide Number Placeholder 3">
+            <a:extLst>
+              <a:ext uri="{FF2B5EF4-FFF2-40B4-BE49-F238E27FC236}">
+                <a16:creationId xmlns:a16="http://schemas.microsoft.com/office/drawing/2014/main" id="{1FB7980D-6ABC-4A00-8DC8-A167ABC49549}"/>
+              </a:ext>
+            </a:extLst>
+          </p:cNvPr>
+          <p:cNvSpPr>
+            <a:spLocks noGrp="1"/>
+          </p:cNvSpPr>
+          <p:nvPr>
+            <p:ph type="sldNum" sz="quarter" idx="12"/>
+          </p:nvPr>
+        </p:nvSpPr>
+        <p:spPr/>
+        <p:txBody>
+          <a:bodyPr/>
+          <a:lstStyle/>
+          <a:p>
+            <a:fld id="{5A188BD9-5E81-43C5-AE66-36AE3BDE6A9D}" type="slidenum">
+              <a:rPr lang="pt-BR" smtClean="0"/>
+              <a:t>68</a:t>
+            </a:fld>
+            <a:endParaRPr lang="pt-BR"/>
+          </a:p>
+        </p:txBody>
+      </p:sp>
+    </p:spTree>
+    <p:extLst>
+      <p:ext uri="{BB962C8B-B14F-4D97-AF65-F5344CB8AC3E}">
+        <p14:creationId xmlns:p14="http://schemas.microsoft.com/office/powerpoint/2010/main" val="759493610"/>
+      </p:ext>
+    </p:extLst>
+  </p:cSld>
+  <p:clrMapOvr>
+    <a:masterClrMapping/>
+  </p:clrMapOvr>
+</p:sld>
+</file>
+
+<file path=ppt/slides/slide69.xml><?xml version="1.0" encoding="utf-8"?>
+<p:sld xmlns:a="http://schemas.openxmlformats.org/drawingml/2006/main" xmlns:r="http://schemas.openxmlformats.org/officeDocument/2006/relationships" xmlns:p="http://schemas.openxmlformats.org/presentationml/2006/main">
+  <p:cSld>
+    <p:spTree>
+      <p:nvGrpSpPr>
+        <p:cNvPr id="1" name=""/>
+        <p:cNvGrpSpPr/>
+        <p:nvPr/>
+      </p:nvGrpSpPr>
+      <p:grpSpPr>
+        <a:xfrm>
+          <a:off x="0" y="0"/>
+          <a:ext cx="0" cy="0"/>
+          <a:chOff x="0" y="0"/>
+          <a:chExt cx="0" cy="0"/>
+        </a:xfrm>
+      </p:grpSpPr>
+      <p:sp>
+        <p:nvSpPr>
+          <p:cNvPr id="2" name="Title 1">
+            <a:extLst>
+              <a:ext uri="{FF2B5EF4-FFF2-40B4-BE49-F238E27FC236}">
+                <a16:creationId xmlns:a16="http://schemas.microsoft.com/office/drawing/2014/main" id="{3681D759-3FEC-433A-94E5-DC6F4F23EF5E}"/>
+              </a:ext>
+            </a:extLst>
+          </p:cNvPr>
+          <p:cNvSpPr>
+            <a:spLocks noGrp="1"/>
+          </p:cNvSpPr>
+          <p:nvPr>
+            <p:ph type="title"/>
+          </p:nvPr>
+        </p:nvSpPr>
+        <p:spPr/>
+        <p:txBody>
+          <a:bodyPr/>
+          <a:lstStyle/>
+          <a:p>
+            <a:r>
+              <a:rPr lang="pt-BR" dirty="0">
+                <a:solidFill>
+                  <a:srgbClr val="00B0F0"/>
+                </a:solidFill>
+                <a:latin typeface="Segoe UI" panose="020B0502040204020203" pitchFamily="34" charset="0"/>
+                <a:cs typeface="Segoe UI" panose="020B0502040204020203" pitchFamily="34" charset="0"/>
+              </a:rPr>
+              <a:t>Algorithms</a:t>
+            </a:r>
+          </a:p>
+        </p:txBody>
+      </p:sp>
+      <p:pic>
+        <p:nvPicPr>
+          <p:cNvPr id="10" name="Picture 2" descr="GitHub - isocpp/logos: C++ logos created for isocpp.org">
+            <a:extLst>
+              <a:ext uri="{FF2B5EF4-FFF2-40B4-BE49-F238E27FC236}">
+                <a16:creationId xmlns:a16="http://schemas.microsoft.com/office/drawing/2014/main" id="{6B7F8B00-6ACA-413F-BF98-5B69C47599E9}"/>
+              </a:ext>
+            </a:extLst>
+          </p:cNvPr>
+          <p:cNvPicPr>
+            <a:picLocks noChangeAspect="1" noChangeArrowheads="1"/>
+          </p:cNvPicPr>
+          <p:nvPr/>
+        </p:nvPicPr>
+        <p:blipFill>
+          <a:blip r:embed="rId2">
+            <a:extLst>
+              <a:ext uri="{28A0092B-C50C-407E-A947-70E740481C1C}">
+                <a14:useLocalDpi xmlns:a14="http://schemas.microsoft.com/office/drawing/2010/main" val="0"/>
+              </a:ext>
+            </a:extLst>
+          </a:blip>
+          <a:srcRect/>
+          <a:stretch>
+            <a:fillRect/>
+          </a:stretch>
+        </p:blipFill>
+        <p:spPr bwMode="auto">
+          <a:xfrm>
+            <a:off x="10951233" y="365125"/>
+            <a:ext cx="805134" cy="905069"/>
+          </a:xfrm>
+          <a:prstGeom prst="rect">
+            <a:avLst/>
+          </a:prstGeom>
+          <a:noFill/>
+          <a:extLst>
+            <a:ext uri="{909E8E84-426E-40DD-AFC4-6F175D3DCCD1}">
+              <a14:hiddenFill xmlns:a14="http://schemas.microsoft.com/office/drawing/2010/main">
+                <a:solidFill>
+                  <a:srgbClr val="FFFFFF"/>
+                </a:solidFill>
+              </a14:hiddenFill>
+            </a:ext>
+          </a:extLst>
+        </p:spPr>
+      </p:pic>
+      <p:sp>
+        <p:nvSpPr>
+          <p:cNvPr id="4" name="Slide Number Placeholder 3">
+            <a:extLst>
+              <a:ext uri="{FF2B5EF4-FFF2-40B4-BE49-F238E27FC236}">
+                <a16:creationId xmlns:a16="http://schemas.microsoft.com/office/drawing/2014/main" id="{1FB7980D-6ABC-4A00-8DC8-A167ABC49549}"/>
+              </a:ext>
+            </a:extLst>
+          </p:cNvPr>
+          <p:cNvSpPr>
+            <a:spLocks noGrp="1"/>
+          </p:cNvSpPr>
+          <p:nvPr>
+            <p:ph type="sldNum" sz="quarter" idx="12"/>
+          </p:nvPr>
+        </p:nvSpPr>
+        <p:spPr/>
+        <p:txBody>
+          <a:bodyPr/>
+          <a:lstStyle/>
+          <a:p>
+            <a:fld id="{5A188BD9-5E81-43C5-AE66-36AE3BDE6A9D}" type="slidenum">
+              <a:rPr lang="pt-BR" smtClean="0"/>
+              <a:t>69</a:t>
+            </a:fld>
+            <a:endParaRPr lang="pt-BR"/>
+          </a:p>
+        </p:txBody>
+      </p:sp>
+    </p:spTree>
+    <p:extLst>
+      <p:ext uri="{BB962C8B-B14F-4D97-AF65-F5344CB8AC3E}">
+        <p14:creationId xmlns:p14="http://schemas.microsoft.com/office/powerpoint/2010/main" val="2698399529"/>
       </p:ext>
     </p:extLst>
   </p:cSld>
@@ -37900,6 +43944,1406 @@
     <p:extLst>
       <p:ext uri="{BB962C8B-B14F-4D97-AF65-F5344CB8AC3E}">
         <p14:creationId xmlns:p14="http://schemas.microsoft.com/office/powerpoint/2010/main" val="2307040872"/>
+      </p:ext>
+    </p:extLst>
+  </p:cSld>
+  <p:clrMapOvr>
+    <a:masterClrMapping/>
+  </p:clrMapOvr>
+</p:sld>
+</file>
+
+<file path=ppt/slides/slide70.xml><?xml version="1.0" encoding="utf-8"?>
+<p:sld xmlns:a="http://schemas.openxmlformats.org/drawingml/2006/main" xmlns:r="http://schemas.openxmlformats.org/officeDocument/2006/relationships" xmlns:p="http://schemas.openxmlformats.org/presentationml/2006/main">
+  <p:cSld>
+    <p:spTree>
+      <p:nvGrpSpPr>
+        <p:cNvPr id="1" name=""/>
+        <p:cNvGrpSpPr/>
+        <p:nvPr/>
+      </p:nvGrpSpPr>
+      <p:grpSpPr>
+        <a:xfrm>
+          <a:off x="0" y="0"/>
+          <a:ext cx="0" cy="0"/>
+          <a:chOff x="0" y="0"/>
+          <a:chExt cx="0" cy="0"/>
+        </a:xfrm>
+      </p:grpSpPr>
+      <p:sp>
+        <p:nvSpPr>
+          <p:cNvPr id="2" name="Title 1">
+            <a:extLst>
+              <a:ext uri="{FF2B5EF4-FFF2-40B4-BE49-F238E27FC236}">
+                <a16:creationId xmlns:a16="http://schemas.microsoft.com/office/drawing/2014/main" id="{3681D759-3FEC-433A-94E5-DC6F4F23EF5E}"/>
+              </a:ext>
+            </a:extLst>
+          </p:cNvPr>
+          <p:cNvSpPr>
+            <a:spLocks noGrp="1"/>
+          </p:cNvSpPr>
+          <p:nvPr>
+            <p:ph type="title"/>
+          </p:nvPr>
+        </p:nvSpPr>
+        <p:spPr/>
+        <p:txBody>
+          <a:bodyPr/>
+          <a:lstStyle/>
+          <a:p>
+            <a:r>
+              <a:rPr lang="pt-BR" dirty="0">
+                <a:solidFill>
+                  <a:srgbClr val="00B0F0"/>
+                </a:solidFill>
+                <a:latin typeface="Segoe UI" panose="020B0502040204020203" pitchFamily="34" charset="0"/>
+                <a:cs typeface="Segoe UI" panose="020B0502040204020203" pitchFamily="34" charset="0"/>
+              </a:rPr>
+              <a:t>Exceptions</a:t>
+            </a:r>
+          </a:p>
+        </p:txBody>
+      </p:sp>
+      <p:pic>
+        <p:nvPicPr>
+          <p:cNvPr id="10" name="Picture 2" descr="GitHub - isocpp/logos: C++ logos created for isocpp.org">
+            <a:extLst>
+              <a:ext uri="{FF2B5EF4-FFF2-40B4-BE49-F238E27FC236}">
+                <a16:creationId xmlns:a16="http://schemas.microsoft.com/office/drawing/2014/main" id="{6B7F8B00-6ACA-413F-BF98-5B69C47599E9}"/>
+              </a:ext>
+            </a:extLst>
+          </p:cNvPr>
+          <p:cNvPicPr>
+            <a:picLocks noChangeAspect="1" noChangeArrowheads="1"/>
+          </p:cNvPicPr>
+          <p:nvPr/>
+        </p:nvPicPr>
+        <p:blipFill>
+          <a:blip r:embed="rId2">
+            <a:extLst>
+              <a:ext uri="{28A0092B-C50C-407E-A947-70E740481C1C}">
+                <a14:useLocalDpi xmlns:a14="http://schemas.microsoft.com/office/drawing/2010/main" val="0"/>
+              </a:ext>
+            </a:extLst>
+          </a:blip>
+          <a:srcRect/>
+          <a:stretch>
+            <a:fillRect/>
+          </a:stretch>
+        </p:blipFill>
+        <p:spPr bwMode="auto">
+          <a:xfrm>
+            <a:off x="10951233" y="365125"/>
+            <a:ext cx="805134" cy="905069"/>
+          </a:xfrm>
+          <a:prstGeom prst="rect">
+            <a:avLst/>
+          </a:prstGeom>
+          <a:noFill/>
+          <a:extLst>
+            <a:ext uri="{909E8E84-426E-40DD-AFC4-6F175D3DCCD1}">
+              <a14:hiddenFill xmlns:a14="http://schemas.microsoft.com/office/drawing/2010/main">
+                <a:solidFill>
+                  <a:srgbClr val="FFFFFF"/>
+                </a:solidFill>
+              </a14:hiddenFill>
+            </a:ext>
+          </a:extLst>
+        </p:spPr>
+      </p:pic>
+      <p:sp>
+        <p:nvSpPr>
+          <p:cNvPr id="4" name="Slide Number Placeholder 3">
+            <a:extLst>
+              <a:ext uri="{FF2B5EF4-FFF2-40B4-BE49-F238E27FC236}">
+                <a16:creationId xmlns:a16="http://schemas.microsoft.com/office/drawing/2014/main" id="{1FB7980D-6ABC-4A00-8DC8-A167ABC49549}"/>
+              </a:ext>
+            </a:extLst>
+          </p:cNvPr>
+          <p:cNvSpPr>
+            <a:spLocks noGrp="1"/>
+          </p:cNvSpPr>
+          <p:nvPr>
+            <p:ph type="sldNum" sz="quarter" idx="12"/>
+          </p:nvPr>
+        </p:nvSpPr>
+        <p:spPr/>
+        <p:txBody>
+          <a:bodyPr/>
+          <a:lstStyle/>
+          <a:p>
+            <a:fld id="{5A188BD9-5E81-43C5-AE66-36AE3BDE6A9D}" type="slidenum">
+              <a:rPr lang="pt-BR" smtClean="0"/>
+              <a:t>70</a:t>
+            </a:fld>
+            <a:endParaRPr lang="pt-BR"/>
+          </a:p>
+        </p:txBody>
+      </p:sp>
+    </p:spTree>
+    <p:extLst>
+      <p:ext uri="{BB962C8B-B14F-4D97-AF65-F5344CB8AC3E}">
+        <p14:creationId xmlns:p14="http://schemas.microsoft.com/office/powerpoint/2010/main" val="932889925"/>
+      </p:ext>
+    </p:extLst>
+  </p:cSld>
+  <p:clrMapOvr>
+    <a:masterClrMapping/>
+  </p:clrMapOvr>
+</p:sld>
+</file>
+
+<file path=ppt/slides/slide71.xml><?xml version="1.0" encoding="utf-8"?>
+<p:sld xmlns:a="http://schemas.openxmlformats.org/drawingml/2006/main" xmlns:r="http://schemas.openxmlformats.org/officeDocument/2006/relationships" xmlns:p="http://schemas.openxmlformats.org/presentationml/2006/main">
+  <p:cSld>
+    <p:spTree>
+      <p:nvGrpSpPr>
+        <p:cNvPr id="1" name=""/>
+        <p:cNvGrpSpPr/>
+        <p:nvPr/>
+      </p:nvGrpSpPr>
+      <p:grpSpPr>
+        <a:xfrm>
+          <a:off x="0" y="0"/>
+          <a:ext cx="0" cy="0"/>
+          <a:chOff x="0" y="0"/>
+          <a:chExt cx="0" cy="0"/>
+        </a:xfrm>
+      </p:grpSpPr>
+      <p:sp>
+        <p:nvSpPr>
+          <p:cNvPr id="2" name="Title 1">
+            <a:extLst>
+              <a:ext uri="{FF2B5EF4-FFF2-40B4-BE49-F238E27FC236}">
+                <a16:creationId xmlns:a16="http://schemas.microsoft.com/office/drawing/2014/main" id="{3681D759-3FEC-433A-94E5-DC6F4F23EF5E}"/>
+              </a:ext>
+            </a:extLst>
+          </p:cNvPr>
+          <p:cNvSpPr>
+            <a:spLocks noGrp="1"/>
+          </p:cNvSpPr>
+          <p:nvPr>
+            <p:ph type="title"/>
+          </p:nvPr>
+        </p:nvSpPr>
+        <p:spPr/>
+        <p:txBody>
+          <a:bodyPr/>
+          <a:lstStyle/>
+          <a:p>
+            <a:r>
+              <a:rPr lang="pt-BR" dirty="0">
+                <a:solidFill>
+                  <a:srgbClr val="00B0F0"/>
+                </a:solidFill>
+                <a:latin typeface="Segoe UI" panose="020B0502040204020203" pitchFamily="34" charset="0"/>
+                <a:cs typeface="Segoe UI" panose="020B0502040204020203" pitchFamily="34" charset="0"/>
+              </a:rPr>
+              <a:t>Constructors</a:t>
+            </a:r>
+          </a:p>
+        </p:txBody>
+      </p:sp>
+      <p:pic>
+        <p:nvPicPr>
+          <p:cNvPr id="10" name="Picture 2" descr="GitHub - isocpp/logos: C++ logos created for isocpp.org">
+            <a:extLst>
+              <a:ext uri="{FF2B5EF4-FFF2-40B4-BE49-F238E27FC236}">
+                <a16:creationId xmlns:a16="http://schemas.microsoft.com/office/drawing/2014/main" id="{6B7F8B00-6ACA-413F-BF98-5B69C47599E9}"/>
+              </a:ext>
+            </a:extLst>
+          </p:cNvPr>
+          <p:cNvPicPr>
+            <a:picLocks noChangeAspect="1" noChangeArrowheads="1"/>
+          </p:cNvPicPr>
+          <p:nvPr/>
+        </p:nvPicPr>
+        <p:blipFill>
+          <a:blip r:embed="rId2">
+            <a:extLst>
+              <a:ext uri="{28A0092B-C50C-407E-A947-70E740481C1C}">
+                <a14:useLocalDpi xmlns:a14="http://schemas.microsoft.com/office/drawing/2010/main" val="0"/>
+              </a:ext>
+            </a:extLst>
+          </a:blip>
+          <a:srcRect/>
+          <a:stretch>
+            <a:fillRect/>
+          </a:stretch>
+        </p:blipFill>
+        <p:spPr bwMode="auto">
+          <a:xfrm>
+            <a:off x="10951233" y="365125"/>
+            <a:ext cx="805134" cy="905069"/>
+          </a:xfrm>
+          <a:prstGeom prst="rect">
+            <a:avLst/>
+          </a:prstGeom>
+          <a:noFill/>
+          <a:extLst>
+            <a:ext uri="{909E8E84-426E-40DD-AFC4-6F175D3DCCD1}">
+              <a14:hiddenFill xmlns:a14="http://schemas.microsoft.com/office/drawing/2010/main">
+                <a:solidFill>
+                  <a:srgbClr val="FFFFFF"/>
+                </a:solidFill>
+              </a14:hiddenFill>
+            </a:ext>
+          </a:extLst>
+        </p:spPr>
+      </p:pic>
+      <p:sp>
+        <p:nvSpPr>
+          <p:cNvPr id="4" name="Slide Number Placeholder 3">
+            <a:extLst>
+              <a:ext uri="{FF2B5EF4-FFF2-40B4-BE49-F238E27FC236}">
+                <a16:creationId xmlns:a16="http://schemas.microsoft.com/office/drawing/2014/main" id="{1FB7980D-6ABC-4A00-8DC8-A167ABC49549}"/>
+              </a:ext>
+            </a:extLst>
+          </p:cNvPr>
+          <p:cNvSpPr>
+            <a:spLocks noGrp="1"/>
+          </p:cNvSpPr>
+          <p:nvPr>
+            <p:ph type="sldNum" sz="quarter" idx="12"/>
+          </p:nvPr>
+        </p:nvSpPr>
+        <p:spPr/>
+        <p:txBody>
+          <a:bodyPr/>
+          <a:lstStyle/>
+          <a:p>
+            <a:fld id="{5A188BD9-5E81-43C5-AE66-36AE3BDE6A9D}" type="slidenum">
+              <a:rPr lang="pt-BR" smtClean="0"/>
+              <a:t>71</a:t>
+            </a:fld>
+            <a:endParaRPr lang="pt-BR"/>
+          </a:p>
+        </p:txBody>
+      </p:sp>
+    </p:spTree>
+    <p:extLst>
+      <p:ext uri="{BB962C8B-B14F-4D97-AF65-F5344CB8AC3E}">
+        <p14:creationId xmlns:p14="http://schemas.microsoft.com/office/powerpoint/2010/main" val="3869309130"/>
+      </p:ext>
+    </p:extLst>
+  </p:cSld>
+  <p:clrMapOvr>
+    <a:masterClrMapping/>
+  </p:clrMapOvr>
+</p:sld>
+</file>
+
+<file path=ppt/slides/slide72.xml><?xml version="1.0" encoding="utf-8"?>
+<p:sld xmlns:a="http://schemas.openxmlformats.org/drawingml/2006/main" xmlns:r="http://schemas.openxmlformats.org/officeDocument/2006/relationships" xmlns:p="http://schemas.openxmlformats.org/presentationml/2006/main">
+  <p:cSld>
+    <p:spTree>
+      <p:nvGrpSpPr>
+        <p:cNvPr id="1" name=""/>
+        <p:cNvGrpSpPr/>
+        <p:nvPr/>
+      </p:nvGrpSpPr>
+      <p:grpSpPr>
+        <a:xfrm>
+          <a:off x="0" y="0"/>
+          <a:ext cx="0" cy="0"/>
+          <a:chOff x="0" y="0"/>
+          <a:chExt cx="0" cy="0"/>
+        </a:xfrm>
+      </p:grpSpPr>
+      <p:sp>
+        <p:nvSpPr>
+          <p:cNvPr id="2" name="Title 1">
+            <a:extLst>
+              <a:ext uri="{FF2B5EF4-FFF2-40B4-BE49-F238E27FC236}">
+                <a16:creationId xmlns:a16="http://schemas.microsoft.com/office/drawing/2014/main" id="{3681D759-3FEC-433A-94E5-DC6F4F23EF5E}"/>
+              </a:ext>
+            </a:extLst>
+          </p:cNvPr>
+          <p:cNvSpPr>
+            <a:spLocks noGrp="1"/>
+          </p:cNvSpPr>
+          <p:nvPr>
+            <p:ph type="title"/>
+          </p:nvPr>
+        </p:nvSpPr>
+        <p:spPr/>
+        <p:txBody>
+          <a:bodyPr/>
+          <a:lstStyle/>
+          <a:p>
+            <a:r>
+              <a:rPr lang="pt-BR" dirty="0">
+                <a:solidFill>
+                  <a:srgbClr val="00B0F0"/>
+                </a:solidFill>
+                <a:latin typeface="Segoe UI" panose="020B0502040204020203" pitchFamily="34" charset="0"/>
+                <a:cs typeface="Segoe UI" panose="020B0502040204020203" pitchFamily="34" charset="0"/>
+              </a:rPr>
+              <a:t>Destructors</a:t>
+            </a:r>
+          </a:p>
+        </p:txBody>
+      </p:sp>
+      <p:pic>
+        <p:nvPicPr>
+          <p:cNvPr id="10" name="Picture 2" descr="GitHub - isocpp/logos: C++ logos created for isocpp.org">
+            <a:extLst>
+              <a:ext uri="{FF2B5EF4-FFF2-40B4-BE49-F238E27FC236}">
+                <a16:creationId xmlns:a16="http://schemas.microsoft.com/office/drawing/2014/main" id="{6B7F8B00-6ACA-413F-BF98-5B69C47599E9}"/>
+              </a:ext>
+            </a:extLst>
+          </p:cNvPr>
+          <p:cNvPicPr>
+            <a:picLocks noChangeAspect="1" noChangeArrowheads="1"/>
+          </p:cNvPicPr>
+          <p:nvPr/>
+        </p:nvPicPr>
+        <p:blipFill>
+          <a:blip r:embed="rId2">
+            <a:extLst>
+              <a:ext uri="{28A0092B-C50C-407E-A947-70E740481C1C}">
+                <a14:useLocalDpi xmlns:a14="http://schemas.microsoft.com/office/drawing/2010/main" val="0"/>
+              </a:ext>
+            </a:extLst>
+          </a:blip>
+          <a:srcRect/>
+          <a:stretch>
+            <a:fillRect/>
+          </a:stretch>
+        </p:blipFill>
+        <p:spPr bwMode="auto">
+          <a:xfrm>
+            <a:off x="10951233" y="365125"/>
+            <a:ext cx="805134" cy="905069"/>
+          </a:xfrm>
+          <a:prstGeom prst="rect">
+            <a:avLst/>
+          </a:prstGeom>
+          <a:noFill/>
+          <a:extLst>
+            <a:ext uri="{909E8E84-426E-40DD-AFC4-6F175D3DCCD1}">
+              <a14:hiddenFill xmlns:a14="http://schemas.microsoft.com/office/drawing/2010/main">
+                <a:solidFill>
+                  <a:srgbClr val="FFFFFF"/>
+                </a:solidFill>
+              </a14:hiddenFill>
+            </a:ext>
+          </a:extLst>
+        </p:spPr>
+      </p:pic>
+      <p:sp>
+        <p:nvSpPr>
+          <p:cNvPr id="4" name="Slide Number Placeholder 3">
+            <a:extLst>
+              <a:ext uri="{FF2B5EF4-FFF2-40B4-BE49-F238E27FC236}">
+                <a16:creationId xmlns:a16="http://schemas.microsoft.com/office/drawing/2014/main" id="{1FB7980D-6ABC-4A00-8DC8-A167ABC49549}"/>
+              </a:ext>
+            </a:extLst>
+          </p:cNvPr>
+          <p:cNvSpPr>
+            <a:spLocks noGrp="1"/>
+          </p:cNvSpPr>
+          <p:nvPr>
+            <p:ph type="sldNum" sz="quarter" idx="12"/>
+          </p:nvPr>
+        </p:nvSpPr>
+        <p:spPr/>
+        <p:txBody>
+          <a:bodyPr/>
+          <a:lstStyle/>
+          <a:p>
+            <a:fld id="{5A188BD9-5E81-43C5-AE66-36AE3BDE6A9D}" type="slidenum">
+              <a:rPr lang="pt-BR" smtClean="0"/>
+              <a:t>72</a:t>
+            </a:fld>
+            <a:endParaRPr lang="pt-BR"/>
+          </a:p>
+        </p:txBody>
+      </p:sp>
+    </p:spTree>
+    <p:extLst>
+      <p:ext uri="{BB962C8B-B14F-4D97-AF65-F5344CB8AC3E}">
+        <p14:creationId xmlns:p14="http://schemas.microsoft.com/office/powerpoint/2010/main" val="3535446579"/>
+      </p:ext>
+    </p:extLst>
+  </p:cSld>
+  <p:clrMapOvr>
+    <a:masterClrMapping/>
+  </p:clrMapOvr>
+</p:sld>
+</file>
+
+<file path=ppt/slides/slide73.xml><?xml version="1.0" encoding="utf-8"?>
+<p:sld xmlns:a="http://schemas.openxmlformats.org/drawingml/2006/main" xmlns:r="http://schemas.openxmlformats.org/officeDocument/2006/relationships" xmlns:p="http://schemas.openxmlformats.org/presentationml/2006/main">
+  <p:cSld>
+    <p:spTree>
+      <p:nvGrpSpPr>
+        <p:cNvPr id="1" name=""/>
+        <p:cNvGrpSpPr/>
+        <p:nvPr/>
+      </p:nvGrpSpPr>
+      <p:grpSpPr>
+        <a:xfrm>
+          <a:off x="0" y="0"/>
+          <a:ext cx="0" cy="0"/>
+          <a:chOff x="0" y="0"/>
+          <a:chExt cx="0" cy="0"/>
+        </a:xfrm>
+      </p:grpSpPr>
+      <p:sp>
+        <p:nvSpPr>
+          <p:cNvPr id="2" name="Title 1">
+            <a:extLst>
+              <a:ext uri="{FF2B5EF4-FFF2-40B4-BE49-F238E27FC236}">
+                <a16:creationId xmlns:a16="http://schemas.microsoft.com/office/drawing/2014/main" id="{3681D759-3FEC-433A-94E5-DC6F4F23EF5E}"/>
+              </a:ext>
+            </a:extLst>
+          </p:cNvPr>
+          <p:cNvSpPr>
+            <a:spLocks noGrp="1"/>
+          </p:cNvSpPr>
+          <p:nvPr>
+            <p:ph type="title"/>
+          </p:nvPr>
+        </p:nvSpPr>
+        <p:spPr/>
+        <p:txBody>
+          <a:bodyPr/>
+          <a:lstStyle/>
+          <a:p>
+            <a:r>
+              <a:rPr lang="pt-BR" dirty="0">
+                <a:solidFill>
+                  <a:srgbClr val="00B0F0"/>
+                </a:solidFill>
+                <a:latin typeface="Segoe UI" panose="020B0502040204020203" pitchFamily="34" charset="0"/>
+                <a:cs typeface="Segoe UI" panose="020B0502040204020203" pitchFamily="34" charset="0"/>
+              </a:rPr>
+              <a:t>Resource Management</a:t>
+            </a:r>
+          </a:p>
+        </p:txBody>
+      </p:sp>
+      <p:pic>
+        <p:nvPicPr>
+          <p:cNvPr id="10" name="Picture 2" descr="GitHub - isocpp/logos: C++ logos created for isocpp.org">
+            <a:extLst>
+              <a:ext uri="{FF2B5EF4-FFF2-40B4-BE49-F238E27FC236}">
+                <a16:creationId xmlns:a16="http://schemas.microsoft.com/office/drawing/2014/main" id="{6B7F8B00-6ACA-413F-BF98-5B69C47599E9}"/>
+              </a:ext>
+            </a:extLst>
+          </p:cNvPr>
+          <p:cNvPicPr>
+            <a:picLocks noChangeAspect="1" noChangeArrowheads="1"/>
+          </p:cNvPicPr>
+          <p:nvPr/>
+        </p:nvPicPr>
+        <p:blipFill>
+          <a:blip r:embed="rId2">
+            <a:extLst>
+              <a:ext uri="{28A0092B-C50C-407E-A947-70E740481C1C}">
+                <a14:useLocalDpi xmlns:a14="http://schemas.microsoft.com/office/drawing/2010/main" val="0"/>
+              </a:ext>
+            </a:extLst>
+          </a:blip>
+          <a:srcRect/>
+          <a:stretch>
+            <a:fillRect/>
+          </a:stretch>
+        </p:blipFill>
+        <p:spPr bwMode="auto">
+          <a:xfrm>
+            <a:off x="10951233" y="365125"/>
+            <a:ext cx="805134" cy="905069"/>
+          </a:xfrm>
+          <a:prstGeom prst="rect">
+            <a:avLst/>
+          </a:prstGeom>
+          <a:noFill/>
+          <a:extLst>
+            <a:ext uri="{909E8E84-426E-40DD-AFC4-6F175D3DCCD1}">
+              <a14:hiddenFill xmlns:a14="http://schemas.microsoft.com/office/drawing/2010/main">
+                <a:solidFill>
+                  <a:srgbClr val="FFFFFF"/>
+                </a:solidFill>
+              </a14:hiddenFill>
+            </a:ext>
+          </a:extLst>
+        </p:spPr>
+      </p:pic>
+      <p:sp>
+        <p:nvSpPr>
+          <p:cNvPr id="4" name="Slide Number Placeholder 3">
+            <a:extLst>
+              <a:ext uri="{FF2B5EF4-FFF2-40B4-BE49-F238E27FC236}">
+                <a16:creationId xmlns:a16="http://schemas.microsoft.com/office/drawing/2014/main" id="{1FB7980D-6ABC-4A00-8DC8-A167ABC49549}"/>
+              </a:ext>
+            </a:extLst>
+          </p:cNvPr>
+          <p:cNvSpPr>
+            <a:spLocks noGrp="1"/>
+          </p:cNvSpPr>
+          <p:nvPr>
+            <p:ph type="sldNum" sz="quarter" idx="12"/>
+          </p:nvPr>
+        </p:nvSpPr>
+        <p:spPr/>
+        <p:txBody>
+          <a:bodyPr/>
+          <a:lstStyle/>
+          <a:p>
+            <a:fld id="{5A188BD9-5E81-43C5-AE66-36AE3BDE6A9D}" type="slidenum">
+              <a:rPr lang="pt-BR" smtClean="0"/>
+              <a:t>73</a:t>
+            </a:fld>
+            <a:endParaRPr lang="pt-BR"/>
+          </a:p>
+        </p:txBody>
+      </p:sp>
+    </p:spTree>
+    <p:extLst>
+      <p:ext uri="{BB962C8B-B14F-4D97-AF65-F5344CB8AC3E}">
+        <p14:creationId xmlns:p14="http://schemas.microsoft.com/office/powerpoint/2010/main" val="3899385258"/>
+      </p:ext>
+    </p:extLst>
+  </p:cSld>
+  <p:clrMapOvr>
+    <a:masterClrMapping/>
+  </p:clrMapOvr>
+</p:sld>
+</file>
+
+<file path=ppt/slides/slide74.xml><?xml version="1.0" encoding="utf-8"?>
+<p:sld xmlns:a="http://schemas.openxmlformats.org/drawingml/2006/main" xmlns:r="http://schemas.openxmlformats.org/officeDocument/2006/relationships" xmlns:p="http://schemas.openxmlformats.org/presentationml/2006/main">
+  <p:cSld>
+    <p:spTree>
+      <p:nvGrpSpPr>
+        <p:cNvPr id="1" name=""/>
+        <p:cNvGrpSpPr/>
+        <p:nvPr/>
+      </p:nvGrpSpPr>
+      <p:grpSpPr>
+        <a:xfrm>
+          <a:off x="0" y="0"/>
+          <a:ext cx="0" cy="0"/>
+          <a:chOff x="0" y="0"/>
+          <a:chExt cx="0" cy="0"/>
+        </a:xfrm>
+      </p:grpSpPr>
+      <p:sp>
+        <p:nvSpPr>
+          <p:cNvPr id="2" name="Title 1">
+            <a:extLst>
+              <a:ext uri="{FF2B5EF4-FFF2-40B4-BE49-F238E27FC236}">
+                <a16:creationId xmlns:a16="http://schemas.microsoft.com/office/drawing/2014/main" id="{3681D759-3FEC-433A-94E5-DC6F4F23EF5E}"/>
+              </a:ext>
+            </a:extLst>
+          </p:cNvPr>
+          <p:cNvSpPr>
+            <a:spLocks noGrp="1"/>
+          </p:cNvSpPr>
+          <p:nvPr>
+            <p:ph type="title"/>
+          </p:nvPr>
+        </p:nvSpPr>
+        <p:spPr/>
+        <p:txBody>
+          <a:bodyPr/>
+          <a:lstStyle/>
+          <a:p>
+            <a:r>
+              <a:rPr lang="pt-BR" dirty="0">
+                <a:solidFill>
+                  <a:srgbClr val="00B0F0"/>
+                </a:solidFill>
+                <a:latin typeface="Segoe UI" panose="020B0502040204020203" pitchFamily="34" charset="0"/>
+                <a:cs typeface="Segoe UI" panose="020B0502040204020203" pitchFamily="34" charset="0"/>
+              </a:rPr>
+              <a:t>Compile-time Programming</a:t>
+            </a:r>
+          </a:p>
+        </p:txBody>
+      </p:sp>
+      <p:pic>
+        <p:nvPicPr>
+          <p:cNvPr id="10" name="Picture 2" descr="GitHub - isocpp/logos: C++ logos created for isocpp.org">
+            <a:extLst>
+              <a:ext uri="{FF2B5EF4-FFF2-40B4-BE49-F238E27FC236}">
+                <a16:creationId xmlns:a16="http://schemas.microsoft.com/office/drawing/2014/main" id="{6B7F8B00-6ACA-413F-BF98-5B69C47599E9}"/>
+              </a:ext>
+            </a:extLst>
+          </p:cNvPr>
+          <p:cNvPicPr>
+            <a:picLocks noChangeAspect="1" noChangeArrowheads="1"/>
+          </p:cNvPicPr>
+          <p:nvPr/>
+        </p:nvPicPr>
+        <p:blipFill>
+          <a:blip r:embed="rId2">
+            <a:extLst>
+              <a:ext uri="{28A0092B-C50C-407E-A947-70E740481C1C}">
+                <a14:useLocalDpi xmlns:a14="http://schemas.microsoft.com/office/drawing/2010/main" val="0"/>
+              </a:ext>
+            </a:extLst>
+          </a:blip>
+          <a:srcRect/>
+          <a:stretch>
+            <a:fillRect/>
+          </a:stretch>
+        </p:blipFill>
+        <p:spPr bwMode="auto">
+          <a:xfrm>
+            <a:off x="10951233" y="365125"/>
+            <a:ext cx="805134" cy="905069"/>
+          </a:xfrm>
+          <a:prstGeom prst="rect">
+            <a:avLst/>
+          </a:prstGeom>
+          <a:noFill/>
+          <a:extLst>
+            <a:ext uri="{909E8E84-426E-40DD-AFC4-6F175D3DCCD1}">
+              <a14:hiddenFill xmlns:a14="http://schemas.microsoft.com/office/drawing/2010/main">
+                <a:solidFill>
+                  <a:srgbClr val="FFFFFF"/>
+                </a:solidFill>
+              </a14:hiddenFill>
+            </a:ext>
+          </a:extLst>
+        </p:spPr>
+      </p:pic>
+      <p:sp>
+        <p:nvSpPr>
+          <p:cNvPr id="4" name="Slide Number Placeholder 3">
+            <a:extLst>
+              <a:ext uri="{FF2B5EF4-FFF2-40B4-BE49-F238E27FC236}">
+                <a16:creationId xmlns:a16="http://schemas.microsoft.com/office/drawing/2014/main" id="{1FB7980D-6ABC-4A00-8DC8-A167ABC49549}"/>
+              </a:ext>
+            </a:extLst>
+          </p:cNvPr>
+          <p:cNvSpPr>
+            <a:spLocks noGrp="1"/>
+          </p:cNvSpPr>
+          <p:nvPr>
+            <p:ph type="sldNum" sz="quarter" idx="12"/>
+          </p:nvPr>
+        </p:nvSpPr>
+        <p:spPr/>
+        <p:txBody>
+          <a:bodyPr/>
+          <a:lstStyle/>
+          <a:p>
+            <a:fld id="{5A188BD9-5E81-43C5-AE66-36AE3BDE6A9D}" type="slidenum">
+              <a:rPr lang="pt-BR" smtClean="0"/>
+              <a:t>74</a:t>
+            </a:fld>
+            <a:endParaRPr lang="pt-BR"/>
+          </a:p>
+        </p:txBody>
+      </p:sp>
+    </p:spTree>
+    <p:extLst>
+      <p:ext uri="{BB962C8B-B14F-4D97-AF65-F5344CB8AC3E}">
+        <p14:creationId xmlns:p14="http://schemas.microsoft.com/office/powerpoint/2010/main" val="2450211822"/>
+      </p:ext>
+    </p:extLst>
+  </p:cSld>
+  <p:clrMapOvr>
+    <a:masterClrMapping/>
+  </p:clrMapOvr>
+</p:sld>
+</file>
+
+<file path=ppt/slides/slide75.xml><?xml version="1.0" encoding="utf-8"?>
+<p:sld xmlns:a="http://schemas.openxmlformats.org/drawingml/2006/main" xmlns:r="http://schemas.openxmlformats.org/officeDocument/2006/relationships" xmlns:p="http://schemas.openxmlformats.org/presentationml/2006/main">
+  <p:cSld>
+    <p:spTree>
+      <p:nvGrpSpPr>
+        <p:cNvPr id="1" name=""/>
+        <p:cNvGrpSpPr/>
+        <p:nvPr/>
+      </p:nvGrpSpPr>
+      <p:grpSpPr>
+        <a:xfrm>
+          <a:off x="0" y="0"/>
+          <a:ext cx="0" cy="0"/>
+          <a:chOff x="0" y="0"/>
+          <a:chExt cx="0" cy="0"/>
+        </a:xfrm>
+      </p:grpSpPr>
+      <p:sp>
+        <p:nvSpPr>
+          <p:cNvPr id="2" name="Title 1">
+            <a:extLst>
+              <a:ext uri="{FF2B5EF4-FFF2-40B4-BE49-F238E27FC236}">
+                <a16:creationId xmlns:a16="http://schemas.microsoft.com/office/drawing/2014/main" id="{3681D759-3FEC-433A-94E5-DC6F4F23EF5E}"/>
+              </a:ext>
+            </a:extLst>
+          </p:cNvPr>
+          <p:cNvSpPr>
+            <a:spLocks noGrp="1"/>
+          </p:cNvSpPr>
+          <p:nvPr>
+            <p:ph type="title"/>
+          </p:nvPr>
+        </p:nvSpPr>
+        <p:spPr/>
+        <p:txBody>
+          <a:bodyPr/>
+          <a:lstStyle/>
+          <a:p>
+            <a:r>
+              <a:rPr lang="pt-BR" dirty="0">
+                <a:solidFill>
+                  <a:srgbClr val="00B0F0"/>
+                </a:solidFill>
+                <a:latin typeface="Segoe UI" panose="020B0502040204020203" pitchFamily="34" charset="0"/>
+                <a:cs typeface="Segoe UI" panose="020B0502040204020203" pitchFamily="34" charset="0"/>
+              </a:rPr>
+              <a:t>Pointers</a:t>
+            </a:r>
+          </a:p>
+        </p:txBody>
+      </p:sp>
+      <p:pic>
+        <p:nvPicPr>
+          <p:cNvPr id="10" name="Picture 2" descr="GitHub - isocpp/logos: C++ logos created for isocpp.org">
+            <a:extLst>
+              <a:ext uri="{FF2B5EF4-FFF2-40B4-BE49-F238E27FC236}">
+                <a16:creationId xmlns:a16="http://schemas.microsoft.com/office/drawing/2014/main" id="{6B7F8B00-6ACA-413F-BF98-5B69C47599E9}"/>
+              </a:ext>
+            </a:extLst>
+          </p:cNvPr>
+          <p:cNvPicPr>
+            <a:picLocks noChangeAspect="1" noChangeArrowheads="1"/>
+          </p:cNvPicPr>
+          <p:nvPr/>
+        </p:nvPicPr>
+        <p:blipFill>
+          <a:blip r:embed="rId2">
+            <a:extLst>
+              <a:ext uri="{28A0092B-C50C-407E-A947-70E740481C1C}">
+                <a14:useLocalDpi xmlns:a14="http://schemas.microsoft.com/office/drawing/2010/main" val="0"/>
+              </a:ext>
+            </a:extLst>
+          </a:blip>
+          <a:srcRect/>
+          <a:stretch>
+            <a:fillRect/>
+          </a:stretch>
+        </p:blipFill>
+        <p:spPr bwMode="auto">
+          <a:xfrm>
+            <a:off x="10951233" y="365125"/>
+            <a:ext cx="805134" cy="905069"/>
+          </a:xfrm>
+          <a:prstGeom prst="rect">
+            <a:avLst/>
+          </a:prstGeom>
+          <a:noFill/>
+          <a:extLst>
+            <a:ext uri="{909E8E84-426E-40DD-AFC4-6F175D3DCCD1}">
+              <a14:hiddenFill xmlns:a14="http://schemas.microsoft.com/office/drawing/2010/main">
+                <a:solidFill>
+                  <a:srgbClr val="FFFFFF"/>
+                </a:solidFill>
+              </a14:hiddenFill>
+            </a:ext>
+          </a:extLst>
+        </p:spPr>
+      </p:pic>
+      <p:sp>
+        <p:nvSpPr>
+          <p:cNvPr id="4" name="Slide Number Placeholder 3">
+            <a:extLst>
+              <a:ext uri="{FF2B5EF4-FFF2-40B4-BE49-F238E27FC236}">
+                <a16:creationId xmlns:a16="http://schemas.microsoft.com/office/drawing/2014/main" id="{1FB7980D-6ABC-4A00-8DC8-A167ABC49549}"/>
+              </a:ext>
+            </a:extLst>
+          </p:cNvPr>
+          <p:cNvSpPr>
+            <a:spLocks noGrp="1"/>
+          </p:cNvSpPr>
+          <p:nvPr>
+            <p:ph type="sldNum" sz="quarter" idx="12"/>
+          </p:nvPr>
+        </p:nvSpPr>
+        <p:spPr/>
+        <p:txBody>
+          <a:bodyPr/>
+          <a:lstStyle/>
+          <a:p>
+            <a:fld id="{5A188BD9-5E81-43C5-AE66-36AE3BDE6A9D}" type="slidenum">
+              <a:rPr lang="pt-BR" smtClean="0"/>
+              <a:t>75</a:t>
+            </a:fld>
+            <a:endParaRPr lang="pt-BR"/>
+          </a:p>
+        </p:txBody>
+      </p:sp>
+    </p:spTree>
+    <p:extLst>
+      <p:ext uri="{BB962C8B-B14F-4D97-AF65-F5344CB8AC3E}">
+        <p14:creationId xmlns:p14="http://schemas.microsoft.com/office/powerpoint/2010/main" val="512212757"/>
+      </p:ext>
+    </p:extLst>
+  </p:cSld>
+  <p:clrMapOvr>
+    <a:masterClrMapping/>
+  </p:clrMapOvr>
+</p:sld>
+</file>
+
+<file path=ppt/slides/slide76.xml><?xml version="1.0" encoding="utf-8"?>
+<p:sld xmlns:a="http://schemas.openxmlformats.org/drawingml/2006/main" xmlns:r="http://schemas.openxmlformats.org/officeDocument/2006/relationships" xmlns:p="http://schemas.openxmlformats.org/presentationml/2006/main">
+  <p:cSld>
+    <p:spTree>
+      <p:nvGrpSpPr>
+        <p:cNvPr id="1" name=""/>
+        <p:cNvGrpSpPr/>
+        <p:nvPr/>
+      </p:nvGrpSpPr>
+      <p:grpSpPr>
+        <a:xfrm>
+          <a:off x="0" y="0"/>
+          <a:ext cx="0" cy="0"/>
+          <a:chOff x="0" y="0"/>
+          <a:chExt cx="0" cy="0"/>
+        </a:xfrm>
+      </p:grpSpPr>
+      <p:sp>
+        <p:nvSpPr>
+          <p:cNvPr id="2" name="Title 1">
+            <a:extLst>
+              <a:ext uri="{FF2B5EF4-FFF2-40B4-BE49-F238E27FC236}">
+                <a16:creationId xmlns:a16="http://schemas.microsoft.com/office/drawing/2014/main" id="{3681D759-3FEC-433A-94E5-DC6F4F23EF5E}"/>
+              </a:ext>
+            </a:extLst>
+          </p:cNvPr>
+          <p:cNvSpPr>
+            <a:spLocks noGrp="1"/>
+          </p:cNvSpPr>
+          <p:nvPr>
+            <p:ph type="title"/>
+          </p:nvPr>
+        </p:nvSpPr>
+        <p:spPr/>
+        <p:txBody>
+          <a:bodyPr/>
+          <a:lstStyle/>
+          <a:p>
+            <a:r>
+              <a:rPr lang="pt-BR" dirty="0">
+                <a:solidFill>
+                  <a:srgbClr val="00B0F0"/>
+                </a:solidFill>
+                <a:latin typeface="Segoe UI" panose="020B0502040204020203" pitchFamily="34" charset="0"/>
+                <a:cs typeface="Segoe UI" panose="020B0502040204020203" pitchFamily="34" charset="0"/>
+              </a:rPr>
+              <a:t>References</a:t>
+            </a:r>
+          </a:p>
+        </p:txBody>
+      </p:sp>
+      <p:pic>
+        <p:nvPicPr>
+          <p:cNvPr id="10" name="Picture 2" descr="GitHub - isocpp/logos: C++ logos created for isocpp.org">
+            <a:extLst>
+              <a:ext uri="{FF2B5EF4-FFF2-40B4-BE49-F238E27FC236}">
+                <a16:creationId xmlns:a16="http://schemas.microsoft.com/office/drawing/2014/main" id="{6B7F8B00-6ACA-413F-BF98-5B69C47599E9}"/>
+              </a:ext>
+            </a:extLst>
+          </p:cNvPr>
+          <p:cNvPicPr>
+            <a:picLocks noChangeAspect="1" noChangeArrowheads="1"/>
+          </p:cNvPicPr>
+          <p:nvPr/>
+        </p:nvPicPr>
+        <p:blipFill>
+          <a:blip r:embed="rId2">
+            <a:extLst>
+              <a:ext uri="{28A0092B-C50C-407E-A947-70E740481C1C}">
+                <a14:useLocalDpi xmlns:a14="http://schemas.microsoft.com/office/drawing/2010/main" val="0"/>
+              </a:ext>
+            </a:extLst>
+          </a:blip>
+          <a:srcRect/>
+          <a:stretch>
+            <a:fillRect/>
+          </a:stretch>
+        </p:blipFill>
+        <p:spPr bwMode="auto">
+          <a:xfrm>
+            <a:off x="10951233" y="365125"/>
+            <a:ext cx="805134" cy="905069"/>
+          </a:xfrm>
+          <a:prstGeom prst="rect">
+            <a:avLst/>
+          </a:prstGeom>
+          <a:noFill/>
+          <a:extLst>
+            <a:ext uri="{909E8E84-426E-40DD-AFC4-6F175D3DCCD1}">
+              <a14:hiddenFill xmlns:a14="http://schemas.microsoft.com/office/drawing/2010/main">
+                <a:solidFill>
+                  <a:srgbClr val="FFFFFF"/>
+                </a:solidFill>
+              </a14:hiddenFill>
+            </a:ext>
+          </a:extLst>
+        </p:spPr>
+      </p:pic>
+      <p:sp>
+        <p:nvSpPr>
+          <p:cNvPr id="4" name="Slide Number Placeholder 3">
+            <a:extLst>
+              <a:ext uri="{FF2B5EF4-FFF2-40B4-BE49-F238E27FC236}">
+                <a16:creationId xmlns:a16="http://schemas.microsoft.com/office/drawing/2014/main" id="{1FB7980D-6ABC-4A00-8DC8-A167ABC49549}"/>
+              </a:ext>
+            </a:extLst>
+          </p:cNvPr>
+          <p:cNvSpPr>
+            <a:spLocks noGrp="1"/>
+          </p:cNvSpPr>
+          <p:nvPr>
+            <p:ph type="sldNum" sz="quarter" idx="12"/>
+          </p:nvPr>
+        </p:nvSpPr>
+        <p:spPr/>
+        <p:txBody>
+          <a:bodyPr/>
+          <a:lstStyle/>
+          <a:p>
+            <a:fld id="{5A188BD9-5E81-43C5-AE66-36AE3BDE6A9D}" type="slidenum">
+              <a:rPr lang="pt-BR" smtClean="0"/>
+              <a:t>76</a:t>
+            </a:fld>
+            <a:endParaRPr lang="pt-BR"/>
+          </a:p>
+        </p:txBody>
+      </p:sp>
+    </p:spTree>
+    <p:extLst>
+      <p:ext uri="{BB962C8B-B14F-4D97-AF65-F5344CB8AC3E}">
+        <p14:creationId xmlns:p14="http://schemas.microsoft.com/office/powerpoint/2010/main" val="3547693240"/>
+      </p:ext>
+    </p:extLst>
+  </p:cSld>
+  <p:clrMapOvr>
+    <a:masterClrMapping/>
+  </p:clrMapOvr>
+</p:sld>
+</file>
+
+<file path=ppt/slides/slide77.xml><?xml version="1.0" encoding="utf-8"?>
+<p:sld xmlns:a="http://schemas.openxmlformats.org/drawingml/2006/main" xmlns:r="http://schemas.openxmlformats.org/officeDocument/2006/relationships" xmlns:p="http://schemas.openxmlformats.org/presentationml/2006/main">
+  <p:cSld>
+    <p:spTree>
+      <p:nvGrpSpPr>
+        <p:cNvPr id="1" name=""/>
+        <p:cNvGrpSpPr/>
+        <p:nvPr/>
+      </p:nvGrpSpPr>
+      <p:grpSpPr>
+        <a:xfrm>
+          <a:off x="0" y="0"/>
+          <a:ext cx="0" cy="0"/>
+          <a:chOff x="0" y="0"/>
+          <a:chExt cx="0" cy="0"/>
+        </a:xfrm>
+      </p:grpSpPr>
+      <p:sp>
+        <p:nvSpPr>
+          <p:cNvPr id="2" name="Title 1">
+            <a:extLst>
+              <a:ext uri="{FF2B5EF4-FFF2-40B4-BE49-F238E27FC236}">
+                <a16:creationId xmlns:a16="http://schemas.microsoft.com/office/drawing/2014/main" id="{3681D759-3FEC-433A-94E5-DC6F4F23EF5E}"/>
+              </a:ext>
+            </a:extLst>
+          </p:cNvPr>
+          <p:cNvSpPr>
+            <a:spLocks noGrp="1"/>
+          </p:cNvSpPr>
+          <p:nvPr>
+            <p:ph type="title"/>
+          </p:nvPr>
+        </p:nvSpPr>
+        <p:spPr/>
+        <p:txBody>
+          <a:bodyPr/>
+          <a:lstStyle/>
+          <a:p>
+            <a:r>
+              <a:rPr lang="pt-BR" dirty="0">
+                <a:solidFill>
+                  <a:srgbClr val="00B0F0"/>
+                </a:solidFill>
+                <a:latin typeface="Segoe UI" panose="020B0502040204020203" pitchFamily="34" charset="0"/>
+                <a:cs typeface="Segoe UI" panose="020B0502040204020203" pitchFamily="34" charset="0"/>
+              </a:rPr>
+              <a:t>Const and Mutable</a:t>
+            </a:r>
+          </a:p>
+        </p:txBody>
+      </p:sp>
+      <p:pic>
+        <p:nvPicPr>
+          <p:cNvPr id="10" name="Picture 2" descr="GitHub - isocpp/logos: C++ logos created for isocpp.org">
+            <a:extLst>
+              <a:ext uri="{FF2B5EF4-FFF2-40B4-BE49-F238E27FC236}">
+                <a16:creationId xmlns:a16="http://schemas.microsoft.com/office/drawing/2014/main" id="{6B7F8B00-6ACA-413F-BF98-5B69C47599E9}"/>
+              </a:ext>
+            </a:extLst>
+          </p:cNvPr>
+          <p:cNvPicPr>
+            <a:picLocks noChangeAspect="1" noChangeArrowheads="1"/>
+          </p:cNvPicPr>
+          <p:nvPr/>
+        </p:nvPicPr>
+        <p:blipFill>
+          <a:blip r:embed="rId2">
+            <a:extLst>
+              <a:ext uri="{28A0092B-C50C-407E-A947-70E740481C1C}">
+                <a14:useLocalDpi xmlns:a14="http://schemas.microsoft.com/office/drawing/2010/main" val="0"/>
+              </a:ext>
+            </a:extLst>
+          </a:blip>
+          <a:srcRect/>
+          <a:stretch>
+            <a:fillRect/>
+          </a:stretch>
+        </p:blipFill>
+        <p:spPr bwMode="auto">
+          <a:xfrm>
+            <a:off x="10951233" y="365125"/>
+            <a:ext cx="805134" cy="905069"/>
+          </a:xfrm>
+          <a:prstGeom prst="rect">
+            <a:avLst/>
+          </a:prstGeom>
+          <a:noFill/>
+          <a:extLst>
+            <a:ext uri="{909E8E84-426E-40DD-AFC4-6F175D3DCCD1}">
+              <a14:hiddenFill xmlns:a14="http://schemas.microsoft.com/office/drawing/2010/main">
+                <a:solidFill>
+                  <a:srgbClr val="FFFFFF"/>
+                </a:solidFill>
+              </a14:hiddenFill>
+            </a:ext>
+          </a:extLst>
+        </p:spPr>
+      </p:pic>
+      <p:sp>
+        <p:nvSpPr>
+          <p:cNvPr id="4" name="Slide Number Placeholder 3">
+            <a:extLst>
+              <a:ext uri="{FF2B5EF4-FFF2-40B4-BE49-F238E27FC236}">
+                <a16:creationId xmlns:a16="http://schemas.microsoft.com/office/drawing/2014/main" id="{1FB7980D-6ABC-4A00-8DC8-A167ABC49549}"/>
+              </a:ext>
+            </a:extLst>
+          </p:cNvPr>
+          <p:cNvSpPr>
+            <a:spLocks noGrp="1"/>
+          </p:cNvSpPr>
+          <p:nvPr>
+            <p:ph type="sldNum" sz="quarter" idx="12"/>
+          </p:nvPr>
+        </p:nvSpPr>
+        <p:spPr/>
+        <p:txBody>
+          <a:bodyPr/>
+          <a:lstStyle/>
+          <a:p>
+            <a:fld id="{5A188BD9-5E81-43C5-AE66-36AE3BDE6A9D}" type="slidenum">
+              <a:rPr lang="pt-BR" smtClean="0"/>
+              <a:t>77</a:t>
+            </a:fld>
+            <a:endParaRPr lang="pt-BR"/>
+          </a:p>
+        </p:txBody>
+      </p:sp>
+    </p:spTree>
+    <p:extLst>
+      <p:ext uri="{BB962C8B-B14F-4D97-AF65-F5344CB8AC3E}">
+        <p14:creationId xmlns:p14="http://schemas.microsoft.com/office/powerpoint/2010/main" val="204148954"/>
+      </p:ext>
+    </p:extLst>
+  </p:cSld>
+  <p:clrMapOvr>
+    <a:masterClrMapping/>
+  </p:clrMapOvr>
+</p:sld>
+</file>
+
+<file path=ppt/slides/slide78.xml><?xml version="1.0" encoding="utf-8"?>
+<p:sld xmlns:a="http://schemas.openxmlformats.org/drawingml/2006/main" xmlns:r="http://schemas.openxmlformats.org/officeDocument/2006/relationships" xmlns:p="http://schemas.openxmlformats.org/presentationml/2006/main">
+  <p:cSld>
+    <p:spTree>
+      <p:nvGrpSpPr>
+        <p:cNvPr id="1" name=""/>
+        <p:cNvGrpSpPr/>
+        <p:nvPr/>
+      </p:nvGrpSpPr>
+      <p:grpSpPr>
+        <a:xfrm>
+          <a:off x="0" y="0"/>
+          <a:ext cx="0" cy="0"/>
+          <a:chOff x="0" y="0"/>
+          <a:chExt cx="0" cy="0"/>
+        </a:xfrm>
+      </p:grpSpPr>
+      <p:sp>
+        <p:nvSpPr>
+          <p:cNvPr id="2" name="Title 1">
+            <a:extLst>
+              <a:ext uri="{FF2B5EF4-FFF2-40B4-BE49-F238E27FC236}">
+                <a16:creationId xmlns:a16="http://schemas.microsoft.com/office/drawing/2014/main" id="{3681D759-3FEC-433A-94E5-DC6F4F23EF5E}"/>
+              </a:ext>
+            </a:extLst>
+          </p:cNvPr>
+          <p:cNvSpPr>
+            <a:spLocks noGrp="1"/>
+          </p:cNvSpPr>
+          <p:nvPr>
+            <p:ph type="title"/>
+          </p:nvPr>
+        </p:nvSpPr>
+        <p:spPr/>
+        <p:txBody>
+          <a:bodyPr/>
+          <a:lstStyle/>
+          <a:p>
+            <a:r>
+              <a:rPr lang="pt-BR" dirty="0">
+                <a:solidFill>
+                  <a:srgbClr val="00B0F0"/>
+                </a:solidFill>
+                <a:latin typeface="Segoe UI" panose="020B0502040204020203" pitchFamily="34" charset="0"/>
+                <a:cs typeface="Segoe UI" panose="020B0502040204020203" pitchFamily="34" charset="0"/>
+              </a:rPr>
+              <a:t>Move Semantics</a:t>
+            </a:r>
+          </a:p>
+        </p:txBody>
+      </p:sp>
+      <p:pic>
+        <p:nvPicPr>
+          <p:cNvPr id="10" name="Picture 2" descr="GitHub - isocpp/logos: C++ logos created for isocpp.org">
+            <a:extLst>
+              <a:ext uri="{FF2B5EF4-FFF2-40B4-BE49-F238E27FC236}">
+                <a16:creationId xmlns:a16="http://schemas.microsoft.com/office/drawing/2014/main" id="{6B7F8B00-6ACA-413F-BF98-5B69C47599E9}"/>
+              </a:ext>
+            </a:extLst>
+          </p:cNvPr>
+          <p:cNvPicPr>
+            <a:picLocks noChangeAspect="1" noChangeArrowheads="1"/>
+          </p:cNvPicPr>
+          <p:nvPr/>
+        </p:nvPicPr>
+        <p:blipFill>
+          <a:blip r:embed="rId2">
+            <a:extLst>
+              <a:ext uri="{28A0092B-C50C-407E-A947-70E740481C1C}">
+                <a14:useLocalDpi xmlns:a14="http://schemas.microsoft.com/office/drawing/2010/main" val="0"/>
+              </a:ext>
+            </a:extLst>
+          </a:blip>
+          <a:srcRect/>
+          <a:stretch>
+            <a:fillRect/>
+          </a:stretch>
+        </p:blipFill>
+        <p:spPr bwMode="auto">
+          <a:xfrm>
+            <a:off x="10951233" y="365125"/>
+            <a:ext cx="805134" cy="905069"/>
+          </a:xfrm>
+          <a:prstGeom prst="rect">
+            <a:avLst/>
+          </a:prstGeom>
+          <a:noFill/>
+          <a:extLst>
+            <a:ext uri="{909E8E84-426E-40DD-AFC4-6F175D3DCCD1}">
+              <a14:hiddenFill xmlns:a14="http://schemas.microsoft.com/office/drawing/2010/main">
+                <a:solidFill>
+                  <a:srgbClr val="FFFFFF"/>
+                </a:solidFill>
+              </a14:hiddenFill>
+            </a:ext>
+          </a:extLst>
+        </p:spPr>
+      </p:pic>
+      <p:sp>
+        <p:nvSpPr>
+          <p:cNvPr id="4" name="Slide Number Placeholder 3">
+            <a:extLst>
+              <a:ext uri="{FF2B5EF4-FFF2-40B4-BE49-F238E27FC236}">
+                <a16:creationId xmlns:a16="http://schemas.microsoft.com/office/drawing/2014/main" id="{1FB7980D-6ABC-4A00-8DC8-A167ABC49549}"/>
+              </a:ext>
+            </a:extLst>
+          </p:cNvPr>
+          <p:cNvSpPr>
+            <a:spLocks noGrp="1"/>
+          </p:cNvSpPr>
+          <p:nvPr>
+            <p:ph type="sldNum" sz="quarter" idx="12"/>
+          </p:nvPr>
+        </p:nvSpPr>
+        <p:spPr/>
+        <p:txBody>
+          <a:bodyPr/>
+          <a:lstStyle/>
+          <a:p>
+            <a:fld id="{5A188BD9-5E81-43C5-AE66-36AE3BDE6A9D}" type="slidenum">
+              <a:rPr lang="pt-BR" smtClean="0"/>
+              <a:t>78</a:t>
+            </a:fld>
+            <a:endParaRPr lang="pt-BR"/>
+          </a:p>
+        </p:txBody>
+      </p:sp>
+    </p:spTree>
+    <p:extLst>
+      <p:ext uri="{BB962C8B-B14F-4D97-AF65-F5344CB8AC3E}">
+        <p14:creationId xmlns:p14="http://schemas.microsoft.com/office/powerpoint/2010/main" val="1201841896"/>
+      </p:ext>
+    </p:extLst>
+  </p:cSld>
+  <p:clrMapOvr>
+    <a:masterClrMapping/>
+  </p:clrMapOvr>
+</p:sld>
+</file>
+
+<file path=ppt/slides/slide79.xml><?xml version="1.0" encoding="utf-8"?>
+<p:sld xmlns:a="http://schemas.openxmlformats.org/drawingml/2006/main" xmlns:r="http://schemas.openxmlformats.org/officeDocument/2006/relationships" xmlns:p="http://schemas.openxmlformats.org/presentationml/2006/main">
+  <p:cSld>
+    <p:spTree>
+      <p:nvGrpSpPr>
+        <p:cNvPr id="1" name=""/>
+        <p:cNvGrpSpPr/>
+        <p:nvPr/>
+      </p:nvGrpSpPr>
+      <p:grpSpPr>
+        <a:xfrm>
+          <a:off x="0" y="0"/>
+          <a:ext cx="0" cy="0"/>
+          <a:chOff x="0" y="0"/>
+          <a:chExt cx="0" cy="0"/>
+        </a:xfrm>
+      </p:grpSpPr>
+      <p:sp>
+        <p:nvSpPr>
+          <p:cNvPr id="2" name="Title 1">
+            <a:extLst>
+              <a:ext uri="{FF2B5EF4-FFF2-40B4-BE49-F238E27FC236}">
+                <a16:creationId xmlns:a16="http://schemas.microsoft.com/office/drawing/2014/main" id="{3681D759-3FEC-433A-94E5-DC6F4F23EF5E}"/>
+              </a:ext>
+            </a:extLst>
+          </p:cNvPr>
+          <p:cNvSpPr>
+            <a:spLocks noGrp="1"/>
+          </p:cNvSpPr>
+          <p:nvPr>
+            <p:ph type="title"/>
+          </p:nvPr>
+        </p:nvSpPr>
+        <p:spPr/>
+        <p:txBody>
+          <a:bodyPr/>
+          <a:lstStyle/>
+          <a:p>
+            <a:r>
+              <a:rPr lang="pt-BR" dirty="0">
+                <a:solidFill>
+                  <a:srgbClr val="00B0F0"/>
+                </a:solidFill>
+                <a:latin typeface="Segoe UI" panose="020B0502040204020203" pitchFamily="34" charset="0"/>
+                <a:cs typeface="Segoe UI" panose="020B0502040204020203" pitchFamily="34" charset="0"/>
+              </a:rPr>
+              <a:t>Passing Parameters</a:t>
+            </a:r>
+          </a:p>
+        </p:txBody>
+      </p:sp>
+      <p:pic>
+        <p:nvPicPr>
+          <p:cNvPr id="10" name="Picture 2" descr="GitHub - isocpp/logos: C++ logos created for isocpp.org">
+            <a:extLst>
+              <a:ext uri="{FF2B5EF4-FFF2-40B4-BE49-F238E27FC236}">
+                <a16:creationId xmlns:a16="http://schemas.microsoft.com/office/drawing/2014/main" id="{6B7F8B00-6ACA-413F-BF98-5B69C47599E9}"/>
+              </a:ext>
+            </a:extLst>
+          </p:cNvPr>
+          <p:cNvPicPr>
+            <a:picLocks noChangeAspect="1" noChangeArrowheads="1"/>
+          </p:cNvPicPr>
+          <p:nvPr/>
+        </p:nvPicPr>
+        <p:blipFill>
+          <a:blip r:embed="rId2">
+            <a:extLst>
+              <a:ext uri="{28A0092B-C50C-407E-A947-70E740481C1C}">
+                <a14:useLocalDpi xmlns:a14="http://schemas.microsoft.com/office/drawing/2010/main" val="0"/>
+              </a:ext>
+            </a:extLst>
+          </a:blip>
+          <a:srcRect/>
+          <a:stretch>
+            <a:fillRect/>
+          </a:stretch>
+        </p:blipFill>
+        <p:spPr bwMode="auto">
+          <a:xfrm>
+            <a:off x="10951233" y="365125"/>
+            <a:ext cx="805134" cy="905069"/>
+          </a:xfrm>
+          <a:prstGeom prst="rect">
+            <a:avLst/>
+          </a:prstGeom>
+          <a:noFill/>
+          <a:extLst>
+            <a:ext uri="{909E8E84-426E-40DD-AFC4-6F175D3DCCD1}">
+              <a14:hiddenFill xmlns:a14="http://schemas.microsoft.com/office/drawing/2010/main">
+                <a:solidFill>
+                  <a:srgbClr val="FFFFFF"/>
+                </a:solidFill>
+              </a14:hiddenFill>
+            </a:ext>
+          </a:extLst>
+        </p:spPr>
+      </p:pic>
+      <p:sp>
+        <p:nvSpPr>
+          <p:cNvPr id="4" name="Slide Number Placeholder 3">
+            <a:extLst>
+              <a:ext uri="{FF2B5EF4-FFF2-40B4-BE49-F238E27FC236}">
+                <a16:creationId xmlns:a16="http://schemas.microsoft.com/office/drawing/2014/main" id="{1FB7980D-6ABC-4A00-8DC8-A167ABC49549}"/>
+              </a:ext>
+            </a:extLst>
+          </p:cNvPr>
+          <p:cNvSpPr>
+            <a:spLocks noGrp="1"/>
+          </p:cNvSpPr>
+          <p:nvPr>
+            <p:ph type="sldNum" sz="quarter" idx="12"/>
+          </p:nvPr>
+        </p:nvSpPr>
+        <p:spPr/>
+        <p:txBody>
+          <a:bodyPr/>
+          <a:lstStyle/>
+          <a:p>
+            <a:fld id="{5A188BD9-5E81-43C5-AE66-36AE3BDE6A9D}" type="slidenum">
+              <a:rPr lang="pt-BR" smtClean="0"/>
+              <a:t>79</a:t>
+            </a:fld>
+            <a:endParaRPr lang="pt-BR"/>
+          </a:p>
+        </p:txBody>
+      </p:sp>
+    </p:spTree>
+    <p:extLst>
+      <p:ext uri="{BB962C8B-B14F-4D97-AF65-F5344CB8AC3E}">
+        <p14:creationId xmlns:p14="http://schemas.microsoft.com/office/powerpoint/2010/main" val="2403597044"/>
       </p:ext>
     </p:extLst>
   </p:cSld>

--- a/slides/C++.pptx
+++ b/slides/C++.pptx
@@ -5,7 +5,7 @@
     <p:sldMasterId id="2147483648" r:id="rId1"/>
   </p:sldMasterIdLst>
   <p:notesMasterIdLst>
-    <p:notesMasterId r:id="rId81"/>
+    <p:notesMasterId r:id="rId93"/>
   </p:notesMasterIdLst>
   <p:sldIdLst>
     <p:sldId id="256" r:id="rId2"/>
@@ -68,25 +68,37 @@
     <p:sldId id="412" r:id="rId59"/>
     <p:sldId id="413" r:id="rId60"/>
     <p:sldId id="398" r:id="rId61"/>
-    <p:sldId id="368" r:id="rId62"/>
-    <p:sldId id="348" r:id="rId63"/>
-    <p:sldId id="349" r:id="rId64"/>
-    <p:sldId id="350" r:id="rId65"/>
-    <p:sldId id="351" r:id="rId66"/>
-    <p:sldId id="352" r:id="rId67"/>
-    <p:sldId id="353" r:id="rId68"/>
-    <p:sldId id="354" r:id="rId69"/>
-    <p:sldId id="355" r:id="rId70"/>
-    <p:sldId id="356" r:id="rId71"/>
-    <p:sldId id="357" r:id="rId72"/>
-    <p:sldId id="367" r:id="rId73"/>
-    <p:sldId id="366" r:id="rId74"/>
-    <p:sldId id="358" r:id="rId75"/>
-    <p:sldId id="361" r:id="rId76"/>
-    <p:sldId id="362" r:id="rId77"/>
-    <p:sldId id="363" r:id="rId78"/>
-    <p:sldId id="364" r:id="rId79"/>
-    <p:sldId id="365" r:id="rId80"/>
+    <p:sldId id="414" r:id="rId62"/>
+    <p:sldId id="368" r:id="rId63"/>
+    <p:sldId id="415" r:id="rId64"/>
+    <p:sldId id="419" r:id="rId65"/>
+    <p:sldId id="420" r:id="rId66"/>
+    <p:sldId id="421" r:id="rId67"/>
+    <p:sldId id="422" r:id="rId68"/>
+    <p:sldId id="423" r:id="rId69"/>
+    <p:sldId id="424" r:id="rId70"/>
+    <p:sldId id="425" r:id="rId71"/>
+    <p:sldId id="426" r:id="rId72"/>
+    <p:sldId id="416" r:id="rId73"/>
+    <p:sldId id="417" r:id="rId74"/>
+    <p:sldId id="348" r:id="rId75"/>
+    <p:sldId id="349" r:id="rId76"/>
+    <p:sldId id="350" r:id="rId77"/>
+    <p:sldId id="351" r:id="rId78"/>
+    <p:sldId id="352" r:id="rId79"/>
+    <p:sldId id="353" r:id="rId80"/>
+    <p:sldId id="354" r:id="rId81"/>
+    <p:sldId id="355" r:id="rId82"/>
+    <p:sldId id="356" r:id="rId83"/>
+    <p:sldId id="357" r:id="rId84"/>
+    <p:sldId id="367" r:id="rId85"/>
+    <p:sldId id="366" r:id="rId86"/>
+    <p:sldId id="358" r:id="rId87"/>
+    <p:sldId id="361" r:id="rId88"/>
+    <p:sldId id="362" r:id="rId89"/>
+    <p:sldId id="363" r:id="rId90"/>
+    <p:sldId id="364" r:id="rId91"/>
+    <p:sldId id="365" r:id="rId92"/>
   </p:sldIdLst>
   <p:sldSz cx="12192000" cy="6858000"/>
   <p:notesSz cx="6858000" cy="9144000"/>
@@ -275,7 +287,7 @@
           <a:p>
             <a:fld id="{F57348E8-8886-490D-B84A-D97E608AAD37}" type="datetimeFigureOut">
               <a:rPr lang="pt-BR" smtClean="0"/>
-              <a:t>17/11/2020</a:t>
+              <a:t>26/11/2020</a:t>
             </a:fld>
             <a:endParaRPr lang="pt-BR"/>
           </a:p>
@@ -692,7 +704,7 @@
           <a:p>
             <a:fld id="{61CAFA4C-84B1-4E56-B9FD-6D8048F08223}" type="datetime1">
               <a:rPr lang="pt-BR" smtClean="0"/>
-              <a:t>17/11/2020</a:t>
+              <a:t>26/11/2020</a:t>
             </a:fld>
             <a:endParaRPr lang="pt-BR"/>
           </a:p>
@@ -892,7 +904,7 @@
           <a:p>
             <a:fld id="{45305A30-CF91-450E-BD95-EF1DB408EEF5}" type="datetime1">
               <a:rPr lang="pt-BR" smtClean="0"/>
-              <a:t>17/11/2020</a:t>
+              <a:t>26/11/2020</a:t>
             </a:fld>
             <a:endParaRPr lang="pt-BR"/>
           </a:p>
@@ -1102,7 +1114,7 @@
           <a:p>
             <a:fld id="{112BEF76-305C-4396-8525-3589BC3A3147}" type="datetime1">
               <a:rPr lang="pt-BR" smtClean="0"/>
-              <a:t>17/11/2020</a:t>
+              <a:t>26/11/2020</a:t>
             </a:fld>
             <a:endParaRPr lang="pt-BR"/>
           </a:p>
@@ -1302,7 +1314,7 @@
           <a:p>
             <a:fld id="{B2F40358-9FFB-401B-8055-011F96392D10}" type="datetime1">
               <a:rPr lang="pt-BR" smtClean="0"/>
-              <a:t>17/11/2020</a:t>
+              <a:t>26/11/2020</a:t>
             </a:fld>
             <a:endParaRPr lang="pt-BR"/>
           </a:p>
@@ -1578,7 +1590,7 @@
           <a:p>
             <a:fld id="{220F6295-E54F-4770-9141-FDCF46A2ADAA}" type="datetime1">
               <a:rPr lang="pt-BR" smtClean="0"/>
-              <a:t>17/11/2020</a:t>
+              <a:t>26/11/2020</a:t>
             </a:fld>
             <a:endParaRPr lang="pt-BR"/>
           </a:p>
@@ -1846,7 +1858,7 @@
           <a:p>
             <a:fld id="{C57DBD24-AEDA-47E1-912F-DD5F3E5B0878}" type="datetime1">
               <a:rPr lang="pt-BR" smtClean="0"/>
-              <a:t>17/11/2020</a:t>
+              <a:t>26/11/2020</a:t>
             </a:fld>
             <a:endParaRPr lang="pt-BR"/>
           </a:p>
@@ -2261,7 +2273,7 @@
           <a:p>
             <a:fld id="{2B3C0E04-3AB0-4AFA-B718-209D69DD0606}" type="datetime1">
               <a:rPr lang="pt-BR" smtClean="0"/>
-              <a:t>17/11/2020</a:t>
+              <a:t>26/11/2020</a:t>
             </a:fld>
             <a:endParaRPr lang="pt-BR"/>
           </a:p>
@@ -2403,7 +2415,7 @@
           <a:p>
             <a:fld id="{3EC6698A-6B86-4D70-87CE-4826DF9D0312}" type="datetime1">
               <a:rPr lang="pt-BR" smtClean="0"/>
-              <a:t>17/11/2020</a:t>
+              <a:t>26/11/2020</a:t>
             </a:fld>
             <a:endParaRPr lang="pt-BR"/>
           </a:p>
@@ -2516,7 +2528,7 @@
           <a:p>
             <a:fld id="{E8D1940B-74B1-47B8-8137-DC1B3D7CFF92}" type="datetime1">
               <a:rPr lang="pt-BR" smtClean="0"/>
-              <a:t>17/11/2020</a:t>
+              <a:t>26/11/2020</a:t>
             </a:fld>
             <a:endParaRPr lang="pt-BR"/>
           </a:p>
@@ -2829,7 +2841,7 @@
           <a:p>
             <a:fld id="{8A2B5F9B-A892-44DC-A79E-EDA80B19CD1E}" type="datetime1">
               <a:rPr lang="pt-BR" smtClean="0"/>
-              <a:t>17/11/2020</a:t>
+              <a:t>26/11/2020</a:t>
             </a:fld>
             <a:endParaRPr lang="pt-BR"/>
           </a:p>
@@ -3118,7 +3130,7 @@
           <a:p>
             <a:fld id="{484A0796-8C5C-4FB3-93EA-5A1B21B7F90C}" type="datetime1">
               <a:rPr lang="pt-BR" smtClean="0"/>
-              <a:t>17/11/2020</a:t>
+              <a:t>26/11/2020</a:t>
             </a:fld>
             <a:endParaRPr lang="pt-BR"/>
           </a:p>
@@ -3361,7 +3373,7 @@
           <a:p>
             <a:fld id="{C60EDFCB-90FE-4183-81DD-507C9F560A9E}" type="datetime1">
               <a:rPr lang="pt-BR" smtClean="0"/>
-              <a:t>17/11/2020</a:t>
+              <a:t>26/11/2020</a:t>
             </a:fld>
             <a:endParaRPr lang="pt-BR"/>
           </a:p>
@@ -42332,7 +42344,7 @@
                 <a:latin typeface="Segoe UI" panose="020B0502040204020203" pitchFamily="34" charset="0"/>
                 <a:cs typeface="Segoe UI" panose="020B0502040204020203" pitchFamily="34" charset="0"/>
               </a:rPr>
-              <a:t>Functions</a:t>
+              <a:t>Agenda</a:t>
             </a:r>
           </a:p>
         </p:txBody>
@@ -42413,10 +42425,119 @@
           </a:p>
         </p:txBody>
       </p:sp>
+      <p:sp>
+        <p:nvSpPr>
+          <p:cNvPr id="5" name="Content Placeholder 2">
+            <a:extLst>
+              <a:ext uri="{FF2B5EF4-FFF2-40B4-BE49-F238E27FC236}">
+                <a16:creationId xmlns:a16="http://schemas.microsoft.com/office/drawing/2014/main" id="{E8905B48-5B89-478E-B7BC-B0625487F9A1}"/>
+              </a:ext>
+            </a:extLst>
+          </p:cNvPr>
+          <p:cNvSpPr>
+            <a:spLocks noGrp="1"/>
+          </p:cNvSpPr>
+          <p:nvPr>
+            <p:ph idx="1"/>
+          </p:nvPr>
+        </p:nvSpPr>
+        <p:spPr>
+          <a:xfrm>
+            <a:off x="838200" y="1825625"/>
+            <a:ext cx="10515600" cy="4351338"/>
+          </a:xfrm>
+        </p:spPr>
+        <p:txBody>
+          <a:bodyPr>
+            <a:normAutofit/>
+          </a:bodyPr>
+          <a:lstStyle/>
+          <a:p>
+            <a:pPr>
+              <a:buFont typeface="Wingdings" panose="05000000000000000000" pitchFamily="2" charset="2"/>
+              <a:buChar char="§"/>
+            </a:pPr>
+            <a:r>
+              <a:rPr lang="en-US" sz="2400" dirty="0" err="1">
+                <a:latin typeface="Segoe UI" panose="020B0502040204020203" pitchFamily="34" charset="0"/>
+                <a:cs typeface="Segoe UI" panose="020B0502040204020203" pitchFamily="34" charset="0"/>
+              </a:rPr>
+              <a:t>CMake</a:t>
+            </a:r>
+            <a:endParaRPr lang="en-US" sz="2400" dirty="0">
+              <a:latin typeface="Segoe UI" panose="020B0502040204020203" pitchFamily="34" charset="0"/>
+              <a:cs typeface="Segoe UI" panose="020B0502040204020203" pitchFamily="34" charset="0"/>
+            </a:endParaRPr>
+          </a:p>
+          <a:p>
+            <a:pPr>
+              <a:buFont typeface="Wingdings" panose="05000000000000000000" pitchFamily="2" charset="2"/>
+              <a:buChar char="§"/>
+            </a:pPr>
+            <a:endParaRPr lang="en-US" sz="2400" dirty="0">
+              <a:latin typeface="Segoe UI" panose="020B0502040204020203" pitchFamily="34" charset="0"/>
+              <a:cs typeface="Segoe UI" panose="020B0502040204020203" pitchFamily="34" charset="0"/>
+            </a:endParaRPr>
+          </a:p>
+          <a:p>
+            <a:pPr>
+              <a:buFont typeface="Wingdings" panose="05000000000000000000" pitchFamily="2" charset="2"/>
+              <a:buChar char="§"/>
+            </a:pPr>
+            <a:r>
+              <a:rPr lang="en-US" sz="2400" dirty="0" err="1">
+                <a:latin typeface="Segoe UI" panose="020B0502040204020203" pitchFamily="34" charset="0"/>
+                <a:cs typeface="Segoe UI" panose="020B0502040204020203" pitchFamily="34" charset="0"/>
+              </a:rPr>
+              <a:t>gRPC</a:t>
+            </a:r>
+            <a:endParaRPr lang="en-US" sz="2400" dirty="0">
+              <a:latin typeface="Segoe UI" panose="020B0502040204020203" pitchFamily="34" charset="0"/>
+              <a:cs typeface="Segoe UI" panose="020B0502040204020203" pitchFamily="34" charset="0"/>
+            </a:endParaRPr>
+          </a:p>
+          <a:p>
+            <a:pPr>
+              <a:buFont typeface="Wingdings" panose="05000000000000000000" pitchFamily="2" charset="2"/>
+              <a:buChar char="§"/>
+            </a:pPr>
+            <a:endParaRPr lang="en-US" sz="2400" dirty="0">
+              <a:latin typeface="Segoe UI" panose="020B0502040204020203" pitchFamily="34" charset="0"/>
+              <a:cs typeface="Segoe UI" panose="020B0502040204020203" pitchFamily="34" charset="0"/>
+            </a:endParaRPr>
+          </a:p>
+          <a:p>
+            <a:pPr>
+              <a:buFont typeface="Wingdings" panose="05000000000000000000" pitchFamily="2" charset="2"/>
+              <a:buChar char="§"/>
+            </a:pPr>
+            <a:r>
+              <a:rPr lang="en-US" sz="2400" dirty="0" err="1">
+                <a:latin typeface="Segoe UI" panose="020B0502040204020203" pitchFamily="34" charset="0"/>
+                <a:cs typeface="Segoe UI" panose="020B0502040204020203" pitchFamily="34" charset="0"/>
+              </a:rPr>
+              <a:t>Clipp</a:t>
+            </a:r>
+            <a:endParaRPr lang="en-US" sz="2400" dirty="0">
+              <a:latin typeface="Segoe UI" panose="020B0502040204020203" pitchFamily="34" charset="0"/>
+              <a:cs typeface="Segoe UI" panose="020B0502040204020203" pitchFamily="34" charset="0"/>
+            </a:endParaRPr>
+          </a:p>
+          <a:p>
+            <a:pPr marL="0" indent="0">
+              <a:buNone/>
+            </a:pPr>
+            <a:endParaRPr lang="en-US" sz="2400" dirty="0">
+              <a:latin typeface="Segoe UI" panose="020B0502040204020203" pitchFamily="34" charset="0"/>
+              <a:cs typeface="Segoe UI" panose="020B0502040204020203" pitchFamily="34" charset="0"/>
+            </a:endParaRPr>
+          </a:p>
+        </p:txBody>
+      </p:sp>
     </p:spTree>
     <p:extLst>
       <p:ext uri="{BB962C8B-B14F-4D97-AF65-F5344CB8AC3E}">
-        <p14:creationId xmlns:p14="http://schemas.microsoft.com/office/powerpoint/2010/main" val="420841682"/>
+        <p14:creationId xmlns:p14="http://schemas.microsoft.com/office/powerpoint/2010/main" val="566078196"/>
       </p:ext>
     </p:extLst>
   </p:cSld>
@@ -42472,7 +42593,7 @@
                 <a:latin typeface="Segoe UI" panose="020B0502040204020203" pitchFamily="34" charset="0"/>
                 <a:cs typeface="Segoe UI" panose="020B0502040204020203" pitchFamily="34" charset="0"/>
               </a:rPr>
-              <a:t>Function Templates</a:t>
+              <a:t>CMake</a:t>
             </a:r>
           </a:p>
         </p:txBody>
@@ -42553,10 +42674,173 @@
           </a:p>
         </p:txBody>
       </p:sp>
+      <p:sp>
+        <p:nvSpPr>
+          <p:cNvPr id="5" name="Content Placeholder 2">
+            <a:extLst>
+              <a:ext uri="{FF2B5EF4-FFF2-40B4-BE49-F238E27FC236}">
+                <a16:creationId xmlns:a16="http://schemas.microsoft.com/office/drawing/2014/main" id="{A554353A-C76D-46C5-A806-7DCBD0656AB9}"/>
+              </a:ext>
+            </a:extLst>
+          </p:cNvPr>
+          <p:cNvSpPr>
+            <a:spLocks noGrp="1"/>
+          </p:cNvSpPr>
+          <p:nvPr>
+            <p:ph idx="1"/>
+          </p:nvPr>
+        </p:nvSpPr>
+        <p:spPr>
+          <a:xfrm>
+            <a:off x="838200" y="1825625"/>
+            <a:ext cx="10515600" cy="4351338"/>
+          </a:xfrm>
+        </p:spPr>
+        <p:txBody>
+          <a:bodyPr>
+            <a:normAutofit/>
+          </a:bodyPr>
+          <a:lstStyle/>
+          <a:p>
+            <a:pPr>
+              <a:buFont typeface="Wingdings" panose="05000000000000000000" pitchFamily="2" charset="2"/>
+              <a:buChar char="§"/>
+            </a:pPr>
+            <a:r>
+              <a:rPr lang="en-US" sz="2400" dirty="0" err="1">
+                <a:latin typeface="Segoe UI" panose="020B0502040204020203" pitchFamily="34" charset="0"/>
+                <a:cs typeface="Segoe UI" panose="020B0502040204020203" pitchFamily="34" charset="0"/>
+              </a:rPr>
+              <a:t>Setar</a:t>
+            </a:r>
+            <a:r>
+              <a:rPr lang="en-US" sz="2400" dirty="0">
+                <a:latin typeface="Segoe UI" panose="020B0502040204020203" pitchFamily="34" charset="0"/>
+                <a:cs typeface="Segoe UI" panose="020B0502040204020203" pitchFamily="34" charset="0"/>
+              </a:rPr>
+              <a:t> as </a:t>
+            </a:r>
+            <a:r>
+              <a:rPr lang="en-US" sz="2400" dirty="0" err="1">
+                <a:latin typeface="Segoe UI" panose="020B0502040204020203" pitchFamily="34" charset="0"/>
+                <a:cs typeface="Segoe UI" panose="020B0502040204020203" pitchFamily="34" charset="0"/>
+              </a:rPr>
+              <a:t>seguintes</a:t>
+            </a:r>
+            <a:r>
+              <a:rPr lang="en-US" sz="2400" dirty="0">
+                <a:latin typeface="Segoe UI" panose="020B0502040204020203" pitchFamily="34" charset="0"/>
+                <a:cs typeface="Segoe UI" panose="020B0502040204020203" pitchFamily="34" charset="0"/>
+              </a:rPr>
+              <a:t> </a:t>
+            </a:r>
+            <a:r>
+              <a:rPr lang="en-US" sz="2400" dirty="0" err="1">
+                <a:latin typeface="Segoe UI" panose="020B0502040204020203" pitchFamily="34" charset="0"/>
+                <a:cs typeface="Segoe UI" panose="020B0502040204020203" pitchFamily="34" charset="0"/>
+              </a:rPr>
+              <a:t>variaveis</a:t>
+            </a:r>
+            <a:r>
+              <a:rPr lang="en-US" sz="2400" dirty="0">
+                <a:latin typeface="Segoe UI" panose="020B0502040204020203" pitchFamily="34" charset="0"/>
+                <a:cs typeface="Segoe UI" panose="020B0502040204020203" pitchFamily="34" charset="0"/>
+              </a:rPr>
+              <a:t> de </a:t>
+            </a:r>
+            <a:r>
+              <a:rPr lang="en-US" sz="2400" dirty="0" err="1">
+                <a:latin typeface="Segoe UI" panose="020B0502040204020203" pitchFamily="34" charset="0"/>
+                <a:cs typeface="Segoe UI" panose="020B0502040204020203" pitchFamily="34" charset="0"/>
+              </a:rPr>
+              <a:t>ambiente</a:t>
+            </a:r>
+            <a:r>
+              <a:rPr lang="en-US" sz="2400" dirty="0">
+                <a:latin typeface="Segoe UI" panose="020B0502040204020203" pitchFamily="34" charset="0"/>
+                <a:cs typeface="Segoe UI" panose="020B0502040204020203" pitchFamily="34" charset="0"/>
+              </a:rPr>
+              <a:t> </a:t>
+            </a:r>
+            <a:r>
+              <a:rPr lang="en-US" sz="2400" dirty="0" err="1">
+                <a:latin typeface="Segoe UI" panose="020B0502040204020203" pitchFamily="34" charset="0"/>
+                <a:cs typeface="Segoe UI" panose="020B0502040204020203" pitchFamily="34" charset="0"/>
+              </a:rPr>
+              <a:t>facilia</a:t>
+            </a:r>
+            <a:r>
+              <a:rPr lang="en-US" sz="2400" dirty="0">
+                <a:latin typeface="Segoe UI" panose="020B0502040204020203" pitchFamily="34" charset="0"/>
+                <a:cs typeface="Segoe UI" panose="020B0502040204020203" pitchFamily="34" charset="0"/>
+              </a:rPr>
+              <a:t> o </a:t>
+            </a:r>
+            <a:r>
+              <a:rPr lang="en-US" sz="2400" dirty="0" err="1">
+                <a:latin typeface="Segoe UI" panose="020B0502040204020203" pitchFamily="34" charset="0"/>
+                <a:cs typeface="Segoe UI" panose="020B0502040204020203" pitchFamily="34" charset="0"/>
+              </a:rPr>
+              <a:t>uso</a:t>
+            </a:r>
+            <a:r>
+              <a:rPr lang="en-US" sz="2400" dirty="0">
+                <a:latin typeface="Segoe UI" panose="020B0502040204020203" pitchFamily="34" charset="0"/>
+                <a:cs typeface="Segoe UI" panose="020B0502040204020203" pitchFamily="34" charset="0"/>
+              </a:rPr>
+              <a:t> do </a:t>
+            </a:r>
+            <a:r>
+              <a:rPr lang="en-US" sz="2400" dirty="0" err="1">
+                <a:latin typeface="Segoe UI" panose="020B0502040204020203" pitchFamily="34" charset="0"/>
+                <a:cs typeface="Segoe UI" panose="020B0502040204020203" pitchFamily="34" charset="0"/>
+              </a:rPr>
+              <a:t>CMake</a:t>
+            </a:r>
+            <a:r>
+              <a:rPr lang="en-US" sz="2400" dirty="0">
+                <a:latin typeface="Segoe UI" panose="020B0502040204020203" pitchFamily="34" charset="0"/>
+                <a:cs typeface="Segoe UI" panose="020B0502040204020203" pitchFamily="34" charset="0"/>
+              </a:rPr>
+              <a:t>:</a:t>
+            </a:r>
+          </a:p>
+        </p:txBody>
+      </p:sp>
+      <p:pic>
+        <p:nvPicPr>
+          <p:cNvPr id="3" name="Picture 2">
+            <a:extLst>
+              <a:ext uri="{FF2B5EF4-FFF2-40B4-BE49-F238E27FC236}">
+                <a16:creationId xmlns:a16="http://schemas.microsoft.com/office/drawing/2014/main" id="{37C9D3E6-2B37-415C-BC11-DBBF52771DA5}"/>
+              </a:ext>
+            </a:extLst>
+          </p:cNvPr>
+          <p:cNvPicPr>
+            <a:picLocks noChangeAspect="1"/>
+          </p:cNvPicPr>
+          <p:nvPr/>
+        </p:nvPicPr>
+        <p:blipFill>
+          <a:blip r:embed="rId3"/>
+          <a:stretch>
+            <a:fillRect/>
+          </a:stretch>
+        </p:blipFill>
+        <p:spPr>
+          <a:xfrm>
+            <a:off x="391280" y="2330026"/>
+            <a:ext cx="13054811" cy="3342536"/>
+          </a:xfrm>
+          <a:prstGeom prst="rect">
+            <a:avLst/>
+          </a:prstGeom>
+        </p:spPr>
+      </p:pic>
     </p:spTree>
     <p:extLst>
       <p:ext uri="{BB962C8B-B14F-4D97-AF65-F5344CB8AC3E}">
-        <p14:creationId xmlns:p14="http://schemas.microsoft.com/office/powerpoint/2010/main" val="2297078418"/>
+        <p14:creationId xmlns:p14="http://schemas.microsoft.com/office/powerpoint/2010/main" val="420841682"/>
       </p:ext>
     </p:extLst>
   </p:cSld>
@@ -42612,7 +42896,7 @@
                 <a:latin typeface="Segoe UI" panose="020B0502040204020203" pitchFamily="34" charset="0"/>
                 <a:cs typeface="Segoe UI" panose="020B0502040204020203" pitchFamily="34" charset="0"/>
               </a:rPr>
-              <a:t>Classes Templates</a:t>
+              <a:t>gRPC</a:t>
             </a:r>
           </a:p>
         </p:txBody>
@@ -42693,10 +42977,40 @@
           </a:p>
         </p:txBody>
       </p:sp>
+      <p:pic>
+        <p:nvPicPr>
+          <p:cNvPr id="3" name="Picture 2">
+            <a:extLst>
+              <a:ext uri="{FF2B5EF4-FFF2-40B4-BE49-F238E27FC236}">
+                <a16:creationId xmlns:a16="http://schemas.microsoft.com/office/drawing/2014/main" id="{8258F170-D54C-481A-95EA-C94C094A1D95}"/>
+              </a:ext>
+            </a:extLst>
+          </p:cNvPr>
+          <p:cNvPicPr>
+            <a:picLocks noChangeAspect="1"/>
+          </p:cNvPicPr>
+          <p:nvPr/>
+        </p:nvPicPr>
+        <p:blipFill>
+          <a:blip r:embed="rId3"/>
+          <a:stretch>
+            <a:fillRect/>
+          </a:stretch>
+        </p:blipFill>
+        <p:spPr>
+          <a:xfrm>
+            <a:off x="542925" y="2036865"/>
+            <a:ext cx="11106150" cy="3790950"/>
+          </a:xfrm>
+          <a:prstGeom prst="rect">
+            <a:avLst/>
+          </a:prstGeom>
+        </p:spPr>
+      </p:pic>
     </p:spTree>
     <p:extLst>
       <p:ext uri="{BB962C8B-B14F-4D97-AF65-F5344CB8AC3E}">
-        <p14:creationId xmlns:p14="http://schemas.microsoft.com/office/powerpoint/2010/main" val="1007957260"/>
+        <p14:creationId xmlns:p14="http://schemas.microsoft.com/office/powerpoint/2010/main" val="2368696123"/>
       </p:ext>
     </p:extLst>
   </p:cSld>
@@ -42752,7 +43066,7 @@
                 <a:latin typeface="Segoe UI" panose="020B0502040204020203" pitchFamily="34" charset="0"/>
                 <a:cs typeface="Segoe UI" panose="020B0502040204020203" pitchFamily="34" charset="0"/>
               </a:rPr>
-              <a:t>Lambdas</a:t>
+              <a:t>gRPC</a:t>
             </a:r>
           </a:p>
         </p:txBody>
@@ -42833,10 +43147,239 @@
           </a:p>
         </p:txBody>
       </p:sp>
+      <p:sp>
+        <p:nvSpPr>
+          <p:cNvPr id="6" name="Content Placeholder 2">
+            <a:extLst>
+              <a:ext uri="{FF2B5EF4-FFF2-40B4-BE49-F238E27FC236}">
+                <a16:creationId xmlns:a16="http://schemas.microsoft.com/office/drawing/2014/main" id="{C1C427CA-2FB0-4EA6-BD2D-BA02E512EEDE}"/>
+              </a:ext>
+            </a:extLst>
+          </p:cNvPr>
+          <p:cNvSpPr>
+            <a:spLocks noGrp="1"/>
+          </p:cNvSpPr>
+          <p:nvPr>
+            <p:ph idx="1"/>
+          </p:nvPr>
+        </p:nvSpPr>
+        <p:spPr>
+          <a:xfrm>
+            <a:off x="838200" y="1825625"/>
+            <a:ext cx="10515600" cy="4351338"/>
+          </a:xfrm>
+        </p:spPr>
+        <p:txBody>
+          <a:bodyPr>
+            <a:normAutofit/>
+          </a:bodyPr>
+          <a:lstStyle/>
+          <a:p>
+            <a:pPr>
+              <a:buFont typeface="Wingdings" panose="05000000000000000000" pitchFamily="2" charset="2"/>
+              <a:buChar char="§"/>
+            </a:pPr>
+            <a:r>
+              <a:rPr lang="en-US" sz="2400" dirty="0" err="1">
+                <a:latin typeface="Segoe UI" panose="020B0502040204020203" pitchFamily="34" charset="0"/>
+                <a:cs typeface="Segoe UI" panose="020B0502040204020203" pitchFamily="34" charset="0"/>
+              </a:rPr>
+              <a:t>Clonar</a:t>
+            </a:r>
+            <a:r>
+              <a:rPr lang="en-US" sz="2400" dirty="0">
+                <a:latin typeface="Segoe UI" panose="020B0502040204020203" pitchFamily="34" charset="0"/>
+                <a:cs typeface="Segoe UI" panose="020B0502040204020203" pitchFamily="34" charset="0"/>
+              </a:rPr>
+              <a:t> </a:t>
+            </a:r>
+            <a:r>
+              <a:rPr lang="en-US" sz="2400" dirty="0">
+                <a:latin typeface="Segoe UI" panose="020B0502040204020203" pitchFamily="34" charset="0"/>
+                <a:cs typeface="Segoe UI" panose="020B0502040204020203" pitchFamily="34" charset="0"/>
+                <a:hlinkClick r:id="rId3"/>
+              </a:rPr>
+              <a:t>https://github.com/grpc/grpc</a:t>
+            </a:r>
+            <a:r>
+              <a:rPr lang="en-US" sz="2400" dirty="0">
+                <a:latin typeface="Segoe UI" panose="020B0502040204020203" pitchFamily="34" charset="0"/>
+                <a:cs typeface="Segoe UI" panose="020B0502040204020203" pitchFamily="34" charset="0"/>
+              </a:rPr>
+              <a:t> </a:t>
+            </a:r>
+          </a:p>
+          <a:p>
+            <a:pPr>
+              <a:buFont typeface="Wingdings" panose="05000000000000000000" pitchFamily="2" charset="2"/>
+              <a:buChar char="§"/>
+            </a:pPr>
+            <a:endParaRPr lang="en-US" sz="2400" dirty="0">
+              <a:latin typeface="Segoe UI" panose="020B0502040204020203" pitchFamily="34" charset="0"/>
+              <a:cs typeface="Segoe UI" panose="020B0502040204020203" pitchFamily="34" charset="0"/>
+            </a:endParaRPr>
+          </a:p>
+          <a:p>
+            <a:pPr>
+              <a:buFont typeface="Wingdings" panose="05000000000000000000" pitchFamily="2" charset="2"/>
+              <a:buChar char="§"/>
+            </a:pPr>
+            <a:r>
+              <a:rPr lang="en-US" sz="2400" dirty="0" err="1">
+                <a:latin typeface="Segoe UI" panose="020B0502040204020203" pitchFamily="34" charset="0"/>
+                <a:cs typeface="Segoe UI" panose="020B0502040204020203" pitchFamily="34" charset="0"/>
+              </a:rPr>
+              <a:t>Instruções</a:t>
+            </a:r>
+            <a:r>
+              <a:rPr lang="en-US" sz="2400" dirty="0">
+                <a:latin typeface="Segoe UI" panose="020B0502040204020203" pitchFamily="34" charset="0"/>
+                <a:cs typeface="Segoe UI" panose="020B0502040204020203" pitchFamily="34" charset="0"/>
+              </a:rPr>
+              <a:t>: </a:t>
+            </a:r>
+            <a:r>
+              <a:rPr lang="en-US" sz="2400" dirty="0">
+                <a:latin typeface="Segoe UI" panose="020B0502040204020203" pitchFamily="34" charset="0"/>
+                <a:cs typeface="Segoe UI" panose="020B0502040204020203" pitchFamily="34" charset="0"/>
+                <a:hlinkClick r:id="rId4"/>
+              </a:rPr>
+              <a:t>https://grpc.io/docs/languages/cpp/quickstart/</a:t>
+            </a:r>
+            <a:r>
+              <a:rPr lang="en-US" sz="2400" dirty="0">
+                <a:latin typeface="Segoe UI" panose="020B0502040204020203" pitchFamily="34" charset="0"/>
+                <a:cs typeface="Segoe UI" panose="020B0502040204020203" pitchFamily="34" charset="0"/>
+              </a:rPr>
+              <a:t> </a:t>
+            </a:r>
+          </a:p>
+          <a:p>
+            <a:pPr>
+              <a:buFont typeface="Wingdings" panose="05000000000000000000" pitchFamily="2" charset="2"/>
+              <a:buChar char="§"/>
+            </a:pPr>
+            <a:endParaRPr lang="en-US" sz="2400" dirty="0">
+              <a:latin typeface="Segoe UI" panose="020B0502040204020203" pitchFamily="34" charset="0"/>
+              <a:cs typeface="Segoe UI" panose="020B0502040204020203" pitchFamily="34" charset="0"/>
+            </a:endParaRPr>
+          </a:p>
+          <a:p>
+            <a:pPr>
+              <a:buFont typeface="Wingdings" panose="05000000000000000000" pitchFamily="2" charset="2"/>
+              <a:buChar char="§"/>
+            </a:pPr>
+            <a:r>
+              <a:rPr lang="en-US" sz="2400" dirty="0">
+                <a:latin typeface="Segoe UI" panose="020B0502040204020203" pitchFamily="34" charset="0"/>
+                <a:cs typeface="Segoe UI" panose="020B0502040204020203" pitchFamily="34" charset="0"/>
+              </a:rPr>
+              <a:t>Protocol Buffers: </a:t>
+            </a:r>
+            <a:r>
+              <a:rPr lang="en-US" sz="2400" dirty="0">
+                <a:latin typeface="Segoe UI" panose="020B0502040204020203" pitchFamily="34" charset="0"/>
+                <a:cs typeface="Segoe UI" panose="020B0502040204020203" pitchFamily="34" charset="0"/>
+                <a:hlinkClick r:id="rId5"/>
+              </a:rPr>
+              <a:t>https://developers.google.com/protocol-buffers/docs/proto3</a:t>
+            </a:r>
+            <a:r>
+              <a:rPr lang="en-US" sz="2400" dirty="0">
+                <a:latin typeface="Segoe UI" panose="020B0502040204020203" pitchFamily="34" charset="0"/>
+                <a:cs typeface="Segoe UI" panose="020B0502040204020203" pitchFamily="34" charset="0"/>
+              </a:rPr>
+              <a:t> </a:t>
+            </a:r>
+          </a:p>
+          <a:p>
+            <a:pPr>
+              <a:buFont typeface="Wingdings" panose="05000000000000000000" pitchFamily="2" charset="2"/>
+              <a:buChar char="§"/>
+            </a:pPr>
+            <a:endParaRPr lang="en-US" sz="2400" dirty="0">
+              <a:latin typeface="Segoe UI" panose="020B0502040204020203" pitchFamily="34" charset="0"/>
+              <a:cs typeface="Segoe UI" panose="020B0502040204020203" pitchFamily="34" charset="0"/>
+            </a:endParaRPr>
+          </a:p>
+          <a:p>
+            <a:pPr>
+              <a:buFont typeface="Wingdings" panose="05000000000000000000" pitchFamily="2" charset="2"/>
+              <a:buChar char="§"/>
+            </a:pPr>
+            <a:r>
+              <a:rPr lang="en-US" sz="2400" dirty="0" err="1">
+                <a:latin typeface="Segoe UI" panose="020B0502040204020203" pitchFamily="34" charset="0"/>
+                <a:cs typeface="Segoe UI" panose="020B0502040204020203" pitchFamily="34" charset="0"/>
+              </a:rPr>
+              <a:t>Baixar</a:t>
+            </a:r>
+            <a:r>
+              <a:rPr lang="en-US" sz="2400" dirty="0">
+                <a:latin typeface="Segoe UI" panose="020B0502040204020203" pitchFamily="34" charset="0"/>
+                <a:cs typeface="Segoe UI" panose="020B0502040204020203" pitchFamily="34" charset="0"/>
+              </a:rPr>
+              <a:t> </a:t>
+            </a:r>
+            <a:r>
+              <a:rPr lang="en-US" sz="2400" dirty="0" err="1">
+                <a:latin typeface="Segoe UI" panose="020B0502040204020203" pitchFamily="34" charset="0"/>
+                <a:cs typeface="Segoe UI" panose="020B0502040204020203" pitchFamily="34" charset="0"/>
+              </a:rPr>
+              <a:t>cliente</a:t>
+            </a:r>
+            <a:r>
+              <a:rPr lang="en-US" sz="2400" dirty="0">
+                <a:latin typeface="Segoe UI" panose="020B0502040204020203" pitchFamily="34" charset="0"/>
+                <a:cs typeface="Segoe UI" panose="020B0502040204020203" pitchFamily="34" charset="0"/>
+              </a:rPr>
+              <a:t> </a:t>
+            </a:r>
+            <a:r>
+              <a:rPr lang="en-US" sz="2400" dirty="0" err="1">
+                <a:latin typeface="Segoe UI" panose="020B0502040204020203" pitchFamily="34" charset="0"/>
+                <a:cs typeface="Segoe UI" panose="020B0502040204020203" pitchFamily="34" charset="0"/>
+              </a:rPr>
+              <a:t>BloomRPC</a:t>
+            </a:r>
+            <a:r>
+              <a:rPr lang="en-US" sz="2400" dirty="0">
+                <a:latin typeface="Segoe UI" panose="020B0502040204020203" pitchFamily="34" charset="0"/>
+                <a:cs typeface="Segoe UI" panose="020B0502040204020203" pitchFamily="34" charset="0"/>
+              </a:rPr>
+              <a:t>: </a:t>
+            </a:r>
+            <a:r>
+              <a:rPr lang="en-US" sz="2400" dirty="0">
+                <a:latin typeface="Segoe UI" panose="020B0502040204020203" pitchFamily="34" charset="0"/>
+                <a:cs typeface="Segoe UI" panose="020B0502040204020203" pitchFamily="34" charset="0"/>
+                <a:hlinkClick r:id="rId6"/>
+              </a:rPr>
+              <a:t>https://github.com/uw-labs/bloomrpc/releases</a:t>
+            </a:r>
+            <a:r>
+              <a:rPr lang="en-US" sz="2400" dirty="0">
+                <a:latin typeface="Segoe UI" panose="020B0502040204020203" pitchFamily="34" charset="0"/>
+                <a:cs typeface="Segoe UI" panose="020B0502040204020203" pitchFamily="34" charset="0"/>
+              </a:rPr>
+              <a:t> </a:t>
+            </a:r>
+          </a:p>
+          <a:p>
+            <a:pPr marL="0" indent="0">
+              <a:buNone/>
+            </a:pPr>
+            <a:endParaRPr lang="en-US" sz="2400" dirty="0">
+              <a:latin typeface="Segoe UI" panose="020B0502040204020203" pitchFamily="34" charset="0"/>
+              <a:cs typeface="Segoe UI" panose="020B0502040204020203" pitchFamily="34" charset="0"/>
+            </a:endParaRPr>
+          </a:p>
+        </p:txBody>
+      </p:sp>
     </p:spTree>
     <p:extLst>
       <p:ext uri="{BB962C8B-B14F-4D97-AF65-F5344CB8AC3E}">
-        <p14:creationId xmlns:p14="http://schemas.microsoft.com/office/powerpoint/2010/main" val="2503949774"/>
+        <p14:creationId xmlns:p14="http://schemas.microsoft.com/office/powerpoint/2010/main" val="3863227087"/>
       </p:ext>
     </p:extLst>
   </p:cSld>
@@ -42892,7 +43435,7 @@
                 <a:latin typeface="Segoe UI" panose="020B0502040204020203" pitchFamily="34" charset="0"/>
                 <a:cs typeface="Segoe UI" panose="020B0502040204020203" pitchFamily="34" charset="0"/>
               </a:rPr>
-              <a:t>Standard Template Library</a:t>
+              <a:t>gRPC</a:t>
             </a:r>
           </a:p>
         </p:txBody>
@@ -42973,10 +43516,239 @@
           </a:p>
         </p:txBody>
       </p:sp>
+      <p:sp>
+        <p:nvSpPr>
+          <p:cNvPr id="6" name="Content Placeholder 2">
+            <a:extLst>
+              <a:ext uri="{FF2B5EF4-FFF2-40B4-BE49-F238E27FC236}">
+                <a16:creationId xmlns:a16="http://schemas.microsoft.com/office/drawing/2014/main" id="{C1C427CA-2FB0-4EA6-BD2D-BA02E512EEDE}"/>
+              </a:ext>
+            </a:extLst>
+          </p:cNvPr>
+          <p:cNvSpPr>
+            <a:spLocks noGrp="1"/>
+          </p:cNvSpPr>
+          <p:nvPr>
+            <p:ph idx="1"/>
+          </p:nvPr>
+        </p:nvSpPr>
+        <p:spPr>
+          <a:xfrm>
+            <a:off x="838200" y="1825625"/>
+            <a:ext cx="10515600" cy="4351338"/>
+          </a:xfrm>
+        </p:spPr>
+        <p:txBody>
+          <a:bodyPr>
+            <a:normAutofit/>
+          </a:bodyPr>
+          <a:lstStyle/>
+          <a:p>
+            <a:pPr>
+              <a:buFont typeface="Wingdings" panose="05000000000000000000" pitchFamily="2" charset="2"/>
+              <a:buChar char="§"/>
+            </a:pPr>
+            <a:r>
+              <a:rPr lang="en-US" sz="2400" dirty="0" err="1">
+                <a:latin typeface="Segoe UI" panose="020B0502040204020203" pitchFamily="34" charset="0"/>
+                <a:cs typeface="Segoe UI" panose="020B0502040204020203" pitchFamily="34" charset="0"/>
+              </a:rPr>
+              <a:t>Clonar</a:t>
+            </a:r>
+            <a:r>
+              <a:rPr lang="en-US" sz="2400" dirty="0">
+                <a:latin typeface="Segoe UI" panose="020B0502040204020203" pitchFamily="34" charset="0"/>
+                <a:cs typeface="Segoe UI" panose="020B0502040204020203" pitchFamily="34" charset="0"/>
+              </a:rPr>
+              <a:t> </a:t>
+            </a:r>
+            <a:r>
+              <a:rPr lang="en-US" sz="2400" dirty="0">
+                <a:latin typeface="Segoe UI" panose="020B0502040204020203" pitchFamily="34" charset="0"/>
+                <a:cs typeface="Segoe UI" panose="020B0502040204020203" pitchFamily="34" charset="0"/>
+                <a:hlinkClick r:id="rId3"/>
+              </a:rPr>
+              <a:t>https://github.com/grpc/grpc</a:t>
+            </a:r>
+            <a:r>
+              <a:rPr lang="en-US" sz="2400" dirty="0">
+                <a:latin typeface="Segoe UI" panose="020B0502040204020203" pitchFamily="34" charset="0"/>
+                <a:cs typeface="Segoe UI" panose="020B0502040204020203" pitchFamily="34" charset="0"/>
+              </a:rPr>
+              <a:t> </a:t>
+            </a:r>
+          </a:p>
+          <a:p>
+            <a:pPr>
+              <a:buFont typeface="Wingdings" panose="05000000000000000000" pitchFamily="2" charset="2"/>
+              <a:buChar char="§"/>
+            </a:pPr>
+            <a:endParaRPr lang="en-US" sz="2400" dirty="0">
+              <a:latin typeface="Segoe UI" panose="020B0502040204020203" pitchFamily="34" charset="0"/>
+              <a:cs typeface="Segoe UI" panose="020B0502040204020203" pitchFamily="34" charset="0"/>
+            </a:endParaRPr>
+          </a:p>
+          <a:p>
+            <a:pPr>
+              <a:buFont typeface="Wingdings" panose="05000000000000000000" pitchFamily="2" charset="2"/>
+              <a:buChar char="§"/>
+            </a:pPr>
+            <a:r>
+              <a:rPr lang="en-US" sz="2400" dirty="0" err="1">
+                <a:latin typeface="Segoe UI" panose="020B0502040204020203" pitchFamily="34" charset="0"/>
+                <a:cs typeface="Segoe UI" panose="020B0502040204020203" pitchFamily="34" charset="0"/>
+              </a:rPr>
+              <a:t>Instruções</a:t>
+            </a:r>
+            <a:r>
+              <a:rPr lang="en-US" sz="2400" dirty="0">
+                <a:latin typeface="Segoe UI" panose="020B0502040204020203" pitchFamily="34" charset="0"/>
+                <a:cs typeface="Segoe UI" panose="020B0502040204020203" pitchFamily="34" charset="0"/>
+              </a:rPr>
+              <a:t>: </a:t>
+            </a:r>
+            <a:r>
+              <a:rPr lang="en-US" sz="2400" dirty="0">
+                <a:latin typeface="Segoe UI" panose="020B0502040204020203" pitchFamily="34" charset="0"/>
+                <a:cs typeface="Segoe UI" panose="020B0502040204020203" pitchFamily="34" charset="0"/>
+                <a:hlinkClick r:id="rId4"/>
+              </a:rPr>
+              <a:t>https://grpc.io/docs/languages/cpp/quickstart/</a:t>
+            </a:r>
+            <a:r>
+              <a:rPr lang="en-US" sz="2400" dirty="0">
+                <a:latin typeface="Segoe UI" panose="020B0502040204020203" pitchFamily="34" charset="0"/>
+                <a:cs typeface="Segoe UI" panose="020B0502040204020203" pitchFamily="34" charset="0"/>
+              </a:rPr>
+              <a:t> </a:t>
+            </a:r>
+          </a:p>
+          <a:p>
+            <a:pPr>
+              <a:buFont typeface="Wingdings" panose="05000000000000000000" pitchFamily="2" charset="2"/>
+              <a:buChar char="§"/>
+            </a:pPr>
+            <a:endParaRPr lang="en-US" sz="2400" dirty="0">
+              <a:latin typeface="Segoe UI" panose="020B0502040204020203" pitchFamily="34" charset="0"/>
+              <a:cs typeface="Segoe UI" panose="020B0502040204020203" pitchFamily="34" charset="0"/>
+            </a:endParaRPr>
+          </a:p>
+          <a:p>
+            <a:pPr>
+              <a:buFont typeface="Wingdings" panose="05000000000000000000" pitchFamily="2" charset="2"/>
+              <a:buChar char="§"/>
+            </a:pPr>
+            <a:r>
+              <a:rPr lang="en-US" sz="2400" dirty="0">
+                <a:latin typeface="Segoe UI" panose="020B0502040204020203" pitchFamily="34" charset="0"/>
+                <a:cs typeface="Segoe UI" panose="020B0502040204020203" pitchFamily="34" charset="0"/>
+              </a:rPr>
+              <a:t>Protocol Buffers: </a:t>
+            </a:r>
+            <a:r>
+              <a:rPr lang="en-US" sz="2400" dirty="0">
+                <a:latin typeface="Segoe UI" panose="020B0502040204020203" pitchFamily="34" charset="0"/>
+                <a:cs typeface="Segoe UI" panose="020B0502040204020203" pitchFamily="34" charset="0"/>
+                <a:hlinkClick r:id="rId5"/>
+              </a:rPr>
+              <a:t>https://developers.google.com/protocol-buffers/docs/proto3</a:t>
+            </a:r>
+            <a:r>
+              <a:rPr lang="en-US" sz="2400" dirty="0">
+                <a:latin typeface="Segoe UI" panose="020B0502040204020203" pitchFamily="34" charset="0"/>
+                <a:cs typeface="Segoe UI" panose="020B0502040204020203" pitchFamily="34" charset="0"/>
+              </a:rPr>
+              <a:t> </a:t>
+            </a:r>
+          </a:p>
+          <a:p>
+            <a:pPr>
+              <a:buFont typeface="Wingdings" panose="05000000000000000000" pitchFamily="2" charset="2"/>
+              <a:buChar char="§"/>
+            </a:pPr>
+            <a:endParaRPr lang="en-US" sz="2400" dirty="0">
+              <a:latin typeface="Segoe UI" panose="020B0502040204020203" pitchFamily="34" charset="0"/>
+              <a:cs typeface="Segoe UI" panose="020B0502040204020203" pitchFamily="34" charset="0"/>
+            </a:endParaRPr>
+          </a:p>
+          <a:p>
+            <a:pPr>
+              <a:buFont typeface="Wingdings" panose="05000000000000000000" pitchFamily="2" charset="2"/>
+              <a:buChar char="§"/>
+            </a:pPr>
+            <a:r>
+              <a:rPr lang="en-US" sz="2400" dirty="0" err="1">
+                <a:latin typeface="Segoe UI" panose="020B0502040204020203" pitchFamily="34" charset="0"/>
+                <a:cs typeface="Segoe UI" panose="020B0502040204020203" pitchFamily="34" charset="0"/>
+              </a:rPr>
+              <a:t>Baixar</a:t>
+            </a:r>
+            <a:r>
+              <a:rPr lang="en-US" sz="2400" dirty="0">
+                <a:latin typeface="Segoe UI" panose="020B0502040204020203" pitchFamily="34" charset="0"/>
+                <a:cs typeface="Segoe UI" panose="020B0502040204020203" pitchFamily="34" charset="0"/>
+              </a:rPr>
+              <a:t> </a:t>
+            </a:r>
+            <a:r>
+              <a:rPr lang="en-US" sz="2400" dirty="0" err="1">
+                <a:latin typeface="Segoe UI" panose="020B0502040204020203" pitchFamily="34" charset="0"/>
+                <a:cs typeface="Segoe UI" panose="020B0502040204020203" pitchFamily="34" charset="0"/>
+              </a:rPr>
+              <a:t>cliente</a:t>
+            </a:r>
+            <a:r>
+              <a:rPr lang="en-US" sz="2400" dirty="0">
+                <a:latin typeface="Segoe UI" panose="020B0502040204020203" pitchFamily="34" charset="0"/>
+                <a:cs typeface="Segoe UI" panose="020B0502040204020203" pitchFamily="34" charset="0"/>
+              </a:rPr>
+              <a:t> </a:t>
+            </a:r>
+            <a:r>
+              <a:rPr lang="en-US" sz="2400" dirty="0" err="1">
+                <a:latin typeface="Segoe UI" panose="020B0502040204020203" pitchFamily="34" charset="0"/>
+                <a:cs typeface="Segoe UI" panose="020B0502040204020203" pitchFamily="34" charset="0"/>
+              </a:rPr>
+              <a:t>BloomRPC</a:t>
+            </a:r>
+            <a:r>
+              <a:rPr lang="en-US" sz="2400" dirty="0">
+                <a:latin typeface="Segoe UI" panose="020B0502040204020203" pitchFamily="34" charset="0"/>
+                <a:cs typeface="Segoe UI" panose="020B0502040204020203" pitchFamily="34" charset="0"/>
+              </a:rPr>
+              <a:t>: </a:t>
+            </a:r>
+            <a:r>
+              <a:rPr lang="en-US" sz="2400" dirty="0">
+                <a:latin typeface="Segoe UI" panose="020B0502040204020203" pitchFamily="34" charset="0"/>
+                <a:cs typeface="Segoe UI" panose="020B0502040204020203" pitchFamily="34" charset="0"/>
+                <a:hlinkClick r:id="rId6"/>
+              </a:rPr>
+              <a:t>https://github.com/uw-labs/bloomrpc/releases</a:t>
+            </a:r>
+            <a:r>
+              <a:rPr lang="en-US" sz="2400" dirty="0">
+                <a:latin typeface="Segoe UI" panose="020B0502040204020203" pitchFamily="34" charset="0"/>
+                <a:cs typeface="Segoe UI" panose="020B0502040204020203" pitchFamily="34" charset="0"/>
+              </a:rPr>
+              <a:t> </a:t>
+            </a:r>
+          </a:p>
+          <a:p>
+            <a:pPr marL="0" indent="0">
+              <a:buNone/>
+            </a:pPr>
+            <a:endParaRPr lang="en-US" sz="2400" dirty="0">
+              <a:latin typeface="Segoe UI" panose="020B0502040204020203" pitchFamily="34" charset="0"/>
+              <a:cs typeface="Segoe UI" panose="020B0502040204020203" pitchFamily="34" charset="0"/>
+            </a:endParaRPr>
+          </a:p>
+        </p:txBody>
+      </p:sp>
     </p:spTree>
     <p:extLst>
       <p:ext uri="{BB962C8B-B14F-4D97-AF65-F5344CB8AC3E}">
-        <p14:creationId xmlns:p14="http://schemas.microsoft.com/office/powerpoint/2010/main" val="3506633628"/>
+        <p14:creationId xmlns:p14="http://schemas.microsoft.com/office/powerpoint/2010/main" val="2961880038"/>
       </p:ext>
     </p:extLst>
   </p:cSld>
@@ -43003,46 +43775,12 @@
           <a:chExt cx="0" cy="0"/>
         </a:xfrm>
       </p:grpSpPr>
-      <p:sp>
-        <p:nvSpPr>
-          <p:cNvPr id="2" name="Title 1">
-            <a:extLst>
-              <a:ext uri="{FF2B5EF4-FFF2-40B4-BE49-F238E27FC236}">
-                <a16:creationId xmlns:a16="http://schemas.microsoft.com/office/drawing/2014/main" id="{3681D759-3FEC-433A-94E5-DC6F4F23EF5E}"/>
-              </a:ext>
-            </a:extLst>
-          </p:cNvPr>
-          <p:cNvSpPr>
-            <a:spLocks noGrp="1"/>
-          </p:cNvSpPr>
-          <p:nvPr>
-            <p:ph type="title"/>
-          </p:nvPr>
-        </p:nvSpPr>
-        <p:spPr/>
-        <p:txBody>
-          <a:bodyPr/>
-          <a:lstStyle/>
-          <a:p>
-            <a:r>
-              <a:rPr lang="pt-BR" dirty="0">
-                <a:solidFill>
-                  <a:srgbClr val="00B0F0"/>
-                </a:solidFill>
-                <a:latin typeface="Segoe UI" panose="020B0502040204020203" pitchFamily="34" charset="0"/>
-                <a:cs typeface="Segoe UI" panose="020B0502040204020203" pitchFamily="34" charset="0"/>
-              </a:rPr>
-              <a:t>Containers</a:t>
-            </a:r>
-          </a:p>
-        </p:txBody>
-      </p:sp>
       <p:pic>
         <p:nvPicPr>
-          <p:cNvPr id="10" name="Picture 2" descr="GitHub - isocpp/logos: C++ logos created for isocpp.org">
+          <p:cNvPr id="1026" name="Picture 2" descr="GitHub - isocpp/logos: C++ logos created for isocpp.org">
             <a:extLst>
               <a:ext uri="{FF2B5EF4-FFF2-40B4-BE49-F238E27FC236}">
-                <a16:creationId xmlns:a16="http://schemas.microsoft.com/office/drawing/2014/main" id="{6B7F8B00-6ACA-413F-BF98-5B69C47599E9}"/>
+                <a16:creationId xmlns:a16="http://schemas.microsoft.com/office/drawing/2014/main" id="{A0F21991-30A2-4BF2-84DE-6D66369A1590}"/>
               </a:ext>
             </a:extLst>
           </p:cNvPr>
@@ -43066,8 +43804,8 @@
         </p:blipFill>
         <p:spPr bwMode="auto">
           <a:xfrm>
-            <a:off x="10951233" y="365125"/>
-            <a:ext cx="805134" cy="905069"/>
+            <a:off x="4290025" y="1398864"/>
+            <a:ext cx="3611949" cy="4060271"/>
           </a:xfrm>
           <a:prstGeom prst="rect">
             <a:avLst/>
@@ -43086,10 +43824,10 @@
       </p:pic>
       <p:sp>
         <p:nvSpPr>
-          <p:cNvPr id="4" name="Slide Number Placeholder 3">
+          <p:cNvPr id="2" name="Slide Number Placeholder 1">
             <a:extLst>
               <a:ext uri="{FF2B5EF4-FFF2-40B4-BE49-F238E27FC236}">
-                <a16:creationId xmlns:a16="http://schemas.microsoft.com/office/drawing/2014/main" id="{1FB7980D-6ABC-4A00-8DC8-A167ABC49549}"/>
+                <a16:creationId xmlns:a16="http://schemas.microsoft.com/office/drawing/2014/main" id="{F7D0471A-28BC-4706-950D-1331DB87B3AB}"/>
               </a:ext>
             </a:extLst>
           </p:cNvPr>
@@ -43116,7 +43854,7 @@
     </p:spTree>
     <p:extLst>
       <p:ext uri="{BB962C8B-B14F-4D97-AF65-F5344CB8AC3E}">
-        <p14:creationId xmlns:p14="http://schemas.microsoft.com/office/powerpoint/2010/main" val="2167016015"/>
+        <p14:creationId xmlns:p14="http://schemas.microsoft.com/office/powerpoint/2010/main" val="87002406"/>
       </p:ext>
     </p:extLst>
   </p:cSld>
@@ -43172,7 +43910,7 @@
                 <a:latin typeface="Segoe UI" panose="020B0502040204020203" pitchFamily="34" charset="0"/>
                 <a:cs typeface="Segoe UI" panose="020B0502040204020203" pitchFamily="34" charset="0"/>
               </a:rPr>
-              <a:t>Iterators</a:t>
+              <a:t>Agenda</a:t>
             </a:r>
           </a:p>
         </p:txBody>
@@ -43253,10 +43991,162 @@
           </a:p>
         </p:txBody>
       </p:sp>
+      <p:sp>
+        <p:nvSpPr>
+          <p:cNvPr id="5" name="Content Placeholder 2">
+            <a:extLst>
+              <a:ext uri="{FF2B5EF4-FFF2-40B4-BE49-F238E27FC236}">
+                <a16:creationId xmlns:a16="http://schemas.microsoft.com/office/drawing/2014/main" id="{E8905B48-5B89-478E-B7BC-B0625487F9A1}"/>
+              </a:ext>
+            </a:extLst>
+          </p:cNvPr>
+          <p:cNvSpPr>
+            <a:spLocks noGrp="1"/>
+          </p:cNvSpPr>
+          <p:nvPr>
+            <p:ph idx="1"/>
+          </p:nvPr>
+        </p:nvSpPr>
+        <p:spPr>
+          <a:xfrm>
+            <a:off x="838200" y="1825625"/>
+            <a:ext cx="10515600" cy="4351338"/>
+          </a:xfrm>
+        </p:spPr>
+        <p:txBody>
+          <a:bodyPr>
+            <a:normAutofit/>
+          </a:bodyPr>
+          <a:lstStyle/>
+          <a:p>
+            <a:pPr>
+              <a:buFont typeface="Wingdings" panose="05000000000000000000" pitchFamily="2" charset="2"/>
+              <a:buChar char="§"/>
+            </a:pPr>
+            <a:r>
+              <a:rPr lang="en-US" sz="2400" dirty="0" err="1">
+                <a:latin typeface="Segoe UI" panose="020B0502040204020203" pitchFamily="34" charset="0"/>
+                <a:cs typeface="Segoe UI" panose="020B0502040204020203" pitchFamily="34" charset="0"/>
+              </a:rPr>
+              <a:t>Compilador</a:t>
+            </a:r>
+            <a:r>
+              <a:rPr lang="en-US" sz="2400" dirty="0">
+                <a:latin typeface="Segoe UI" panose="020B0502040204020203" pitchFamily="34" charset="0"/>
+                <a:cs typeface="Segoe UI" panose="020B0502040204020203" pitchFamily="34" charset="0"/>
+              </a:rPr>
+              <a:t> </a:t>
+            </a:r>
+            <a:r>
+              <a:rPr lang="en-US" sz="2400" dirty="0" err="1">
+                <a:latin typeface="Segoe UI" panose="020B0502040204020203" pitchFamily="34" charset="0"/>
+                <a:cs typeface="Segoe UI" panose="020B0502040204020203" pitchFamily="34" charset="0"/>
+              </a:rPr>
+              <a:t>como</a:t>
+            </a:r>
+            <a:r>
+              <a:rPr lang="en-US" sz="2400" dirty="0">
+                <a:latin typeface="Segoe UI" panose="020B0502040204020203" pitchFamily="34" charset="0"/>
+                <a:cs typeface="Segoe UI" panose="020B0502040204020203" pitchFamily="34" charset="0"/>
+              </a:rPr>
+              <a:t> ferramenta de teste</a:t>
+            </a:r>
+          </a:p>
+          <a:p>
+            <a:pPr>
+              <a:buFont typeface="Wingdings" panose="05000000000000000000" pitchFamily="2" charset="2"/>
+              <a:buChar char="§"/>
+            </a:pPr>
+            <a:endParaRPr lang="en-US" sz="2400" dirty="0">
+              <a:latin typeface="Segoe UI" panose="020B0502040204020203" pitchFamily="34" charset="0"/>
+              <a:cs typeface="Segoe UI" panose="020B0502040204020203" pitchFamily="34" charset="0"/>
+            </a:endParaRPr>
+          </a:p>
+          <a:p>
+            <a:pPr>
+              <a:buFont typeface="Wingdings" panose="05000000000000000000" pitchFamily="2" charset="2"/>
+              <a:buChar char="§"/>
+            </a:pPr>
+            <a:r>
+              <a:rPr lang="en-US" sz="2400" dirty="0">
+                <a:latin typeface="Segoe UI" panose="020B0502040204020203" pitchFamily="34" charset="0"/>
+                <a:cs typeface="Segoe UI" panose="020B0502040204020203" pitchFamily="34" charset="0"/>
+              </a:rPr>
+              <a:t>Asserts</a:t>
+            </a:r>
+          </a:p>
+          <a:p>
+            <a:pPr>
+              <a:buFont typeface="Wingdings" panose="05000000000000000000" pitchFamily="2" charset="2"/>
+              <a:buChar char="§"/>
+            </a:pPr>
+            <a:endParaRPr lang="en-US" sz="2400" dirty="0">
+              <a:latin typeface="Segoe UI" panose="020B0502040204020203" pitchFamily="34" charset="0"/>
+              <a:cs typeface="Segoe UI" panose="020B0502040204020203" pitchFamily="34" charset="0"/>
+            </a:endParaRPr>
+          </a:p>
+          <a:p>
+            <a:pPr>
+              <a:buFont typeface="Wingdings" panose="05000000000000000000" pitchFamily="2" charset="2"/>
+              <a:buChar char="§"/>
+            </a:pPr>
+            <a:r>
+              <a:rPr lang="en-US" sz="2400" dirty="0">
+                <a:latin typeface="Segoe UI" panose="020B0502040204020203" pitchFamily="34" charset="0"/>
+                <a:cs typeface="Segoe UI" panose="020B0502040204020203" pitchFamily="34" charset="0"/>
+              </a:rPr>
+              <a:t>Testes </a:t>
+            </a:r>
+            <a:r>
+              <a:rPr lang="en-US" sz="2400" dirty="0" err="1">
+                <a:latin typeface="Segoe UI" panose="020B0502040204020203" pitchFamily="34" charset="0"/>
+                <a:cs typeface="Segoe UI" panose="020B0502040204020203" pitchFamily="34" charset="0"/>
+              </a:rPr>
+              <a:t>Unitários</a:t>
+            </a:r>
+            <a:endParaRPr lang="en-US" sz="2400" dirty="0">
+              <a:latin typeface="Segoe UI" panose="020B0502040204020203" pitchFamily="34" charset="0"/>
+              <a:cs typeface="Segoe UI" panose="020B0502040204020203" pitchFamily="34" charset="0"/>
+            </a:endParaRPr>
+          </a:p>
+          <a:p>
+            <a:pPr>
+              <a:buFont typeface="Wingdings" panose="05000000000000000000" pitchFamily="2" charset="2"/>
+              <a:buChar char="§"/>
+            </a:pPr>
+            <a:endParaRPr lang="en-US" sz="2400" dirty="0">
+              <a:latin typeface="Segoe UI" panose="020B0502040204020203" pitchFamily="34" charset="0"/>
+              <a:cs typeface="Segoe UI" panose="020B0502040204020203" pitchFamily="34" charset="0"/>
+            </a:endParaRPr>
+          </a:p>
+          <a:p>
+            <a:pPr>
+              <a:buFont typeface="Wingdings" panose="05000000000000000000" pitchFamily="2" charset="2"/>
+              <a:buChar char="§"/>
+            </a:pPr>
+            <a:r>
+              <a:rPr lang="en-US" sz="2400" dirty="0">
+                <a:latin typeface="Segoe UI" panose="020B0502040204020203" pitchFamily="34" charset="0"/>
+                <a:cs typeface="Segoe UI" panose="020B0502040204020203" pitchFamily="34" charset="0"/>
+              </a:rPr>
+              <a:t>Catch2</a:t>
+            </a:r>
+          </a:p>
+          <a:p>
+            <a:pPr marL="0" indent="0">
+              <a:buNone/>
+            </a:pPr>
+            <a:endParaRPr lang="en-US" sz="2400" dirty="0">
+              <a:latin typeface="Segoe UI" panose="020B0502040204020203" pitchFamily="34" charset="0"/>
+              <a:cs typeface="Segoe UI" panose="020B0502040204020203" pitchFamily="34" charset="0"/>
+            </a:endParaRPr>
+          </a:p>
+        </p:txBody>
+      </p:sp>
     </p:spTree>
     <p:extLst>
       <p:ext uri="{BB962C8B-B14F-4D97-AF65-F5344CB8AC3E}">
-        <p14:creationId xmlns:p14="http://schemas.microsoft.com/office/powerpoint/2010/main" val="4245057799"/>
+        <p14:creationId xmlns:p14="http://schemas.microsoft.com/office/powerpoint/2010/main" val="4190027094"/>
       </p:ext>
     </p:extLst>
   </p:cSld>
@@ -43312,7 +44202,7 @@
                 <a:latin typeface="Segoe UI" panose="020B0502040204020203" pitchFamily="34" charset="0"/>
                 <a:cs typeface="Segoe UI" panose="020B0502040204020203" pitchFamily="34" charset="0"/>
               </a:rPr>
-              <a:t>Ranges</a:t>
+              <a:t>Compilador como ferramenta de teste</a:t>
             </a:r>
           </a:p>
         </p:txBody>
@@ -43393,10 +44283,169 @@
           </a:p>
         </p:txBody>
       </p:sp>
+      <p:sp>
+        <p:nvSpPr>
+          <p:cNvPr id="5" name="Content Placeholder 2">
+            <a:extLst>
+              <a:ext uri="{FF2B5EF4-FFF2-40B4-BE49-F238E27FC236}">
+                <a16:creationId xmlns:a16="http://schemas.microsoft.com/office/drawing/2014/main" id="{E8905B48-5B89-478E-B7BC-B0625487F9A1}"/>
+              </a:ext>
+            </a:extLst>
+          </p:cNvPr>
+          <p:cNvSpPr>
+            <a:spLocks noGrp="1"/>
+          </p:cNvSpPr>
+          <p:nvPr>
+            <p:ph idx="1"/>
+          </p:nvPr>
+        </p:nvSpPr>
+        <p:spPr>
+          <a:xfrm>
+            <a:off x="838200" y="1825625"/>
+            <a:ext cx="10515600" cy="4351338"/>
+          </a:xfrm>
+        </p:spPr>
+        <p:txBody>
+          <a:bodyPr>
+            <a:normAutofit/>
+          </a:bodyPr>
+          <a:lstStyle/>
+          <a:p>
+            <a:pPr>
+              <a:buFont typeface="Wingdings" panose="05000000000000000000" pitchFamily="2" charset="2"/>
+              <a:buChar char="§"/>
+            </a:pPr>
+            <a:r>
+              <a:rPr lang="en-US" sz="2400" dirty="0" err="1">
+                <a:latin typeface="Segoe UI" panose="020B0502040204020203" pitchFamily="34" charset="0"/>
+                <a:cs typeface="Segoe UI" panose="020B0502040204020203" pitchFamily="34" charset="0"/>
+              </a:rPr>
+              <a:t>Erros</a:t>
+            </a:r>
+            <a:r>
+              <a:rPr lang="en-US" sz="2400" dirty="0">
+                <a:latin typeface="Segoe UI" panose="020B0502040204020203" pitchFamily="34" charset="0"/>
+                <a:cs typeface="Segoe UI" panose="020B0502040204020203" pitchFamily="34" charset="0"/>
+              </a:rPr>
+              <a:t> de </a:t>
+            </a:r>
+            <a:r>
+              <a:rPr lang="en-US" sz="2400" dirty="0" err="1">
+                <a:latin typeface="Segoe UI" panose="020B0502040204020203" pitchFamily="34" charset="0"/>
+                <a:cs typeface="Segoe UI" panose="020B0502040204020203" pitchFamily="34" charset="0"/>
+              </a:rPr>
+              <a:t>compilação</a:t>
+            </a:r>
+            <a:endParaRPr lang="en-US" sz="2400" dirty="0">
+              <a:latin typeface="Segoe UI" panose="020B0502040204020203" pitchFamily="34" charset="0"/>
+              <a:cs typeface="Segoe UI" panose="020B0502040204020203" pitchFamily="34" charset="0"/>
+            </a:endParaRPr>
+          </a:p>
+          <a:p>
+            <a:pPr>
+              <a:buFont typeface="Wingdings" panose="05000000000000000000" pitchFamily="2" charset="2"/>
+              <a:buChar char="§"/>
+            </a:pPr>
+            <a:endParaRPr lang="en-US" sz="2400" dirty="0">
+              <a:latin typeface="Segoe UI" panose="020B0502040204020203" pitchFamily="34" charset="0"/>
+              <a:cs typeface="Segoe UI" panose="020B0502040204020203" pitchFamily="34" charset="0"/>
+            </a:endParaRPr>
+          </a:p>
+          <a:p>
+            <a:pPr>
+              <a:buFont typeface="Wingdings" panose="05000000000000000000" pitchFamily="2" charset="2"/>
+              <a:buChar char="§"/>
+            </a:pPr>
+            <a:r>
+              <a:rPr lang="en-US" sz="2400" dirty="0">
+                <a:latin typeface="Segoe UI" panose="020B0502040204020203" pitchFamily="34" charset="0"/>
+                <a:cs typeface="Segoe UI" panose="020B0502040204020203" pitchFamily="34" charset="0"/>
+              </a:rPr>
+              <a:t>Warnings</a:t>
+            </a:r>
+          </a:p>
+          <a:p>
+            <a:pPr>
+              <a:buFont typeface="Wingdings" panose="05000000000000000000" pitchFamily="2" charset="2"/>
+              <a:buChar char="§"/>
+            </a:pPr>
+            <a:endParaRPr lang="en-US" sz="2400" dirty="0">
+              <a:latin typeface="Segoe UI" panose="020B0502040204020203" pitchFamily="34" charset="0"/>
+              <a:cs typeface="Segoe UI" panose="020B0502040204020203" pitchFamily="34" charset="0"/>
+            </a:endParaRPr>
+          </a:p>
+          <a:p>
+            <a:pPr>
+              <a:buFont typeface="Wingdings" panose="05000000000000000000" pitchFamily="2" charset="2"/>
+              <a:buChar char="§"/>
+            </a:pPr>
+            <a:r>
+              <a:rPr lang="en-US" sz="2400" dirty="0">
+                <a:latin typeface="Segoe UI" panose="020B0502040204020203" pitchFamily="34" charset="0"/>
+                <a:cs typeface="Segoe UI" panose="020B0502040204020203" pitchFamily="34" charset="0"/>
+              </a:rPr>
+              <a:t>Static Assert</a:t>
+            </a:r>
+          </a:p>
+          <a:p>
+            <a:pPr>
+              <a:buFont typeface="Wingdings" panose="05000000000000000000" pitchFamily="2" charset="2"/>
+              <a:buChar char="§"/>
+            </a:pPr>
+            <a:endParaRPr lang="en-US" sz="2400" dirty="0">
+              <a:latin typeface="Segoe UI" panose="020B0502040204020203" pitchFamily="34" charset="0"/>
+              <a:cs typeface="Segoe UI" panose="020B0502040204020203" pitchFamily="34" charset="0"/>
+            </a:endParaRPr>
+          </a:p>
+          <a:p>
+            <a:pPr>
+              <a:buFont typeface="Wingdings" panose="05000000000000000000" pitchFamily="2" charset="2"/>
+              <a:buChar char="§"/>
+            </a:pPr>
+            <a:r>
+              <a:rPr lang="en-US" sz="2400" dirty="0" err="1">
+                <a:latin typeface="Segoe UI" panose="020B0502040204020203" pitchFamily="34" charset="0"/>
+                <a:cs typeface="Segoe UI" panose="020B0502040204020203" pitchFamily="34" charset="0"/>
+              </a:rPr>
+              <a:t>Análise</a:t>
+            </a:r>
+            <a:r>
+              <a:rPr lang="en-US" sz="2400" dirty="0">
+                <a:latin typeface="Segoe UI" panose="020B0502040204020203" pitchFamily="34" charset="0"/>
+                <a:cs typeface="Segoe UI" panose="020B0502040204020203" pitchFamily="34" charset="0"/>
+              </a:rPr>
+              <a:t> </a:t>
+            </a:r>
+            <a:r>
+              <a:rPr lang="en-US" sz="2400" dirty="0" err="1">
+                <a:latin typeface="Segoe UI" panose="020B0502040204020203" pitchFamily="34" charset="0"/>
+                <a:cs typeface="Segoe UI" panose="020B0502040204020203" pitchFamily="34" charset="0"/>
+              </a:rPr>
+              <a:t>Estática</a:t>
+            </a:r>
+            <a:r>
+              <a:rPr lang="en-US" sz="2400" dirty="0">
+                <a:latin typeface="Segoe UI" panose="020B0502040204020203" pitchFamily="34" charset="0"/>
+                <a:cs typeface="Segoe UI" panose="020B0502040204020203" pitchFamily="34" charset="0"/>
+              </a:rPr>
+              <a:t> de Código</a:t>
+            </a:r>
+          </a:p>
+          <a:p>
+            <a:pPr marL="0" indent="0">
+              <a:buNone/>
+            </a:pPr>
+            <a:endParaRPr lang="en-US" sz="2400" dirty="0">
+              <a:latin typeface="Segoe UI" panose="020B0502040204020203" pitchFamily="34" charset="0"/>
+              <a:cs typeface="Segoe UI" panose="020B0502040204020203" pitchFamily="34" charset="0"/>
+            </a:endParaRPr>
+          </a:p>
+        </p:txBody>
+      </p:sp>
     </p:spTree>
     <p:extLst>
       <p:ext uri="{BB962C8B-B14F-4D97-AF65-F5344CB8AC3E}">
-        <p14:creationId xmlns:p14="http://schemas.microsoft.com/office/powerpoint/2010/main" val="759493610"/>
+        <p14:creationId xmlns:p14="http://schemas.microsoft.com/office/powerpoint/2010/main" val="3293750547"/>
       </p:ext>
     </p:extLst>
   </p:cSld>
@@ -43452,7 +44501,7 @@
                 <a:latin typeface="Segoe UI" panose="020B0502040204020203" pitchFamily="34" charset="0"/>
                 <a:cs typeface="Segoe UI" panose="020B0502040204020203" pitchFamily="34" charset="0"/>
               </a:rPr>
-              <a:t>Algorithms</a:t>
+              <a:t>Asserts</a:t>
             </a:r>
           </a:p>
         </p:txBody>
@@ -43533,10 +44582,169 @@
           </a:p>
         </p:txBody>
       </p:sp>
+      <p:sp>
+        <p:nvSpPr>
+          <p:cNvPr id="5" name="Content Placeholder 2">
+            <a:extLst>
+              <a:ext uri="{FF2B5EF4-FFF2-40B4-BE49-F238E27FC236}">
+                <a16:creationId xmlns:a16="http://schemas.microsoft.com/office/drawing/2014/main" id="{E8905B48-5B89-478E-B7BC-B0625487F9A1}"/>
+              </a:ext>
+            </a:extLst>
+          </p:cNvPr>
+          <p:cNvSpPr>
+            <a:spLocks noGrp="1"/>
+          </p:cNvSpPr>
+          <p:nvPr>
+            <p:ph idx="1"/>
+          </p:nvPr>
+        </p:nvSpPr>
+        <p:spPr>
+          <a:xfrm>
+            <a:off x="838200" y="1825625"/>
+            <a:ext cx="10515600" cy="4351338"/>
+          </a:xfrm>
+        </p:spPr>
+        <p:txBody>
+          <a:bodyPr>
+            <a:normAutofit/>
+          </a:bodyPr>
+          <a:lstStyle/>
+          <a:p>
+            <a:pPr>
+              <a:buFont typeface="Wingdings" panose="05000000000000000000" pitchFamily="2" charset="2"/>
+              <a:buChar char="§"/>
+            </a:pPr>
+            <a:r>
+              <a:rPr lang="en-US" sz="2400" dirty="0" err="1">
+                <a:latin typeface="Segoe UI" panose="020B0502040204020203" pitchFamily="34" charset="0"/>
+                <a:cs typeface="Segoe UI" panose="020B0502040204020203" pitchFamily="34" charset="0"/>
+              </a:rPr>
+              <a:t>Erros</a:t>
+            </a:r>
+            <a:r>
+              <a:rPr lang="en-US" sz="2400" dirty="0">
+                <a:latin typeface="Segoe UI" panose="020B0502040204020203" pitchFamily="34" charset="0"/>
+                <a:cs typeface="Segoe UI" panose="020B0502040204020203" pitchFamily="34" charset="0"/>
+              </a:rPr>
+              <a:t> de </a:t>
+            </a:r>
+            <a:r>
+              <a:rPr lang="en-US" sz="2400" dirty="0" err="1">
+                <a:latin typeface="Segoe UI" panose="020B0502040204020203" pitchFamily="34" charset="0"/>
+                <a:cs typeface="Segoe UI" panose="020B0502040204020203" pitchFamily="34" charset="0"/>
+              </a:rPr>
+              <a:t>compilação</a:t>
+            </a:r>
+            <a:endParaRPr lang="en-US" sz="2400" dirty="0">
+              <a:latin typeface="Segoe UI" panose="020B0502040204020203" pitchFamily="34" charset="0"/>
+              <a:cs typeface="Segoe UI" panose="020B0502040204020203" pitchFamily="34" charset="0"/>
+            </a:endParaRPr>
+          </a:p>
+          <a:p>
+            <a:pPr>
+              <a:buFont typeface="Wingdings" panose="05000000000000000000" pitchFamily="2" charset="2"/>
+              <a:buChar char="§"/>
+            </a:pPr>
+            <a:endParaRPr lang="en-US" sz="2400" dirty="0">
+              <a:latin typeface="Segoe UI" panose="020B0502040204020203" pitchFamily="34" charset="0"/>
+              <a:cs typeface="Segoe UI" panose="020B0502040204020203" pitchFamily="34" charset="0"/>
+            </a:endParaRPr>
+          </a:p>
+          <a:p>
+            <a:pPr>
+              <a:buFont typeface="Wingdings" panose="05000000000000000000" pitchFamily="2" charset="2"/>
+              <a:buChar char="§"/>
+            </a:pPr>
+            <a:r>
+              <a:rPr lang="en-US" sz="2400" dirty="0">
+                <a:latin typeface="Segoe UI" panose="020B0502040204020203" pitchFamily="34" charset="0"/>
+                <a:cs typeface="Segoe UI" panose="020B0502040204020203" pitchFamily="34" charset="0"/>
+              </a:rPr>
+              <a:t>Warnings</a:t>
+            </a:r>
+          </a:p>
+          <a:p>
+            <a:pPr>
+              <a:buFont typeface="Wingdings" panose="05000000000000000000" pitchFamily="2" charset="2"/>
+              <a:buChar char="§"/>
+            </a:pPr>
+            <a:endParaRPr lang="en-US" sz="2400" dirty="0">
+              <a:latin typeface="Segoe UI" panose="020B0502040204020203" pitchFamily="34" charset="0"/>
+              <a:cs typeface="Segoe UI" panose="020B0502040204020203" pitchFamily="34" charset="0"/>
+            </a:endParaRPr>
+          </a:p>
+          <a:p>
+            <a:pPr>
+              <a:buFont typeface="Wingdings" panose="05000000000000000000" pitchFamily="2" charset="2"/>
+              <a:buChar char="§"/>
+            </a:pPr>
+            <a:r>
+              <a:rPr lang="en-US" sz="2400" dirty="0">
+                <a:latin typeface="Segoe UI" panose="020B0502040204020203" pitchFamily="34" charset="0"/>
+                <a:cs typeface="Segoe UI" panose="020B0502040204020203" pitchFamily="34" charset="0"/>
+              </a:rPr>
+              <a:t>Static Assert</a:t>
+            </a:r>
+          </a:p>
+          <a:p>
+            <a:pPr>
+              <a:buFont typeface="Wingdings" panose="05000000000000000000" pitchFamily="2" charset="2"/>
+              <a:buChar char="§"/>
+            </a:pPr>
+            <a:endParaRPr lang="en-US" sz="2400" dirty="0">
+              <a:latin typeface="Segoe UI" panose="020B0502040204020203" pitchFamily="34" charset="0"/>
+              <a:cs typeface="Segoe UI" panose="020B0502040204020203" pitchFamily="34" charset="0"/>
+            </a:endParaRPr>
+          </a:p>
+          <a:p>
+            <a:pPr>
+              <a:buFont typeface="Wingdings" panose="05000000000000000000" pitchFamily="2" charset="2"/>
+              <a:buChar char="§"/>
+            </a:pPr>
+            <a:r>
+              <a:rPr lang="en-US" sz="2400" dirty="0" err="1">
+                <a:latin typeface="Segoe UI" panose="020B0502040204020203" pitchFamily="34" charset="0"/>
+                <a:cs typeface="Segoe UI" panose="020B0502040204020203" pitchFamily="34" charset="0"/>
+              </a:rPr>
+              <a:t>Análise</a:t>
+            </a:r>
+            <a:r>
+              <a:rPr lang="en-US" sz="2400" dirty="0">
+                <a:latin typeface="Segoe UI" panose="020B0502040204020203" pitchFamily="34" charset="0"/>
+                <a:cs typeface="Segoe UI" panose="020B0502040204020203" pitchFamily="34" charset="0"/>
+              </a:rPr>
+              <a:t> </a:t>
+            </a:r>
+            <a:r>
+              <a:rPr lang="en-US" sz="2400" dirty="0" err="1">
+                <a:latin typeface="Segoe UI" panose="020B0502040204020203" pitchFamily="34" charset="0"/>
+                <a:cs typeface="Segoe UI" panose="020B0502040204020203" pitchFamily="34" charset="0"/>
+              </a:rPr>
+              <a:t>Estática</a:t>
+            </a:r>
+            <a:r>
+              <a:rPr lang="en-US" sz="2400" dirty="0">
+                <a:latin typeface="Segoe UI" panose="020B0502040204020203" pitchFamily="34" charset="0"/>
+                <a:cs typeface="Segoe UI" panose="020B0502040204020203" pitchFamily="34" charset="0"/>
+              </a:rPr>
+              <a:t> de Código</a:t>
+            </a:r>
+          </a:p>
+          <a:p>
+            <a:pPr marL="0" indent="0">
+              <a:buNone/>
+            </a:pPr>
+            <a:endParaRPr lang="en-US" sz="2400" dirty="0">
+              <a:latin typeface="Segoe UI" panose="020B0502040204020203" pitchFamily="34" charset="0"/>
+              <a:cs typeface="Segoe UI" panose="020B0502040204020203" pitchFamily="34" charset="0"/>
+            </a:endParaRPr>
+          </a:p>
+        </p:txBody>
+      </p:sp>
     </p:spTree>
     <p:extLst>
       <p:ext uri="{BB962C8B-B14F-4D97-AF65-F5344CB8AC3E}">
-        <p14:creationId xmlns:p14="http://schemas.microsoft.com/office/powerpoint/2010/main" val="2698399529"/>
+        <p14:creationId xmlns:p14="http://schemas.microsoft.com/office/powerpoint/2010/main" val="739421129"/>
       </p:ext>
     </p:extLst>
   </p:cSld>
@@ -43999,7 +45207,7 @@
                 <a:latin typeface="Segoe UI" panose="020B0502040204020203" pitchFamily="34" charset="0"/>
                 <a:cs typeface="Segoe UI" panose="020B0502040204020203" pitchFamily="34" charset="0"/>
               </a:rPr>
-              <a:t>Exceptions</a:t>
+              <a:t>Testes Unitários</a:t>
             </a:r>
           </a:p>
         </p:txBody>
@@ -44080,10 +45288,169 @@
           </a:p>
         </p:txBody>
       </p:sp>
+      <p:sp>
+        <p:nvSpPr>
+          <p:cNvPr id="5" name="Content Placeholder 2">
+            <a:extLst>
+              <a:ext uri="{FF2B5EF4-FFF2-40B4-BE49-F238E27FC236}">
+                <a16:creationId xmlns:a16="http://schemas.microsoft.com/office/drawing/2014/main" id="{E8905B48-5B89-478E-B7BC-B0625487F9A1}"/>
+              </a:ext>
+            </a:extLst>
+          </p:cNvPr>
+          <p:cNvSpPr>
+            <a:spLocks noGrp="1"/>
+          </p:cNvSpPr>
+          <p:nvPr>
+            <p:ph idx="1"/>
+          </p:nvPr>
+        </p:nvSpPr>
+        <p:spPr>
+          <a:xfrm>
+            <a:off x="838200" y="1825625"/>
+            <a:ext cx="10515600" cy="4351338"/>
+          </a:xfrm>
+        </p:spPr>
+        <p:txBody>
+          <a:bodyPr>
+            <a:normAutofit/>
+          </a:bodyPr>
+          <a:lstStyle/>
+          <a:p>
+            <a:pPr>
+              <a:buFont typeface="Wingdings" panose="05000000000000000000" pitchFamily="2" charset="2"/>
+              <a:buChar char="§"/>
+            </a:pPr>
+            <a:r>
+              <a:rPr lang="en-US" sz="2400" dirty="0" err="1">
+                <a:latin typeface="Segoe UI" panose="020B0502040204020203" pitchFamily="34" charset="0"/>
+                <a:cs typeface="Segoe UI" panose="020B0502040204020203" pitchFamily="34" charset="0"/>
+              </a:rPr>
+              <a:t>Erros</a:t>
+            </a:r>
+            <a:r>
+              <a:rPr lang="en-US" sz="2400" dirty="0">
+                <a:latin typeface="Segoe UI" panose="020B0502040204020203" pitchFamily="34" charset="0"/>
+                <a:cs typeface="Segoe UI" panose="020B0502040204020203" pitchFamily="34" charset="0"/>
+              </a:rPr>
+              <a:t> de </a:t>
+            </a:r>
+            <a:r>
+              <a:rPr lang="en-US" sz="2400" dirty="0" err="1">
+                <a:latin typeface="Segoe UI" panose="020B0502040204020203" pitchFamily="34" charset="0"/>
+                <a:cs typeface="Segoe UI" panose="020B0502040204020203" pitchFamily="34" charset="0"/>
+              </a:rPr>
+              <a:t>compilação</a:t>
+            </a:r>
+            <a:endParaRPr lang="en-US" sz="2400" dirty="0">
+              <a:latin typeface="Segoe UI" panose="020B0502040204020203" pitchFamily="34" charset="0"/>
+              <a:cs typeface="Segoe UI" panose="020B0502040204020203" pitchFamily="34" charset="0"/>
+            </a:endParaRPr>
+          </a:p>
+          <a:p>
+            <a:pPr>
+              <a:buFont typeface="Wingdings" panose="05000000000000000000" pitchFamily="2" charset="2"/>
+              <a:buChar char="§"/>
+            </a:pPr>
+            <a:endParaRPr lang="en-US" sz="2400" dirty="0">
+              <a:latin typeface="Segoe UI" panose="020B0502040204020203" pitchFamily="34" charset="0"/>
+              <a:cs typeface="Segoe UI" panose="020B0502040204020203" pitchFamily="34" charset="0"/>
+            </a:endParaRPr>
+          </a:p>
+          <a:p>
+            <a:pPr>
+              <a:buFont typeface="Wingdings" panose="05000000000000000000" pitchFamily="2" charset="2"/>
+              <a:buChar char="§"/>
+            </a:pPr>
+            <a:r>
+              <a:rPr lang="en-US" sz="2400" dirty="0">
+                <a:latin typeface="Segoe UI" panose="020B0502040204020203" pitchFamily="34" charset="0"/>
+                <a:cs typeface="Segoe UI" panose="020B0502040204020203" pitchFamily="34" charset="0"/>
+              </a:rPr>
+              <a:t>Warnings</a:t>
+            </a:r>
+          </a:p>
+          <a:p>
+            <a:pPr>
+              <a:buFont typeface="Wingdings" panose="05000000000000000000" pitchFamily="2" charset="2"/>
+              <a:buChar char="§"/>
+            </a:pPr>
+            <a:endParaRPr lang="en-US" sz="2400" dirty="0">
+              <a:latin typeface="Segoe UI" panose="020B0502040204020203" pitchFamily="34" charset="0"/>
+              <a:cs typeface="Segoe UI" panose="020B0502040204020203" pitchFamily="34" charset="0"/>
+            </a:endParaRPr>
+          </a:p>
+          <a:p>
+            <a:pPr>
+              <a:buFont typeface="Wingdings" panose="05000000000000000000" pitchFamily="2" charset="2"/>
+              <a:buChar char="§"/>
+            </a:pPr>
+            <a:r>
+              <a:rPr lang="en-US" sz="2400" dirty="0">
+                <a:latin typeface="Segoe UI" panose="020B0502040204020203" pitchFamily="34" charset="0"/>
+                <a:cs typeface="Segoe UI" panose="020B0502040204020203" pitchFamily="34" charset="0"/>
+              </a:rPr>
+              <a:t>Static Assert</a:t>
+            </a:r>
+          </a:p>
+          <a:p>
+            <a:pPr>
+              <a:buFont typeface="Wingdings" panose="05000000000000000000" pitchFamily="2" charset="2"/>
+              <a:buChar char="§"/>
+            </a:pPr>
+            <a:endParaRPr lang="en-US" sz="2400" dirty="0">
+              <a:latin typeface="Segoe UI" panose="020B0502040204020203" pitchFamily="34" charset="0"/>
+              <a:cs typeface="Segoe UI" panose="020B0502040204020203" pitchFamily="34" charset="0"/>
+            </a:endParaRPr>
+          </a:p>
+          <a:p>
+            <a:pPr>
+              <a:buFont typeface="Wingdings" panose="05000000000000000000" pitchFamily="2" charset="2"/>
+              <a:buChar char="§"/>
+            </a:pPr>
+            <a:r>
+              <a:rPr lang="en-US" sz="2400" dirty="0" err="1">
+                <a:latin typeface="Segoe UI" panose="020B0502040204020203" pitchFamily="34" charset="0"/>
+                <a:cs typeface="Segoe UI" panose="020B0502040204020203" pitchFamily="34" charset="0"/>
+              </a:rPr>
+              <a:t>Análise</a:t>
+            </a:r>
+            <a:r>
+              <a:rPr lang="en-US" sz="2400" dirty="0">
+                <a:latin typeface="Segoe UI" panose="020B0502040204020203" pitchFamily="34" charset="0"/>
+                <a:cs typeface="Segoe UI" panose="020B0502040204020203" pitchFamily="34" charset="0"/>
+              </a:rPr>
+              <a:t> </a:t>
+            </a:r>
+            <a:r>
+              <a:rPr lang="en-US" sz="2400" dirty="0" err="1">
+                <a:latin typeface="Segoe UI" panose="020B0502040204020203" pitchFamily="34" charset="0"/>
+                <a:cs typeface="Segoe UI" panose="020B0502040204020203" pitchFamily="34" charset="0"/>
+              </a:rPr>
+              <a:t>Estática</a:t>
+            </a:r>
+            <a:r>
+              <a:rPr lang="en-US" sz="2400" dirty="0">
+                <a:latin typeface="Segoe UI" panose="020B0502040204020203" pitchFamily="34" charset="0"/>
+                <a:cs typeface="Segoe UI" panose="020B0502040204020203" pitchFamily="34" charset="0"/>
+              </a:rPr>
+              <a:t> de Código</a:t>
+            </a:r>
+          </a:p>
+          <a:p>
+            <a:pPr marL="0" indent="0">
+              <a:buNone/>
+            </a:pPr>
+            <a:endParaRPr lang="en-US" sz="2400" dirty="0">
+              <a:latin typeface="Segoe UI" panose="020B0502040204020203" pitchFamily="34" charset="0"/>
+              <a:cs typeface="Segoe UI" panose="020B0502040204020203" pitchFamily="34" charset="0"/>
+            </a:endParaRPr>
+          </a:p>
+        </p:txBody>
+      </p:sp>
     </p:spTree>
     <p:extLst>
       <p:ext uri="{BB962C8B-B14F-4D97-AF65-F5344CB8AC3E}">
-        <p14:creationId xmlns:p14="http://schemas.microsoft.com/office/powerpoint/2010/main" val="932889925"/>
+        <p14:creationId xmlns:p14="http://schemas.microsoft.com/office/powerpoint/2010/main" val="2109157306"/>
       </p:ext>
     </p:extLst>
   </p:cSld>
@@ -44139,7 +45506,7 @@
                 <a:latin typeface="Segoe UI" panose="020B0502040204020203" pitchFamily="34" charset="0"/>
                 <a:cs typeface="Segoe UI" panose="020B0502040204020203" pitchFamily="34" charset="0"/>
               </a:rPr>
-              <a:t>Constructors</a:t>
+              <a:t>Catch2</a:t>
             </a:r>
           </a:p>
         </p:txBody>
@@ -44220,10 +45587,169 @@
           </a:p>
         </p:txBody>
       </p:sp>
+      <p:sp>
+        <p:nvSpPr>
+          <p:cNvPr id="5" name="Content Placeholder 2">
+            <a:extLst>
+              <a:ext uri="{FF2B5EF4-FFF2-40B4-BE49-F238E27FC236}">
+                <a16:creationId xmlns:a16="http://schemas.microsoft.com/office/drawing/2014/main" id="{E8905B48-5B89-478E-B7BC-B0625487F9A1}"/>
+              </a:ext>
+            </a:extLst>
+          </p:cNvPr>
+          <p:cNvSpPr>
+            <a:spLocks noGrp="1"/>
+          </p:cNvSpPr>
+          <p:nvPr>
+            <p:ph idx="1"/>
+          </p:nvPr>
+        </p:nvSpPr>
+        <p:spPr>
+          <a:xfrm>
+            <a:off x="838200" y="1825625"/>
+            <a:ext cx="10515600" cy="4351338"/>
+          </a:xfrm>
+        </p:spPr>
+        <p:txBody>
+          <a:bodyPr>
+            <a:normAutofit/>
+          </a:bodyPr>
+          <a:lstStyle/>
+          <a:p>
+            <a:pPr>
+              <a:buFont typeface="Wingdings" panose="05000000000000000000" pitchFamily="2" charset="2"/>
+              <a:buChar char="§"/>
+            </a:pPr>
+            <a:r>
+              <a:rPr lang="en-US" sz="2400" dirty="0" err="1">
+                <a:latin typeface="Segoe UI" panose="020B0502040204020203" pitchFamily="34" charset="0"/>
+                <a:cs typeface="Segoe UI" panose="020B0502040204020203" pitchFamily="34" charset="0"/>
+              </a:rPr>
+              <a:t>Erros</a:t>
+            </a:r>
+            <a:r>
+              <a:rPr lang="en-US" sz="2400" dirty="0">
+                <a:latin typeface="Segoe UI" panose="020B0502040204020203" pitchFamily="34" charset="0"/>
+                <a:cs typeface="Segoe UI" panose="020B0502040204020203" pitchFamily="34" charset="0"/>
+              </a:rPr>
+              <a:t> de </a:t>
+            </a:r>
+            <a:r>
+              <a:rPr lang="en-US" sz="2400" dirty="0" err="1">
+                <a:latin typeface="Segoe UI" panose="020B0502040204020203" pitchFamily="34" charset="0"/>
+                <a:cs typeface="Segoe UI" panose="020B0502040204020203" pitchFamily="34" charset="0"/>
+              </a:rPr>
+              <a:t>compilação</a:t>
+            </a:r>
+            <a:endParaRPr lang="en-US" sz="2400" dirty="0">
+              <a:latin typeface="Segoe UI" panose="020B0502040204020203" pitchFamily="34" charset="0"/>
+              <a:cs typeface="Segoe UI" panose="020B0502040204020203" pitchFamily="34" charset="0"/>
+            </a:endParaRPr>
+          </a:p>
+          <a:p>
+            <a:pPr>
+              <a:buFont typeface="Wingdings" panose="05000000000000000000" pitchFamily="2" charset="2"/>
+              <a:buChar char="§"/>
+            </a:pPr>
+            <a:endParaRPr lang="en-US" sz="2400" dirty="0">
+              <a:latin typeface="Segoe UI" panose="020B0502040204020203" pitchFamily="34" charset="0"/>
+              <a:cs typeface="Segoe UI" panose="020B0502040204020203" pitchFamily="34" charset="0"/>
+            </a:endParaRPr>
+          </a:p>
+          <a:p>
+            <a:pPr>
+              <a:buFont typeface="Wingdings" panose="05000000000000000000" pitchFamily="2" charset="2"/>
+              <a:buChar char="§"/>
+            </a:pPr>
+            <a:r>
+              <a:rPr lang="en-US" sz="2400" dirty="0">
+                <a:latin typeface="Segoe UI" panose="020B0502040204020203" pitchFamily="34" charset="0"/>
+                <a:cs typeface="Segoe UI" panose="020B0502040204020203" pitchFamily="34" charset="0"/>
+              </a:rPr>
+              <a:t>Warnings</a:t>
+            </a:r>
+          </a:p>
+          <a:p>
+            <a:pPr>
+              <a:buFont typeface="Wingdings" panose="05000000000000000000" pitchFamily="2" charset="2"/>
+              <a:buChar char="§"/>
+            </a:pPr>
+            <a:endParaRPr lang="en-US" sz="2400" dirty="0">
+              <a:latin typeface="Segoe UI" panose="020B0502040204020203" pitchFamily="34" charset="0"/>
+              <a:cs typeface="Segoe UI" panose="020B0502040204020203" pitchFamily="34" charset="0"/>
+            </a:endParaRPr>
+          </a:p>
+          <a:p>
+            <a:pPr>
+              <a:buFont typeface="Wingdings" panose="05000000000000000000" pitchFamily="2" charset="2"/>
+              <a:buChar char="§"/>
+            </a:pPr>
+            <a:r>
+              <a:rPr lang="en-US" sz="2400" dirty="0">
+                <a:latin typeface="Segoe UI" panose="020B0502040204020203" pitchFamily="34" charset="0"/>
+                <a:cs typeface="Segoe UI" panose="020B0502040204020203" pitchFamily="34" charset="0"/>
+              </a:rPr>
+              <a:t>Static Assert</a:t>
+            </a:r>
+          </a:p>
+          <a:p>
+            <a:pPr>
+              <a:buFont typeface="Wingdings" panose="05000000000000000000" pitchFamily="2" charset="2"/>
+              <a:buChar char="§"/>
+            </a:pPr>
+            <a:endParaRPr lang="en-US" sz="2400" dirty="0">
+              <a:latin typeface="Segoe UI" panose="020B0502040204020203" pitchFamily="34" charset="0"/>
+              <a:cs typeface="Segoe UI" panose="020B0502040204020203" pitchFamily="34" charset="0"/>
+            </a:endParaRPr>
+          </a:p>
+          <a:p>
+            <a:pPr>
+              <a:buFont typeface="Wingdings" panose="05000000000000000000" pitchFamily="2" charset="2"/>
+              <a:buChar char="§"/>
+            </a:pPr>
+            <a:r>
+              <a:rPr lang="en-US" sz="2400" dirty="0" err="1">
+                <a:latin typeface="Segoe UI" panose="020B0502040204020203" pitchFamily="34" charset="0"/>
+                <a:cs typeface="Segoe UI" panose="020B0502040204020203" pitchFamily="34" charset="0"/>
+              </a:rPr>
+              <a:t>Análise</a:t>
+            </a:r>
+            <a:r>
+              <a:rPr lang="en-US" sz="2400" dirty="0">
+                <a:latin typeface="Segoe UI" panose="020B0502040204020203" pitchFamily="34" charset="0"/>
+                <a:cs typeface="Segoe UI" panose="020B0502040204020203" pitchFamily="34" charset="0"/>
+              </a:rPr>
+              <a:t> </a:t>
+            </a:r>
+            <a:r>
+              <a:rPr lang="en-US" sz="2400" dirty="0" err="1">
+                <a:latin typeface="Segoe UI" panose="020B0502040204020203" pitchFamily="34" charset="0"/>
+                <a:cs typeface="Segoe UI" panose="020B0502040204020203" pitchFamily="34" charset="0"/>
+              </a:rPr>
+              <a:t>Estática</a:t>
+            </a:r>
+            <a:r>
+              <a:rPr lang="en-US" sz="2400" dirty="0">
+                <a:latin typeface="Segoe UI" panose="020B0502040204020203" pitchFamily="34" charset="0"/>
+                <a:cs typeface="Segoe UI" panose="020B0502040204020203" pitchFamily="34" charset="0"/>
+              </a:rPr>
+              <a:t> de Código</a:t>
+            </a:r>
+          </a:p>
+          <a:p>
+            <a:pPr marL="0" indent="0">
+              <a:buNone/>
+            </a:pPr>
+            <a:endParaRPr lang="en-US" sz="2400" dirty="0">
+              <a:latin typeface="Segoe UI" panose="020B0502040204020203" pitchFamily="34" charset="0"/>
+              <a:cs typeface="Segoe UI" panose="020B0502040204020203" pitchFamily="34" charset="0"/>
+            </a:endParaRPr>
+          </a:p>
+        </p:txBody>
+      </p:sp>
     </p:spTree>
     <p:extLst>
       <p:ext uri="{BB962C8B-B14F-4D97-AF65-F5344CB8AC3E}">
-        <p14:creationId xmlns:p14="http://schemas.microsoft.com/office/powerpoint/2010/main" val="3869309130"/>
+        <p14:creationId xmlns:p14="http://schemas.microsoft.com/office/powerpoint/2010/main" val="3169189031"/>
       </p:ext>
     </p:extLst>
   </p:cSld>
@@ -44279,7 +45805,7 @@
                 <a:latin typeface="Segoe UI" panose="020B0502040204020203" pitchFamily="34" charset="0"/>
                 <a:cs typeface="Segoe UI" panose="020B0502040204020203" pitchFamily="34" charset="0"/>
               </a:rPr>
-              <a:t>Destructors</a:t>
+              <a:t>Clipp</a:t>
             </a:r>
           </a:p>
         </p:txBody>
@@ -44363,7 +45889,7 @@
     </p:spTree>
     <p:extLst>
       <p:ext uri="{BB962C8B-B14F-4D97-AF65-F5344CB8AC3E}">
-        <p14:creationId xmlns:p14="http://schemas.microsoft.com/office/powerpoint/2010/main" val="3535446579"/>
+        <p14:creationId xmlns:p14="http://schemas.microsoft.com/office/powerpoint/2010/main" val="2874145743"/>
       </p:ext>
     </p:extLst>
   </p:cSld>
@@ -44419,7 +45945,7 @@
                 <a:latin typeface="Segoe UI" panose="020B0502040204020203" pitchFamily="34" charset="0"/>
                 <a:cs typeface="Segoe UI" panose="020B0502040204020203" pitchFamily="34" charset="0"/>
               </a:rPr>
-              <a:t>Resource Management</a:t>
+              <a:t>Functions</a:t>
             </a:r>
           </a:p>
         </p:txBody>
@@ -44503,7 +46029,7 @@
     </p:spTree>
     <p:extLst>
       <p:ext uri="{BB962C8B-B14F-4D97-AF65-F5344CB8AC3E}">
-        <p14:creationId xmlns:p14="http://schemas.microsoft.com/office/powerpoint/2010/main" val="3899385258"/>
+        <p14:creationId xmlns:p14="http://schemas.microsoft.com/office/powerpoint/2010/main" val="2359568493"/>
       </p:ext>
     </p:extLst>
   </p:cSld>
@@ -44559,7 +46085,7 @@
                 <a:latin typeface="Segoe UI" panose="020B0502040204020203" pitchFamily="34" charset="0"/>
                 <a:cs typeface="Segoe UI" panose="020B0502040204020203" pitchFamily="34" charset="0"/>
               </a:rPr>
-              <a:t>Compile-time Programming</a:t>
+              <a:t>Function Templates</a:t>
             </a:r>
           </a:p>
         </p:txBody>
@@ -44643,7 +46169,7 @@
     </p:spTree>
     <p:extLst>
       <p:ext uri="{BB962C8B-B14F-4D97-AF65-F5344CB8AC3E}">
-        <p14:creationId xmlns:p14="http://schemas.microsoft.com/office/powerpoint/2010/main" val="2450211822"/>
+        <p14:creationId xmlns:p14="http://schemas.microsoft.com/office/powerpoint/2010/main" val="2297078418"/>
       </p:ext>
     </p:extLst>
   </p:cSld>
@@ -44699,7 +46225,7 @@
                 <a:latin typeface="Segoe UI" panose="020B0502040204020203" pitchFamily="34" charset="0"/>
                 <a:cs typeface="Segoe UI" panose="020B0502040204020203" pitchFamily="34" charset="0"/>
               </a:rPr>
-              <a:t>Pointers</a:t>
+              <a:t>Classes Templates</a:t>
             </a:r>
           </a:p>
         </p:txBody>
@@ -44783,7 +46309,7 @@
     </p:spTree>
     <p:extLst>
       <p:ext uri="{BB962C8B-B14F-4D97-AF65-F5344CB8AC3E}">
-        <p14:creationId xmlns:p14="http://schemas.microsoft.com/office/powerpoint/2010/main" val="512212757"/>
+        <p14:creationId xmlns:p14="http://schemas.microsoft.com/office/powerpoint/2010/main" val="1007957260"/>
       </p:ext>
     </p:extLst>
   </p:cSld>
@@ -44839,7 +46365,7 @@
                 <a:latin typeface="Segoe UI" panose="020B0502040204020203" pitchFamily="34" charset="0"/>
                 <a:cs typeface="Segoe UI" panose="020B0502040204020203" pitchFamily="34" charset="0"/>
               </a:rPr>
-              <a:t>References</a:t>
+              <a:t>Lambdas</a:t>
             </a:r>
           </a:p>
         </p:txBody>
@@ -44923,7 +46449,7 @@
     </p:spTree>
     <p:extLst>
       <p:ext uri="{BB962C8B-B14F-4D97-AF65-F5344CB8AC3E}">
-        <p14:creationId xmlns:p14="http://schemas.microsoft.com/office/powerpoint/2010/main" val="3547693240"/>
+        <p14:creationId xmlns:p14="http://schemas.microsoft.com/office/powerpoint/2010/main" val="2503949774"/>
       </p:ext>
     </p:extLst>
   </p:cSld>
@@ -44979,7 +46505,7 @@
                 <a:latin typeface="Segoe UI" panose="020B0502040204020203" pitchFamily="34" charset="0"/>
                 <a:cs typeface="Segoe UI" panose="020B0502040204020203" pitchFamily="34" charset="0"/>
               </a:rPr>
-              <a:t>Const and Mutable</a:t>
+              <a:t>Standard Template Library</a:t>
             </a:r>
           </a:p>
         </p:txBody>
@@ -45063,7 +46589,7 @@
     </p:spTree>
     <p:extLst>
       <p:ext uri="{BB962C8B-B14F-4D97-AF65-F5344CB8AC3E}">
-        <p14:creationId xmlns:p14="http://schemas.microsoft.com/office/powerpoint/2010/main" val="204148954"/>
+        <p14:creationId xmlns:p14="http://schemas.microsoft.com/office/powerpoint/2010/main" val="3506633628"/>
       </p:ext>
     </p:extLst>
   </p:cSld>
@@ -45119,7 +46645,7 @@
                 <a:latin typeface="Segoe UI" panose="020B0502040204020203" pitchFamily="34" charset="0"/>
                 <a:cs typeface="Segoe UI" panose="020B0502040204020203" pitchFamily="34" charset="0"/>
               </a:rPr>
-              <a:t>Move Semantics</a:t>
+              <a:t>Containers</a:t>
             </a:r>
           </a:p>
         </p:txBody>
@@ -45203,7 +46729,7 @@
     </p:spTree>
     <p:extLst>
       <p:ext uri="{BB962C8B-B14F-4D97-AF65-F5344CB8AC3E}">
-        <p14:creationId xmlns:p14="http://schemas.microsoft.com/office/powerpoint/2010/main" val="1201841896"/>
+        <p14:creationId xmlns:p14="http://schemas.microsoft.com/office/powerpoint/2010/main" val="2167016015"/>
       </p:ext>
     </p:extLst>
   </p:cSld>
@@ -45259,7 +46785,7 @@
                 <a:latin typeface="Segoe UI" panose="020B0502040204020203" pitchFamily="34" charset="0"/>
                 <a:cs typeface="Segoe UI" panose="020B0502040204020203" pitchFamily="34" charset="0"/>
               </a:rPr>
-              <a:t>Passing Parameters</a:t>
+              <a:t>Iterators</a:t>
             </a:r>
           </a:p>
         </p:txBody>
@@ -45343,7 +46869,7 @@
     </p:spTree>
     <p:extLst>
       <p:ext uri="{BB962C8B-B14F-4D97-AF65-F5344CB8AC3E}">
-        <p14:creationId xmlns:p14="http://schemas.microsoft.com/office/powerpoint/2010/main" val="2403597044"/>
+        <p14:creationId xmlns:p14="http://schemas.microsoft.com/office/powerpoint/2010/main" val="4245057799"/>
       </p:ext>
     </p:extLst>
   </p:cSld>
@@ -45759,6 +47285,1406 @@
 </p:sld>
 </file>
 
+<file path=ppt/slides/slide80.xml><?xml version="1.0" encoding="utf-8"?>
+<p:sld xmlns:a="http://schemas.openxmlformats.org/drawingml/2006/main" xmlns:r="http://schemas.openxmlformats.org/officeDocument/2006/relationships" xmlns:p="http://schemas.openxmlformats.org/presentationml/2006/main">
+  <p:cSld>
+    <p:spTree>
+      <p:nvGrpSpPr>
+        <p:cNvPr id="1" name=""/>
+        <p:cNvGrpSpPr/>
+        <p:nvPr/>
+      </p:nvGrpSpPr>
+      <p:grpSpPr>
+        <a:xfrm>
+          <a:off x="0" y="0"/>
+          <a:ext cx="0" cy="0"/>
+          <a:chOff x="0" y="0"/>
+          <a:chExt cx="0" cy="0"/>
+        </a:xfrm>
+      </p:grpSpPr>
+      <p:sp>
+        <p:nvSpPr>
+          <p:cNvPr id="2" name="Title 1">
+            <a:extLst>
+              <a:ext uri="{FF2B5EF4-FFF2-40B4-BE49-F238E27FC236}">
+                <a16:creationId xmlns:a16="http://schemas.microsoft.com/office/drawing/2014/main" id="{3681D759-3FEC-433A-94E5-DC6F4F23EF5E}"/>
+              </a:ext>
+            </a:extLst>
+          </p:cNvPr>
+          <p:cNvSpPr>
+            <a:spLocks noGrp="1"/>
+          </p:cNvSpPr>
+          <p:nvPr>
+            <p:ph type="title"/>
+          </p:nvPr>
+        </p:nvSpPr>
+        <p:spPr/>
+        <p:txBody>
+          <a:bodyPr/>
+          <a:lstStyle/>
+          <a:p>
+            <a:r>
+              <a:rPr lang="pt-BR" dirty="0">
+                <a:solidFill>
+                  <a:srgbClr val="00B0F0"/>
+                </a:solidFill>
+                <a:latin typeface="Segoe UI" panose="020B0502040204020203" pitchFamily="34" charset="0"/>
+                <a:cs typeface="Segoe UI" panose="020B0502040204020203" pitchFamily="34" charset="0"/>
+              </a:rPr>
+              <a:t>Ranges</a:t>
+            </a:r>
+          </a:p>
+        </p:txBody>
+      </p:sp>
+      <p:pic>
+        <p:nvPicPr>
+          <p:cNvPr id="10" name="Picture 2" descr="GitHub - isocpp/logos: C++ logos created for isocpp.org">
+            <a:extLst>
+              <a:ext uri="{FF2B5EF4-FFF2-40B4-BE49-F238E27FC236}">
+                <a16:creationId xmlns:a16="http://schemas.microsoft.com/office/drawing/2014/main" id="{6B7F8B00-6ACA-413F-BF98-5B69C47599E9}"/>
+              </a:ext>
+            </a:extLst>
+          </p:cNvPr>
+          <p:cNvPicPr>
+            <a:picLocks noChangeAspect="1" noChangeArrowheads="1"/>
+          </p:cNvPicPr>
+          <p:nvPr/>
+        </p:nvPicPr>
+        <p:blipFill>
+          <a:blip r:embed="rId2">
+            <a:extLst>
+              <a:ext uri="{28A0092B-C50C-407E-A947-70E740481C1C}">
+                <a14:useLocalDpi xmlns:a14="http://schemas.microsoft.com/office/drawing/2010/main" val="0"/>
+              </a:ext>
+            </a:extLst>
+          </a:blip>
+          <a:srcRect/>
+          <a:stretch>
+            <a:fillRect/>
+          </a:stretch>
+        </p:blipFill>
+        <p:spPr bwMode="auto">
+          <a:xfrm>
+            <a:off x="10951233" y="365125"/>
+            <a:ext cx="805134" cy="905069"/>
+          </a:xfrm>
+          <a:prstGeom prst="rect">
+            <a:avLst/>
+          </a:prstGeom>
+          <a:noFill/>
+          <a:extLst>
+            <a:ext uri="{909E8E84-426E-40DD-AFC4-6F175D3DCCD1}">
+              <a14:hiddenFill xmlns:a14="http://schemas.microsoft.com/office/drawing/2010/main">
+                <a:solidFill>
+                  <a:srgbClr val="FFFFFF"/>
+                </a:solidFill>
+              </a14:hiddenFill>
+            </a:ext>
+          </a:extLst>
+        </p:spPr>
+      </p:pic>
+      <p:sp>
+        <p:nvSpPr>
+          <p:cNvPr id="4" name="Slide Number Placeholder 3">
+            <a:extLst>
+              <a:ext uri="{FF2B5EF4-FFF2-40B4-BE49-F238E27FC236}">
+                <a16:creationId xmlns:a16="http://schemas.microsoft.com/office/drawing/2014/main" id="{1FB7980D-6ABC-4A00-8DC8-A167ABC49549}"/>
+              </a:ext>
+            </a:extLst>
+          </p:cNvPr>
+          <p:cNvSpPr>
+            <a:spLocks noGrp="1"/>
+          </p:cNvSpPr>
+          <p:nvPr>
+            <p:ph type="sldNum" sz="quarter" idx="12"/>
+          </p:nvPr>
+        </p:nvSpPr>
+        <p:spPr/>
+        <p:txBody>
+          <a:bodyPr/>
+          <a:lstStyle/>
+          <a:p>
+            <a:fld id="{5A188BD9-5E81-43C5-AE66-36AE3BDE6A9D}" type="slidenum">
+              <a:rPr lang="pt-BR" smtClean="0"/>
+              <a:t>80</a:t>
+            </a:fld>
+            <a:endParaRPr lang="pt-BR"/>
+          </a:p>
+        </p:txBody>
+      </p:sp>
+    </p:spTree>
+    <p:extLst>
+      <p:ext uri="{BB962C8B-B14F-4D97-AF65-F5344CB8AC3E}">
+        <p14:creationId xmlns:p14="http://schemas.microsoft.com/office/powerpoint/2010/main" val="759493610"/>
+      </p:ext>
+    </p:extLst>
+  </p:cSld>
+  <p:clrMapOvr>
+    <a:masterClrMapping/>
+  </p:clrMapOvr>
+</p:sld>
+</file>
+
+<file path=ppt/slides/slide81.xml><?xml version="1.0" encoding="utf-8"?>
+<p:sld xmlns:a="http://schemas.openxmlformats.org/drawingml/2006/main" xmlns:r="http://schemas.openxmlformats.org/officeDocument/2006/relationships" xmlns:p="http://schemas.openxmlformats.org/presentationml/2006/main">
+  <p:cSld>
+    <p:spTree>
+      <p:nvGrpSpPr>
+        <p:cNvPr id="1" name=""/>
+        <p:cNvGrpSpPr/>
+        <p:nvPr/>
+      </p:nvGrpSpPr>
+      <p:grpSpPr>
+        <a:xfrm>
+          <a:off x="0" y="0"/>
+          <a:ext cx="0" cy="0"/>
+          <a:chOff x="0" y="0"/>
+          <a:chExt cx="0" cy="0"/>
+        </a:xfrm>
+      </p:grpSpPr>
+      <p:sp>
+        <p:nvSpPr>
+          <p:cNvPr id="2" name="Title 1">
+            <a:extLst>
+              <a:ext uri="{FF2B5EF4-FFF2-40B4-BE49-F238E27FC236}">
+                <a16:creationId xmlns:a16="http://schemas.microsoft.com/office/drawing/2014/main" id="{3681D759-3FEC-433A-94E5-DC6F4F23EF5E}"/>
+              </a:ext>
+            </a:extLst>
+          </p:cNvPr>
+          <p:cNvSpPr>
+            <a:spLocks noGrp="1"/>
+          </p:cNvSpPr>
+          <p:nvPr>
+            <p:ph type="title"/>
+          </p:nvPr>
+        </p:nvSpPr>
+        <p:spPr/>
+        <p:txBody>
+          <a:bodyPr/>
+          <a:lstStyle/>
+          <a:p>
+            <a:r>
+              <a:rPr lang="pt-BR" dirty="0">
+                <a:solidFill>
+                  <a:srgbClr val="00B0F0"/>
+                </a:solidFill>
+                <a:latin typeface="Segoe UI" panose="020B0502040204020203" pitchFamily="34" charset="0"/>
+                <a:cs typeface="Segoe UI" panose="020B0502040204020203" pitchFamily="34" charset="0"/>
+              </a:rPr>
+              <a:t>Algorithms</a:t>
+            </a:r>
+          </a:p>
+        </p:txBody>
+      </p:sp>
+      <p:pic>
+        <p:nvPicPr>
+          <p:cNvPr id="10" name="Picture 2" descr="GitHub - isocpp/logos: C++ logos created for isocpp.org">
+            <a:extLst>
+              <a:ext uri="{FF2B5EF4-FFF2-40B4-BE49-F238E27FC236}">
+                <a16:creationId xmlns:a16="http://schemas.microsoft.com/office/drawing/2014/main" id="{6B7F8B00-6ACA-413F-BF98-5B69C47599E9}"/>
+              </a:ext>
+            </a:extLst>
+          </p:cNvPr>
+          <p:cNvPicPr>
+            <a:picLocks noChangeAspect="1" noChangeArrowheads="1"/>
+          </p:cNvPicPr>
+          <p:nvPr/>
+        </p:nvPicPr>
+        <p:blipFill>
+          <a:blip r:embed="rId2">
+            <a:extLst>
+              <a:ext uri="{28A0092B-C50C-407E-A947-70E740481C1C}">
+                <a14:useLocalDpi xmlns:a14="http://schemas.microsoft.com/office/drawing/2010/main" val="0"/>
+              </a:ext>
+            </a:extLst>
+          </a:blip>
+          <a:srcRect/>
+          <a:stretch>
+            <a:fillRect/>
+          </a:stretch>
+        </p:blipFill>
+        <p:spPr bwMode="auto">
+          <a:xfrm>
+            <a:off x="10951233" y="365125"/>
+            <a:ext cx="805134" cy="905069"/>
+          </a:xfrm>
+          <a:prstGeom prst="rect">
+            <a:avLst/>
+          </a:prstGeom>
+          <a:noFill/>
+          <a:extLst>
+            <a:ext uri="{909E8E84-426E-40DD-AFC4-6F175D3DCCD1}">
+              <a14:hiddenFill xmlns:a14="http://schemas.microsoft.com/office/drawing/2010/main">
+                <a:solidFill>
+                  <a:srgbClr val="FFFFFF"/>
+                </a:solidFill>
+              </a14:hiddenFill>
+            </a:ext>
+          </a:extLst>
+        </p:spPr>
+      </p:pic>
+      <p:sp>
+        <p:nvSpPr>
+          <p:cNvPr id="4" name="Slide Number Placeholder 3">
+            <a:extLst>
+              <a:ext uri="{FF2B5EF4-FFF2-40B4-BE49-F238E27FC236}">
+                <a16:creationId xmlns:a16="http://schemas.microsoft.com/office/drawing/2014/main" id="{1FB7980D-6ABC-4A00-8DC8-A167ABC49549}"/>
+              </a:ext>
+            </a:extLst>
+          </p:cNvPr>
+          <p:cNvSpPr>
+            <a:spLocks noGrp="1"/>
+          </p:cNvSpPr>
+          <p:nvPr>
+            <p:ph type="sldNum" sz="quarter" idx="12"/>
+          </p:nvPr>
+        </p:nvSpPr>
+        <p:spPr/>
+        <p:txBody>
+          <a:bodyPr/>
+          <a:lstStyle/>
+          <a:p>
+            <a:fld id="{5A188BD9-5E81-43C5-AE66-36AE3BDE6A9D}" type="slidenum">
+              <a:rPr lang="pt-BR" smtClean="0"/>
+              <a:t>81</a:t>
+            </a:fld>
+            <a:endParaRPr lang="pt-BR"/>
+          </a:p>
+        </p:txBody>
+      </p:sp>
+    </p:spTree>
+    <p:extLst>
+      <p:ext uri="{BB962C8B-B14F-4D97-AF65-F5344CB8AC3E}">
+        <p14:creationId xmlns:p14="http://schemas.microsoft.com/office/powerpoint/2010/main" val="2698399529"/>
+      </p:ext>
+    </p:extLst>
+  </p:cSld>
+  <p:clrMapOvr>
+    <a:masterClrMapping/>
+  </p:clrMapOvr>
+</p:sld>
+</file>
+
+<file path=ppt/slides/slide82.xml><?xml version="1.0" encoding="utf-8"?>
+<p:sld xmlns:a="http://schemas.openxmlformats.org/drawingml/2006/main" xmlns:r="http://schemas.openxmlformats.org/officeDocument/2006/relationships" xmlns:p="http://schemas.openxmlformats.org/presentationml/2006/main">
+  <p:cSld>
+    <p:spTree>
+      <p:nvGrpSpPr>
+        <p:cNvPr id="1" name=""/>
+        <p:cNvGrpSpPr/>
+        <p:nvPr/>
+      </p:nvGrpSpPr>
+      <p:grpSpPr>
+        <a:xfrm>
+          <a:off x="0" y="0"/>
+          <a:ext cx="0" cy="0"/>
+          <a:chOff x="0" y="0"/>
+          <a:chExt cx="0" cy="0"/>
+        </a:xfrm>
+      </p:grpSpPr>
+      <p:sp>
+        <p:nvSpPr>
+          <p:cNvPr id="2" name="Title 1">
+            <a:extLst>
+              <a:ext uri="{FF2B5EF4-FFF2-40B4-BE49-F238E27FC236}">
+                <a16:creationId xmlns:a16="http://schemas.microsoft.com/office/drawing/2014/main" id="{3681D759-3FEC-433A-94E5-DC6F4F23EF5E}"/>
+              </a:ext>
+            </a:extLst>
+          </p:cNvPr>
+          <p:cNvSpPr>
+            <a:spLocks noGrp="1"/>
+          </p:cNvSpPr>
+          <p:nvPr>
+            <p:ph type="title"/>
+          </p:nvPr>
+        </p:nvSpPr>
+        <p:spPr/>
+        <p:txBody>
+          <a:bodyPr/>
+          <a:lstStyle/>
+          <a:p>
+            <a:r>
+              <a:rPr lang="pt-BR" dirty="0">
+                <a:solidFill>
+                  <a:srgbClr val="00B0F0"/>
+                </a:solidFill>
+                <a:latin typeface="Segoe UI" panose="020B0502040204020203" pitchFamily="34" charset="0"/>
+                <a:cs typeface="Segoe UI" panose="020B0502040204020203" pitchFamily="34" charset="0"/>
+              </a:rPr>
+              <a:t>Exceptions</a:t>
+            </a:r>
+          </a:p>
+        </p:txBody>
+      </p:sp>
+      <p:pic>
+        <p:nvPicPr>
+          <p:cNvPr id="10" name="Picture 2" descr="GitHub - isocpp/logos: C++ logos created for isocpp.org">
+            <a:extLst>
+              <a:ext uri="{FF2B5EF4-FFF2-40B4-BE49-F238E27FC236}">
+                <a16:creationId xmlns:a16="http://schemas.microsoft.com/office/drawing/2014/main" id="{6B7F8B00-6ACA-413F-BF98-5B69C47599E9}"/>
+              </a:ext>
+            </a:extLst>
+          </p:cNvPr>
+          <p:cNvPicPr>
+            <a:picLocks noChangeAspect="1" noChangeArrowheads="1"/>
+          </p:cNvPicPr>
+          <p:nvPr/>
+        </p:nvPicPr>
+        <p:blipFill>
+          <a:blip r:embed="rId2">
+            <a:extLst>
+              <a:ext uri="{28A0092B-C50C-407E-A947-70E740481C1C}">
+                <a14:useLocalDpi xmlns:a14="http://schemas.microsoft.com/office/drawing/2010/main" val="0"/>
+              </a:ext>
+            </a:extLst>
+          </a:blip>
+          <a:srcRect/>
+          <a:stretch>
+            <a:fillRect/>
+          </a:stretch>
+        </p:blipFill>
+        <p:spPr bwMode="auto">
+          <a:xfrm>
+            <a:off x="10951233" y="365125"/>
+            <a:ext cx="805134" cy="905069"/>
+          </a:xfrm>
+          <a:prstGeom prst="rect">
+            <a:avLst/>
+          </a:prstGeom>
+          <a:noFill/>
+          <a:extLst>
+            <a:ext uri="{909E8E84-426E-40DD-AFC4-6F175D3DCCD1}">
+              <a14:hiddenFill xmlns:a14="http://schemas.microsoft.com/office/drawing/2010/main">
+                <a:solidFill>
+                  <a:srgbClr val="FFFFFF"/>
+                </a:solidFill>
+              </a14:hiddenFill>
+            </a:ext>
+          </a:extLst>
+        </p:spPr>
+      </p:pic>
+      <p:sp>
+        <p:nvSpPr>
+          <p:cNvPr id="4" name="Slide Number Placeholder 3">
+            <a:extLst>
+              <a:ext uri="{FF2B5EF4-FFF2-40B4-BE49-F238E27FC236}">
+                <a16:creationId xmlns:a16="http://schemas.microsoft.com/office/drawing/2014/main" id="{1FB7980D-6ABC-4A00-8DC8-A167ABC49549}"/>
+              </a:ext>
+            </a:extLst>
+          </p:cNvPr>
+          <p:cNvSpPr>
+            <a:spLocks noGrp="1"/>
+          </p:cNvSpPr>
+          <p:nvPr>
+            <p:ph type="sldNum" sz="quarter" idx="12"/>
+          </p:nvPr>
+        </p:nvSpPr>
+        <p:spPr/>
+        <p:txBody>
+          <a:bodyPr/>
+          <a:lstStyle/>
+          <a:p>
+            <a:fld id="{5A188BD9-5E81-43C5-AE66-36AE3BDE6A9D}" type="slidenum">
+              <a:rPr lang="pt-BR" smtClean="0"/>
+              <a:t>82</a:t>
+            </a:fld>
+            <a:endParaRPr lang="pt-BR"/>
+          </a:p>
+        </p:txBody>
+      </p:sp>
+    </p:spTree>
+    <p:extLst>
+      <p:ext uri="{BB962C8B-B14F-4D97-AF65-F5344CB8AC3E}">
+        <p14:creationId xmlns:p14="http://schemas.microsoft.com/office/powerpoint/2010/main" val="932889925"/>
+      </p:ext>
+    </p:extLst>
+  </p:cSld>
+  <p:clrMapOvr>
+    <a:masterClrMapping/>
+  </p:clrMapOvr>
+</p:sld>
+</file>
+
+<file path=ppt/slides/slide83.xml><?xml version="1.0" encoding="utf-8"?>
+<p:sld xmlns:a="http://schemas.openxmlformats.org/drawingml/2006/main" xmlns:r="http://schemas.openxmlformats.org/officeDocument/2006/relationships" xmlns:p="http://schemas.openxmlformats.org/presentationml/2006/main">
+  <p:cSld>
+    <p:spTree>
+      <p:nvGrpSpPr>
+        <p:cNvPr id="1" name=""/>
+        <p:cNvGrpSpPr/>
+        <p:nvPr/>
+      </p:nvGrpSpPr>
+      <p:grpSpPr>
+        <a:xfrm>
+          <a:off x="0" y="0"/>
+          <a:ext cx="0" cy="0"/>
+          <a:chOff x="0" y="0"/>
+          <a:chExt cx="0" cy="0"/>
+        </a:xfrm>
+      </p:grpSpPr>
+      <p:sp>
+        <p:nvSpPr>
+          <p:cNvPr id="2" name="Title 1">
+            <a:extLst>
+              <a:ext uri="{FF2B5EF4-FFF2-40B4-BE49-F238E27FC236}">
+                <a16:creationId xmlns:a16="http://schemas.microsoft.com/office/drawing/2014/main" id="{3681D759-3FEC-433A-94E5-DC6F4F23EF5E}"/>
+              </a:ext>
+            </a:extLst>
+          </p:cNvPr>
+          <p:cNvSpPr>
+            <a:spLocks noGrp="1"/>
+          </p:cNvSpPr>
+          <p:nvPr>
+            <p:ph type="title"/>
+          </p:nvPr>
+        </p:nvSpPr>
+        <p:spPr/>
+        <p:txBody>
+          <a:bodyPr/>
+          <a:lstStyle/>
+          <a:p>
+            <a:r>
+              <a:rPr lang="pt-BR" dirty="0">
+                <a:solidFill>
+                  <a:srgbClr val="00B0F0"/>
+                </a:solidFill>
+                <a:latin typeface="Segoe UI" panose="020B0502040204020203" pitchFamily="34" charset="0"/>
+                <a:cs typeface="Segoe UI" panose="020B0502040204020203" pitchFamily="34" charset="0"/>
+              </a:rPr>
+              <a:t>Constructors</a:t>
+            </a:r>
+          </a:p>
+        </p:txBody>
+      </p:sp>
+      <p:pic>
+        <p:nvPicPr>
+          <p:cNvPr id="10" name="Picture 2" descr="GitHub - isocpp/logos: C++ logos created for isocpp.org">
+            <a:extLst>
+              <a:ext uri="{FF2B5EF4-FFF2-40B4-BE49-F238E27FC236}">
+                <a16:creationId xmlns:a16="http://schemas.microsoft.com/office/drawing/2014/main" id="{6B7F8B00-6ACA-413F-BF98-5B69C47599E9}"/>
+              </a:ext>
+            </a:extLst>
+          </p:cNvPr>
+          <p:cNvPicPr>
+            <a:picLocks noChangeAspect="1" noChangeArrowheads="1"/>
+          </p:cNvPicPr>
+          <p:nvPr/>
+        </p:nvPicPr>
+        <p:blipFill>
+          <a:blip r:embed="rId2">
+            <a:extLst>
+              <a:ext uri="{28A0092B-C50C-407E-A947-70E740481C1C}">
+                <a14:useLocalDpi xmlns:a14="http://schemas.microsoft.com/office/drawing/2010/main" val="0"/>
+              </a:ext>
+            </a:extLst>
+          </a:blip>
+          <a:srcRect/>
+          <a:stretch>
+            <a:fillRect/>
+          </a:stretch>
+        </p:blipFill>
+        <p:spPr bwMode="auto">
+          <a:xfrm>
+            <a:off x="10951233" y="365125"/>
+            <a:ext cx="805134" cy="905069"/>
+          </a:xfrm>
+          <a:prstGeom prst="rect">
+            <a:avLst/>
+          </a:prstGeom>
+          <a:noFill/>
+          <a:extLst>
+            <a:ext uri="{909E8E84-426E-40DD-AFC4-6F175D3DCCD1}">
+              <a14:hiddenFill xmlns:a14="http://schemas.microsoft.com/office/drawing/2010/main">
+                <a:solidFill>
+                  <a:srgbClr val="FFFFFF"/>
+                </a:solidFill>
+              </a14:hiddenFill>
+            </a:ext>
+          </a:extLst>
+        </p:spPr>
+      </p:pic>
+      <p:sp>
+        <p:nvSpPr>
+          <p:cNvPr id="4" name="Slide Number Placeholder 3">
+            <a:extLst>
+              <a:ext uri="{FF2B5EF4-FFF2-40B4-BE49-F238E27FC236}">
+                <a16:creationId xmlns:a16="http://schemas.microsoft.com/office/drawing/2014/main" id="{1FB7980D-6ABC-4A00-8DC8-A167ABC49549}"/>
+              </a:ext>
+            </a:extLst>
+          </p:cNvPr>
+          <p:cNvSpPr>
+            <a:spLocks noGrp="1"/>
+          </p:cNvSpPr>
+          <p:nvPr>
+            <p:ph type="sldNum" sz="quarter" idx="12"/>
+          </p:nvPr>
+        </p:nvSpPr>
+        <p:spPr/>
+        <p:txBody>
+          <a:bodyPr/>
+          <a:lstStyle/>
+          <a:p>
+            <a:fld id="{5A188BD9-5E81-43C5-AE66-36AE3BDE6A9D}" type="slidenum">
+              <a:rPr lang="pt-BR" smtClean="0"/>
+              <a:t>83</a:t>
+            </a:fld>
+            <a:endParaRPr lang="pt-BR"/>
+          </a:p>
+        </p:txBody>
+      </p:sp>
+    </p:spTree>
+    <p:extLst>
+      <p:ext uri="{BB962C8B-B14F-4D97-AF65-F5344CB8AC3E}">
+        <p14:creationId xmlns:p14="http://schemas.microsoft.com/office/powerpoint/2010/main" val="3869309130"/>
+      </p:ext>
+    </p:extLst>
+  </p:cSld>
+  <p:clrMapOvr>
+    <a:masterClrMapping/>
+  </p:clrMapOvr>
+</p:sld>
+</file>
+
+<file path=ppt/slides/slide84.xml><?xml version="1.0" encoding="utf-8"?>
+<p:sld xmlns:a="http://schemas.openxmlformats.org/drawingml/2006/main" xmlns:r="http://schemas.openxmlformats.org/officeDocument/2006/relationships" xmlns:p="http://schemas.openxmlformats.org/presentationml/2006/main">
+  <p:cSld>
+    <p:spTree>
+      <p:nvGrpSpPr>
+        <p:cNvPr id="1" name=""/>
+        <p:cNvGrpSpPr/>
+        <p:nvPr/>
+      </p:nvGrpSpPr>
+      <p:grpSpPr>
+        <a:xfrm>
+          <a:off x="0" y="0"/>
+          <a:ext cx="0" cy="0"/>
+          <a:chOff x="0" y="0"/>
+          <a:chExt cx="0" cy="0"/>
+        </a:xfrm>
+      </p:grpSpPr>
+      <p:sp>
+        <p:nvSpPr>
+          <p:cNvPr id="2" name="Title 1">
+            <a:extLst>
+              <a:ext uri="{FF2B5EF4-FFF2-40B4-BE49-F238E27FC236}">
+                <a16:creationId xmlns:a16="http://schemas.microsoft.com/office/drawing/2014/main" id="{3681D759-3FEC-433A-94E5-DC6F4F23EF5E}"/>
+              </a:ext>
+            </a:extLst>
+          </p:cNvPr>
+          <p:cNvSpPr>
+            <a:spLocks noGrp="1"/>
+          </p:cNvSpPr>
+          <p:nvPr>
+            <p:ph type="title"/>
+          </p:nvPr>
+        </p:nvSpPr>
+        <p:spPr/>
+        <p:txBody>
+          <a:bodyPr/>
+          <a:lstStyle/>
+          <a:p>
+            <a:r>
+              <a:rPr lang="pt-BR" dirty="0">
+                <a:solidFill>
+                  <a:srgbClr val="00B0F0"/>
+                </a:solidFill>
+                <a:latin typeface="Segoe UI" panose="020B0502040204020203" pitchFamily="34" charset="0"/>
+                <a:cs typeface="Segoe UI" panose="020B0502040204020203" pitchFamily="34" charset="0"/>
+              </a:rPr>
+              <a:t>Destructors</a:t>
+            </a:r>
+          </a:p>
+        </p:txBody>
+      </p:sp>
+      <p:pic>
+        <p:nvPicPr>
+          <p:cNvPr id="10" name="Picture 2" descr="GitHub - isocpp/logos: C++ logos created for isocpp.org">
+            <a:extLst>
+              <a:ext uri="{FF2B5EF4-FFF2-40B4-BE49-F238E27FC236}">
+                <a16:creationId xmlns:a16="http://schemas.microsoft.com/office/drawing/2014/main" id="{6B7F8B00-6ACA-413F-BF98-5B69C47599E9}"/>
+              </a:ext>
+            </a:extLst>
+          </p:cNvPr>
+          <p:cNvPicPr>
+            <a:picLocks noChangeAspect="1" noChangeArrowheads="1"/>
+          </p:cNvPicPr>
+          <p:nvPr/>
+        </p:nvPicPr>
+        <p:blipFill>
+          <a:blip r:embed="rId2">
+            <a:extLst>
+              <a:ext uri="{28A0092B-C50C-407E-A947-70E740481C1C}">
+                <a14:useLocalDpi xmlns:a14="http://schemas.microsoft.com/office/drawing/2010/main" val="0"/>
+              </a:ext>
+            </a:extLst>
+          </a:blip>
+          <a:srcRect/>
+          <a:stretch>
+            <a:fillRect/>
+          </a:stretch>
+        </p:blipFill>
+        <p:spPr bwMode="auto">
+          <a:xfrm>
+            <a:off x="10951233" y="365125"/>
+            <a:ext cx="805134" cy="905069"/>
+          </a:xfrm>
+          <a:prstGeom prst="rect">
+            <a:avLst/>
+          </a:prstGeom>
+          <a:noFill/>
+          <a:extLst>
+            <a:ext uri="{909E8E84-426E-40DD-AFC4-6F175D3DCCD1}">
+              <a14:hiddenFill xmlns:a14="http://schemas.microsoft.com/office/drawing/2010/main">
+                <a:solidFill>
+                  <a:srgbClr val="FFFFFF"/>
+                </a:solidFill>
+              </a14:hiddenFill>
+            </a:ext>
+          </a:extLst>
+        </p:spPr>
+      </p:pic>
+      <p:sp>
+        <p:nvSpPr>
+          <p:cNvPr id="4" name="Slide Number Placeholder 3">
+            <a:extLst>
+              <a:ext uri="{FF2B5EF4-FFF2-40B4-BE49-F238E27FC236}">
+                <a16:creationId xmlns:a16="http://schemas.microsoft.com/office/drawing/2014/main" id="{1FB7980D-6ABC-4A00-8DC8-A167ABC49549}"/>
+              </a:ext>
+            </a:extLst>
+          </p:cNvPr>
+          <p:cNvSpPr>
+            <a:spLocks noGrp="1"/>
+          </p:cNvSpPr>
+          <p:nvPr>
+            <p:ph type="sldNum" sz="quarter" idx="12"/>
+          </p:nvPr>
+        </p:nvSpPr>
+        <p:spPr/>
+        <p:txBody>
+          <a:bodyPr/>
+          <a:lstStyle/>
+          <a:p>
+            <a:fld id="{5A188BD9-5E81-43C5-AE66-36AE3BDE6A9D}" type="slidenum">
+              <a:rPr lang="pt-BR" smtClean="0"/>
+              <a:t>84</a:t>
+            </a:fld>
+            <a:endParaRPr lang="pt-BR"/>
+          </a:p>
+        </p:txBody>
+      </p:sp>
+    </p:spTree>
+    <p:extLst>
+      <p:ext uri="{BB962C8B-B14F-4D97-AF65-F5344CB8AC3E}">
+        <p14:creationId xmlns:p14="http://schemas.microsoft.com/office/powerpoint/2010/main" val="3535446579"/>
+      </p:ext>
+    </p:extLst>
+  </p:cSld>
+  <p:clrMapOvr>
+    <a:masterClrMapping/>
+  </p:clrMapOvr>
+</p:sld>
+</file>
+
+<file path=ppt/slides/slide85.xml><?xml version="1.0" encoding="utf-8"?>
+<p:sld xmlns:a="http://schemas.openxmlformats.org/drawingml/2006/main" xmlns:r="http://schemas.openxmlformats.org/officeDocument/2006/relationships" xmlns:p="http://schemas.openxmlformats.org/presentationml/2006/main">
+  <p:cSld>
+    <p:spTree>
+      <p:nvGrpSpPr>
+        <p:cNvPr id="1" name=""/>
+        <p:cNvGrpSpPr/>
+        <p:nvPr/>
+      </p:nvGrpSpPr>
+      <p:grpSpPr>
+        <a:xfrm>
+          <a:off x="0" y="0"/>
+          <a:ext cx="0" cy="0"/>
+          <a:chOff x="0" y="0"/>
+          <a:chExt cx="0" cy="0"/>
+        </a:xfrm>
+      </p:grpSpPr>
+      <p:sp>
+        <p:nvSpPr>
+          <p:cNvPr id="2" name="Title 1">
+            <a:extLst>
+              <a:ext uri="{FF2B5EF4-FFF2-40B4-BE49-F238E27FC236}">
+                <a16:creationId xmlns:a16="http://schemas.microsoft.com/office/drawing/2014/main" id="{3681D759-3FEC-433A-94E5-DC6F4F23EF5E}"/>
+              </a:ext>
+            </a:extLst>
+          </p:cNvPr>
+          <p:cNvSpPr>
+            <a:spLocks noGrp="1"/>
+          </p:cNvSpPr>
+          <p:nvPr>
+            <p:ph type="title"/>
+          </p:nvPr>
+        </p:nvSpPr>
+        <p:spPr/>
+        <p:txBody>
+          <a:bodyPr/>
+          <a:lstStyle/>
+          <a:p>
+            <a:r>
+              <a:rPr lang="pt-BR" dirty="0">
+                <a:solidFill>
+                  <a:srgbClr val="00B0F0"/>
+                </a:solidFill>
+                <a:latin typeface="Segoe UI" panose="020B0502040204020203" pitchFamily="34" charset="0"/>
+                <a:cs typeface="Segoe UI" panose="020B0502040204020203" pitchFamily="34" charset="0"/>
+              </a:rPr>
+              <a:t>Resource Management</a:t>
+            </a:r>
+          </a:p>
+        </p:txBody>
+      </p:sp>
+      <p:pic>
+        <p:nvPicPr>
+          <p:cNvPr id="10" name="Picture 2" descr="GitHub - isocpp/logos: C++ logos created for isocpp.org">
+            <a:extLst>
+              <a:ext uri="{FF2B5EF4-FFF2-40B4-BE49-F238E27FC236}">
+                <a16:creationId xmlns:a16="http://schemas.microsoft.com/office/drawing/2014/main" id="{6B7F8B00-6ACA-413F-BF98-5B69C47599E9}"/>
+              </a:ext>
+            </a:extLst>
+          </p:cNvPr>
+          <p:cNvPicPr>
+            <a:picLocks noChangeAspect="1" noChangeArrowheads="1"/>
+          </p:cNvPicPr>
+          <p:nvPr/>
+        </p:nvPicPr>
+        <p:blipFill>
+          <a:blip r:embed="rId2">
+            <a:extLst>
+              <a:ext uri="{28A0092B-C50C-407E-A947-70E740481C1C}">
+                <a14:useLocalDpi xmlns:a14="http://schemas.microsoft.com/office/drawing/2010/main" val="0"/>
+              </a:ext>
+            </a:extLst>
+          </a:blip>
+          <a:srcRect/>
+          <a:stretch>
+            <a:fillRect/>
+          </a:stretch>
+        </p:blipFill>
+        <p:spPr bwMode="auto">
+          <a:xfrm>
+            <a:off x="10951233" y="365125"/>
+            <a:ext cx="805134" cy="905069"/>
+          </a:xfrm>
+          <a:prstGeom prst="rect">
+            <a:avLst/>
+          </a:prstGeom>
+          <a:noFill/>
+          <a:extLst>
+            <a:ext uri="{909E8E84-426E-40DD-AFC4-6F175D3DCCD1}">
+              <a14:hiddenFill xmlns:a14="http://schemas.microsoft.com/office/drawing/2010/main">
+                <a:solidFill>
+                  <a:srgbClr val="FFFFFF"/>
+                </a:solidFill>
+              </a14:hiddenFill>
+            </a:ext>
+          </a:extLst>
+        </p:spPr>
+      </p:pic>
+      <p:sp>
+        <p:nvSpPr>
+          <p:cNvPr id="4" name="Slide Number Placeholder 3">
+            <a:extLst>
+              <a:ext uri="{FF2B5EF4-FFF2-40B4-BE49-F238E27FC236}">
+                <a16:creationId xmlns:a16="http://schemas.microsoft.com/office/drawing/2014/main" id="{1FB7980D-6ABC-4A00-8DC8-A167ABC49549}"/>
+              </a:ext>
+            </a:extLst>
+          </p:cNvPr>
+          <p:cNvSpPr>
+            <a:spLocks noGrp="1"/>
+          </p:cNvSpPr>
+          <p:nvPr>
+            <p:ph type="sldNum" sz="quarter" idx="12"/>
+          </p:nvPr>
+        </p:nvSpPr>
+        <p:spPr/>
+        <p:txBody>
+          <a:bodyPr/>
+          <a:lstStyle/>
+          <a:p>
+            <a:fld id="{5A188BD9-5E81-43C5-AE66-36AE3BDE6A9D}" type="slidenum">
+              <a:rPr lang="pt-BR" smtClean="0"/>
+              <a:t>85</a:t>
+            </a:fld>
+            <a:endParaRPr lang="pt-BR"/>
+          </a:p>
+        </p:txBody>
+      </p:sp>
+    </p:spTree>
+    <p:extLst>
+      <p:ext uri="{BB962C8B-B14F-4D97-AF65-F5344CB8AC3E}">
+        <p14:creationId xmlns:p14="http://schemas.microsoft.com/office/powerpoint/2010/main" val="3899385258"/>
+      </p:ext>
+    </p:extLst>
+  </p:cSld>
+  <p:clrMapOvr>
+    <a:masterClrMapping/>
+  </p:clrMapOvr>
+</p:sld>
+</file>
+
+<file path=ppt/slides/slide86.xml><?xml version="1.0" encoding="utf-8"?>
+<p:sld xmlns:a="http://schemas.openxmlformats.org/drawingml/2006/main" xmlns:r="http://schemas.openxmlformats.org/officeDocument/2006/relationships" xmlns:p="http://schemas.openxmlformats.org/presentationml/2006/main">
+  <p:cSld>
+    <p:spTree>
+      <p:nvGrpSpPr>
+        <p:cNvPr id="1" name=""/>
+        <p:cNvGrpSpPr/>
+        <p:nvPr/>
+      </p:nvGrpSpPr>
+      <p:grpSpPr>
+        <a:xfrm>
+          <a:off x="0" y="0"/>
+          <a:ext cx="0" cy="0"/>
+          <a:chOff x="0" y="0"/>
+          <a:chExt cx="0" cy="0"/>
+        </a:xfrm>
+      </p:grpSpPr>
+      <p:sp>
+        <p:nvSpPr>
+          <p:cNvPr id="2" name="Title 1">
+            <a:extLst>
+              <a:ext uri="{FF2B5EF4-FFF2-40B4-BE49-F238E27FC236}">
+                <a16:creationId xmlns:a16="http://schemas.microsoft.com/office/drawing/2014/main" id="{3681D759-3FEC-433A-94E5-DC6F4F23EF5E}"/>
+              </a:ext>
+            </a:extLst>
+          </p:cNvPr>
+          <p:cNvSpPr>
+            <a:spLocks noGrp="1"/>
+          </p:cNvSpPr>
+          <p:nvPr>
+            <p:ph type="title"/>
+          </p:nvPr>
+        </p:nvSpPr>
+        <p:spPr/>
+        <p:txBody>
+          <a:bodyPr/>
+          <a:lstStyle/>
+          <a:p>
+            <a:r>
+              <a:rPr lang="pt-BR" dirty="0">
+                <a:solidFill>
+                  <a:srgbClr val="00B0F0"/>
+                </a:solidFill>
+                <a:latin typeface="Segoe UI" panose="020B0502040204020203" pitchFamily="34" charset="0"/>
+                <a:cs typeface="Segoe UI" panose="020B0502040204020203" pitchFamily="34" charset="0"/>
+              </a:rPr>
+              <a:t>Compile-time Programming</a:t>
+            </a:r>
+          </a:p>
+        </p:txBody>
+      </p:sp>
+      <p:pic>
+        <p:nvPicPr>
+          <p:cNvPr id="10" name="Picture 2" descr="GitHub - isocpp/logos: C++ logos created for isocpp.org">
+            <a:extLst>
+              <a:ext uri="{FF2B5EF4-FFF2-40B4-BE49-F238E27FC236}">
+                <a16:creationId xmlns:a16="http://schemas.microsoft.com/office/drawing/2014/main" id="{6B7F8B00-6ACA-413F-BF98-5B69C47599E9}"/>
+              </a:ext>
+            </a:extLst>
+          </p:cNvPr>
+          <p:cNvPicPr>
+            <a:picLocks noChangeAspect="1" noChangeArrowheads="1"/>
+          </p:cNvPicPr>
+          <p:nvPr/>
+        </p:nvPicPr>
+        <p:blipFill>
+          <a:blip r:embed="rId2">
+            <a:extLst>
+              <a:ext uri="{28A0092B-C50C-407E-A947-70E740481C1C}">
+                <a14:useLocalDpi xmlns:a14="http://schemas.microsoft.com/office/drawing/2010/main" val="0"/>
+              </a:ext>
+            </a:extLst>
+          </a:blip>
+          <a:srcRect/>
+          <a:stretch>
+            <a:fillRect/>
+          </a:stretch>
+        </p:blipFill>
+        <p:spPr bwMode="auto">
+          <a:xfrm>
+            <a:off x="10951233" y="365125"/>
+            <a:ext cx="805134" cy="905069"/>
+          </a:xfrm>
+          <a:prstGeom prst="rect">
+            <a:avLst/>
+          </a:prstGeom>
+          <a:noFill/>
+          <a:extLst>
+            <a:ext uri="{909E8E84-426E-40DD-AFC4-6F175D3DCCD1}">
+              <a14:hiddenFill xmlns:a14="http://schemas.microsoft.com/office/drawing/2010/main">
+                <a:solidFill>
+                  <a:srgbClr val="FFFFFF"/>
+                </a:solidFill>
+              </a14:hiddenFill>
+            </a:ext>
+          </a:extLst>
+        </p:spPr>
+      </p:pic>
+      <p:sp>
+        <p:nvSpPr>
+          <p:cNvPr id="4" name="Slide Number Placeholder 3">
+            <a:extLst>
+              <a:ext uri="{FF2B5EF4-FFF2-40B4-BE49-F238E27FC236}">
+                <a16:creationId xmlns:a16="http://schemas.microsoft.com/office/drawing/2014/main" id="{1FB7980D-6ABC-4A00-8DC8-A167ABC49549}"/>
+              </a:ext>
+            </a:extLst>
+          </p:cNvPr>
+          <p:cNvSpPr>
+            <a:spLocks noGrp="1"/>
+          </p:cNvSpPr>
+          <p:nvPr>
+            <p:ph type="sldNum" sz="quarter" idx="12"/>
+          </p:nvPr>
+        </p:nvSpPr>
+        <p:spPr/>
+        <p:txBody>
+          <a:bodyPr/>
+          <a:lstStyle/>
+          <a:p>
+            <a:fld id="{5A188BD9-5E81-43C5-AE66-36AE3BDE6A9D}" type="slidenum">
+              <a:rPr lang="pt-BR" smtClean="0"/>
+              <a:t>86</a:t>
+            </a:fld>
+            <a:endParaRPr lang="pt-BR"/>
+          </a:p>
+        </p:txBody>
+      </p:sp>
+    </p:spTree>
+    <p:extLst>
+      <p:ext uri="{BB962C8B-B14F-4D97-AF65-F5344CB8AC3E}">
+        <p14:creationId xmlns:p14="http://schemas.microsoft.com/office/powerpoint/2010/main" val="2450211822"/>
+      </p:ext>
+    </p:extLst>
+  </p:cSld>
+  <p:clrMapOvr>
+    <a:masterClrMapping/>
+  </p:clrMapOvr>
+</p:sld>
+</file>
+
+<file path=ppt/slides/slide87.xml><?xml version="1.0" encoding="utf-8"?>
+<p:sld xmlns:a="http://schemas.openxmlformats.org/drawingml/2006/main" xmlns:r="http://schemas.openxmlformats.org/officeDocument/2006/relationships" xmlns:p="http://schemas.openxmlformats.org/presentationml/2006/main">
+  <p:cSld>
+    <p:spTree>
+      <p:nvGrpSpPr>
+        <p:cNvPr id="1" name=""/>
+        <p:cNvGrpSpPr/>
+        <p:nvPr/>
+      </p:nvGrpSpPr>
+      <p:grpSpPr>
+        <a:xfrm>
+          <a:off x="0" y="0"/>
+          <a:ext cx="0" cy="0"/>
+          <a:chOff x="0" y="0"/>
+          <a:chExt cx="0" cy="0"/>
+        </a:xfrm>
+      </p:grpSpPr>
+      <p:sp>
+        <p:nvSpPr>
+          <p:cNvPr id="2" name="Title 1">
+            <a:extLst>
+              <a:ext uri="{FF2B5EF4-FFF2-40B4-BE49-F238E27FC236}">
+                <a16:creationId xmlns:a16="http://schemas.microsoft.com/office/drawing/2014/main" id="{3681D759-3FEC-433A-94E5-DC6F4F23EF5E}"/>
+              </a:ext>
+            </a:extLst>
+          </p:cNvPr>
+          <p:cNvSpPr>
+            <a:spLocks noGrp="1"/>
+          </p:cNvSpPr>
+          <p:nvPr>
+            <p:ph type="title"/>
+          </p:nvPr>
+        </p:nvSpPr>
+        <p:spPr/>
+        <p:txBody>
+          <a:bodyPr/>
+          <a:lstStyle/>
+          <a:p>
+            <a:r>
+              <a:rPr lang="pt-BR" dirty="0">
+                <a:solidFill>
+                  <a:srgbClr val="00B0F0"/>
+                </a:solidFill>
+                <a:latin typeface="Segoe UI" panose="020B0502040204020203" pitchFamily="34" charset="0"/>
+                <a:cs typeface="Segoe UI" panose="020B0502040204020203" pitchFamily="34" charset="0"/>
+              </a:rPr>
+              <a:t>Pointers</a:t>
+            </a:r>
+          </a:p>
+        </p:txBody>
+      </p:sp>
+      <p:pic>
+        <p:nvPicPr>
+          <p:cNvPr id="10" name="Picture 2" descr="GitHub - isocpp/logos: C++ logos created for isocpp.org">
+            <a:extLst>
+              <a:ext uri="{FF2B5EF4-FFF2-40B4-BE49-F238E27FC236}">
+                <a16:creationId xmlns:a16="http://schemas.microsoft.com/office/drawing/2014/main" id="{6B7F8B00-6ACA-413F-BF98-5B69C47599E9}"/>
+              </a:ext>
+            </a:extLst>
+          </p:cNvPr>
+          <p:cNvPicPr>
+            <a:picLocks noChangeAspect="1" noChangeArrowheads="1"/>
+          </p:cNvPicPr>
+          <p:nvPr/>
+        </p:nvPicPr>
+        <p:blipFill>
+          <a:blip r:embed="rId2">
+            <a:extLst>
+              <a:ext uri="{28A0092B-C50C-407E-A947-70E740481C1C}">
+                <a14:useLocalDpi xmlns:a14="http://schemas.microsoft.com/office/drawing/2010/main" val="0"/>
+              </a:ext>
+            </a:extLst>
+          </a:blip>
+          <a:srcRect/>
+          <a:stretch>
+            <a:fillRect/>
+          </a:stretch>
+        </p:blipFill>
+        <p:spPr bwMode="auto">
+          <a:xfrm>
+            <a:off x="10951233" y="365125"/>
+            <a:ext cx="805134" cy="905069"/>
+          </a:xfrm>
+          <a:prstGeom prst="rect">
+            <a:avLst/>
+          </a:prstGeom>
+          <a:noFill/>
+          <a:extLst>
+            <a:ext uri="{909E8E84-426E-40DD-AFC4-6F175D3DCCD1}">
+              <a14:hiddenFill xmlns:a14="http://schemas.microsoft.com/office/drawing/2010/main">
+                <a:solidFill>
+                  <a:srgbClr val="FFFFFF"/>
+                </a:solidFill>
+              </a14:hiddenFill>
+            </a:ext>
+          </a:extLst>
+        </p:spPr>
+      </p:pic>
+      <p:sp>
+        <p:nvSpPr>
+          <p:cNvPr id="4" name="Slide Number Placeholder 3">
+            <a:extLst>
+              <a:ext uri="{FF2B5EF4-FFF2-40B4-BE49-F238E27FC236}">
+                <a16:creationId xmlns:a16="http://schemas.microsoft.com/office/drawing/2014/main" id="{1FB7980D-6ABC-4A00-8DC8-A167ABC49549}"/>
+              </a:ext>
+            </a:extLst>
+          </p:cNvPr>
+          <p:cNvSpPr>
+            <a:spLocks noGrp="1"/>
+          </p:cNvSpPr>
+          <p:nvPr>
+            <p:ph type="sldNum" sz="quarter" idx="12"/>
+          </p:nvPr>
+        </p:nvSpPr>
+        <p:spPr/>
+        <p:txBody>
+          <a:bodyPr/>
+          <a:lstStyle/>
+          <a:p>
+            <a:fld id="{5A188BD9-5E81-43C5-AE66-36AE3BDE6A9D}" type="slidenum">
+              <a:rPr lang="pt-BR" smtClean="0"/>
+              <a:t>87</a:t>
+            </a:fld>
+            <a:endParaRPr lang="pt-BR"/>
+          </a:p>
+        </p:txBody>
+      </p:sp>
+    </p:spTree>
+    <p:extLst>
+      <p:ext uri="{BB962C8B-B14F-4D97-AF65-F5344CB8AC3E}">
+        <p14:creationId xmlns:p14="http://schemas.microsoft.com/office/powerpoint/2010/main" val="512212757"/>
+      </p:ext>
+    </p:extLst>
+  </p:cSld>
+  <p:clrMapOvr>
+    <a:masterClrMapping/>
+  </p:clrMapOvr>
+</p:sld>
+</file>
+
+<file path=ppt/slides/slide88.xml><?xml version="1.0" encoding="utf-8"?>
+<p:sld xmlns:a="http://schemas.openxmlformats.org/drawingml/2006/main" xmlns:r="http://schemas.openxmlformats.org/officeDocument/2006/relationships" xmlns:p="http://schemas.openxmlformats.org/presentationml/2006/main">
+  <p:cSld>
+    <p:spTree>
+      <p:nvGrpSpPr>
+        <p:cNvPr id="1" name=""/>
+        <p:cNvGrpSpPr/>
+        <p:nvPr/>
+      </p:nvGrpSpPr>
+      <p:grpSpPr>
+        <a:xfrm>
+          <a:off x="0" y="0"/>
+          <a:ext cx="0" cy="0"/>
+          <a:chOff x="0" y="0"/>
+          <a:chExt cx="0" cy="0"/>
+        </a:xfrm>
+      </p:grpSpPr>
+      <p:sp>
+        <p:nvSpPr>
+          <p:cNvPr id="2" name="Title 1">
+            <a:extLst>
+              <a:ext uri="{FF2B5EF4-FFF2-40B4-BE49-F238E27FC236}">
+                <a16:creationId xmlns:a16="http://schemas.microsoft.com/office/drawing/2014/main" id="{3681D759-3FEC-433A-94E5-DC6F4F23EF5E}"/>
+              </a:ext>
+            </a:extLst>
+          </p:cNvPr>
+          <p:cNvSpPr>
+            <a:spLocks noGrp="1"/>
+          </p:cNvSpPr>
+          <p:nvPr>
+            <p:ph type="title"/>
+          </p:nvPr>
+        </p:nvSpPr>
+        <p:spPr/>
+        <p:txBody>
+          <a:bodyPr/>
+          <a:lstStyle/>
+          <a:p>
+            <a:r>
+              <a:rPr lang="pt-BR" dirty="0">
+                <a:solidFill>
+                  <a:srgbClr val="00B0F0"/>
+                </a:solidFill>
+                <a:latin typeface="Segoe UI" panose="020B0502040204020203" pitchFamily="34" charset="0"/>
+                <a:cs typeface="Segoe UI" panose="020B0502040204020203" pitchFamily="34" charset="0"/>
+              </a:rPr>
+              <a:t>References</a:t>
+            </a:r>
+          </a:p>
+        </p:txBody>
+      </p:sp>
+      <p:pic>
+        <p:nvPicPr>
+          <p:cNvPr id="10" name="Picture 2" descr="GitHub - isocpp/logos: C++ logos created for isocpp.org">
+            <a:extLst>
+              <a:ext uri="{FF2B5EF4-FFF2-40B4-BE49-F238E27FC236}">
+                <a16:creationId xmlns:a16="http://schemas.microsoft.com/office/drawing/2014/main" id="{6B7F8B00-6ACA-413F-BF98-5B69C47599E9}"/>
+              </a:ext>
+            </a:extLst>
+          </p:cNvPr>
+          <p:cNvPicPr>
+            <a:picLocks noChangeAspect="1" noChangeArrowheads="1"/>
+          </p:cNvPicPr>
+          <p:nvPr/>
+        </p:nvPicPr>
+        <p:blipFill>
+          <a:blip r:embed="rId2">
+            <a:extLst>
+              <a:ext uri="{28A0092B-C50C-407E-A947-70E740481C1C}">
+                <a14:useLocalDpi xmlns:a14="http://schemas.microsoft.com/office/drawing/2010/main" val="0"/>
+              </a:ext>
+            </a:extLst>
+          </a:blip>
+          <a:srcRect/>
+          <a:stretch>
+            <a:fillRect/>
+          </a:stretch>
+        </p:blipFill>
+        <p:spPr bwMode="auto">
+          <a:xfrm>
+            <a:off x="10951233" y="365125"/>
+            <a:ext cx="805134" cy="905069"/>
+          </a:xfrm>
+          <a:prstGeom prst="rect">
+            <a:avLst/>
+          </a:prstGeom>
+          <a:noFill/>
+          <a:extLst>
+            <a:ext uri="{909E8E84-426E-40DD-AFC4-6F175D3DCCD1}">
+              <a14:hiddenFill xmlns:a14="http://schemas.microsoft.com/office/drawing/2010/main">
+                <a:solidFill>
+                  <a:srgbClr val="FFFFFF"/>
+                </a:solidFill>
+              </a14:hiddenFill>
+            </a:ext>
+          </a:extLst>
+        </p:spPr>
+      </p:pic>
+      <p:sp>
+        <p:nvSpPr>
+          <p:cNvPr id="4" name="Slide Number Placeholder 3">
+            <a:extLst>
+              <a:ext uri="{FF2B5EF4-FFF2-40B4-BE49-F238E27FC236}">
+                <a16:creationId xmlns:a16="http://schemas.microsoft.com/office/drawing/2014/main" id="{1FB7980D-6ABC-4A00-8DC8-A167ABC49549}"/>
+              </a:ext>
+            </a:extLst>
+          </p:cNvPr>
+          <p:cNvSpPr>
+            <a:spLocks noGrp="1"/>
+          </p:cNvSpPr>
+          <p:nvPr>
+            <p:ph type="sldNum" sz="quarter" idx="12"/>
+          </p:nvPr>
+        </p:nvSpPr>
+        <p:spPr/>
+        <p:txBody>
+          <a:bodyPr/>
+          <a:lstStyle/>
+          <a:p>
+            <a:fld id="{5A188BD9-5E81-43C5-AE66-36AE3BDE6A9D}" type="slidenum">
+              <a:rPr lang="pt-BR" smtClean="0"/>
+              <a:t>88</a:t>
+            </a:fld>
+            <a:endParaRPr lang="pt-BR"/>
+          </a:p>
+        </p:txBody>
+      </p:sp>
+    </p:spTree>
+    <p:extLst>
+      <p:ext uri="{BB962C8B-B14F-4D97-AF65-F5344CB8AC3E}">
+        <p14:creationId xmlns:p14="http://schemas.microsoft.com/office/powerpoint/2010/main" val="3547693240"/>
+      </p:ext>
+    </p:extLst>
+  </p:cSld>
+  <p:clrMapOvr>
+    <a:masterClrMapping/>
+  </p:clrMapOvr>
+</p:sld>
+</file>
+
+<file path=ppt/slides/slide89.xml><?xml version="1.0" encoding="utf-8"?>
+<p:sld xmlns:a="http://schemas.openxmlformats.org/drawingml/2006/main" xmlns:r="http://schemas.openxmlformats.org/officeDocument/2006/relationships" xmlns:p="http://schemas.openxmlformats.org/presentationml/2006/main">
+  <p:cSld>
+    <p:spTree>
+      <p:nvGrpSpPr>
+        <p:cNvPr id="1" name=""/>
+        <p:cNvGrpSpPr/>
+        <p:nvPr/>
+      </p:nvGrpSpPr>
+      <p:grpSpPr>
+        <a:xfrm>
+          <a:off x="0" y="0"/>
+          <a:ext cx="0" cy="0"/>
+          <a:chOff x="0" y="0"/>
+          <a:chExt cx="0" cy="0"/>
+        </a:xfrm>
+      </p:grpSpPr>
+      <p:sp>
+        <p:nvSpPr>
+          <p:cNvPr id="2" name="Title 1">
+            <a:extLst>
+              <a:ext uri="{FF2B5EF4-FFF2-40B4-BE49-F238E27FC236}">
+                <a16:creationId xmlns:a16="http://schemas.microsoft.com/office/drawing/2014/main" id="{3681D759-3FEC-433A-94E5-DC6F4F23EF5E}"/>
+              </a:ext>
+            </a:extLst>
+          </p:cNvPr>
+          <p:cNvSpPr>
+            <a:spLocks noGrp="1"/>
+          </p:cNvSpPr>
+          <p:nvPr>
+            <p:ph type="title"/>
+          </p:nvPr>
+        </p:nvSpPr>
+        <p:spPr/>
+        <p:txBody>
+          <a:bodyPr/>
+          <a:lstStyle/>
+          <a:p>
+            <a:r>
+              <a:rPr lang="pt-BR" dirty="0">
+                <a:solidFill>
+                  <a:srgbClr val="00B0F0"/>
+                </a:solidFill>
+                <a:latin typeface="Segoe UI" panose="020B0502040204020203" pitchFamily="34" charset="0"/>
+                <a:cs typeface="Segoe UI" panose="020B0502040204020203" pitchFamily="34" charset="0"/>
+              </a:rPr>
+              <a:t>Const and Mutable</a:t>
+            </a:r>
+          </a:p>
+        </p:txBody>
+      </p:sp>
+      <p:pic>
+        <p:nvPicPr>
+          <p:cNvPr id="10" name="Picture 2" descr="GitHub - isocpp/logos: C++ logos created for isocpp.org">
+            <a:extLst>
+              <a:ext uri="{FF2B5EF4-FFF2-40B4-BE49-F238E27FC236}">
+                <a16:creationId xmlns:a16="http://schemas.microsoft.com/office/drawing/2014/main" id="{6B7F8B00-6ACA-413F-BF98-5B69C47599E9}"/>
+              </a:ext>
+            </a:extLst>
+          </p:cNvPr>
+          <p:cNvPicPr>
+            <a:picLocks noChangeAspect="1" noChangeArrowheads="1"/>
+          </p:cNvPicPr>
+          <p:nvPr/>
+        </p:nvPicPr>
+        <p:blipFill>
+          <a:blip r:embed="rId2">
+            <a:extLst>
+              <a:ext uri="{28A0092B-C50C-407E-A947-70E740481C1C}">
+                <a14:useLocalDpi xmlns:a14="http://schemas.microsoft.com/office/drawing/2010/main" val="0"/>
+              </a:ext>
+            </a:extLst>
+          </a:blip>
+          <a:srcRect/>
+          <a:stretch>
+            <a:fillRect/>
+          </a:stretch>
+        </p:blipFill>
+        <p:spPr bwMode="auto">
+          <a:xfrm>
+            <a:off x="10951233" y="365125"/>
+            <a:ext cx="805134" cy="905069"/>
+          </a:xfrm>
+          <a:prstGeom prst="rect">
+            <a:avLst/>
+          </a:prstGeom>
+          <a:noFill/>
+          <a:extLst>
+            <a:ext uri="{909E8E84-426E-40DD-AFC4-6F175D3DCCD1}">
+              <a14:hiddenFill xmlns:a14="http://schemas.microsoft.com/office/drawing/2010/main">
+                <a:solidFill>
+                  <a:srgbClr val="FFFFFF"/>
+                </a:solidFill>
+              </a14:hiddenFill>
+            </a:ext>
+          </a:extLst>
+        </p:spPr>
+      </p:pic>
+      <p:sp>
+        <p:nvSpPr>
+          <p:cNvPr id="4" name="Slide Number Placeholder 3">
+            <a:extLst>
+              <a:ext uri="{FF2B5EF4-FFF2-40B4-BE49-F238E27FC236}">
+                <a16:creationId xmlns:a16="http://schemas.microsoft.com/office/drawing/2014/main" id="{1FB7980D-6ABC-4A00-8DC8-A167ABC49549}"/>
+              </a:ext>
+            </a:extLst>
+          </p:cNvPr>
+          <p:cNvSpPr>
+            <a:spLocks noGrp="1"/>
+          </p:cNvSpPr>
+          <p:nvPr>
+            <p:ph type="sldNum" sz="quarter" idx="12"/>
+          </p:nvPr>
+        </p:nvSpPr>
+        <p:spPr/>
+        <p:txBody>
+          <a:bodyPr/>
+          <a:lstStyle/>
+          <a:p>
+            <a:fld id="{5A188BD9-5E81-43C5-AE66-36AE3BDE6A9D}" type="slidenum">
+              <a:rPr lang="pt-BR" smtClean="0"/>
+              <a:t>89</a:t>
+            </a:fld>
+            <a:endParaRPr lang="pt-BR"/>
+          </a:p>
+        </p:txBody>
+      </p:sp>
+    </p:spTree>
+    <p:extLst>
+      <p:ext uri="{BB962C8B-B14F-4D97-AF65-F5344CB8AC3E}">
+        <p14:creationId xmlns:p14="http://schemas.microsoft.com/office/powerpoint/2010/main" val="204148954"/>
+      </p:ext>
+    </p:extLst>
+  </p:cSld>
+  <p:clrMapOvr>
+    <a:masterClrMapping/>
+  </p:clrMapOvr>
+</p:sld>
+</file>
+
 <file path=ppt/slides/slide9.xml><?xml version="1.0" encoding="utf-8"?>
 <p:sld xmlns:a="http://schemas.openxmlformats.org/drawingml/2006/main" xmlns:r="http://schemas.openxmlformats.org/officeDocument/2006/relationships" xmlns:p="http://schemas.openxmlformats.org/presentationml/2006/main">
   <p:cSld>
@@ -46028,6 +48954,286 @@
     <p:extLst>
       <p:ext uri="{BB962C8B-B14F-4D97-AF65-F5344CB8AC3E}">
         <p14:creationId xmlns:p14="http://schemas.microsoft.com/office/powerpoint/2010/main" val="3380638414"/>
+      </p:ext>
+    </p:extLst>
+  </p:cSld>
+  <p:clrMapOvr>
+    <a:masterClrMapping/>
+  </p:clrMapOvr>
+</p:sld>
+</file>
+
+<file path=ppt/slides/slide90.xml><?xml version="1.0" encoding="utf-8"?>
+<p:sld xmlns:a="http://schemas.openxmlformats.org/drawingml/2006/main" xmlns:r="http://schemas.openxmlformats.org/officeDocument/2006/relationships" xmlns:p="http://schemas.openxmlformats.org/presentationml/2006/main">
+  <p:cSld>
+    <p:spTree>
+      <p:nvGrpSpPr>
+        <p:cNvPr id="1" name=""/>
+        <p:cNvGrpSpPr/>
+        <p:nvPr/>
+      </p:nvGrpSpPr>
+      <p:grpSpPr>
+        <a:xfrm>
+          <a:off x="0" y="0"/>
+          <a:ext cx="0" cy="0"/>
+          <a:chOff x="0" y="0"/>
+          <a:chExt cx="0" cy="0"/>
+        </a:xfrm>
+      </p:grpSpPr>
+      <p:sp>
+        <p:nvSpPr>
+          <p:cNvPr id="2" name="Title 1">
+            <a:extLst>
+              <a:ext uri="{FF2B5EF4-FFF2-40B4-BE49-F238E27FC236}">
+                <a16:creationId xmlns:a16="http://schemas.microsoft.com/office/drawing/2014/main" id="{3681D759-3FEC-433A-94E5-DC6F4F23EF5E}"/>
+              </a:ext>
+            </a:extLst>
+          </p:cNvPr>
+          <p:cNvSpPr>
+            <a:spLocks noGrp="1"/>
+          </p:cNvSpPr>
+          <p:nvPr>
+            <p:ph type="title"/>
+          </p:nvPr>
+        </p:nvSpPr>
+        <p:spPr/>
+        <p:txBody>
+          <a:bodyPr/>
+          <a:lstStyle/>
+          <a:p>
+            <a:r>
+              <a:rPr lang="pt-BR" dirty="0">
+                <a:solidFill>
+                  <a:srgbClr val="00B0F0"/>
+                </a:solidFill>
+                <a:latin typeface="Segoe UI" panose="020B0502040204020203" pitchFamily="34" charset="0"/>
+                <a:cs typeface="Segoe UI" panose="020B0502040204020203" pitchFamily="34" charset="0"/>
+              </a:rPr>
+              <a:t>Move Semantics</a:t>
+            </a:r>
+          </a:p>
+        </p:txBody>
+      </p:sp>
+      <p:pic>
+        <p:nvPicPr>
+          <p:cNvPr id="10" name="Picture 2" descr="GitHub - isocpp/logos: C++ logos created for isocpp.org">
+            <a:extLst>
+              <a:ext uri="{FF2B5EF4-FFF2-40B4-BE49-F238E27FC236}">
+                <a16:creationId xmlns:a16="http://schemas.microsoft.com/office/drawing/2014/main" id="{6B7F8B00-6ACA-413F-BF98-5B69C47599E9}"/>
+              </a:ext>
+            </a:extLst>
+          </p:cNvPr>
+          <p:cNvPicPr>
+            <a:picLocks noChangeAspect="1" noChangeArrowheads="1"/>
+          </p:cNvPicPr>
+          <p:nvPr/>
+        </p:nvPicPr>
+        <p:blipFill>
+          <a:blip r:embed="rId2">
+            <a:extLst>
+              <a:ext uri="{28A0092B-C50C-407E-A947-70E740481C1C}">
+                <a14:useLocalDpi xmlns:a14="http://schemas.microsoft.com/office/drawing/2010/main" val="0"/>
+              </a:ext>
+            </a:extLst>
+          </a:blip>
+          <a:srcRect/>
+          <a:stretch>
+            <a:fillRect/>
+          </a:stretch>
+        </p:blipFill>
+        <p:spPr bwMode="auto">
+          <a:xfrm>
+            <a:off x="10951233" y="365125"/>
+            <a:ext cx="805134" cy="905069"/>
+          </a:xfrm>
+          <a:prstGeom prst="rect">
+            <a:avLst/>
+          </a:prstGeom>
+          <a:noFill/>
+          <a:extLst>
+            <a:ext uri="{909E8E84-426E-40DD-AFC4-6F175D3DCCD1}">
+              <a14:hiddenFill xmlns:a14="http://schemas.microsoft.com/office/drawing/2010/main">
+                <a:solidFill>
+                  <a:srgbClr val="FFFFFF"/>
+                </a:solidFill>
+              </a14:hiddenFill>
+            </a:ext>
+          </a:extLst>
+        </p:spPr>
+      </p:pic>
+      <p:sp>
+        <p:nvSpPr>
+          <p:cNvPr id="4" name="Slide Number Placeholder 3">
+            <a:extLst>
+              <a:ext uri="{FF2B5EF4-FFF2-40B4-BE49-F238E27FC236}">
+                <a16:creationId xmlns:a16="http://schemas.microsoft.com/office/drawing/2014/main" id="{1FB7980D-6ABC-4A00-8DC8-A167ABC49549}"/>
+              </a:ext>
+            </a:extLst>
+          </p:cNvPr>
+          <p:cNvSpPr>
+            <a:spLocks noGrp="1"/>
+          </p:cNvSpPr>
+          <p:nvPr>
+            <p:ph type="sldNum" sz="quarter" idx="12"/>
+          </p:nvPr>
+        </p:nvSpPr>
+        <p:spPr/>
+        <p:txBody>
+          <a:bodyPr/>
+          <a:lstStyle/>
+          <a:p>
+            <a:fld id="{5A188BD9-5E81-43C5-AE66-36AE3BDE6A9D}" type="slidenum">
+              <a:rPr lang="pt-BR" smtClean="0"/>
+              <a:t>90</a:t>
+            </a:fld>
+            <a:endParaRPr lang="pt-BR"/>
+          </a:p>
+        </p:txBody>
+      </p:sp>
+    </p:spTree>
+    <p:extLst>
+      <p:ext uri="{BB962C8B-B14F-4D97-AF65-F5344CB8AC3E}">
+        <p14:creationId xmlns:p14="http://schemas.microsoft.com/office/powerpoint/2010/main" val="1201841896"/>
+      </p:ext>
+    </p:extLst>
+  </p:cSld>
+  <p:clrMapOvr>
+    <a:masterClrMapping/>
+  </p:clrMapOvr>
+</p:sld>
+</file>
+
+<file path=ppt/slides/slide91.xml><?xml version="1.0" encoding="utf-8"?>
+<p:sld xmlns:a="http://schemas.openxmlformats.org/drawingml/2006/main" xmlns:r="http://schemas.openxmlformats.org/officeDocument/2006/relationships" xmlns:p="http://schemas.openxmlformats.org/presentationml/2006/main">
+  <p:cSld>
+    <p:spTree>
+      <p:nvGrpSpPr>
+        <p:cNvPr id="1" name=""/>
+        <p:cNvGrpSpPr/>
+        <p:nvPr/>
+      </p:nvGrpSpPr>
+      <p:grpSpPr>
+        <a:xfrm>
+          <a:off x="0" y="0"/>
+          <a:ext cx="0" cy="0"/>
+          <a:chOff x="0" y="0"/>
+          <a:chExt cx="0" cy="0"/>
+        </a:xfrm>
+      </p:grpSpPr>
+      <p:sp>
+        <p:nvSpPr>
+          <p:cNvPr id="2" name="Title 1">
+            <a:extLst>
+              <a:ext uri="{FF2B5EF4-FFF2-40B4-BE49-F238E27FC236}">
+                <a16:creationId xmlns:a16="http://schemas.microsoft.com/office/drawing/2014/main" id="{3681D759-3FEC-433A-94E5-DC6F4F23EF5E}"/>
+              </a:ext>
+            </a:extLst>
+          </p:cNvPr>
+          <p:cNvSpPr>
+            <a:spLocks noGrp="1"/>
+          </p:cNvSpPr>
+          <p:nvPr>
+            <p:ph type="title"/>
+          </p:nvPr>
+        </p:nvSpPr>
+        <p:spPr/>
+        <p:txBody>
+          <a:bodyPr/>
+          <a:lstStyle/>
+          <a:p>
+            <a:r>
+              <a:rPr lang="pt-BR" dirty="0">
+                <a:solidFill>
+                  <a:srgbClr val="00B0F0"/>
+                </a:solidFill>
+                <a:latin typeface="Segoe UI" panose="020B0502040204020203" pitchFamily="34" charset="0"/>
+                <a:cs typeface="Segoe UI" panose="020B0502040204020203" pitchFamily="34" charset="0"/>
+              </a:rPr>
+              <a:t>Passing Parameters</a:t>
+            </a:r>
+          </a:p>
+        </p:txBody>
+      </p:sp>
+      <p:pic>
+        <p:nvPicPr>
+          <p:cNvPr id="10" name="Picture 2" descr="GitHub - isocpp/logos: C++ logos created for isocpp.org">
+            <a:extLst>
+              <a:ext uri="{FF2B5EF4-FFF2-40B4-BE49-F238E27FC236}">
+                <a16:creationId xmlns:a16="http://schemas.microsoft.com/office/drawing/2014/main" id="{6B7F8B00-6ACA-413F-BF98-5B69C47599E9}"/>
+              </a:ext>
+            </a:extLst>
+          </p:cNvPr>
+          <p:cNvPicPr>
+            <a:picLocks noChangeAspect="1" noChangeArrowheads="1"/>
+          </p:cNvPicPr>
+          <p:nvPr/>
+        </p:nvPicPr>
+        <p:blipFill>
+          <a:blip r:embed="rId2">
+            <a:extLst>
+              <a:ext uri="{28A0092B-C50C-407E-A947-70E740481C1C}">
+                <a14:useLocalDpi xmlns:a14="http://schemas.microsoft.com/office/drawing/2010/main" val="0"/>
+              </a:ext>
+            </a:extLst>
+          </a:blip>
+          <a:srcRect/>
+          <a:stretch>
+            <a:fillRect/>
+          </a:stretch>
+        </p:blipFill>
+        <p:spPr bwMode="auto">
+          <a:xfrm>
+            <a:off x="10951233" y="365125"/>
+            <a:ext cx="805134" cy="905069"/>
+          </a:xfrm>
+          <a:prstGeom prst="rect">
+            <a:avLst/>
+          </a:prstGeom>
+          <a:noFill/>
+          <a:extLst>
+            <a:ext uri="{909E8E84-426E-40DD-AFC4-6F175D3DCCD1}">
+              <a14:hiddenFill xmlns:a14="http://schemas.microsoft.com/office/drawing/2010/main">
+                <a:solidFill>
+                  <a:srgbClr val="FFFFFF"/>
+                </a:solidFill>
+              </a14:hiddenFill>
+            </a:ext>
+          </a:extLst>
+        </p:spPr>
+      </p:pic>
+      <p:sp>
+        <p:nvSpPr>
+          <p:cNvPr id="4" name="Slide Number Placeholder 3">
+            <a:extLst>
+              <a:ext uri="{FF2B5EF4-FFF2-40B4-BE49-F238E27FC236}">
+                <a16:creationId xmlns:a16="http://schemas.microsoft.com/office/drawing/2014/main" id="{1FB7980D-6ABC-4A00-8DC8-A167ABC49549}"/>
+              </a:ext>
+            </a:extLst>
+          </p:cNvPr>
+          <p:cNvSpPr>
+            <a:spLocks noGrp="1"/>
+          </p:cNvSpPr>
+          <p:nvPr>
+            <p:ph type="sldNum" sz="quarter" idx="12"/>
+          </p:nvPr>
+        </p:nvSpPr>
+        <p:spPr/>
+        <p:txBody>
+          <a:bodyPr/>
+          <a:lstStyle/>
+          <a:p>
+            <a:fld id="{5A188BD9-5E81-43C5-AE66-36AE3BDE6A9D}" type="slidenum">
+              <a:rPr lang="pt-BR" smtClean="0"/>
+              <a:t>91</a:t>
+            </a:fld>
+            <a:endParaRPr lang="pt-BR"/>
+          </a:p>
+        </p:txBody>
+      </p:sp>
+    </p:spTree>
+    <p:extLst>
+      <p:ext uri="{BB962C8B-B14F-4D97-AF65-F5344CB8AC3E}">
+        <p14:creationId xmlns:p14="http://schemas.microsoft.com/office/powerpoint/2010/main" val="2403597044"/>
       </p:ext>
     </p:extLst>
   </p:cSld>

--- a/slides/C++.pptx
+++ b/slides/C++.pptx
@@ -5,7 +5,7 @@
     <p:sldMasterId id="2147483648" r:id="rId1"/>
   </p:sldMasterIdLst>
   <p:notesMasterIdLst>
-    <p:notesMasterId r:id="rId93"/>
+    <p:notesMasterId r:id="rId101"/>
   </p:notesMasterIdLst>
   <p:sldIdLst>
     <p:sldId id="256" r:id="rId2"/>
@@ -79,26 +79,34 @@
     <p:sldId id="424" r:id="rId70"/>
     <p:sldId id="425" r:id="rId71"/>
     <p:sldId id="426" r:id="rId72"/>
-    <p:sldId id="416" r:id="rId73"/>
-    <p:sldId id="417" r:id="rId74"/>
-    <p:sldId id="348" r:id="rId75"/>
-    <p:sldId id="349" r:id="rId76"/>
-    <p:sldId id="350" r:id="rId77"/>
-    <p:sldId id="351" r:id="rId78"/>
-    <p:sldId id="352" r:id="rId79"/>
-    <p:sldId id="353" r:id="rId80"/>
-    <p:sldId id="354" r:id="rId81"/>
-    <p:sldId id="355" r:id="rId82"/>
-    <p:sldId id="356" r:id="rId83"/>
-    <p:sldId id="357" r:id="rId84"/>
-    <p:sldId id="367" r:id="rId85"/>
-    <p:sldId id="366" r:id="rId86"/>
-    <p:sldId id="358" r:id="rId87"/>
-    <p:sldId id="361" r:id="rId88"/>
-    <p:sldId id="362" r:id="rId89"/>
-    <p:sldId id="363" r:id="rId90"/>
-    <p:sldId id="364" r:id="rId91"/>
-    <p:sldId id="365" r:id="rId92"/>
+    <p:sldId id="428" r:id="rId73"/>
+    <p:sldId id="427" r:id="rId74"/>
+    <p:sldId id="434" r:id="rId75"/>
+    <p:sldId id="416" r:id="rId76"/>
+    <p:sldId id="417" r:id="rId77"/>
+    <p:sldId id="348" r:id="rId78"/>
+    <p:sldId id="350" r:id="rId79"/>
+    <p:sldId id="358" r:id="rId80"/>
+    <p:sldId id="429" r:id="rId81"/>
+    <p:sldId id="430" r:id="rId82"/>
+    <p:sldId id="431" r:id="rId83"/>
+    <p:sldId id="432" r:id="rId84"/>
+    <p:sldId id="433" r:id="rId85"/>
+    <p:sldId id="349" r:id="rId86"/>
+    <p:sldId id="351" r:id="rId87"/>
+    <p:sldId id="352" r:id="rId88"/>
+    <p:sldId id="353" r:id="rId89"/>
+    <p:sldId id="354" r:id="rId90"/>
+    <p:sldId id="355" r:id="rId91"/>
+    <p:sldId id="356" r:id="rId92"/>
+    <p:sldId id="357" r:id="rId93"/>
+    <p:sldId id="367" r:id="rId94"/>
+    <p:sldId id="366" r:id="rId95"/>
+    <p:sldId id="361" r:id="rId96"/>
+    <p:sldId id="362" r:id="rId97"/>
+    <p:sldId id="363" r:id="rId98"/>
+    <p:sldId id="364" r:id="rId99"/>
+    <p:sldId id="365" r:id="rId100"/>
   </p:sldIdLst>
   <p:sldSz cx="12192000" cy="6858000"/>
   <p:notesSz cx="6858000" cy="9144000"/>
@@ -287,7 +295,7 @@
           <a:p>
             <a:fld id="{F57348E8-8886-490D-B84A-D97E608AAD37}" type="datetimeFigureOut">
               <a:rPr lang="pt-BR" smtClean="0"/>
-              <a:t>26/11/2020</a:t>
+              <a:t>01/12/2020</a:t>
             </a:fld>
             <a:endParaRPr lang="pt-BR"/>
           </a:p>
@@ -704,7 +712,7 @@
           <a:p>
             <a:fld id="{61CAFA4C-84B1-4E56-B9FD-6D8048F08223}" type="datetime1">
               <a:rPr lang="pt-BR" smtClean="0"/>
-              <a:t>26/11/2020</a:t>
+              <a:t>01/12/2020</a:t>
             </a:fld>
             <a:endParaRPr lang="pt-BR"/>
           </a:p>
@@ -904,7 +912,7 @@
           <a:p>
             <a:fld id="{45305A30-CF91-450E-BD95-EF1DB408EEF5}" type="datetime1">
               <a:rPr lang="pt-BR" smtClean="0"/>
-              <a:t>26/11/2020</a:t>
+              <a:t>01/12/2020</a:t>
             </a:fld>
             <a:endParaRPr lang="pt-BR"/>
           </a:p>
@@ -1114,7 +1122,7 @@
           <a:p>
             <a:fld id="{112BEF76-305C-4396-8525-3589BC3A3147}" type="datetime1">
               <a:rPr lang="pt-BR" smtClean="0"/>
-              <a:t>26/11/2020</a:t>
+              <a:t>01/12/2020</a:t>
             </a:fld>
             <a:endParaRPr lang="pt-BR"/>
           </a:p>
@@ -1314,7 +1322,7 @@
           <a:p>
             <a:fld id="{B2F40358-9FFB-401B-8055-011F96392D10}" type="datetime1">
               <a:rPr lang="pt-BR" smtClean="0"/>
-              <a:t>26/11/2020</a:t>
+              <a:t>01/12/2020</a:t>
             </a:fld>
             <a:endParaRPr lang="pt-BR"/>
           </a:p>
@@ -1590,7 +1598,7 @@
           <a:p>
             <a:fld id="{220F6295-E54F-4770-9141-FDCF46A2ADAA}" type="datetime1">
               <a:rPr lang="pt-BR" smtClean="0"/>
-              <a:t>26/11/2020</a:t>
+              <a:t>01/12/2020</a:t>
             </a:fld>
             <a:endParaRPr lang="pt-BR"/>
           </a:p>
@@ -1858,7 +1866,7 @@
           <a:p>
             <a:fld id="{C57DBD24-AEDA-47E1-912F-DD5F3E5B0878}" type="datetime1">
               <a:rPr lang="pt-BR" smtClean="0"/>
-              <a:t>26/11/2020</a:t>
+              <a:t>01/12/2020</a:t>
             </a:fld>
             <a:endParaRPr lang="pt-BR"/>
           </a:p>
@@ -2273,7 +2281,7 @@
           <a:p>
             <a:fld id="{2B3C0E04-3AB0-4AFA-B718-209D69DD0606}" type="datetime1">
               <a:rPr lang="pt-BR" smtClean="0"/>
-              <a:t>26/11/2020</a:t>
+              <a:t>01/12/2020</a:t>
             </a:fld>
             <a:endParaRPr lang="pt-BR"/>
           </a:p>
@@ -2415,7 +2423,7 @@
           <a:p>
             <a:fld id="{3EC6698A-6B86-4D70-87CE-4826DF9D0312}" type="datetime1">
               <a:rPr lang="pt-BR" smtClean="0"/>
-              <a:t>26/11/2020</a:t>
+              <a:t>01/12/2020</a:t>
             </a:fld>
             <a:endParaRPr lang="pt-BR"/>
           </a:p>
@@ -2528,7 +2536,7 @@
           <a:p>
             <a:fld id="{E8D1940B-74B1-47B8-8137-DC1B3D7CFF92}" type="datetime1">
               <a:rPr lang="pt-BR" smtClean="0"/>
-              <a:t>26/11/2020</a:t>
+              <a:t>01/12/2020</a:t>
             </a:fld>
             <a:endParaRPr lang="pt-BR"/>
           </a:p>
@@ -2841,7 +2849,7 @@
           <a:p>
             <a:fld id="{8A2B5F9B-A892-44DC-A79E-EDA80B19CD1E}" type="datetime1">
               <a:rPr lang="pt-BR" smtClean="0"/>
-              <a:t>26/11/2020</a:t>
+              <a:t>01/12/2020</a:t>
             </a:fld>
             <a:endParaRPr lang="pt-BR"/>
           </a:p>
@@ -3130,7 +3138,7 @@
           <a:p>
             <a:fld id="{484A0796-8C5C-4FB3-93EA-5A1B21B7F90C}" type="datetime1">
               <a:rPr lang="pt-BR" smtClean="0"/>
-              <a:t>26/11/2020</a:t>
+              <a:t>01/12/2020</a:t>
             </a:fld>
             <a:endParaRPr lang="pt-BR"/>
           </a:p>
@@ -3373,7 +3381,7 @@
           <a:p>
             <a:fld id="{C60EDFCB-90FE-4183-81DD-507C9F560A9E}" type="datetime1">
               <a:rPr lang="pt-BR" smtClean="0"/>
-              <a:t>26/11/2020</a:t>
+              <a:t>01/12/2020</a:t>
             </a:fld>
             <a:endParaRPr lang="pt-BR"/>
           </a:p>
@@ -3867,6 +3875,73 @@
           </a:p>
         </p:txBody>
       </p:sp>
+      <p:sp>
+        <p:nvSpPr>
+          <p:cNvPr id="4" name="Title 1">
+            <a:extLst>
+              <a:ext uri="{FF2B5EF4-FFF2-40B4-BE49-F238E27FC236}">
+                <a16:creationId xmlns:a16="http://schemas.microsoft.com/office/drawing/2014/main" id="{E849BB57-0E62-475A-9AD7-5E2F881FC253}"/>
+              </a:ext>
+            </a:extLst>
+          </p:cNvPr>
+          <p:cNvSpPr txBox="1">
+            <a:spLocks/>
+          </p:cNvSpPr>
+          <p:nvPr/>
+        </p:nvSpPr>
+        <p:spPr>
+          <a:xfrm>
+            <a:off x="0" y="365125"/>
+            <a:ext cx="12192000" cy="6270567"/>
+          </a:xfrm>
+          <a:prstGeom prst="rect">
+            <a:avLst/>
+          </a:prstGeom>
+        </p:spPr>
+        <p:txBody>
+          <a:bodyPr vert="horz" lIns="91440" tIns="45720" rIns="91440" bIns="45720" rtlCol="0" anchor="b">
+            <a:normAutofit/>
+          </a:bodyPr>
+          <a:lstStyle>
+            <a:lvl1pPr algn="ctr" defTabSz="914400" rtl="0" eaLnBrk="1" latinLnBrk="0" hangingPunct="1">
+              <a:lnSpc>
+                <a:spcPct val="90000"/>
+              </a:lnSpc>
+              <a:spcBef>
+                <a:spcPct val="0"/>
+              </a:spcBef>
+              <a:buNone/>
+              <a:defRPr sz="6000" kern="1200">
+                <a:solidFill>
+                  <a:schemeClr val="tx1"/>
+                </a:solidFill>
+                <a:latin typeface="+mj-lt"/>
+                <a:ea typeface="+mj-ea"/>
+                <a:cs typeface="+mj-cs"/>
+              </a:defRPr>
+            </a:lvl1pPr>
+          </a:lstStyle>
+          <a:p>
+            <a:r>
+              <a:rPr lang="en-US" b="1" dirty="0">
+                <a:solidFill>
+                  <a:srgbClr val="00B0F0"/>
+                </a:solidFill>
+                <a:latin typeface="Segoe UI" panose="020B0502040204020203" pitchFamily="34" charset="0"/>
+                <a:cs typeface="Segoe UI" panose="020B0502040204020203" pitchFamily="34" charset="0"/>
+              </a:rPr>
+              <a:t>#01</a:t>
+            </a:r>
+            <a:endParaRPr lang="pt-BR" b="1" dirty="0">
+              <a:solidFill>
+                <a:srgbClr val="00B0F0"/>
+              </a:solidFill>
+              <a:latin typeface="Segoe UI" panose="020B0502040204020203" pitchFamily="34" charset="0"/>
+              <a:cs typeface="Segoe UI" panose="020B0502040204020203" pitchFamily="34" charset="0"/>
+            </a:endParaRPr>
+          </a:p>
+        </p:txBody>
+      </p:sp>
     </p:spTree>
     <p:extLst>
       <p:ext uri="{BB962C8B-B14F-4D97-AF65-F5344CB8AC3E}">
@@ -6276,6 +6351,73 @@
               <a:t>17</a:t>
             </a:fld>
             <a:endParaRPr lang="pt-BR"/>
+          </a:p>
+        </p:txBody>
+      </p:sp>
+      <p:sp>
+        <p:nvSpPr>
+          <p:cNvPr id="4" name="Title 1">
+            <a:extLst>
+              <a:ext uri="{FF2B5EF4-FFF2-40B4-BE49-F238E27FC236}">
+                <a16:creationId xmlns:a16="http://schemas.microsoft.com/office/drawing/2014/main" id="{0ABE380F-5D77-4D58-B88A-BDB2D13B21E4}"/>
+              </a:ext>
+            </a:extLst>
+          </p:cNvPr>
+          <p:cNvSpPr txBox="1">
+            <a:spLocks/>
+          </p:cNvSpPr>
+          <p:nvPr/>
+        </p:nvSpPr>
+        <p:spPr>
+          <a:xfrm>
+            <a:off x="0" y="365125"/>
+            <a:ext cx="12192000" cy="6270567"/>
+          </a:xfrm>
+          <a:prstGeom prst="rect">
+            <a:avLst/>
+          </a:prstGeom>
+        </p:spPr>
+        <p:txBody>
+          <a:bodyPr vert="horz" lIns="91440" tIns="45720" rIns="91440" bIns="45720" rtlCol="0" anchor="b">
+            <a:normAutofit/>
+          </a:bodyPr>
+          <a:lstStyle>
+            <a:lvl1pPr algn="ctr" defTabSz="914400" rtl="0" eaLnBrk="1" latinLnBrk="0" hangingPunct="1">
+              <a:lnSpc>
+                <a:spcPct val="90000"/>
+              </a:lnSpc>
+              <a:spcBef>
+                <a:spcPct val="0"/>
+              </a:spcBef>
+              <a:buNone/>
+              <a:defRPr sz="6000" kern="1200">
+                <a:solidFill>
+                  <a:schemeClr val="tx1"/>
+                </a:solidFill>
+                <a:latin typeface="+mj-lt"/>
+                <a:ea typeface="+mj-ea"/>
+                <a:cs typeface="+mj-cs"/>
+              </a:defRPr>
+            </a:lvl1pPr>
+          </a:lstStyle>
+          <a:p>
+            <a:r>
+              <a:rPr lang="en-US" b="1" dirty="0">
+                <a:solidFill>
+                  <a:srgbClr val="00B0F0"/>
+                </a:solidFill>
+                <a:latin typeface="Segoe UI" panose="020B0502040204020203" pitchFamily="34" charset="0"/>
+                <a:cs typeface="Segoe UI" panose="020B0502040204020203" pitchFamily="34" charset="0"/>
+              </a:rPr>
+              <a:t>#02</a:t>
+            </a:r>
+            <a:endParaRPr lang="pt-BR" b="1" dirty="0">
+              <a:solidFill>
+                <a:srgbClr val="00B0F0"/>
+              </a:solidFill>
+              <a:latin typeface="Segoe UI" panose="020B0502040204020203" pitchFamily="34" charset="0"/>
+              <a:cs typeface="Segoe UI" panose="020B0502040204020203" pitchFamily="34" charset="0"/>
+            </a:endParaRPr>
           </a:p>
         </p:txBody>
       </p:sp>
@@ -33706,6 +33848,73 @@
           </a:p>
         </p:txBody>
       </p:sp>
+      <p:sp>
+        <p:nvSpPr>
+          <p:cNvPr id="4" name="Title 1">
+            <a:extLst>
+              <a:ext uri="{FF2B5EF4-FFF2-40B4-BE49-F238E27FC236}">
+                <a16:creationId xmlns:a16="http://schemas.microsoft.com/office/drawing/2014/main" id="{27A64686-3CBA-4A65-9F81-D9B95474EF52}"/>
+              </a:ext>
+            </a:extLst>
+          </p:cNvPr>
+          <p:cNvSpPr txBox="1">
+            <a:spLocks/>
+          </p:cNvSpPr>
+          <p:nvPr/>
+        </p:nvSpPr>
+        <p:spPr>
+          <a:xfrm>
+            <a:off x="0" y="365125"/>
+            <a:ext cx="12192000" cy="6270567"/>
+          </a:xfrm>
+          <a:prstGeom prst="rect">
+            <a:avLst/>
+          </a:prstGeom>
+        </p:spPr>
+        <p:txBody>
+          <a:bodyPr vert="horz" lIns="91440" tIns="45720" rIns="91440" bIns="45720" rtlCol="0" anchor="b">
+            <a:normAutofit/>
+          </a:bodyPr>
+          <a:lstStyle>
+            <a:lvl1pPr algn="ctr" defTabSz="914400" rtl="0" eaLnBrk="1" latinLnBrk="0" hangingPunct="1">
+              <a:lnSpc>
+                <a:spcPct val="90000"/>
+              </a:lnSpc>
+              <a:spcBef>
+                <a:spcPct val="0"/>
+              </a:spcBef>
+              <a:buNone/>
+              <a:defRPr sz="6000" kern="1200">
+                <a:solidFill>
+                  <a:schemeClr val="tx1"/>
+                </a:solidFill>
+                <a:latin typeface="+mj-lt"/>
+                <a:ea typeface="+mj-ea"/>
+                <a:cs typeface="+mj-cs"/>
+              </a:defRPr>
+            </a:lvl1pPr>
+          </a:lstStyle>
+          <a:p>
+            <a:r>
+              <a:rPr lang="en-US" b="1" dirty="0">
+                <a:solidFill>
+                  <a:srgbClr val="00B0F0"/>
+                </a:solidFill>
+                <a:latin typeface="Segoe UI" panose="020B0502040204020203" pitchFamily="34" charset="0"/>
+                <a:cs typeface="Segoe UI" panose="020B0502040204020203" pitchFamily="34" charset="0"/>
+              </a:rPr>
+              <a:t>#03</a:t>
+            </a:r>
+            <a:endParaRPr lang="pt-BR" b="1" dirty="0">
+              <a:solidFill>
+                <a:srgbClr val="00B0F0"/>
+              </a:solidFill>
+              <a:latin typeface="Segoe UI" panose="020B0502040204020203" pitchFamily="34" charset="0"/>
+              <a:cs typeface="Segoe UI" panose="020B0502040204020203" pitchFamily="34" charset="0"/>
+            </a:endParaRPr>
+          </a:p>
+        </p:txBody>
+      </p:sp>
     </p:spTree>
     <p:extLst>
       <p:ext uri="{BB962C8B-B14F-4D97-AF65-F5344CB8AC3E}">
@@ -42285,6 +42494,73 @@
           </a:p>
         </p:txBody>
       </p:sp>
+      <p:sp>
+        <p:nvSpPr>
+          <p:cNvPr id="4" name="Title 1">
+            <a:extLst>
+              <a:ext uri="{FF2B5EF4-FFF2-40B4-BE49-F238E27FC236}">
+                <a16:creationId xmlns:a16="http://schemas.microsoft.com/office/drawing/2014/main" id="{B8FE7F76-ECD7-4791-89BD-F6349B7E6F19}"/>
+              </a:ext>
+            </a:extLst>
+          </p:cNvPr>
+          <p:cNvSpPr txBox="1">
+            <a:spLocks/>
+          </p:cNvSpPr>
+          <p:nvPr/>
+        </p:nvSpPr>
+        <p:spPr>
+          <a:xfrm>
+            <a:off x="0" y="365125"/>
+            <a:ext cx="12192000" cy="6270567"/>
+          </a:xfrm>
+          <a:prstGeom prst="rect">
+            <a:avLst/>
+          </a:prstGeom>
+        </p:spPr>
+        <p:txBody>
+          <a:bodyPr vert="horz" lIns="91440" tIns="45720" rIns="91440" bIns="45720" rtlCol="0" anchor="b">
+            <a:normAutofit/>
+          </a:bodyPr>
+          <a:lstStyle>
+            <a:lvl1pPr algn="ctr" defTabSz="914400" rtl="0" eaLnBrk="1" latinLnBrk="0" hangingPunct="1">
+              <a:lnSpc>
+                <a:spcPct val="90000"/>
+              </a:lnSpc>
+              <a:spcBef>
+                <a:spcPct val="0"/>
+              </a:spcBef>
+              <a:buNone/>
+              <a:defRPr sz="6000" kern="1200">
+                <a:solidFill>
+                  <a:schemeClr val="tx1"/>
+                </a:solidFill>
+                <a:latin typeface="+mj-lt"/>
+                <a:ea typeface="+mj-ea"/>
+                <a:cs typeface="+mj-cs"/>
+              </a:defRPr>
+            </a:lvl1pPr>
+          </a:lstStyle>
+          <a:p>
+            <a:r>
+              <a:rPr lang="en-US" b="1" dirty="0">
+                <a:solidFill>
+                  <a:srgbClr val="00B0F0"/>
+                </a:solidFill>
+                <a:latin typeface="Segoe UI" panose="020B0502040204020203" pitchFamily="34" charset="0"/>
+                <a:cs typeface="Segoe UI" panose="020B0502040204020203" pitchFamily="34" charset="0"/>
+              </a:rPr>
+              <a:t>#04</a:t>
+            </a:r>
+            <a:endParaRPr lang="pt-BR" b="1" dirty="0">
+              <a:solidFill>
+                <a:srgbClr val="00B0F0"/>
+              </a:solidFill>
+              <a:latin typeface="Segoe UI" panose="020B0502040204020203" pitchFamily="34" charset="0"/>
+              <a:cs typeface="Segoe UI" panose="020B0502040204020203" pitchFamily="34" charset="0"/>
+            </a:endParaRPr>
+          </a:p>
+        </p:txBody>
+      </p:sp>
     </p:spTree>
     <p:extLst>
       <p:ext uri="{BB962C8B-B14F-4D97-AF65-F5344CB8AC3E}">
@@ -43851,6 +44127,73 @@
           </a:p>
         </p:txBody>
       </p:sp>
+      <p:sp>
+        <p:nvSpPr>
+          <p:cNvPr id="4" name="Title 1">
+            <a:extLst>
+              <a:ext uri="{FF2B5EF4-FFF2-40B4-BE49-F238E27FC236}">
+                <a16:creationId xmlns:a16="http://schemas.microsoft.com/office/drawing/2014/main" id="{3B990E38-7A77-4C4C-AF05-5DFBC34F4C41}"/>
+              </a:ext>
+            </a:extLst>
+          </p:cNvPr>
+          <p:cNvSpPr txBox="1">
+            <a:spLocks/>
+          </p:cNvSpPr>
+          <p:nvPr/>
+        </p:nvSpPr>
+        <p:spPr>
+          <a:xfrm>
+            <a:off x="0" y="365125"/>
+            <a:ext cx="12192000" cy="6270567"/>
+          </a:xfrm>
+          <a:prstGeom prst="rect">
+            <a:avLst/>
+          </a:prstGeom>
+        </p:spPr>
+        <p:txBody>
+          <a:bodyPr vert="horz" lIns="91440" tIns="45720" rIns="91440" bIns="45720" rtlCol="0" anchor="b">
+            <a:normAutofit/>
+          </a:bodyPr>
+          <a:lstStyle>
+            <a:lvl1pPr algn="ctr" defTabSz="914400" rtl="0" eaLnBrk="1" latinLnBrk="0" hangingPunct="1">
+              <a:lnSpc>
+                <a:spcPct val="90000"/>
+              </a:lnSpc>
+              <a:spcBef>
+                <a:spcPct val="0"/>
+              </a:spcBef>
+              <a:buNone/>
+              <a:defRPr sz="6000" kern="1200">
+                <a:solidFill>
+                  <a:schemeClr val="tx1"/>
+                </a:solidFill>
+                <a:latin typeface="+mj-lt"/>
+                <a:ea typeface="+mj-ea"/>
+                <a:cs typeface="+mj-cs"/>
+              </a:defRPr>
+            </a:lvl1pPr>
+          </a:lstStyle>
+          <a:p>
+            <a:r>
+              <a:rPr lang="en-US" b="1" dirty="0">
+                <a:solidFill>
+                  <a:srgbClr val="00B0F0"/>
+                </a:solidFill>
+                <a:latin typeface="Segoe UI" panose="020B0502040204020203" pitchFamily="34" charset="0"/>
+                <a:cs typeface="Segoe UI" panose="020B0502040204020203" pitchFamily="34" charset="0"/>
+              </a:rPr>
+              <a:t>#05</a:t>
+            </a:r>
+            <a:endParaRPr lang="pt-BR" b="1" dirty="0">
+              <a:solidFill>
+                <a:srgbClr val="00B0F0"/>
+              </a:solidFill>
+              <a:latin typeface="Segoe UI" panose="020B0502040204020203" pitchFamily="34" charset="0"/>
+              <a:cs typeface="Segoe UI" panose="020B0502040204020203" pitchFamily="34" charset="0"/>
+            </a:endParaRPr>
+          </a:p>
+        </p:txBody>
+      </p:sp>
     </p:spTree>
     <p:extLst>
       <p:ext uri="{BB962C8B-B14F-4D97-AF65-F5344CB8AC3E}">
@@ -44125,11 +44468,18 @@
               <a:buChar char="§"/>
             </a:pPr>
             <a:r>
+              <a:rPr lang="en-US" sz="2400" dirty="0" err="1">
+                <a:latin typeface="Segoe UI" panose="020B0502040204020203" pitchFamily="34" charset="0"/>
+                <a:cs typeface="Segoe UI" panose="020B0502040204020203" pitchFamily="34" charset="0"/>
+              </a:rPr>
+              <a:t>Biblioteca</a:t>
+            </a:r>
+            <a:r>
               <a:rPr lang="en-US" sz="2400" dirty="0">
                 <a:latin typeface="Segoe UI" panose="020B0502040204020203" pitchFamily="34" charset="0"/>
                 <a:cs typeface="Segoe UI" panose="020B0502040204020203" pitchFamily="34" charset="0"/>
               </a:rPr>
-              <a:t>Catch2</a:t>
+              <a:t> Catch2</a:t>
             </a:r>
           </a:p>
           <a:p>
@@ -44361,7 +44711,35 @@
                 <a:latin typeface="Segoe UI" panose="020B0502040204020203" pitchFamily="34" charset="0"/>
                 <a:cs typeface="Segoe UI" panose="020B0502040204020203" pitchFamily="34" charset="0"/>
               </a:rPr>
-              <a:t>Warnings</a:t>
+              <a:t>Warnings (-Wall, –</a:t>
+            </a:r>
+            <a:r>
+              <a:rPr lang="en-US" sz="2400" dirty="0" err="1">
+                <a:latin typeface="Segoe UI" panose="020B0502040204020203" pitchFamily="34" charset="0"/>
+                <a:cs typeface="Segoe UI" panose="020B0502040204020203" pitchFamily="34" charset="0"/>
+              </a:rPr>
+              <a:t>Wextra</a:t>
+            </a:r>
+            <a:r>
+              <a:rPr lang="en-US" sz="2400" dirty="0">
+                <a:latin typeface="Segoe UI" panose="020B0502040204020203" pitchFamily="34" charset="0"/>
+                <a:cs typeface="Segoe UI" panose="020B0502040204020203" pitchFamily="34" charset="0"/>
+              </a:rPr>
+              <a:t>, –pedantic, –</a:t>
+            </a:r>
+            <a:r>
+              <a:rPr lang="en-US" sz="2400" dirty="0" err="1">
+                <a:latin typeface="Segoe UI" panose="020B0502040204020203" pitchFamily="34" charset="0"/>
+                <a:cs typeface="Segoe UI" panose="020B0502040204020203" pitchFamily="34" charset="0"/>
+              </a:rPr>
+              <a:t>Weverything</a:t>
+            </a:r>
+            <a:r>
+              <a:rPr lang="en-US" sz="2400" dirty="0">
+                <a:latin typeface="Segoe UI" panose="020B0502040204020203" pitchFamily="34" charset="0"/>
+                <a:cs typeface="Segoe UI" panose="020B0502040204020203" pitchFamily="34" charset="0"/>
+              </a:rPr>
+              <a:t>)</a:t>
             </a:r>
           </a:p>
           <a:p>
@@ -44428,7 +44806,35 @@
                 <a:latin typeface="Segoe UI" panose="020B0502040204020203" pitchFamily="34" charset="0"/>
                 <a:cs typeface="Segoe UI" panose="020B0502040204020203" pitchFamily="34" charset="0"/>
               </a:rPr>
-              <a:t> de Código</a:t>
+              <a:t> de Código (PC-Lint, </a:t>
+            </a:r>
+            <a:r>
+              <a:rPr lang="en-US" sz="2400" dirty="0" err="1">
+                <a:latin typeface="Segoe UI" panose="020B0502040204020203" pitchFamily="34" charset="0"/>
+                <a:cs typeface="Segoe UI" panose="020B0502040204020203" pitchFamily="34" charset="0"/>
+              </a:rPr>
+              <a:t>cppcheck</a:t>
+            </a:r>
+            <a:r>
+              <a:rPr lang="en-US" sz="2400" dirty="0">
+                <a:latin typeface="Segoe UI" panose="020B0502040204020203" pitchFamily="34" charset="0"/>
+                <a:cs typeface="Segoe UI" panose="020B0502040204020203" pitchFamily="34" charset="0"/>
+              </a:rPr>
+              <a:t>, Sonar </a:t>
+            </a:r>
+            <a:r>
+              <a:rPr lang="en-US" sz="2400" dirty="0" err="1">
+                <a:latin typeface="Segoe UI" panose="020B0502040204020203" pitchFamily="34" charset="0"/>
+                <a:cs typeface="Segoe UI" panose="020B0502040204020203" pitchFamily="34" charset="0"/>
+              </a:rPr>
+              <a:t>Qube</a:t>
+            </a:r>
+            <a:r>
+              <a:rPr lang="en-US" sz="2400" dirty="0">
+                <a:latin typeface="Segoe UI" panose="020B0502040204020203" pitchFamily="34" charset="0"/>
+                <a:cs typeface="Segoe UI" panose="020B0502040204020203" pitchFamily="34" charset="0"/>
+              </a:rPr>
+              <a:t>, etc.)</a:t>
             </a:r>
           </a:p>
           <a:p>
@@ -44606,7 +45012,7 @@
         </p:spPr>
         <p:txBody>
           <a:bodyPr>
-            <a:normAutofit/>
+            <a:normAutofit fontScale="85000" lnSpcReduction="10000"/>
           </a:bodyPr>
           <a:lstStyle/>
           <a:p>
@@ -44615,11 +45021,18 @@
               <a:buChar char="§"/>
             </a:pPr>
             <a:r>
+              <a:rPr lang="en-US" sz="2400" dirty="0">
+                <a:latin typeface="Segoe UI" panose="020B0502040204020203" pitchFamily="34" charset="0"/>
+                <a:cs typeface="Segoe UI" panose="020B0502040204020203" pitchFamily="34" charset="0"/>
+              </a:rPr>
+              <a:t>Técnica para </a:t>
+            </a:r>
+            <a:r>
               <a:rPr lang="en-US" sz="2400" dirty="0" err="1">
                 <a:latin typeface="Segoe UI" panose="020B0502040204020203" pitchFamily="34" charset="0"/>
                 <a:cs typeface="Segoe UI" panose="020B0502040204020203" pitchFamily="34" charset="0"/>
               </a:rPr>
-              <a:t>Erros</a:t>
+              <a:t>verificações</a:t>
             </a:r>
             <a:r>
               <a:rPr lang="en-US" sz="2400" dirty="0">
@@ -44633,8 +45046,49 @@
                 <a:latin typeface="Segoe UI" panose="020B0502040204020203" pitchFamily="34" charset="0"/>
                 <a:cs typeface="Segoe UI" panose="020B0502040204020203" pitchFamily="34" charset="0"/>
               </a:rPr>
-              <a:t>compilação</a:t>
-            </a:r>
+              <a:t>suposições</a:t>
+            </a:r>
+            <a:r>
+              <a:rPr lang="en-US" sz="2400" dirty="0">
+                <a:latin typeface="Segoe UI" panose="020B0502040204020203" pitchFamily="34" charset="0"/>
+                <a:cs typeface="Segoe UI" panose="020B0502040204020203" pitchFamily="34" charset="0"/>
+              </a:rPr>
+              <a:t> </a:t>
+            </a:r>
+            <a:r>
+              <a:rPr lang="en-US" sz="2400" dirty="0" err="1">
+                <a:latin typeface="Segoe UI" panose="020B0502040204020203" pitchFamily="34" charset="0"/>
+                <a:cs typeface="Segoe UI" panose="020B0502040204020203" pitchFamily="34" charset="0"/>
+              </a:rPr>
+              <a:t>sobre</a:t>
+            </a:r>
+            <a:r>
+              <a:rPr lang="en-US" sz="2400" dirty="0">
+                <a:latin typeface="Segoe UI" panose="020B0502040204020203" pitchFamily="34" charset="0"/>
+                <a:cs typeface="Segoe UI" panose="020B0502040204020203" pitchFamily="34" charset="0"/>
+              </a:rPr>
+              <a:t> o Código-</a:t>
+            </a:r>
+            <a:r>
+              <a:rPr lang="en-US" sz="2400" dirty="0" err="1">
+                <a:latin typeface="Segoe UI" panose="020B0502040204020203" pitchFamily="34" charset="0"/>
+                <a:cs typeface="Segoe UI" panose="020B0502040204020203" pitchFamily="34" charset="0"/>
+              </a:rPr>
+              <a:t>fonte</a:t>
+            </a:r>
+            <a:r>
+              <a:rPr lang="en-US" sz="2400" dirty="0">
+                <a:latin typeface="Segoe UI" panose="020B0502040204020203" pitchFamily="34" charset="0"/>
+                <a:cs typeface="Segoe UI" panose="020B0502040204020203" pitchFamily="34" charset="0"/>
+              </a:rPr>
+              <a:t>;</a:t>
+            </a:r>
+          </a:p>
+          <a:p>
+            <a:pPr>
+              <a:buFont typeface="Wingdings" panose="05000000000000000000" pitchFamily="2" charset="2"/>
+              <a:buChar char="§"/>
+            </a:pPr>
             <a:endParaRPr lang="en-US" sz="2400" dirty="0">
               <a:latin typeface="Segoe UI" panose="020B0502040204020203" pitchFamily="34" charset="0"/>
               <a:cs typeface="Segoe UI" panose="020B0502040204020203" pitchFamily="34" charset="0"/>
@@ -44645,6 +45099,124 @@
               <a:buFont typeface="Wingdings" panose="05000000000000000000" pitchFamily="2" charset="2"/>
               <a:buChar char="§"/>
             </a:pPr>
+            <a:r>
+              <a:rPr lang="en-US" sz="2400" dirty="0" err="1">
+                <a:latin typeface="Segoe UI" panose="020B0502040204020203" pitchFamily="34" charset="0"/>
+                <a:cs typeface="Segoe UI" panose="020B0502040204020203" pitchFamily="34" charset="0"/>
+              </a:rPr>
+              <a:t>Valida</a:t>
+            </a:r>
+            <a:r>
+              <a:rPr lang="en-US" sz="2400" dirty="0">
+                <a:latin typeface="Segoe UI" panose="020B0502040204020203" pitchFamily="34" charset="0"/>
+                <a:cs typeface="Segoe UI" panose="020B0502040204020203" pitchFamily="34" charset="0"/>
+              </a:rPr>
+              <a:t> um </a:t>
+            </a:r>
+            <a:r>
+              <a:rPr lang="en-US" sz="2400" dirty="0" err="1">
+                <a:latin typeface="Segoe UI" panose="020B0502040204020203" pitchFamily="34" charset="0"/>
+                <a:cs typeface="Segoe UI" panose="020B0502040204020203" pitchFamily="34" charset="0"/>
+              </a:rPr>
+              <a:t>contrato</a:t>
+            </a:r>
+            <a:r>
+              <a:rPr lang="en-US" sz="2400" dirty="0">
+                <a:latin typeface="Segoe UI" panose="020B0502040204020203" pitchFamily="34" charset="0"/>
+                <a:cs typeface="Segoe UI" panose="020B0502040204020203" pitchFamily="34" charset="0"/>
+              </a:rPr>
+              <a:t> </a:t>
+            </a:r>
+            <a:r>
+              <a:rPr lang="en-US" sz="2400" dirty="0" err="1">
+                <a:latin typeface="Segoe UI" panose="020B0502040204020203" pitchFamily="34" charset="0"/>
+                <a:cs typeface="Segoe UI" panose="020B0502040204020203" pitchFamily="34" charset="0"/>
+              </a:rPr>
+              <a:t>existente</a:t>
+            </a:r>
+            <a:r>
+              <a:rPr lang="en-US" sz="2400" dirty="0">
+                <a:latin typeface="Segoe UI" panose="020B0502040204020203" pitchFamily="34" charset="0"/>
+                <a:cs typeface="Segoe UI" panose="020B0502040204020203" pitchFamily="34" charset="0"/>
+              </a:rPr>
+              <a:t> entre o Código que chama </a:t>
+            </a:r>
+            <a:r>
+              <a:rPr lang="en-US" sz="2400" dirty="0" err="1">
+                <a:latin typeface="Segoe UI" panose="020B0502040204020203" pitchFamily="34" charset="0"/>
+                <a:cs typeface="Segoe UI" panose="020B0502040204020203" pitchFamily="34" charset="0"/>
+              </a:rPr>
+              <a:t>uma</a:t>
+            </a:r>
+            <a:r>
+              <a:rPr lang="en-US" sz="2400" dirty="0">
+                <a:latin typeface="Segoe UI" panose="020B0502040204020203" pitchFamily="34" charset="0"/>
+                <a:cs typeface="Segoe UI" panose="020B0502040204020203" pitchFamily="34" charset="0"/>
+              </a:rPr>
+              <a:t> </a:t>
+            </a:r>
+            <a:r>
+              <a:rPr lang="en-US" sz="2400" dirty="0" err="1">
+                <a:latin typeface="Segoe UI" panose="020B0502040204020203" pitchFamily="34" charset="0"/>
+                <a:cs typeface="Segoe UI" panose="020B0502040204020203" pitchFamily="34" charset="0"/>
+              </a:rPr>
+              <a:t>função</a:t>
+            </a:r>
+            <a:r>
+              <a:rPr lang="en-US" sz="2400" dirty="0">
+                <a:latin typeface="Segoe UI" panose="020B0502040204020203" pitchFamily="34" charset="0"/>
+                <a:cs typeface="Segoe UI" panose="020B0502040204020203" pitchFamily="34" charset="0"/>
+              </a:rPr>
+              <a:t> e a </a:t>
+            </a:r>
+            <a:r>
+              <a:rPr lang="en-US" sz="2400" dirty="0" err="1">
+                <a:latin typeface="Segoe UI" panose="020B0502040204020203" pitchFamily="34" charset="0"/>
+                <a:cs typeface="Segoe UI" panose="020B0502040204020203" pitchFamily="34" charset="0"/>
+              </a:rPr>
+              <a:t>função</a:t>
+            </a:r>
+            <a:r>
+              <a:rPr lang="en-US" sz="2400" dirty="0">
+                <a:latin typeface="Segoe UI" panose="020B0502040204020203" pitchFamily="34" charset="0"/>
+                <a:cs typeface="Segoe UI" panose="020B0502040204020203" pitchFamily="34" charset="0"/>
+              </a:rPr>
+              <a:t> </a:t>
+            </a:r>
+            <a:r>
+              <a:rPr lang="en-US" sz="2400" dirty="0" err="1">
+                <a:latin typeface="Segoe UI" panose="020B0502040204020203" pitchFamily="34" charset="0"/>
+                <a:cs typeface="Segoe UI" panose="020B0502040204020203" pitchFamily="34" charset="0"/>
+              </a:rPr>
+              <a:t>em</a:t>
+            </a:r>
+            <a:r>
+              <a:rPr lang="en-US" sz="2400" dirty="0">
+                <a:latin typeface="Segoe UI" panose="020B0502040204020203" pitchFamily="34" charset="0"/>
+                <a:cs typeface="Segoe UI" panose="020B0502040204020203" pitchFamily="34" charset="0"/>
+              </a:rPr>
+              <a:t> </a:t>
+            </a:r>
+            <a:r>
+              <a:rPr lang="en-US" sz="2400" dirty="0" err="1">
+                <a:latin typeface="Segoe UI" panose="020B0502040204020203" pitchFamily="34" charset="0"/>
+                <a:cs typeface="Segoe UI" panose="020B0502040204020203" pitchFamily="34" charset="0"/>
+              </a:rPr>
+              <a:t>si</a:t>
+            </a:r>
+            <a:r>
+              <a:rPr lang="en-US" sz="2400" dirty="0">
+                <a:latin typeface="Segoe UI" panose="020B0502040204020203" pitchFamily="34" charset="0"/>
+                <a:cs typeface="Segoe UI" panose="020B0502040204020203" pitchFamily="34" charset="0"/>
+              </a:rPr>
+              <a:t>;</a:t>
+            </a:r>
+          </a:p>
+          <a:p>
+            <a:pPr>
+              <a:buFont typeface="Wingdings" panose="05000000000000000000" pitchFamily="2" charset="2"/>
+              <a:buChar char="§"/>
+            </a:pPr>
             <a:endParaRPr lang="en-US" sz="2400" dirty="0">
               <a:latin typeface="Segoe UI" panose="020B0502040204020203" pitchFamily="34" charset="0"/>
               <a:cs typeface="Segoe UI" panose="020B0502040204020203" pitchFamily="34" charset="0"/>
@@ -44656,11 +45228,74 @@
               <a:buChar char="§"/>
             </a:pPr>
             <a:r>
+              <a:rPr lang="en-US" sz="2400" dirty="0" err="1">
+                <a:latin typeface="Segoe UI" panose="020B0502040204020203" pitchFamily="34" charset="0"/>
+                <a:cs typeface="Segoe UI" panose="020B0502040204020203" pitchFamily="34" charset="0"/>
+              </a:rPr>
+              <a:t>Valida</a:t>
+            </a:r>
+            <a:r>
               <a:rPr lang="en-US" sz="2400" dirty="0">
                 <a:latin typeface="Segoe UI" panose="020B0502040204020203" pitchFamily="34" charset="0"/>
                 <a:cs typeface="Segoe UI" panose="020B0502040204020203" pitchFamily="34" charset="0"/>
               </a:rPr>
-              <a:t>Warnings</a:t>
+              <a:t> </a:t>
+            </a:r>
+            <a:r>
+              <a:rPr lang="en-US" sz="2400" dirty="0" err="1">
+                <a:latin typeface="Segoe UI" panose="020B0502040204020203" pitchFamily="34" charset="0"/>
+                <a:cs typeface="Segoe UI" panose="020B0502040204020203" pitchFamily="34" charset="0"/>
+              </a:rPr>
+              <a:t>pré-condições</a:t>
+            </a:r>
+            <a:r>
+              <a:rPr lang="en-US" sz="2400" dirty="0">
+                <a:latin typeface="Segoe UI" panose="020B0502040204020203" pitchFamily="34" charset="0"/>
+                <a:cs typeface="Segoe UI" panose="020B0502040204020203" pitchFamily="34" charset="0"/>
+              </a:rPr>
+              <a:t> e </a:t>
+            </a:r>
+            <a:r>
+              <a:rPr lang="en-US" sz="2400" dirty="0" err="1">
+                <a:latin typeface="Segoe UI" panose="020B0502040204020203" pitchFamily="34" charset="0"/>
+                <a:cs typeface="Segoe UI" panose="020B0502040204020203" pitchFamily="34" charset="0"/>
+              </a:rPr>
+              <a:t>pós-condições</a:t>
+            </a:r>
+            <a:r>
+              <a:rPr lang="en-US" sz="2400" dirty="0">
+                <a:latin typeface="Segoe UI" panose="020B0502040204020203" pitchFamily="34" charset="0"/>
+                <a:cs typeface="Segoe UI" panose="020B0502040204020203" pitchFamily="34" charset="0"/>
+              </a:rPr>
+              <a:t> de </a:t>
+            </a:r>
+            <a:r>
+              <a:rPr lang="en-US" sz="2400" dirty="0" err="1">
+                <a:latin typeface="Segoe UI" panose="020B0502040204020203" pitchFamily="34" charset="0"/>
+                <a:cs typeface="Segoe UI" panose="020B0502040204020203" pitchFamily="34" charset="0"/>
+              </a:rPr>
+              <a:t>uma</a:t>
+            </a:r>
+            <a:r>
+              <a:rPr lang="en-US" sz="2400" dirty="0">
+                <a:latin typeface="Segoe UI" panose="020B0502040204020203" pitchFamily="34" charset="0"/>
+                <a:cs typeface="Segoe UI" panose="020B0502040204020203" pitchFamily="34" charset="0"/>
+              </a:rPr>
+              <a:t> </a:t>
+            </a:r>
+            <a:r>
+              <a:rPr lang="en-US" sz="2400" dirty="0" err="1">
+                <a:latin typeface="Segoe UI" panose="020B0502040204020203" pitchFamily="34" charset="0"/>
+                <a:cs typeface="Segoe UI" panose="020B0502040204020203" pitchFamily="34" charset="0"/>
+              </a:rPr>
+              <a:t>função</a:t>
+            </a:r>
+            <a:r>
+              <a:rPr lang="en-US" sz="2400" dirty="0">
+                <a:latin typeface="Segoe UI" panose="020B0502040204020203" pitchFamily="34" charset="0"/>
+                <a:cs typeface="Segoe UI" panose="020B0502040204020203" pitchFamily="34" charset="0"/>
+              </a:rPr>
+              <a:t>;</a:t>
             </a:r>
           </a:p>
           <a:p>
@@ -44679,11 +45314,88 @@
               <a:buChar char="§"/>
             </a:pPr>
             <a:r>
+              <a:rPr lang="en-US" sz="2400" dirty="0" err="1">
+                <a:latin typeface="Segoe UI" panose="020B0502040204020203" pitchFamily="34" charset="0"/>
+                <a:cs typeface="Segoe UI" panose="020B0502040204020203" pitchFamily="34" charset="0"/>
+              </a:rPr>
+              <a:t>Utilizada</a:t>
+            </a:r>
+            <a:r>
               <a:rPr lang="en-US" sz="2400" dirty="0">
                 <a:latin typeface="Segoe UI" panose="020B0502040204020203" pitchFamily="34" charset="0"/>
                 <a:cs typeface="Segoe UI" panose="020B0502040204020203" pitchFamily="34" charset="0"/>
               </a:rPr>
-              <a:t>Static Assert</a:t>
+              <a:t> para </a:t>
+            </a:r>
+            <a:r>
+              <a:rPr lang="en-US" sz="2400" dirty="0" err="1">
+                <a:latin typeface="Segoe UI" panose="020B0502040204020203" pitchFamily="34" charset="0"/>
+                <a:cs typeface="Segoe UI" panose="020B0502040204020203" pitchFamily="34" charset="0"/>
+              </a:rPr>
+              <a:t>tratar</a:t>
+            </a:r>
+            <a:r>
+              <a:rPr lang="en-US" sz="2400" dirty="0">
+                <a:latin typeface="Segoe UI" panose="020B0502040204020203" pitchFamily="34" charset="0"/>
+                <a:cs typeface="Segoe UI" panose="020B0502040204020203" pitchFamily="34" charset="0"/>
+              </a:rPr>
+              <a:t> </a:t>
+            </a:r>
+            <a:r>
+              <a:rPr lang="en-US" sz="2400" dirty="0" err="1">
+                <a:latin typeface="Segoe UI" panose="020B0502040204020203" pitchFamily="34" charset="0"/>
+                <a:cs typeface="Segoe UI" panose="020B0502040204020203" pitchFamily="34" charset="0"/>
+              </a:rPr>
+              <a:t>erros</a:t>
+            </a:r>
+            <a:r>
+              <a:rPr lang="en-US" sz="2400" dirty="0">
+                <a:latin typeface="Segoe UI" panose="020B0502040204020203" pitchFamily="34" charset="0"/>
+                <a:cs typeface="Segoe UI" panose="020B0502040204020203" pitchFamily="34" charset="0"/>
+              </a:rPr>
+              <a:t> que o Sistema </a:t>
+            </a:r>
+            <a:r>
+              <a:rPr lang="en-US" sz="2400" dirty="0" err="1">
+                <a:latin typeface="Segoe UI" panose="020B0502040204020203" pitchFamily="34" charset="0"/>
+                <a:cs typeface="Segoe UI" panose="020B0502040204020203" pitchFamily="34" charset="0"/>
+              </a:rPr>
+              <a:t>não</a:t>
+            </a:r>
+            <a:r>
+              <a:rPr lang="en-US" sz="2400" dirty="0">
+                <a:latin typeface="Segoe UI" panose="020B0502040204020203" pitchFamily="34" charset="0"/>
+                <a:cs typeface="Segoe UI" panose="020B0502040204020203" pitchFamily="34" charset="0"/>
+              </a:rPr>
+              <a:t> </a:t>
+            </a:r>
+            <a:r>
+              <a:rPr lang="en-US" sz="2400" dirty="0" err="1">
+                <a:latin typeface="Segoe UI" panose="020B0502040204020203" pitchFamily="34" charset="0"/>
+                <a:cs typeface="Segoe UI" panose="020B0502040204020203" pitchFamily="34" charset="0"/>
+              </a:rPr>
+              <a:t>consegue</a:t>
+            </a:r>
+            <a:r>
+              <a:rPr lang="en-US" sz="2400" dirty="0">
+                <a:latin typeface="Segoe UI" panose="020B0502040204020203" pitchFamily="34" charset="0"/>
+                <a:cs typeface="Segoe UI" panose="020B0502040204020203" pitchFamily="34" charset="0"/>
+              </a:rPr>
+              <a:t> se </a:t>
+            </a:r>
+            <a:r>
+              <a:rPr lang="en-US" sz="2400" dirty="0" err="1">
+                <a:latin typeface="Segoe UI" panose="020B0502040204020203" pitchFamily="34" charset="0"/>
+                <a:cs typeface="Segoe UI" panose="020B0502040204020203" pitchFamily="34" charset="0"/>
+              </a:rPr>
+              <a:t>recuperar</a:t>
+            </a:r>
+            <a:r>
+              <a:rPr lang="en-US" sz="2400" dirty="0">
+                <a:latin typeface="Segoe UI" panose="020B0502040204020203" pitchFamily="34" charset="0"/>
+                <a:cs typeface="Segoe UI" panose="020B0502040204020203" pitchFamily="34" charset="0"/>
+              </a:rPr>
+              <a:t>;</a:t>
             </a:r>
           </a:p>
           <a:p>
@@ -44702,42 +45414,217 @@
               <a:buChar char="§"/>
             </a:pPr>
             <a:r>
+              <a:rPr lang="en-US" sz="2400" dirty="0">
+                <a:latin typeface="Segoe UI" panose="020B0502040204020203" pitchFamily="34" charset="0"/>
+                <a:cs typeface="Segoe UI" panose="020B0502040204020203" pitchFamily="34" charset="0"/>
+              </a:rPr>
+              <a:t>NÃO </a:t>
+            </a:r>
+            <a:r>
               <a:rPr lang="en-US" sz="2400" dirty="0" err="1">
                 <a:latin typeface="Segoe UI" panose="020B0502040204020203" pitchFamily="34" charset="0"/>
                 <a:cs typeface="Segoe UI" panose="020B0502040204020203" pitchFamily="34" charset="0"/>
               </a:rPr>
-              <a:t>Análise</a:t>
+              <a:t>pode</a:t>
             </a:r>
             <a:r>
               <a:rPr lang="en-US" sz="2400" dirty="0">
                 <a:latin typeface="Segoe UI" panose="020B0502040204020203" pitchFamily="34" charset="0"/>
                 <a:cs typeface="Segoe UI" panose="020B0502040204020203" pitchFamily="34" charset="0"/>
               </a:rPr>
-              <a:t> </a:t>
+              <a:t> ser </a:t>
             </a:r>
             <a:r>
               <a:rPr lang="en-US" sz="2400" dirty="0" err="1">
                 <a:latin typeface="Segoe UI" panose="020B0502040204020203" pitchFamily="34" charset="0"/>
                 <a:cs typeface="Segoe UI" panose="020B0502040204020203" pitchFamily="34" charset="0"/>
               </a:rPr>
-              <a:t>Estática</a:t>
+              <a:t>utilizada</a:t>
             </a:r>
             <a:r>
               <a:rPr lang="en-US" sz="2400" dirty="0">
                 <a:latin typeface="Segoe UI" panose="020B0502040204020203" pitchFamily="34" charset="0"/>
                 <a:cs typeface="Segoe UI" panose="020B0502040204020203" pitchFamily="34" charset="0"/>
               </a:rPr>
-              <a:t> de Código</a:t>
-            </a:r>
-          </a:p>
-          <a:p>
-            <a:pPr marL="0" indent="0">
-              <a:buNone/>
+              <a:t> para </a:t>
+            </a:r>
+            <a:r>
+              <a:rPr lang="en-US" sz="2400" dirty="0" err="1">
+                <a:latin typeface="Segoe UI" panose="020B0502040204020203" pitchFamily="34" charset="0"/>
+                <a:cs typeface="Segoe UI" panose="020B0502040204020203" pitchFamily="34" charset="0"/>
+              </a:rPr>
+              <a:t>tratar</a:t>
+            </a:r>
+            <a:r>
+              <a:rPr lang="en-US" sz="2400" dirty="0">
+                <a:latin typeface="Segoe UI" panose="020B0502040204020203" pitchFamily="34" charset="0"/>
+                <a:cs typeface="Segoe UI" panose="020B0502040204020203" pitchFamily="34" charset="0"/>
+              </a:rPr>
+              <a:t> as entradas do Sistema;</a:t>
+            </a:r>
+          </a:p>
+          <a:p>
+            <a:pPr>
+              <a:buFont typeface="Wingdings" panose="05000000000000000000" pitchFamily="2" charset="2"/>
+              <a:buChar char="§"/>
             </a:pPr>
             <a:endParaRPr lang="en-US" sz="2400" dirty="0">
               <a:latin typeface="Segoe UI" panose="020B0502040204020203" pitchFamily="34" charset="0"/>
               <a:cs typeface="Segoe UI" panose="020B0502040204020203" pitchFamily="34" charset="0"/>
             </a:endParaRPr>
+          </a:p>
+          <a:p>
+            <a:pPr>
+              <a:buFont typeface="Wingdings" panose="05000000000000000000" pitchFamily="2" charset="2"/>
+              <a:buChar char="§"/>
+            </a:pPr>
+            <a:r>
+              <a:rPr lang="en-US" sz="2400" dirty="0">
+                <a:latin typeface="Segoe UI" panose="020B0502040204020203" pitchFamily="34" charset="0"/>
+                <a:cs typeface="Segoe UI" panose="020B0502040204020203" pitchFamily="34" charset="0"/>
+              </a:rPr>
+              <a:t>“</a:t>
+            </a:r>
+            <a:r>
+              <a:rPr lang="en-US" sz="2400" dirty="0" err="1">
+                <a:latin typeface="Segoe UI" panose="020B0502040204020203" pitchFamily="34" charset="0"/>
+                <a:cs typeface="Segoe UI" panose="020B0502040204020203" pitchFamily="34" charset="0"/>
+              </a:rPr>
+              <a:t>Esta</a:t>
+            </a:r>
+            <a:r>
+              <a:rPr lang="en-US" sz="2400" dirty="0">
+                <a:latin typeface="Segoe UI" panose="020B0502040204020203" pitchFamily="34" charset="0"/>
+                <a:cs typeface="Segoe UI" panose="020B0502040204020203" pitchFamily="34" charset="0"/>
+              </a:rPr>
+              <a:t> </a:t>
+            </a:r>
+            <a:r>
+              <a:rPr lang="en-US" sz="2400" dirty="0" err="1">
+                <a:latin typeface="Segoe UI" panose="020B0502040204020203" pitchFamily="34" charset="0"/>
+                <a:cs typeface="Segoe UI" panose="020B0502040204020203" pitchFamily="34" charset="0"/>
+              </a:rPr>
+              <a:t>variável</a:t>
+            </a:r>
+            <a:r>
+              <a:rPr lang="en-US" sz="2400" dirty="0">
+                <a:latin typeface="Segoe UI" panose="020B0502040204020203" pitchFamily="34" charset="0"/>
+                <a:cs typeface="Segoe UI" panose="020B0502040204020203" pitchFamily="34" charset="0"/>
+              </a:rPr>
+              <a:t> </a:t>
+            </a:r>
+            <a:r>
+              <a:rPr lang="en-US" sz="2400" dirty="0" err="1">
+                <a:latin typeface="Segoe UI" panose="020B0502040204020203" pitchFamily="34" charset="0"/>
+                <a:cs typeface="Segoe UI" panose="020B0502040204020203" pitchFamily="34" charset="0"/>
+              </a:rPr>
+              <a:t>nunca</a:t>
+            </a:r>
+            <a:r>
+              <a:rPr lang="en-US" sz="2400" dirty="0">
+                <a:latin typeface="Segoe UI" panose="020B0502040204020203" pitchFamily="34" charset="0"/>
+                <a:cs typeface="Segoe UI" panose="020B0502040204020203" pitchFamily="34" charset="0"/>
+              </a:rPr>
+              <a:t> </a:t>
+            </a:r>
+            <a:r>
+              <a:rPr lang="en-US" sz="2400" dirty="0" err="1">
+                <a:latin typeface="Segoe UI" panose="020B0502040204020203" pitchFamily="34" charset="0"/>
+                <a:cs typeface="Segoe UI" panose="020B0502040204020203" pitchFamily="34" charset="0"/>
+              </a:rPr>
+              <a:t>deveria</a:t>
+            </a:r>
+            <a:r>
+              <a:rPr lang="en-US" sz="2400" dirty="0">
+                <a:latin typeface="Segoe UI" panose="020B0502040204020203" pitchFamily="34" charset="0"/>
+                <a:cs typeface="Segoe UI" panose="020B0502040204020203" pitchFamily="34" charset="0"/>
+              </a:rPr>
+              <a:t> ser </a:t>
+            </a:r>
+            <a:r>
+              <a:rPr lang="en-US" sz="2400" dirty="0" err="1">
+                <a:latin typeface="Segoe UI" panose="020B0502040204020203" pitchFamily="34" charset="0"/>
+                <a:cs typeface="Segoe UI" panose="020B0502040204020203" pitchFamily="34" charset="0"/>
+              </a:rPr>
+              <a:t>maior</a:t>
+            </a:r>
+            <a:r>
+              <a:rPr lang="en-US" sz="2400" dirty="0">
+                <a:latin typeface="Segoe UI" panose="020B0502040204020203" pitchFamily="34" charset="0"/>
+                <a:cs typeface="Segoe UI" panose="020B0502040204020203" pitchFamily="34" charset="0"/>
+              </a:rPr>
+              <a:t> que 10, a </a:t>
+            </a:r>
+            <a:r>
+              <a:rPr lang="en-US" sz="2400" dirty="0" err="1">
+                <a:latin typeface="Segoe UI" panose="020B0502040204020203" pitchFamily="34" charset="0"/>
+                <a:cs typeface="Segoe UI" panose="020B0502040204020203" pitchFamily="34" charset="0"/>
+              </a:rPr>
+              <a:t>não</a:t>
+            </a:r>
+            <a:r>
+              <a:rPr lang="en-US" sz="2400" dirty="0">
+                <a:latin typeface="Segoe UI" panose="020B0502040204020203" pitchFamily="34" charset="0"/>
+                <a:cs typeface="Segoe UI" panose="020B0502040204020203" pitchFamily="34" charset="0"/>
+              </a:rPr>
+              <a:t> ser que </a:t>
+            </a:r>
+            <a:r>
+              <a:rPr lang="en-US" sz="2400" dirty="0" err="1">
+                <a:latin typeface="Segoe UI" panose="020B0502040204020203" pitchFamily="34" charset="0"/>
+                <a:cs typeface="Segoe UI" panose="020B0502040204020203" pitchFamily="34" charset="0"/>
+              </a:rPr>
+              <a:t>haja</a:t>
+            </a:r>
+            <a:r>
+              <a:rPr lang="en-US" sz="2400" dirty="0">
+                <a:latin typeface="Segoe UI" panose="020B0502040204020203" pitchFamily="34" charset="0"/>
+                <a:cs typeface="Segoe UI" panose="020B0502040204020203" pitchFamily="34" charset="0"/>
+              </a:rPr>
+              <a:t> um bug </a:t>
+            </a:r>
+            <a:r>
+              <a:rPr lang="en-US" sz="2400" dirty="0" err="1">
+                <a:latin typeface="Segoe UI" panose="020B0502040204020203" pitchFamily="34" charset="0"/>
+                <a:cs typeface="Segoe UI" panose="020B0502040204020203" pitchFamily="34" charset="0"/>
+              </a:rPr>
+              <a:t>na</a:t>
+            </a:r>
+            <a:r>
+              <a:rPr lang="en-US" sz="2400" dirty="0">
+                <a:latin typeface="Segoe UI" panose="020B0502040204020203" pitchFamily="34" charset="0"/>
+                <a:cs typeface="Segoe UI" panose="020B0502040204020203" pitchFamily="34" charset="0"/>
+              </a:rPr>
+              <a:t> </a:t>
+            </a:r>
+            <a:r>
+              <a:rPr lang="en-US" sz="2400" dirty="0" err="1">
+                <a:latin typeface="Segoe UI" panose="020B0502040204020203" pitchFamily="34" charset="0"/>
+                <a:cs typeface="Segoe UI" panose="020B0502040204020203" pitchFamily="34" charset="0"/>
+              </a:rPr>
+              <a:t>lógica</a:t>
+            </a:r>
+            <a:r>
+              <a:rPr lang="en-US" sz="2400" dirty="0">
+                <a:latin typeface="Segoe UI" panose="020B0502040204020203" pitchFamily="34" charset="0"/>
+                <a:cs typeface="Segoe UI" panose="020B0502040204020203" pitchFamily="34" charset="0"/>
+              </a:rPr>
+              <a:t> do Código-</a:t>
+            </a:r>
+            <a:r>
+              <a:rPr lang="en-US" sz="2400" dirty="0" err="1">
+                <a:latin typeface="Segoe UI" panose="020B0502040204020203" pitchFamily="34" charset="0"/>
+                <a:cs typeface="Segoe UI" panose="020B0502040204020203" pitchFamily="34" charset="0"/>
+              </a:rPr>
+              <a:t>fonte</a:t>
+            </a:r>
+            <a:r>
+              <a:rPr lang="en-US" sz="2400" dirty="0">
+                <a:latin typeface="Segoe UI" panose="020B0502040204020203" pitchFamily="34" charset="0"/>
+                <a:cs typeface="Segoe UI" panose="020B0502040204020203" pitchFamily="34" charset="0"/>
+              </a:rPr>
+              <a:t>”</a:t>
+            </a:r>
           </a:p>
         </p:txBody>
       </p:sp>
@@ -45325,22 +46212,133 @@
                 <a:latin typeface="Segoe UI" panose="020B0502040204020203" pitchFamily="34" charset="0"/>
                 <a:cs typeface="Segoe UI" panose="020B0502040204020203" pitchFamily="34" charset="0"/>
               </a:rPr>
-              <a:t>Erros</a:t>
+              <a:t>Consiste</a:t>
             </a:r>
             <a:r>
               <a:rPr lang="en-US" sz="2400" dirty="0">
                 <a:latin typeface="Segoe UI" panose="020B0502040204020203" pitchFamily="34" charset="0"/>
                 <a:cs typeface="Segoe UI" panose="020B0502040204020203" pitchFamily="34" charset="0"/>
               </a:rPr>
-              <a:t> de </a:t>
+              <a:t> </a:t>
             </a:r>
             <a:r>
               <a:rPr lang="en-US" sz="2400" dirty="0" err="1">
                 <a:latin typeface="Segoe UI" panose="020B0502040204020203" pitchFamily="34" charset="0"/>
                 <a:cs typeface="Segoe UI" panose="020B0502040204020203" pitchFamily="34" charset="0"/>
               </a:rPr>
-              <a:t>compilação</a:t>
-            </a:r>
+              <a:t>em</a:t>
+            </a:r>
+            <a:r>
+              <a:rPr lang="en-US" sz="2400" dirty="0">
+                <a:latin typeface="Segoe UI" panose="020B0502040204020203" pitchFamily="34" charset="0"/>
+                <a:cs typeface="Segoe UI" panose="020B0502040204020203" pitchFamily="34" charset="0"/>
+              </a:rPr>
+              <a:t> </a:t>
+            </a:r>
+            <a:r>
+              <a:rPr lang="en-US" sz="2400" dirty="0" err="1">
+                <a:latin typeface="Segoe UI" panose="020B0502040204020203" pitchFamily="34" charset="0"/>
+                <a:cs typeface="Segoe UI" panose="020B0502040204020203" pitchFamily="34" charset="0"/>
+              </a:rPr>
+              <a:t>escrever</a:t>
+            </a:r>
+            <a:r>
+              <a:rPr lang="en-US" sz="2400" dirty="0">
+                <a:latin typeface="Segoe UI" panose="020B0502040204020203" pitchFamily="34" charset="0"/>
+                <a:cs typeface="Segoe UI" panose="020B0502040204020203" pitchFamily="34" charset="0"/>
+              </a:rPr>
+              <a:t> Código para chamar as </a:t>
+            </a:r>
+            <a:r>
+              <a:rPr lang="en-US" sz="2400" dirty="0" err="1">
+                <a:latin typeface="Segoe UI" panose="020B0502040204020203" pitchFamily="34" charset="0"/>
+                <a:cs typeface="Segoe UI" panose="020B0502040204020203" pitchFamily="34" charset="0"/>
+              </a:rPr>
+              <a:t>funções</a:t>
+            </a:r>
+            <a:r>
+              <a:rPr lang="en-US" sz="2400" dirty="0">
+                <a:latin typeface="Segoe UI" panose="020B0502040204020203" pitchFamily="34" charset="0"/>
+                <a:cs typeface="Segoe UI" panose="020B0502040204020203" pitchFamily="34" charset="0"/>
+              </a:rPr>
+              <a:t> </a:t>
+            </a:r>
+            <a:r>
+              <a:rPr lang="en-US" sz="2400" dirty="0" err="1">
+                <a:latin typeface="Segoe UI" panose="020B0502040204020203" pitchFamily="34" charset="0"/>
+                <a:cs typeface="Segoe UI" panose="020B0502040204020203" pitchFamily="34" charset="0"/>
+              </a:rPr>
+              <a:t>públicas</a:t>
+            </a:r>
+            <a:r>
+              <a:rPr lang="en-US" sz="2400" dirty="0">
+                <a:latin typeface="Segoe UI" panose="020B0502040204020203" pitchFamily="34" charset="0"/>
+                <a:cs typeface="Segoe UI" panose="020B0502040204020203" pitchFamily="34" charset="0"/>
+              </a:rPr>
+              <a:t> com entradas </a:t>
+            </a:r>
+            <a:r>
+              <a:rPr lang="en-US" sz="2400" dirty="0" err="1">
+                <a:latin typeface="Segoe UI" panose="020B0502040204020203" pitchFamily="34" charset="0"/>
+                <a:cs typeface="Segoe UI" panose="020B0502040204020203" pitchFamily="34" charset="0"/>
+              </a:rPr>
+              <a:t>conhecidas</a:t>
+            </a:r>
+            <a:r>
+              <a:rPr lang="en-US" sz="2400" dirty="0">
+                <a:latin typeface="Segoe UI" panose="020B0502040204020203" pitchFamily="34" charset="0"/>
+                <a:cs typeface="Segoe UI" panose="020B0502040204020203" pitchFamily="34" charset="0"/>
+              </a:rPr>
+              <a:t> e </a:t>
+            </a:r>
+            <a:r>
+              <a:rPr lang="en-US" sz="2400" dirty="0" err="1">
+                <a:latin typeface="Segoe UI" panose="020B0502040204020203" pitchFamily="34" charset="0"/>
+                <a:cs typeface="Segoe UI" panose="020B0502040204020203" pitchFamily="34" charset="0"/>
+              </a:rPr>
+              <a:t>verificar</a:t>
+            </a:r>
+            <a:r>
+              <a:rPr lang="en-US" sz="2400" dirty="0">
+                <a:latin typeface="Segoe UI" panose="020B0502040204020203" pitchFamily="34" charset="0"/>
+                <a:cs typeface="Segoe UI" panose="020B0502040204020203" pitchFamily="34" charset="0"/>
+              </a:rPr>
+              <a:t> a </a:t>
+            </a:r>
+            <a:r>
+              <a:rPr lang="en-US" sz="2400" dirty="0" err="1">
+                <a:latin typeface="Segoe UI" panose="020B0502040204020203" pitchFamily="34" charset="0"/>
+                <a:cs typeface="Segoe UI" panose="020B0502040204020203" pitchFamily="34" charset="0"/>
+              </a:rPr>
+              <a:t>saída</a:t>
+            </a:r>
+            <a:r>
+              <a:rPr lang="en-US" sz="2400" dirty="0">
+                <a:latin typeface="Segoe UI" panose="020B0502040204020203" pitchFamily="34" charset="0"/>
+                <a:cs typeface="Segoe UI" panose="020B0502040204020203" pitchFamily="34" charset="0"/>
+              </a:rPr>
+              <a:t> das </a:t>
+            </a:r>
+            <a:r>
+              <a:rPr lang="en-US" sz="2400" dirty="0" err="1">
+                <a:latin typeface="Segoe UI" panose="020B0502040204020203" pitchFamily="34" charset="0"/>
+                <a:cs typeface="Segoe UI" panose="020B0502040204020203" pitchFamily="34" charset="0"/>
+              </a:rPr>
+              <a:t>mesmas</a:t>
+            </a:r>
+            <a:r>
+              <a:rPr lang="en-US" sz="2400" dirty="0">
+                <a:latin typeface="Segoe UI" panose="020B0502040204020203" pitchFamily="34" charset="0"/>
+                <a:cs typeface="Segoe UI" panose="020B0502040204020203" pitchFamily="34" charset="0"/>
+              </a:rPr>
+              <a:t>;</a:t>
+            </a:r>
+          </a:p>
+          <a:p>
+            <a:pPr>
+              <a:buFont typeface="Wingdings" panose="05000000000000000000" pitchFamily="2" charset="2"/>
+              <a:buChar char="§"/>
+            </a:pPr>
             <a:endParaRPr lang="en-US" sz="2400" dirty="0">
               <a:latin typeface="Segoe UI" panose="020B0502040204020203" pitchFamily="34" charset="0"/>
               <a:cs typeface="Segoe UI" panose="020B0502040204020203" pitchFamily="34" charset="0"/>
@@ -45351,6 +46349,68 @@
               <a:buFont typeface="Wingdings" panose="05000000000000000000" pitchFamily="2" charset="2"/>
               <a:buChar char="§"/>
             </a:pPr>
+            <a:r>
+              <a:rPr lang="en-US" sz="2400" dirty="0" err="1">
+                <a:latin typeface="Segoe UI" panose="020B0502040204020203" pitchFamily="34" charset="0"/>
+                <a:cs typeface="Segoe UI" panose="020B0502040204020203" pitchFamily="34" charset="0"/>
+              </a:rPr>
+              <a:t>Valida</a:t>
+            </a:r>
+            <a:r>
+              <a:rPr lang="en-US" sz="2400" dirty="0">
+                <a:latin typeface="Segoe UI" panose="020B0502040204020203" pitchFamily="34" charset="0"/>
+                <a:cs typeface="Segoe UI" panose="020B0502040204020203" pitchFamily="34" charset="0"/>
+              </a:rPr>
+              <a:t> o </a:t>
+            </a:r>
+            <a:r>
+              <a:rPr lang="en-US" sz="2400" dirty="0" err="1">
+                <a:latin typeface="Segoe UI" panose="020B0502040204020203" pitchFamily="34" charset="0"/>
+                <a:cs typeface="Segoe UI" panose="020B0502040204020203" pitchFamily="34" charset="0"/>
+              </a:rPr>
+              <a:t>correto</a:t>
+            </a:r>
+            <a:r>
+              <a:rPr lang="en-US" sz="2400" dirty="0">
+                <a:latin typeface="Segoe UI" panose="020B0502040204020203" pitchFamily="34" charset="0"/>
+                <a:cs typeface="Segoe UI" panose="020B0502040204020203" pitchFamily="34" charset="0"/>
+              </a:rPr>
+              <a:t> </a:t>
+            </a:r>
+            <a:r>
+              <a:rPr lang="en-US" sz="2400" dirty="0" err="1">
+                <a:latin typeface="Segoe UI" panose="020B0502040204020203" pitchFamily="34" charset="0"/>
+                <a:cs typeface="Segoe UI" panose="020B0502040204020203" pitchFamily="34" charset="0"/>
+              </a:rPr>
+              <a:t>funcionamento</a:t>
+            </a:r>
+            <a:r>
+              <a:rPr lang="en-US" sz="2400" dirty="0">
+                <a:latin typeface="Segoe UI" panose="020B0502040204020203" pitchFamily="34" charset="0"/>
+                <a:cs typeface="Segoe UI" panose="020B0502040204020203" pitchFamily="34" charset="0"/>
+              </a:rPr>
+              <a:t> das </a:t>
+            </a:r>
+            <a:r>
+              <a:rPr lang="en-US" sz="2400" dirty="0" err="1">
+                <a:latin typeface="Segoe UI" panose="020B0502040204020203" pitchFamily="34" charset="0"/>
+                <a:cs typeface="Segoe UI" panose="020B0502040204020203" pitchFamily="34" charset="0"/>
+              </a:rPr>
+              <a:t>funções</a:t>
+            </a:r>
+            <a:r>
+              <a:rPr lang="en-US" sz="2400" dirty="0">
+                <a:latin typeface="Segoe UI" panose="020B0502040204020203" pitchFamily="34" charset="0"/>
+                <a:cs typeface="Segoe UI" panose="020B0502040204020203" pitchFamily="34" charset="0"/>
+              </a:rPr>
+              <a:t>;</a:t>
+            </a:r>
+          </a:p>
+          <a:p>
+            <a:pPr>
+              <a:buFont typeface="Wingdings" panose="05000000000000000000" pitchFamily="2" charset="2"/>
+              <a:buChar char="§"/>
+            </a:pPr>
             <a:endParaRPr lang="en-US" sz="2400" dirty="0">
               <a:latin typeface="Segoe UI" panose="020B0502040204020203" pitchFamily="34" charset="0"/>
               <a:cs typeface="Segoe UI" panose="020B0502040204020203" pitchFamily="34" charset="0"/>
@@ -45362,88 +46422,75 @@
               <a:buChar char="§"/>
             </a:pPr>
             <a:r>
+              <a:rPr lang="en-US" sz="2400" dirty="0" err="1">
+                <a:latin typeface="Segoe UI" panose="020B0502040204020203" pitchFamily="34" charset="0"/>
+                <a:cs typeface="Segoe UI" panose="020B0502040204020203" pitchFamily="34" charset="0"/>
+              </a:rPr>
+              <a:t>Funções</a:t>
+            </a:r>
+            <a:r>
               <a:rPr lang="en-US" sz="2400" dirty="0">
                 <a:latin typeface="Segoe UI" panose="020B0502040204020203" pitchFamily="34" charset="0"/>
                 <a:cs typeface="Segoe UI" panose="020B0502040204020203" pitchFamily="34" charset="0"/>
               </a:rPr>
-              <a:t>Warnings</a:t>
-            </a:r>
-          </a:p>
-          <a:p>
-            <a:pPr>
-              <a:buFont typeface="Wingdings" panose="05000000000000000000" pitchFamily="2" charset="2"/>
-              <a:buChar char="§"/>
-            </a:pPr>
-            <a:endParaRPr lang="en-US" sz="2400" dirty="0">
-              <a:latin typeface="Segoe UI" panose="020B0502040204020203" pitchFamily="34" charset="0"/>
-              <a:cs typeface="Segoe UI" panose="020B0502040204020203" pitchFamily="34" charset="0"/>
-            </a:endParaRPr>
-          </a:p>
-          <a:p>
-            <a:pPr>
-              <a:buFont typeface="Wingdings" panose="05000000000000000000" pitchFamily="2" charset="2"/>
-              <a:buChar char="§"/>
-            </a:pPr>
+              <a:t> </a:t>
+            </a:r>
+            <a:r>
+              <a:rPr lang="en-US" sz="2400" dirty="0" err="1">
+                <a:latin typeface="Segoe UI" panose="020B0502040204020203" pitchFamily="34" charset="0"/>
+                <a:cs typeface="Segoe UI" panose="020B0502040204020203" pitchFamily="34" charset="0"/>
+              </a:rPr>
+              <a:t>impuras</a:t>
+            </a:r>
             <a:r>
               <a:rPr lang="en-US" sz="2400" dirty="0">
                 <a:latin typeface="Segoe UI" panose="020B0502040204020203" pitchFamily="34" charset="0"/>
                 <a:cs typeface="Segoe UI" panose="020B0502040204020203" pitchFamily="34" charset="0"/>
               </a:rPr>
-              <a:t>Static Assert</a:t>
-            </a:r>
-          </a:p>
-          <a:p>
-            <a:pPr>
-              <a:buFont typeface="Wingdings" panose="05000000000000000000" pitchFamily="2" charset="2"/>
-              <a:buChar char="§"/>
-            </a:pPr>
-            <a:endParaRPr lang="en-US" sz="2400" dirty="0">
-              <a:latin typeface="Segoe UI" panose="020B0502040204020203" pitchFamily="34" charset="0"/>
-              <a:cs typeface="Segoe UI" panose="020B0502040204020203" pitchFamily="34" charset="0"/>
-            </a:endParaRPr>
-          </a:p>
-          <a:p>
-            <a:pPr>
-              <a:buFont typeface="Wingdings" panose="05000000000000000000" pitchFamily="2" charset="2"/>
-              <a:buChar char="§"/>
-            </a:pPr>
+              <a:t> </a:t>
+            </a:r>
             <a:r>
               <a:rPr lang="en-US" sz="2400" dirty="0" err="1">
                 <a:latin typeface="Segoe UI" panose="020B0502040204020203" pitchFamily="34" charset="0"/>
                 <a:cs typeface="Segoe UI" panose="020B0502040204020203" pitchFamily="34" charset="0"/>
               </a:rPr>
-              <a:t>Análise</a:t>
+              <a:t>podem</a:t>
             </a:r>
             <a:r>
               <a:rPr lang="en-US" sz="2400" dirty="0">
                 <a:latin typeface="Segoe UI" panose="020B0502040204020203" pitchFamily="34" charset="0"/>
                 <a:cs typeface="Segoe UI" panose="020B0502040204020203" pitchFamily="34" charset="0"/>
               </a:rPr>
-              <a:t> </a:t>
+              <a:t> ser </a:t>
             </a:r>
             <a:r>
               <a:rPr lang="en-US" sz="2400" dirty="0" err="1">
                 <a:latin typeface="Segoe UI" panose="020B0502040204020203" pitchFamily="34" charset="0"/>
                 <a:cs typeface="Segoe UI" panose="020B0502040204020203" pitchFamily="34" charset="0"/>
               </a:rPr>
-              <a:t>Estática</a:t>
+              <a:t>difíceis</a:t>
             </a:r>
             <a:r>
               <a:rPr lang="en-US" sz="2400" dirty="0">
                 <a:latin typeface="Segoe UI" panose="020B0502040204020203" pitchFamily="34" charset="0"/>
                 <a:cs typeface="Segoe UI" panose="020B0502040204020203" pitchFamily="34" charset="0"/>
               </a:rPr>
-              <a:t> de Código</a:t>
-            </a:r>
-          </a:p>
-          <a:p>
-            <a:pPr marL="0" indent="0">
-              <a:buNone/>
-            </a:pPr>
-            <a:endParaRPr lang="en-US" sz="2400" dirty="0">
-              <a:latin typeface="Segoe UI" panose="020B0502040204020203" pitchFamily="34" charset="0"/>
-              <a:cs typeface="Segoe UI" panose="020B0502040204020203" pitchFamily="34" charset="0"/>
-            </a:endParaRPr>
+              <a:t> de </a:t>
+            </a:r>
+            <a:r>
+              <a:rPr lang="en-US" sz="2400" dirty="0" err="1">
+                <a:latin typeface="Segoe UI" panose="020B0502040204020203" pitchFamily="34" charset="0"/>
+                <a:cs typeface="Segoe UI" panose="020B0502040204020203" pitchFamily="34" charset="0"/>
+              </a:rPr>
+              <a:t>testar</a:t>
+            </a:r>
+            <a:r>
+              <a:rPr lang="en-US" sz="2400" dirty="0">
+                <a:latin typeface="Segoe UI" panose="020B0502040204020203" pitchFamily="34" charset="0"/>
+                <a:cs typeface="Segoe UI" panose="020B0502040204020203" pitchFamily="34" charset="0"/>
+              </a:rPr>
+              <a:t>;</a:t>
+            </a:r>
           </a:p>
         </p:txBody>
       </p:sp>
@@ -45624,22 +46671,49 @@
                 <a:latin typeface="Segoe UI" panose="020B0502040204020203" pitchFamily="34" charset="0"/>
                 <a:cs typeface="Segoe UI" panose="020B0502040204020203" pitchFamily="34" charset="0"/>
               </a:rPr>
-              <a:t>Erros</a:t>
+              <a:t>Biblioteca</a:t>
             </a:r>
             <a:r>
               <a:rPr lang="en-US" sz="2400" dirty="0">
                 <a:latin typeface="Segoe UI" panose="020B0502040204020203" pitchFamily="34" charset="0"/>
                 <a:cs typeface="Segoe UI" panose="020B0502040204020203" pitchFamily="34" charset="0"/>
               </a:rPr>
-              <a:t> de </a:t>
+              <a:t> para testes </a:t>
             </a:r>
             <a:r>
               <a:rPr lang="en-US" sz="2400" dirty="0" err="1">
                 <a:latin typeface="Segoe UI" panose="020B0502040204020203" pitchFamily="34" charset="0"/>
                 <a:cs typeface="Segoe UI" panose="020B0502040204020203" pitchFamily="34" charset="0"/>
               </a:rPr>
-              <a:t>compilação</a:t>
-            </a:r>
+              <a:t>unitários</a:t>
+            </a:r>
+            <a:r>
+              <a:rPr lang="en-US" sz="2400" dirty="0">
+                <a:latin typeface="Segoe UI" panose="020B0502040204020203" pitchFamily="34" charset="0"/>
+                <a:cs typeface="Segoe UI" panose="020B0502040204020203" pitchFamily="34" charset="0"/>
+              </a:rPr>
+              <a:t> </a:t>
+            </a:r>
+            <a:r>
+              <a:rPr lang="en-US" sz="2400" dirty="0" err="1">
+                <a:latin typeface="Segoe UI" panose="020B0502040204020203" pitchFamily="34" charset="0"/>
+                <a:cs typeface="Segoe UI" panose="020B0502040204020203" pitchFamily="34" charset="0"/>
+              </a:rPr>
+              <a:t>em</a:t>
+            </a:r>
+            <a:r>
+              <a:rPr lang="en-US" sz="2400" dirty="0">
+                <a:latin typeface="Segoe UI" panose="020B0502040204020203" pitchFamily="34" charset="0"/>
+                <a:cs typeface="Segoe UI" panose="020B0502040204020203" pitchFamily="34" charset="0"/>
+              </a:rPr>
+              <a:t> C++</a:t>
+            </a:r>
+          </a:p>
+          <a:p>
+            <a:pPr>
+              <a:buFont typeface="Wingdings" panose="05000000000000000000" pitchFamily="2" charset="2"/>
+              <a:buChar char="§"/>
+            </a:pPr>
             <a:endParaRPr lang="en-US" sz="2400" dirty="0">
               <a:latin typeface="Segoe UI" panose="020B0502040204020203" pitchFamily="34" charset="0"/>
               <a:cs typeface="Segoe UI" panose="020B0502040204020203" pitchFamily="34" charset="0"/>
@@ -45650,6 +46724,55 @@
               <a:buFont typeface="Wingdings" panose="05000000000000000000" pitchFamily="2" charset="2"/>
               <a:buChar char="§"/>
             </a:pPr>
+            <a:r>
+              <a:rPr lang="en-US" sz="2400" dirty="0" err="1">
+                <a:latin typeface="Segoe UI" panose="020B0502040204020203" pitchFamily="34" charset="0"/>
+                <a:cs typeface="Segoe UI" panose="020B0502040204020203" pitchFamily="34" charset="0"/>
+              </a:rPr>
+              <a:t>Disponível</a:t>
+            </a:r>
+            <a:r>
+              <a:rPr lang="en-US" sz="2400" dirty="0">
+                <a:latin typeface="Segoe UI" panose="020B0502040204020203" pitchFamily="34" charset="0"/>
+                <a:cs typeface="Segoe UI" panose="020B0502040204020203" pitchFamily="34" charset="0"/>
+              </a:rPr>
+              <a:t> no </a:t>
+            </a:r>
+            <a:r>
+              <a:rPr lang="en-US" sz="2400" dirty="0" err="1">
+                <a:latin typeface="Segoe UI" panose="020B0502040204020203" pitchFamily="34" charset="0"/>
+                <a:cs typeface="Segoe UI" panose="020B0502040204020203" pitchFamily="34" charset="0"/>
+              </a:rPr>
+              <a:t>repositório</a:t>
+            </a:r>
+            <a:r>
+              <a:rPr lang="en-US" sz="2400" dirty="0">
+                <a:latin typeface="Segoe UI" panose="020B0502040204020203" pitchFamily="34" charset="0"/>
+                <a:cs typeface="Segoe UI" panose="020B0502040204020203" pitchFamily="34" charset="0"/>
+              </a:rPr>
+              <a:t> </a:t>
+            </a:r>
+            <a:r>
+              <a:rPr lang="en-US" sz="2400" dirty="0">
+                <a:latin typeface="Segoe UI" panose="020B0502040204020203" pitchFamily="34" charset="0"/>
+                <a:cs typeface="Segoe UI" panose="020B0502040204020203" pitchFamily="34" charset="0"/>
+                <a:hlinkClick r:id="rId3"/>
+              </a:rPr>
+              <a:t>https://github.com/catchorg/Catch2</a:t>
+            </a:r>
+            <a:r>
+              <a:rPr lang="en-US" sz="2400" dirty="0">
+                <a:latin typeface="Segoe UI" panose="020B0502040204020203" pitchFamily="34" charset="0"/>
+                <a:cs typeface="Segoe UI" panose="020B0502040204020203" pitchFamily="34" charset="0"/>
+              </a:rPr>
+              <a:t> </a:t>
+            </a:r>
+          </a:p>
+          <a:p>
+            <a:pPr>
+              <a:buFont typeface="Wingdings" panose="05000000000000000000" pitchFamily="2" charset="2"/>
+              <a:buChar char="§"/>
+            </a:pPr>
             <a:endParaRPr lang="en-US" sz="2400" dirty="0">
               <a:latin typeface="Segoe UI" panose="020B0502040204020203" pitchFamily="34" charset="0"/>
               <a:cs typeface="Segoe UI" panose="020B0502040204020203" pitchFamily="34" charset="0"/>
@@ -45661,11 +46784,74 @@
               <a:buChar char="§"/>
             </a:pPr>
             <a:r>
+              <a:rPr lang="en-US" sz="2400" dirty="0" err="1">
+                <a:latin typeface="Segoe UI" panose="020B0502040204020203" pitchFamily="34" charset="0"/>
+                <a:cs typeface="Segoe UI" panose="020B0502040204020203" pitchFamily="34" charset="0"/>
+              </a:rPr>
+              <a:t>Fácil</a:t>
+            </a:r>
+            <a:r>
               <a:rPr lang="en-US" sz="2400" dirty="0">
                 <a:latin typeface="Segoe UI" panose="020B0502040204020203" pitchFamily="34" charset="0"/>
                 <a:cs typeface="Segoe UI" panose="020B0502040204020203" pitchFamily="34" charset="0"/>
               </a:rPr>
-              <a:t>Warnings</a:t>
+              <a:t> </a:t>
+            </a:r>
+            <a:r>
+              <a:rPr lang="en-US" sz="2400" dirty="0" err="1">
+                <a:latin typeface="Segoe UI" panose="020B0502040204020203" pitchFamily="34" charset="0"/>
+                <a:cs typeface="Segoe UI" panose="020B0502040204020203" pitchFamily="34" charset="0"/>
+              </a:rPr>
+              <a:t>utilização</a:t>
+            </a:r>
+            <a:r>
+              <a:rPr lang="en-US" sz="2400" dirty="0">
+                <a:latin typeface="Segoe UI" panose="020B0502040204020203" pitchFamily="34" charset="0"/>
+                <a:cs typeface="Segoe UI" panose="020B0502040204020203" pitchFamily="34" charset="0"/>
+              </a:rPr>
+              <a:t> no </a:t>
+            </a:r>
+            <a:r>
+              <a:rPr lang="en-US" sz="2400" dirty="0" err="1">
+                <a:latin typeface="Segoe UI" panose="020B0502040204020203" pitchFamily="34" charset="0"/>
+                <a:cs typeface="Segoe UI" panose="020B0502040204020203" pitchFamily="34" charset="0"/>
+              </a:rPr>
+              <a:t>projeto</a:t>
+            </a:r>
+            <a:r>
+              <a:rPr lang="en-US" sz="2400" dirty="0">
+                <a:latin typeface="Segoe UI" panose="020B0502040204020203" pitchFamily="34" charset="0"/>
+                <a:cs typeface="Segoe UI" panose="020B0502040204020203" pitchFamily="34" charset="0"/>
+              </a:rPr>
+              <a:t> (</a:t>
+            </a:r>
+            <a:r>
+              <a:rPr lang="en-US" sz="2400" dirty="0" err="1">
+                <a:latin typeface="Segoe UI" panose="020B0502040204020203" pitchFamily="34" charset="0"/>
+                <a:cs typeface="Segoe UI" panose="020B0502040204020203" pitchFamily="34" charset="0"/>
+              </a:rPr>
+              <a:t>Apenas</a:t>
+            </a:r>
+            <a:r>
+              <a:rPr lang="en-US" sz="2400" dirty="0">
+                <a:latin typeface="Segoe UI" panose="020B0502040204020203" pitchFamily="34" charset="0"/>
+                <a:cs typeface="Segoe UI" panose="020B0502040204020203" pitchFamily="34" charset="0"/>
+              </a:rPr>
+              <a:t> um </a:t>
+            </a:r>
+            <a:r>
+              <a:rPr lang="en-US" sz="2400" dirty="0" err="1">
+                <a:latin typeface="Segoe UI" panose="020B0502040204020203" pitchFamily="34" charset="0"/>
+                <a:cs typeface="Segoe UI" panose="020B0502040204020203" pitchFamily="34" charset="0"/>
+              </a:rPr>
+              <a:t>arquivo</a:t>
+            </a:r>
+            <a:r>
+              <a:rPr lang="en-US" sz="2400" dirty="0">
+                <a:latin typeface="Segoe UI" panose="020B0502040204020203" pitchFamily="34" charset="0"/>
+                <a:cs typeface="Segoe UI" panose="020B0502040204020203" pitchFamily="34" charset="0"/>
+              </a:rPr>
+              <a:t> .h)</a:t>
             </a:r>
           </a:p>
           <a:p>
@@ -45684,55 +46870,123 @@
               <a:buChar char="§"/>
             </a:pPr>
             <a:r>
+              <a:rPr lang="en-US" sz="2400" dirty="0" err="1">
+                <a:latin typeface="Segoe UI" panose="020B0502040204020203" pitchFamily="34" charset="0"/>
+                <a:cs typeface="Segoe UI" panose="020B0502040204020203" pitchFamily="34" charset="0"/>
+              </a:rPr>
+              <a:t>Outras</a:t>
+            </a:r>
+            <a:r>
               <a:rPr lang="en-US" sz="2400" dirty="0">
                 <a:latin typeface="Segoe UI" panose="020B0502040204020203" pitchFamily="34" charset="0"/>
                 <a:cs typeface="Segoe UI" panose="020B0502040204020203" pitchFamily="34" charset="0"/>
               </a:rPr>
-              <a:t>Static Assert</a:t>
-            </a:r>
-          </a:p>
-          <a:p>
-            <a:pPr>
+              <a:t> </a:t>
+            </a:r>
+            <a:r>
+              <a:rPr lang="en-US" sz="2400" dirty="0" err="1">
+                <a:latin typeface="Segoe UI" panose="020B0502040204020203" pitchFamily="34" charset="0"/>
+                <a:cs typeface="Segoe UI" panose="020B0502040204020203" pitchFamily="34" charset="0"/>
+              </a:rPr>
+              <a:t>bibliotecas</a:t>
+            </a:r>
+            <a:r>
+              <a:rPr lang="en-US" sz="2400" dirty="0">
+                <a:latin typeface="Segoe UI" panose="020B0502040204020203" pitchFamily="34" charset="0"/>
+                <a:cs typeface="Segoe UI" panose="020B0502040204020203" pitchFamily="34" charset="0"/>
+              </a:rPr>
+              <a:t> para testes </a:t>
+            </a:r>
+            <a:r>
+              <a:rPr lang="en-US" sz="2400" dirty="0" err="1">
+                <a:latin typeface="Segoe UI" panose="020B0502040204020203" pitchFamily="34" charset="0"/>
+                <a:cs typeface="Segoe UI" panose="020B0502040204020203" pitchFamily="34" charset="0"/>
+              </a:rPr>
+              <a:t>unitários</a:t>
+            </a:r>
+            <a:r>
+              <a:rPr lang="en-US" sz="2400" dirty="0">
+                <a:latin typeface="Segoe UI" panose="020B0502040204020203" pitchFamily="34" charset="0"/>
+                <a:cs typeface="Segoe UI" panose="020B0502040204020203" pitchFamily="34" charset="0"/>
+              </a:rPr>
+              <a:t> </a:t>
+            </a:r>
+            <a:r>
+              <a:rPr lang="en-US" sz="2400" dirty="0" err="1">
+                <a:latin typeface="Segoe UI" panose="020B0502040204020203" pitchFamily="34" charset="0"/>
+                <a:cs typeface="Segoe UI" panose="020B0502040204020203" pitchFamily="34" charset="0"/>
+              </a:rPr>
+              <a:t>em</a:t>
+            </a:r>
+            <a:r>
+              <a:rPr lang="en-US" sz="2400" dirty="0">
+                <a:latin typeface="Segoe UI" panose="020B0502040204020203" pitchFamily="34" charset="0"/>
+                <a:cs typeface="Segoe UI" panose="020B0502040204020203" pitchFamily="34" charset="0"/>
+              </a:rPr>
+              <a:t> C++:</a:t>
+            </a:r>
+          </a:p>
+          <a:p>
+            <a:pPr lvl="1">
               <a:buFont typeface="Wingdings" panose="05000000000000000000" pitchFamily="2" charset="2"/>
               <a:buChar char="§"/>
             </a:pPr>
-            <a:endParaRPr lang="en-US" sz="2400" dirty="0">
-              <a:latin typeface="Segoe UI" panose="020B0502040204020203" pitchFamily="34" charset="0"/>
-              <a:cs typeface="Segoe UI" panose="020B0502040204020203" pitchFamily="34" charset="0"/>
-            </a:endParaRPr>
-          </a:p>
-          <a:p>
-            <a:pPr>
+            <a:r>
+              <a:rPr lang="en-US" sz="2000" dirty="0">
+                <a:latin typeface="Segoe UI" panose="020B0502040204020203" pitchFamily="34" charset="0"/>
+                <a:cs typeface="Segoe UI" panose="020B0502040204020203" pitchFamily="34" charset="0"/>
+              </a:rPr>
+              <a:t>Google Test: </a:t>
+            </a:r>
+            <a:r>
+              <a:rPr lang="en-US" sz="2000" dirty="0">
+                <a:latin typeface="Segoe UI" panose="020B0502040204020203" pitchFamily="34" charset="0"/>
+                <a:cs typeface="Segoe UI" panose="020B0502040204020203" pitchFamily="34" charset="0"/>
+                <a:hlinkClick r:id="rId4"/>
+              </a:rPr>
+              <a:t>https://github.com/google/googletest</a:t>
+            </a:r>
+            <a:r>
+              <a:rPr lang="en-US" sz="2000" dirty="0">
+                <a:latin typeface="Segoe UI" panose="020B0502040204020203" pitchFamily="34" charset="0"/>
+                <a:cs typeface="Segoe UI" panose="020B0502040204020203" pitchFamily="34" charset="0"/>
+              </a:rPr>
+              <a:t> </a:t>
+            </a:r>
+          </a:p>
+          <a:p>
+            <a:pPr lvl="1">
               <a:buFont typeface="Wingdings" panose="05000000000000000000" pitchFamily="2" charset="2"/>
               <a:buChar char="§"/>
             </a:pPr>
             <a:r>
-              <a:rPr lang="en-US" sz="2400" dirty="0" err="1">
-                <a:latin typeface="Segoe UI" panose="020B0502040204020203" pitchFamily="34" charset="0"/>
-                <a:cs typeface="Segoe UI" panose="020B0502040204020203" pitchFamily="34" charset="0"/>
-              </a:rPr>
-              <a:t>Análise</a:t>
-            </a:r>
-            <a:r>
-              <a:rPr lang="en-US" sz="2400" dirty="0">
+              <a:rPr lang="en-US" sz="2000" dirty="0" err="1">
+                <a:latin typeface="Segoe UI" panose="020B0502040204020203" pitchFamily="34" charset="0"/>
+                <a:cs typeface="Segoe UI" panose="020B0502040204020203" pitchFamily="34" charset="0"/>
+              </a:rPr>
+              <a:t>Doctest</a:t>
+            </a:r>
+            <a:r>
+              <a:rPr lang="en-US" sz="2000" dirty="0">
+                <a:latin typeface="Segoe UI" panose="020B0502040204020203" pitchFamily="34" charset="0"/>
+                <a:cs typeface="Segoe UI" panose="020B0502040204020203" pitchFamily="34" charset="0"/>
+              </a:rPr>
+              <a:t>: </a:t>
+            </a:r>
+            <a:r>
+              <a:rPr lang="en-US" sz="2000" dirty="0">
+                <a:latin typeface="Segoe UI" panose="020B0502040204020203" pitchFamily="34" charset="0"/>
+                <a:cs typeface="Segoe UI" panose="020B0502040204020203" pitchFamily="34" charset="0"/>
+                <a:hlinkClick r:id="rId5"/>
+              </a:rPr>
+              <a:t>https://github.com/onqtam/doctest</a:t>
+            </a:r>
+            <a:r>
+              <a:rPr lang="en-US" sz="2000" dirty="0">
                 <a:latin typeface="Segoe UI" panose="020B0502040204020203" pitchFamily="34" charset="0"/>
                 <a:cs typeface="Segoe UI" panose="020B0502040204020203" pitchFamily="34" charset="0"/>
               </a:rPr>
               <a:t> </a:t>
-            </a:r>
-            <a:r>
-              <a:rPr lang="en-US" sz="2400" dirty="0" err="1">
-                <a:latin typeface="Segoe UI" panose="020B0502040204020203" pitchFamily="34" charset="0"/>
-                <a:cs typeface="Segoe UI" panose="020B0502040204020203" pitchFamily="34" charset="0"/>
-              </a:rPr>
-              <a:t>Estática</a:t>
-            </a:r>
-            <a:r>
-              <a:rPr lang="en-US" sz="2400" dirty="0">
-                <a:latin typeface="Segoe UI" panose="020B0502040204020203" pitchFamily="34" charset="0"/>
-                <a:cs typeface="Segoe UI" panose="020B0502040204020203" pitchFamily="34" charset="0"/>
-              </a:rPr>
-              <a:t> de Código</a:t>
             </a:r>
           </a:p>
           <a:p>
@@ -45805,7 +47059,7 @@
                 <a:latin typeface="Segoe UI" panose="020B0502040204020203" pitchFamily="34" charset="0"/>
                 <a:cs typeface="Segoe UI" panose="020B0502040204020203" pitchFamily="34" charset="0"/>
               </a:rPr>
-              <a:t>Clipp</a:t>
+              <a:t>Recomendação de Livros</a:t>
             </a:r>
           </a:p>
         </p:txBody>
@@ -45886,10 +47140,180 @@
           </a:p>
         </p:txBody>
       </p:sp>
+      <p:sp>
+        <p:nvSpPr>
+          <p:cNvPr id="5" name="Content Placeholder 2">
+            <a:extLst>
+              <a:ext uri="{FF2B5EF4-FFF2-40B4-BE49-F238E27FC236}">
+                <a16:creationId xmlns:a16="http://schemas.microsoft.com/office/drawing/2014/main" id="{E8905B48-5B89-478E-B7BC-B0625487F9A1}"/>
+              </a:ext>
+            </a:extLst>
+          </p:cNvPr>
+          <p:cNvSpPr>
+            <a:spLocks noGrp="1"/>
+          </p:cNvSpPr>
+          <p:nvPr>
+            <p:ph idx="1"/>
+          </p:nvPr>
+        </p:nvSpPr>
+        <p:spPr>
+          <a:xfrm>
+            <a:off x="838200" y="1895911"/>
+            <a:ext cx="3708633" cy="4281051"/>
+          </a:xfrm>
+        </p:spPr>
+        <p:txBody>
+          <a:bodyPr>
+            <a:normAutofit fontScale="92500"/>
+          </a:bodyPr>
+          <a:lstStyle/>
+          <a:p>
+            <a:pPr>
+              <a:buFont typeface="Wingdings" panose="05000000000000000000" pitchFamily="2" charset="2"/>
+              <a:buChar char="§"/>
+            </a:pPr>
+            <a:r>
+              <a:rPr lang="en-US" sz="2400" dirty="0">
+                <a:latin typeface="Segoe UI" panose="020B0502040204020203" pitchFamily="34" charset="0"/>
+                <a:cs typeface="Segoe UI" panose="020B0502040204020203" pitchFamily="34" charset="0"/>
+              </a:rPr>
+              <a:t>Write Solid Code:</a:t>
+            </a:r>
+            <a:br>
+              <a:rPr lang="en-US" sz="2400" dirty="0">
+                <a:latin typeface="Segoe UI" panose="020B0502040204020203" pitchFamily="34" charset="0"/>
+                <a:cs typeface="Segoe UI" panose="020B0502040204020203" pitchFamily="34" charset="0"/>
+              </a:rPr>
+            </a:br>
+            <a:r>
+              <a:rPr lang="en-US" sz="2400" dirty="0">
+                <a:latin typeface="Segoe UI" panose="020B0502040204020203" pitchFamily="34" charset="0"/>
+                <a:cs typeface="Segoe UI" panose="020B0502040204020203" pitchFamily="34" charset="0"/>
+                <a:hlinkClick r:id="rId3"/>
+              </a:rPr>
+              <a:t>https://www.amazon.com/Writing-Solid-Code-Microsoft-Programming/dp/1556155514</a:t>
+            </a:r>
+            <a:r>
+              <a:rPr lang="en-US" sz="2400" dirty="0">
+                <a:latin typeface="Segoe UI" panose="020B0502040204020203" pitchFamily="34" charset="0"/>
+                <a:cs typeface="Segoe UI" panose="020B0502040204020203" pitchFamily="34" charset="0"/>
+              </a:rPr>
+              <a:t> </a:t>
+            </a:r>
+          </a:p>
+          <a:p>
+            <a:pPr>
+              <a:buFont typeface="Wingdings" panose="05000000000000000000" pitchFamily="2" charset="2"/>
+              <a:buChar char="§"/>
+            </a:pPr>
+            <a:r>
+              <a:rPr lang="en-US" sz="2400" dirty="0">
+                <a:latin typeface="Segoe UI" panose="020B0502040204020203" pitchFamily="34" charset="0"/>
+                <a:cs typeface="Segoe UI" panose="020B0502040204020203" pitchFamily="34" charset="0"/>
+              </a:rPr>
+              <a:t>Test Driven Development for Embedded C:</a:t>
+            </a:r>
+            <a:br>
+              <a:rPr lang="en-US" sz="2400" dirty="0">
+                <a:latin typeface="Segoe UI" panose="020B0502040204020203" pitchFamily="34" charset="0"/>
+                <a:cs typeface="Segoe UI" panose="020B0502040204020203" pitchFamily="34" charset="0"/>
+              </a:rPr>
+            </a:br>
+            <a:r>
+              <a:rPr lang="en-US" sz="2400" dirty="0">
+                <a:latin typeface="Segoe UI" panose="020B0502040204020203" pitchFamily="34" charset="0"/>
+                <a:cs typeface="Segoe UI" panose="020B0502040204020203" pitchFamily="34" charset="0"/>
+                <a:hlinkClick r:id="rId4"/>
+              </a:rPr>
+              <a:t>https://www.amazon.com/Driven-Development-Embedded-Pragmatic-Programmers/dp/193435662X</a:t>
+            </a:r>
+            <a:r>
+              <a:rPr lang="en-US" sz="2400" dirty="0">
+                <a:latin typeface="Segoe UI" panose="020B0502040204020203" pitchFamily="34" charset="0"/>
+                <a:cs typeface="Segoe UI" panose="020B0502040204020203" pitchFamily="34" charset="0"/>
+              </a:rPr>
+              <a:t> </a:t>
+            </a:r>
+            <a:endParaRPr lang="en-US" sz="2000" dirty="0">
+              <a:latin typeface="Segoe UI" panose="020B0502040204020203" pitchFamily="34" charset="0"/>
+              <a:cs typeface="Segoe UI" panose="020B0502040204020203" pitchFamily="34" charset="0"/>
+            </a:endParaRPr>
+          </a:p>
+          <a:p>
+            <a:pPr marL="0" indent="0">
+              <a:buNone/>
+            </a:pPr>
+            <a:endParaRPr lang="en-US" sz="2400" dirty="0">
+              <a:latin typeface="Segoe UI" panose="020B0502040204020203" pitchFamily="34" charset="0"/>
+              <a:cs typeface="Segoe UI" panose="020B0502040204020203" pitchFamily="34" charset="0"/>
+            </a:endParaRPr>
+          </a:p>
+        </p:txBody>
+      </p:sp>
+      <p:pic>
+        <p:nvPicPr>
+          <p:cNvPr id="6" name="Picture 5">
+            <a:extLst>
+              <a:ext uri="{FF2B5EF4-FFF2-40B4-BE49-F238E27FC236}">
+                <a16:creationId xmlns:a16="http://schemas.microsoft.com/office/drawing/2014/main" id="{A8A8B1A8-5E7A-4930-AA09-E7F4454B4738}"/>
+              </a:ext>
+            </a:extLst>
+          </p:cNvPr>
+          <p:cNvPicPr>
+            <a:picLocks noChangeAspect="1"/>
+          </p:cNvPicPr>
+          <p:nvPr/>
+        </p:nvPicPr>
+        <p:blipFill>
+          <a:blip r:embed="rId5"/>
+          <a:stretch>
+            <a:fillRect/>
+          </a:stretch>
+        </p:blipFill>
+        <p:spPr>
+          <a:xfrm>
+            <a:off x="4831840" y="2063691"/>
+            <a:ext cx="2981325" cy="3733800"/>
+          </a:xfrm>
+          <a:prstGeom prst="rect">
+            <a:avLst/>
+          </a:prstGeom>
+        </p:spPr>
+      </p:pic>
+      <p:pic>
+        <p:nvPicPr>
+          <p:cNvPr id="7" name="Picture 6">
+            <a:extLst>
+              <a:ext uri="{FF2B5EF4-FFF2-40B4-BE49-F238E27FC236}">
+                <a16:creationId xmlns:a16="http://schemas.microsoft.com/office/drawing/2014/main" id="{E12916F0-0CB4-4886-95E0-6D71A10B3425}"/>
+              </a:ext>
+            </a:extLst>
+          </p:cNvPr>
+          <p:cNvPicPr>
+            <a:picLocks noChangeAspect="1"/>
+          </p:cNvPicPr>
+          <p:nvPr/>
+        </p:nvPicPr>
+        <p:blipFill>
+          <a:blip r:embed="rId6"/>
+          <a:stretch>
+            <a:fillRect/>
+          </a:stretch>
+        </p:blipFill>
+        <p:spPr>
+          <a:xfrm>
+            <a:off x="8119712" y="2063691"/>
+            <a:ext cx="3101365" cy="3733800"/>
+          </a:xfrm>
+          <a:prstGeom prst="rect">
+            <a:avLst/>
+          </a:prstGeom>
+        </p:spPr>
+      </p:pic>
     </p:spTree>
     <p:extLst>
       <p:ext uri="{BB962C8B-B14F-4D97-AF65-F5344CB8AC3E}">
-        <p14:creationId xmlns:p14="http://schemas.microsoft.com/office/powerpoint/2010/main" val="2874145743"/>
+        <p14:creationId xmlns:p14="http://schemas.microsoft.com/office/powerpoint/2010/main" val="1031931220"/>
       </p:ext>
     </p:extLst>
   </p:cSld>
@@ -45916,46 +47340,12 @@
           <a:chExt cx="0" cy="0"/>
         </a:xfrm>
       </p:grpSpPr>
-      <p:sp>
-        <p:nvSpPr>
-          <p:cNvPr id="2" name="Title 1">
-            <a:extLst>
-              <a:ext uri="{FF2B5EF4-FFF2-40B4-BE49-F238E27FC236}">
-                <a16:creationId xmlns:a16="http://schemas.microsoft.com/office/drawing/2014/main" id="{3681D759-3FEC-433A-94E5-DC6F4F23EF5E}"/>
-              </a:ext>
-            </a:extLst>
-          </p:cNvPr>
-          <p:cNvSpPr>
-            <a:spLocks noGrp="1"/>
-          </p:cNvSpPr>
-          <p:nvPr>
-            <p:ph type="title"/>
-          </p:nvPr>
-        </p:nvSpPr>
-        <p:spPr/>
-        <p:txBody>
-          <a:bodyPr/>
-          <a:lstStyle/>
-          <a:p>
-            <a:r>
-              <a:rPr lang="pt-BR" dirty="0">
-                <a:solidFill>
-                  <a:srgbClr val="00B0F0"/>
-                </a:solidFill>
-                <a:latin typeface="Segoe UI" panose="020B0502040204020203" pitchFamily="34" charset="0"/>
-                <a:cs typeface="Segoe UI" panose="020B0502040204020203" pitchFamily="34" charset="0"/>
-              </a:rPr>
-              <a:t>Functions</a:t>
-            </a:r>
-          </a:p>
-        </p:txBody>
-      </p:sp>
       <p:pic>
         <p:nvPicPr>
-          <p:cNvPr id="10" name="Picture 2" descr="GitHub - isocpp/logos: C++ logos created for isocpp.org">
+          <p:cNvPr id="1026" name="Picture 2" descr="GitHub - isocpp/logos: C++ logos created for isocpp.org">
             <a:extLst>
               <a:ext uri="{FF2B5EF4-FFF2-40B4-BE49-F238E27FC236}">
-                <a16:creationId xmlns:a16="http://schemas.microsoft.com/office/drawing/2014/main" id="{6B7F8B00-6ACA-413F-BF98-5B69C47599E9}"/>
+                <a16:creationId xmlns:a16="http://schemas.microsoft.com/office/drawing/2014/main" id="{A0F21991-30A2-4BF2-84DE-6D66369A1590}"/>
               </a:ext>
             </a:extLst>
           </p:cNvPr>
@@ -45979,8 +47369,8 @@
         </p:blipFill>
         <p:spPr bwMode="auto">
           <a:xfrm>
-            <a:off x="10951233" y="365125"/>
-            <a:ext cx="805134" cy="905069"/>
+            <a:off x="4290025" y="1398864"/>
+            <a:ext cx="3611949" cy="4060271"/>
           </a:xfrm>
           <a:prstGeom prst="rect">
             <a:avLst/>
@@ -45999,10 +47389,10 @@
       </p:pic>
       <p:sp>
         <p:nvSpPr>
-          <p:cNvPr id="4" name="Slide Number Placeholder 3">
+          <p:cNvPr id="2" name="Slide Number Placeholder 1">
             <a:extLst>
               <a:ext uri="{FF2B5EF4-FFF2-40B4-BE49-F238E27FC236}">
-                <a16:creationId xmlns:a16="http://schemas.microsoft.com/office/drawing/2014/main" id="{1FB7980D-6ABC-4A00-8DC8-A167ABC49549}"/>
+                <a16:creationId xmlns:a16="http://schemas.microsoft.com/office/drawing/2014/main" id="{F7D0471A-28BC-4706-950D-1331DB87B3AB}"/>
               </a:ext>
             </a:extLst>
           </p:cNvPr>
@@ -46026,10 +47416,77 @@
           </a:p>
         </p:txBody>
       </p:sp>
+      <p:sp>
+        <p:nvSpPr>
+          <p:cNvPr id="4" name="Title 1">
+            <a:extLst>
+              <a:ext uri="{FF2B5EF4-FFF2-40B4-BE49-F238E27FC236}">
+                <a16:creationId xmlns:a16="http://schemas.microsoft.com/office/drawing/2014/main" id="{3B990E38-7A77-4C4C-AF05-5DFBC34F4C41}"/>
+              </a:ext>
+            </a:extLst>
+          </p:cNvPr>
+          <p:cNvSpPr txBox="1">
+            <a:spLocks/>
+          </p:cNvSpPr>
+          <p:nvPr/>
+        </p:nvSpPr>
+        <p:spPr>
+          <a:xfrm>
+            <a:off x="0" y="365125"/>
+            <a:ext cx="12192000" cy="6270567"/>
+          </a:xfrm>
+          <a:prstGeom prst="rect">
+            <a:avLst/>
+          </a:prstGeom>
+        </p:spPr>
+        <p:txBody>
+          <a:bodyPr vert="horz" lIns="91440" tIns="45720" rIns="91440" bIns="45720" rtlCol="0" anchor="b">
+            <a:normAutofit/>
+          </a:bodyPr>
+          <a:lstStyle>
+            <a:lvl1pPr algn="ctr" defTabSz="914400" rtl="0" eaLnBrk="1" latinLnBrk="0" hangingPunct="1">
+              <a:lnSpc>
+                <a:spcPct val="90000"/>
+              </a:lnSpc>
+              <a:spcBef>
+                <a:spcPct val="0"/>
+              </a:spcBef>
+              <a:buNone/>
+              <a:defRPr sz="6000" kern="1200">
+                <a:solidFill>
+                  <a:schemeClr val="tx1"/>
+                </a:solidFill>
+                <a:latin typeface="+mj-lt"/>
+                <a:ea typeface="+mj-ea"/>
+                <a:cs typeface="+mj-cs"/>
+              </a:defRPr>
+            </a:lvl1pPr>
+          </a:lstStyle>
+          <a:p>
+            <a:r>
+              <a:rPr lang="en-US" b="1" dirty="0">
+                <a:solidFill>
+                  <a:srgbClr val="00B0F0"/>
+                </a:solidFill>
+                <a:latin typeface="Segoe UI" panose="020B0502040204020203" pitchFamily="34" charset="0"/>
+                <a:cs typeface="Segoe UI" panose="020B0502040204020203" pitchFamily="34" charset="0"/>
+              </a:rPr>
+              <a:t>#6</a:t>
+            </a:r>
+            <a:endParaRPr lang="pt-BR" b="1" dirty="0">
+              <a:solidFill>
+                <a:srgbClr val="00B0F0"/>
+              </a:solidFill>
+              <a:latin typeface="Segoe UI" panose="020B0502040204020203" pitchFamily="34" charset="0"/>
+              <a:cs typeface="Segoe UI" panose="020B0502040204020203" pitchFamily="34" charset="0"/>
+            </a:endParaRPr>
+          </a:p>
+        </p:txBody>
+      </p:sp>
     </p:spTree>
     <p:extLst>
       <p:ext uri="{BB962C8B-B14F-4D97-AF65-F5344CB8AC3E}">
-        <p14:creationId xmlns:p14="http://schemas.microsoft.com/office/powerpoint/2010/main" val="2359568493"/>
+        <p14:creationId xmlns:p14="http://schemas.microsoft.com/office/powerpoint/2010/main" val="2015025774"/>
       </p:ext>
     </p:extLst>
   </p:cSld>
@@ -46085,7 +47542,7 @@
                 <a:latin typeface="Segoe UI" panose="020B0502040204020203" pitchFamily="34" charset="0"/>
                 <a:cs typeface="Segoe UI" panose="020B0502040204020203" pitchFamily="34" charset="0"/>
               </a:rPr>
-              <a:t>Function Templates</a:t>
+              <a:t>Agenda</a:t>
             </a:r>
           </a:p>
         </p:txBody>
@@ -46166,10 +47623,148 @@
           </a:p>
         </p:txBody>
       </p:sp>
+      <p:sp>
+        <p:nvSpPr>
+          <p:cNvPr id="5" name="Content Placeholder 2">
+            <a:extLst>
+              <a:ext uri="{FF2B5EF4-FFF2-40B4-BE49-F238E27FC236}">
+                <a16:creationId xmlns:a16="http://schemas.microsoft.com/office/drawing/2014/main" id="{E8905B48-5B89-478E-B7BC-B0625487F9A1}"/>
+              </a:ext>
+            </a:extLst>
+          </p:cNvPr>
+          <p:cNvSpPr>
+            <a:spLocks noGrp="1"/>
+          </p:cNvSpPr>
+          <p:nvPr>
+            <p:ph idx="1"/>
+          </p:nvPr>
+        </p:nvSpPr>
+        <p:spPr>
+          <a:xfrm>
+            <a:off x="838200" y="1825625"/>
+            <a:ext cx="10515600" cy="4351338"/>
+          </a:xfrm>
+        </p:spPr>
+        <p:txBody>
+          <a:bodyPr>
+            <a:normAutofit/>
+          </a:bodyPr>
+          <a:lstStyle/>
+          <a:p>
+            <a:pPr>
+              <a:buFont typeface="Wingdings" panose="05000000000000000000" pitchFamily="2" charset="2"/>
+              <a:buChar char="§"/>
+            </a:pPr>
+            <a:r>
+              <a:rPr lang="en-US" sz="2400" dirty="0" err="1">
+                <a:latin typeface="Segoe UI" panose="020B0502040204020203" pitchFamily="34" charset="0"/>
+                <a:cs typeface="Segoe UI" panose="020B0502040204020203" pitchFamily="34" charset="0"/>
+              </a:rPr>
+              <a:t>Clipp</a:t>
+            </a:r>
+            <a:endParaRPr lang="en-US" sz="2400" dirty="0">
+              <a:latin typeface="Segoe UI" panose="020B0502040204020203" pitchFamily="34" charset="0"/>
+              <a:cs typeface="Segoe UI" panose="020B0502040204020203" pitchFamily="34" charset="0"/>
+            </a:endParaRPr>
+          </a:p>
+          <a:p>
+            <a:pPr>
+              <a:buFont typeface="Wingdings" panose="05000000000000000000" pitchFamily="2" charset="2"/>
+              <a:buChar char="§"/>
+            </a:pPr>
+            <a:endParaRPr lang="en-US" sz="2400" dirty="0">
+              <a:latin typeface="Segoe UI" panose="020B0502040204020203" pitchFamily="34" charset="0"/>
+              <a:cs typeface="Segoe UI" panose="020B0502040204020203" pitchFamily="34" charset="0"/>
+            </a:endParaRPr>
+          </a:p>
+          <a:p>
+            <a:pPr>
+              <a:buFont typeface="Wingdings" panose="05000000000000000000" pitchFamily="2" charset="2"/>
+              <a:buChar char="§"/>
+            </a:pPr>
+            <a:r>
+              <a:rPr lang="en-US" sz="2400" dirty="0">
+                <a:latin typeface="Segoe UI" panose="020B0502040204020203" pitchFamily="34" charset="0"/>
+                <a:cs typeface="Segoe UI" panose="020B0502040204020203" pitchFamily="34" charset="0"/>
+              </a:rPr>
+              <a:t>Functions</a:t>
+            </a:r>
+          </a:p>
+          <a:p>
+            <a:pPr>
+              <a:buFont typeface="Wingdings" panose="05000000000000000000" pitchFamily="2" charset="2"/>
+              <a:buChar char="§"/>
+            </a:pPr>
+            <a:endParaRPr lang="en-US" sz="2400" dirty="0">
+              <a:latin typeface="Segoe UI" panose="020B0502040204020203" pitchFamily="34" charset="0"/>
+              <a:cs typeface="Segoe UI" panose="020B0502040204020203" pitchFamily="34" charset="0"/>
+            </a:endParaRPr>
+          </a:p>
+          <a:p>
+            <a:pPr>
+              <a:buFont typeface="Wingdings" panose="05000000000000000000" pitchFamily="2" charset="2"/>
+              <a:buChar char="§"/>
+            </a:pPr>
+            <a:r>
+              <a:rPr lang="en-US" sz="2400" dirty="0">
+                <a:latin typeface="Segoe UI" panose="020B0502040204020203" pitchFamily="34" charset="0"/>
+                <a:cs typeface="Segoe UI" panose="020B0502040204020203" pitchFamily="34" charset="0"/>
+              </a:rPr>
+              <a:t>Function Templates</a:t>
+            </a:r>
+          </a:p>
+          <a:p>
+            <a:pPr>
+              <a:buFont typeface="Wingdings" panose="05000000000000000000" pitchFamily="2" charset="2"/>
+              <a:buChar char="§"/>
+            </a:pPr>
+            <a:endParaRPr lang="en-US" sz="2400" dirty="0">
+              <a:latin typeface="Segoe UI" panose="020B0502040204020203" pitchFamily="34" charset="0"/>
+              <a:cs typeface="Segoe UI" panose="020B0502040204020203" pitchFamily="34" charset="0"/>
+            </a:endParaRPr>
+          </a:p>
+          <a:p>
+            <a:pPr>
+              <a:buFont typeface="Wingdings" panose="05000000000000000000" pitchFamily="2" charset="2"/>
+              <a:buChar char="§"/>
+            </a:pPr>
+            <a:r>
+              <a:rPr lang="en-US" sz="2400" dirty="0">
+                <a:latin typeface="Segoe UI" panose="020B0502040204020203" pitchFamily="34" charset="0"/>
+                <a:cs typeface="Segoe UI" panose="020B0502040204020203" pitchFamily="34" charset="0"/>
+              </a:rPr>
+              <a:t>Lambdas</a:t>
+            </a:r>
+          </a:p>
+          <a:p>
+            <a:pPr>
+              <a:buFont typeface="Wingdings" panose="05000000000000000000" pitchFamily="2" charset="2"/>
+              <a:buChar char="§"/>
+            </a:pPr>
+            <a:endParaRPr lang="en-US" sz="2400" dirty="0">
+              <a:latin typeface="Segoe UI" panose="020B0502040204020203" pitchFamily="34" charset="0"/>
+              <a:cs typeface="Segoe UI" panose="020B0502040204020203" pitchFamily="34" charset="0"/>
+            </a:endParaRPr>
+          </a:p>
+          <a:p>
+            <a:pPr>
+              <a:buFont typeface="Wingdings" panose="05000000000000000000" pitchFamily="2" charset="2"/>
+              <a:buChar char="§"/>
+            </a:pPr>
+            <a:r>
+              <a:rPr lang="en-US" sz="2400" dirty="0">
+                <a:latin typeface="Segoe UI" panose="020B0502040204020203" pitchFamily="34" charset="0"/>
+                <a:cs typeface="Segoe UI" panose="020B0502040204020203" pitchFamily="34" charset="0"/>
+              </a:rPr>
+              <a:t>Compile-Time Programming</a:t>
+            </a:r>
+          </a:p>
+        </p:txBody>
+      </p:sp>
     </p:spTree>
     <p:extLst>
       <p:ext uri="{BB962C8B-B14F-4D97-AF65-F5344CB8AC3E}">
-        <p14:creationId xmlns:p14="http://schemas.microsoft.com/office/powerpoint/2010/main" val="2297078418"/>
+        <p14:creationId xmlns:p14="http://schemas.microsoft.com/office/powerpoint/2010/main" val="2685624785"/>
       </p:ext>
     </p:extLst>
   </p:cSld>
@@ -46225,7 +47820,7 @@
                 <a:latin typeface="Segoe UI" panose="020B0502040204020203" pitchFamily="34" charset="0"/>
                 <a:cs typeface="Segoe UI" panose="020B0502040204020203" pitchFamily="34" charset="0"/>
               </a:rPr>
-              <a:t>Classes Templates</a:t>
+              <a:t>Clipp</a:t>
             </a:r>
           </a:p>
         </p:txBody>
@@ -46306,10 +47901,198 @@
           </a:p>
         </p:txBody>
       </p:sp>
+      <p:sp>
+        <p:nvSpPr>
+          <p:cNvPr id="5" name="Content Placeholder 2">
+            <a:extLst>
+              <a:ext uri="{FF2B5EF4-FFF2-40B4-BE49-F238E27FC236}">
+                <a16:creationId xmlns:a16="http://schemas.microsoft.com/office/drawing/2014/main" id="{D43FBA35-74CA-4C65-9F97-226006628E34}"/>
+              </a:ext>
+            </a:extLst>
+          </p:cNvPr>
+          <p:cNvSpPr>
+            <a:spLocks noGrp="1"/>
+          </p:cNvSpPr>
+          <p:nvPr>
+            <p:ph idx="1"/>
+          </p:nvPr>
+        </p:nvSpPr>
+        <p:spPr>
+          <a:xfrm>
+            <a:off x="838200" y="1825625"/>
+            <a:ext cx="10515600" cy="4351338"/>
+          </a:xfrm>
+        </p:spPr>
+        <p:txBody>
+          <a:bodyPr>
+            <a:normAutofit/>
+          </a:bodyPr>
+          <a:lstStyle/>
+          <a:p>
+            <a:pPr>
+              <a:buFont typeface="Wingdings" panose="05000000000000000000" pitchFamily="2" charset="2"/>
+              <a:buChar char="§"/>
+            </a:pPr>
+            <a:r>
+              <a:rPr lang="en-US" sz="2400" dirty="0" err="1">
+                <a:latin typeface="Segoe UI" panose="020B0502040204020203" pitchFamily="34" charset="0"/>
+                <a:cs typeface="Segoe UI" panose="020B0502040204020203" pitchFamily="34" charset="0"/>
+              </a:rPr>
+              <a:t>Biblioteca</a:t>
+            </a:r>
+            <a:r>
+              <a:rPr lang="en-US" sz="2400" dirty="0">
+                <a:latin typeface="Segoe UI" panose="020B0502040204020203" pitchFamily="34" charset="0"/>
+                <a:cs typeface="Segoe UI" panose="020B0502040204020203" pitchFamily="34" charset="0"/>
+              </a:rPr>
+              <a:t> para interface de </a:t>
+            </a:r>
+            <a:r>
+              <a:rPr lang="en-US" sz="2400" dirty="0" err="1">
+                <a:latin typeface="Segoe UI" panose="020B0502040204020203" pitchFamily="34" charset="0"/>
+                <a:cs typeface="Segoe UI" panose="020B0502040204020203" pitchFamily="34" charset="0"/>
+              </a:rPr>
+              <a:t>linha</a:t>
+            </a:r>
+            <a:r>
+              <a:rPr lang="en-US" sz="2400" dirty="0">
+                <a:latin typeface="Segoe UI" panose="020B0502040204020203" pitchFamily="34" charset="0"/>
+                <a:cs typeface="Segoe UI" panose="020B0502040204020203" pitchFamily="34" charset="0"/>
+              </a:rPr>
+              <a:t> de </a:t>
+            </a:r>
+            <a:r>
+              <a:rPr lang="en-US" sz="2400" dirty="0" err="1">
+                <a:latin typeface="Segoe UI" panose="020B0502040204020203" pitchFamily="34" charset="0"/>
+                <a:cs typeface="Segoe UI" panose="020B0502040204020203" pitchFamily="34" charset="0"/>
+              </a:rPr>
+              <a:t>comando</a:t>
+            </a:r>
+            <a:endParaRPr lang="en-US" sz="2400" dirty="0">
+              <a:latin typeface="Segoe UI" panose="020B0502040204020203" pitchFamily="34" charset="0"/>
+              <a:cs typeface="Segoe UI" panose="020B0502040204020203" pitchFamily="34" charset="0"/>
+            </a:endParaRPr>
+          </a:p>
+          <a:p>
+            <a:pPr>
+              <a:buFont typeface="Wingdings" panose="05000000000000000000" pitchFamily="2" charset="2"/>
+              <a:buChar char="§"/>
+            </a:pPr>
+            <a:endParaRPr lang="en-US" sz="2400" dirty="0">
+              <a:latin typeface="Segoe UI" panose="020B0502040204020203" pitchFamily="34" charset="0"/>
+              <a:cs typeface="Segoe UI" panose="020B0502040204020203" pitchFamily="34" charset="0"/>
+            </a:endParaRPr>
+          </a:p>
+          <a:p>
+            <a:pPr>
+              <a:buFont typeface="Wingdings" panose="05000000000000000000" pitchFamily="2" charset="2"/>
+              <a:buChar char="§"/>
+            </a:pPr>
+            <a:r>
+              <a:rPr lang="en-US" sz="2400" dirty="0" err="1">
+                <a:latin typeface="Segoe UI" panose="020B0502040204020203" pitchFamily="34" charset="0"/>
+                <a:cs typeface="Segoe UI" panose="020B0502040204020203" pitchFamily="34" charset="0"/>
+              </a:rPr>
+              <a:t>Repositório</a:t>
+            </a:r>
+            <a:r>
+              <a:rPr lang="en-US" sz="2400" dirty="0">
+                <a:latin typeface="Segoe UI" panose="020B0502040204020203" pitchFamily="34" charset="0"/>
+                <a:cs typeface="Segoe UI" panose="020B0502040204020203" pitchFamily="34" charset="0"/>
+              </a:rPr>
+              <a:t>: </a:t>
+            </a:r>
+            <a:r>
+              <a:rPr lang="en-US" sz="2400" dirty="0">
+                <a:latin typeface="Segoe UI" panose="020B0502040204020203" pitchFamily="34" charset="0"/>
+                <a:cs typeface="Segoe UI" panose="020B0502040204020203" pitchFamily="34" charset="0"/>
+                <a:hlinkClick r:id="rId3"/>
+              </a:rPr>
+              <a:t>https://github.com/muellan/clipp</a:t>
+            </a:r>
+            <a:r>
+              <a:rPr lang="en-US" sz="2400" dirty="0">
+                <a:latin typeface="Segoe UI" panose="020B0502040204020203" pitchFamily="34" charset="0"/>
+                <a:cs typeface="Segoe UI" panose="020B0502040204020203" pitchFamily="34" charset="0"/>
+              </a:rPr>
+              <a:t> </a:t>
+            </a:r>
+          </a:p>
+          <a:p>
+            <a:pPr>
+              <a:buFont typeface="Wingdings" panose="05000000000000000000" pitchFamily="2" charset="2"/>
+              <a:buChar char="§"/>
+            </a:pPr>
+            <a:endParaRPr lang="en-US" sz="2400" dirty="0">
+              <a:latin typeface="Segoe UI" panose="020B0502040204020203" pitchFamily="34" charset="0"/>
+              <a:cs typeface="Segoe UI" panose="020B0502040204020203" pitchFamily="34" charset="0"/>
+            </a:endParaRPr>
+          </a:p>
+          <a:p>
+            <a:pPr>
+              <a:buFont typeface="Wingdings" panose="05000000000000000000" pitchFamily="2" charset="2"/>
+              <a:buChar char="§"/>
+            </a:pPr>
+            <a:r>
+              <a:rPr lang="en-US" sz="2400" dirty="0">
+                <a:latin typeface="Segoe UI" panose="020B0502040204020203" pitchFamily="34" charset="0"/>
+                <a:cs typeface="Segoe UI" panose="020B0502040204020203" pitchFamily="34" charset="0"/>
+              </a:rPr>
+              <a:t>Function Templates</a:t>
+            </a:r>
+          </a:p>
+          <a:p>
+            <a:pPr>
+              <a:buFont typeface="Wingdings" panose="05000000000000000000" pitchFamily="2" charset="2"/>
+              <a:buChar char="§"/>
+            </a:pPr>
+            <a:endParaRPr lang="en-US" sz="2400" dirty="0">
+              <a:latin typeface="Segoe UI" panose="020B0502040204020203" pitchFamily="34" charset="0"/>
+              <a:cs typeface="Segoe UI" panose="020B0502040204020203" pitchFamily="34" charset="0"/>
+            </a:endParaRPr>
+          </a:p>
+          <a:p>
+            <a:pPr>
+              <a:buFont typeface="Wingdings" panose="05000000000000000000" pitchFamily="2" charset="2"/>
+              <a:buChar char="§"/>
+            </a:pPr>
+            <a:r>
+              <a:rPr lang="en-US" sz="2400" dirty="0">
+                <a:latin typeface="Segoe UI" panose="020B0502040204020203" pitchFamily="34" charset="0"/>
+                <a:cs typeface="Segoe UI" panose="020B0502040204020203" pitchFamily="34" charset="0"/>
+              </a:rPr>
+              <a:t>Lambdas</a:t>
+            </a:r>
+          </a:p>
+          <a:p>
+            <a:pPr>
+              <a:buFont typeface="Wingdings" panose="05000000000000000000" pitchFamily="2" charset="2"/>
+              <a:buChar char="§"/>
+            </a:pPr>
+            <a:endParaRPr lang="en-US" sz="2400" dirty="0">
+              <a:latin typeface="Segoe UI" panose="020B0502040204020203" pitchFamily="34" charset="0"/>
+              <a:cs typeface="Segoe UI" panose="020B0502040204020203" pitchFamily="34" charset="0"/>
+            </a:endParaRPr>
+          </a:p>
+          <a:p>
+            <a:pPr>
+              <a:buFont typeface="Wingdings" panose="05000000000000000000" pitchFamily="2" charset="2"/>
+              <a:buChar char="§"/>
+            </a:pPr>
+            <a:r>
+              <a:rPr lang="en-US" sz="2400" dirty="0">
+                <a:latin typeface="Segoe UI" panose="020B0502040204020203" pitchFamily="34" charset="0"/>
+                <a:cs typeface="Segoe UI" panose="020B0502040204020203" pitchFamily="34" charset="0"/>
+              </a:rPr>
+              <a:t>Compile-Time Programming</a:t>
+            </a:r>
+          </a:p>
+        </p:txBody>
+      </p:sp>
     </p:spTree>
     <p:extLst>
       <p:ext uri="{BB962C8B-B14F-4D97-AF65-F5344CB8AC3E}">
-        <p14:creationId xmlns:p14="http://schemas.microsoft.com/office/powerpoint/2010/main" val="1007957260"/>
+        <p14:creationId xmlns:p14="http://schemas.microsoft.com/office/powerpoint/2010/main" val="2874145743"/>
       </p:ext>
     </p:extLst>
   </p:cSld>
@@ -46365,7 +48148,7 @@
                 <a:latin typeface="Segoe UI" panose="020B0502040204020203" pitchFamily="34" charset="0"/>
                 <a:cs typeface="Segoe UI" panose="020B0502040204020203" pitchFamily="34" charset="0"/>
               </a:rPr>
-              <a:t>Lambdas</a:t>
+              <a:t>Functions</a:t>
             </a:r>
           </a:p>
         </p:txBody>
@@ -46449,7 +48232,7 @@
     </p:spTree>
     <p:extLst>
       <p:ext uri="{BB962C8B-B14F-4D97-AF65-F5344CB8AC3E}">
-        <p14:creationId xmlns:p14="http://schemas.microsoft.com/office/powerpoint/2010/main" val="2503949774"/>
+        <p14:creationId xmlns:p14="http://schemas.microsoft.com/office/powerpoint/2010/main" val="2359568493"/>
       </p:ext>
     </p:extLst>
   </p:cSld>
@@ -46505,7 +48288,7 @@
                 <a:latin typeface="Segoe UI" panose="020B0502040204020203" pitchFamily="34" charset="0"/>
                 <a:cs typeface="Segoe UI" panose="020B0502040204020203" pitchFamily="34" charset="0"/>
               </a:rPr>
-              <a:t>Standard Template Library</a:t>
+              <a:t>Function Templates</a:t>
             </a:r>
           </a:p>
         </p:txBody>
@@ -46589,7 +48372,7 @@
     </p:spTree>
     <p:extLst>
       <p:ext uri="{BB962C8B-B14F-4D97-AF65-F5344CB8AC3E}">
-        <p14:creationId xmlns:p14="http://schemas.microsoft.com/office/powerpoint/2010/main" val="3506633628"/>
+        <p14:creationId xmlns:p14="http://schemas.microsoft.com/office/powerpoint/2010/main" val="2297078418"/>
       </p:ext>
     </p:extLst>
   </p:cSld>
@@ -46645,7 +48428,7 @@
                 <a:latin typeface="Segoe UI" panose="020B0502040204020203" pitchFamily="34" charset="0"/>
                 <a:cs typeface="Segoe UI" panose="020B0502040204020203" pitchFamily="34" charset="0"/>
               </a:rPr>
-              <a:t>Containers</a:t>
+              <a:t>Lambdas</a:t>
             </a:r>
           </a:p>
         </p:txBody>
@@ -46729,7 +48512,7 @@
     </p:spTree>
     <p:extLst>
       <p:ext uri="{BB962C8B-B14F-4D97-AF65-F5344CB8AC3E}">
-        <p14:creationId xmlns:p14="http://schemas.microsoft.com/office/powerpoint/2010/main" val="2167016015"/>
+        <p14:creationId xmlns:p14="http://schemas.microsoft.com/office/powerpoint/2010/main" val="2503949774"/>
       </p:ext>
     </p:extLst>
   </p:cSld>
@@ -46785,7 +48568,7 @@
                 <a:latin typeface="Segoe UI" panose="020B0502040204020203" pitchFamily="34" charset="0"/>
                 <a:cs typeface="Segoe UI" panose="020B0502040204020203" pitchFamily="34" charset="0"/>
               </a:rPr>
-              <a:t>Iterators</a:t>
+              <a:t>Compile-time Programming</a:t>
             </a:r>
           </a:p>
         </p:txBody>
@@ -46869,7 +48652,7 @@
     </p:spTree>
     <p:extLst>
       <p:ext uri="{BB962C8B-B14F-4D97-AF65-F5344CB8AC3E}">
-        <p14:creationId xmlns:p14="http://schemas.microsoft.com/office/powerpoint/2010/main" val="4245057799"/>
+        <p14:creationId xmlns:p14="http://schemas.microsoft.com/office/powerpoint/2010/main" val="2450211822"/>
       </p:ext>
     </p:extLst>
   </p:cSld>
@@ -47302,46 +49085,12 @@
           <a:chExt cx="0" cy="0"/>
         </a:xfrm>
       </p:grpSpPr>
-      <p:sp>
-        <p:nvSpPr>
-          <p:cNvPr id="2" name="Title 1">
-            <a:extLst>
-              <a:ext uri="{FF2B5EF4-FFF2-40B4-BE49-F238E27FC236}">
-                <a16:creationId xmlns:a16="http://schemas.microsoft.com/office/drawing/2014/main" id="{3681D759-3FEC-433A-94E5-DC6F4F23EF5E}"/>
-              </a:ext>
-            </a:extLst>
-          </p:cNvPr>
-          <p:cNvSpPr>
-            <a:spLocks noGrp="1"/>
-          </p:cNvSpPr>
-          <p:nvPr>
-            <p:ph type="title"/>
-          </p:nvPr>
-        </p:nvSpPr>
-        <p:spPr/>
-        <p:txBody>
-          <a:bodyPr/>
-          <a:lstStyle/>
-          <a:p>
-            <a:r>
-              <a:rPr lang="pt-BR" dirty="0">
-                <a:solidFill>
-                  <a:srgbClr val="00B0F0"/>
-                </a:solidFill>
-                <a:latin typeface="Segoe UI" panose="020B0502040204020203" pitchFamily="34" charset="0"/>
-                <a:cs typeface="Segoe UI" panose="020B0502040204020203" pitchFamily="34" charset="0"/>
-              </a:rPr>
-              <a:t>Ranges</a:t>
-            </a:r>
-          </a:p>
-        </p:txBody>
-      </p:sp>
       <p:pic>
         <p:nvPicPr>
-          <p:cNvPr id="10" name="Picture 2" descr="GitHub - isocpp/logos: C++ logos created for isocpp.org">
+          <p:cNvPr id="1026" name="Picture 2" descr="GitHub - isocpp/logos: C++ logos created for isocpp.org">
             <a:extLst>
               <a:ext uri="{FF2B5EF4-FFF2-40B4-BE49-F238E27FC236}">
-                <a16:creationId xmlns:a16="http://schemas.microsoft.com/office/drawing/2014/main" id="{6B7F8B00-6ACA-413F-BF98-5B69C47599E9}"/>
+                <a16:creationId xmlns:a16="http://schemas.microsoft.com/office/drawing/2014/main" id="{A0F21991-30A2-4BF2-84DE-6D66369A1590}"/>
               </a:ext>
             </a:extLst>
           </p:cNvPr>
@@ -47365,8 +49114,8 @@
         </p:blipFill>
         <p:spPr bwMode="auto">
           <a:xfrm>
-            <a:off x="10951233" y="365125"/>
-            <a:ext cx="805134" cy="905069"/>
+            <a:off x="4290025" y="1398864"/>
+            <a:ext cx="3611949" cy="4060271"/>
           </a:xfrm>
           <a:prstGeom prst="rect">
             <a:avLst/>
@@ -47385,10 +49134,10 @@
       </p:pic>
       <p:sp>
         <p:nvSpPr>
-          <p:cNvPr id="4" name="Slide Number Placeholder 3">
+          <p:cNvPr id="2" name="Slide Number Placeholder 1">
             <a:extLst>
               <a:ext uri="{FF2B5EF4-FFF2-40B4-BE49-F238E27FC236}">
-                <a16:creationId xmlns:a16="http://schemas.microsoft.com/office/drawing/2014/main" id="{1FB7980D-6ABC-4A00-8DC8-A167ABC49549}"/>
+                <a16:creationId xmlns:a16="http://schemas.microsoft.com/office/drawing/2014/main" id="{F7D0471A-28BC-4706-950D-1331DB87B3AB}"/>
               </a:ext>
             </a:extLst>
           </p:cNvPr>
@@ -47412,10 +49161,77 @@
           </a:p>
         </p:txBody>
       </p:sp>
+      <p:sp>
+        <p:nvSpPr>
+          <p:cNvPr id="4" name="Title 1">
+            <a:extLst>
+              <a:ext uri="{FF2B5EF4-FFF2-40B4-BE49-F238E27FC236}">
+                <a16:creationId xmlns:a16="http://schemas.microsoft.com/office/drawing/2014/main" id="{3B990E38-7A77-4C4C-AF05-5DFBC34F4C41}"/>
+              </a:ext>
+            </a:extLst>
+          </p:cNvPr>
+          <p:cNvSpPr txBox="1">
+            <a:spLocks/>
+          </p:cNvSpPr>
+          <p:nvPr/>
+        </p:nvSpPr>
+        <p:spPr>
+          <a:xfrm>
+            <a:off x="0" y="365125"/>
+            <a:ext cx="12192000" cy="6270567"/>
+          </a:xfrm>
+          <a:prstGeom prst="rect">
+            <a:avLst/>
+          </a:prstGeom>
+        </p:spPr>
+        <p:txBody>
+          <a:bodyPr vert="horz" lIns="91440" tIns="45720" rIns="91440" bIns="45720" rtlCol="0" anchor="b">
+            <a:normAutofit/>
+          </a:bodyPr>
+          <a:lstStyle>
+            <a:lvl1pPr algn="ctr" defTabSz="914400" rtl="0" eaLnBrk="1" latinLnBrk="0" hangingPunct="1">
+              <a:lnSpc>
+                <a:spcPct val="90000"/>
+              </a:lnSpc>
+              <a:spcBef>
+                <a:spcPct val="0"/>
+              </a:spcBef>
+              <a:buNone/>
+              <a:defRPr sz="6000" kern="1200">
+                <a:solidFill>
+                  <a:schemeClr val="tx1"/>
+                </a:solidFill>
+                <a:latin typeface="+mj-lt"/>
+                <a:ea typeface="+mj-ea"/>
+                <a:cs typeface="+mj-cs"/>
+              </a:defRPr>
+            </a:lvl1pPr>
+          </a:lstStyle>
+          <a:p>
+            <a:r>
+              <a:rPr lang="en-US" b="1" dirty="0">
+                <a:solidFill>
+                  <a:srgbClr val="00B0F0"/>
+                </a:solidFill>
+                <a:latin typeface="Segoe UI" panose="020B0502040204020203" pitchFamily="34" charset="0"/>
+                <a:cs typeface="Segoe UI" panose="020B0502040204020203" pitchFamily="34" charset="0"/>
+              </a:rPr>
+              <a:t>…</a:t>
+            </a:r>
+            <a:endParaRPr lang="pt-BR" b="1" dirty="0">
+              <a:solidFill>
+                <a:srgbClr val="00B0F0"/>
+              </a:solidFill>
+              <a:latin typeface="Segoe UI" panose="020B0502040204020203" pitchFamily="34" charset="0"/>
+              <a:cs typeface="Segoe UI" panose="020B0502040204020203" pitchFamily="34" charset="0"/>
+            </a:endParaRPr>
+          </a:p>
+        </p:txBody>
+      </p:sp>
     </p:spTree>
     <p:extLst>
       <p:ext uri="{BB962C8B-B14F-4D97-AF65-F5344CB8AC3E}">
-        <p14:creationId xmlns:p14="http://schemas.microsoft.com/office/powerpoint/2010/main" val="759493610"/>
+        <p14:creationId xmlns:p14="http://schemas.microsoft.com/office/powerpoint/2010/main" val="1879778046"/>
       </p:ext>
     </p:extLst>
   </p:cSld>
@@ -47442,40 +49258,6 @@
           <a:chExt cx="0" cy="0"/>
         </a:xfrm>
       </p:grpSpPr>
-      <p:sp>
-        <p:nvSpPr>
-          <p:cNvPr id="2" name="Title 1">
-            <a:extLst>
-              <a:ext uri="{FF2B5EF4-FFF2-40B4-BE49-F238E27FC236}">
-                <a16:creationId xmlns:a16="http://schemas.microsoft.com/office/drawing/2014/main" id="{3681D759-3FEC-433A-94E5-DC6F4F23EF5E}"/>
-              </a:ext>
-            </a:extLst>
-          </p:cNvPr>
-          <p:cNvSpPr>
-            <a:spLocks noGrp="1"/>
-          </p:cNvSpPr>
-          <p:nvPr>
-            <p:ph type="title"/>
-          </p:nvPr>
-        </p:nvSpPr>
-        <p:spPr/>
-        <p:txBody>
-          <a:bodyPr/>
-          <a:lstStyle/>
-          <a:p>
-            <a:r>
-              <a:rPr lang="pt-BR" dirty="0">
-                <a:solidFill>
-                  <a:srgbClr val="00B0F0"/>
-                </a:solidFill>
-                <a:latin typeface="Segoe UI" panose="020B0502040204020203" pitchFamily="34" charset="0"/>
-                <a:cs typeface="Segoe UI" panose="020B0502040204020203" pitchFamily="34" charset="0"/>
-              </a:rPr>
-              <a:t>Algorithms</a:t>
-            </a:r>
-          </a:p>
-        </p:txBody>
-      </p:sp>
       <p:pic>
         <p:nvPicPr>
           <p:cNvPr id="10" name="Picture 2" descr="GitHub - isocpp/logos: C++ logos created for isocpp.org">
@@ -47552,10 +49334,40 @@
           </a:p>
         </p:txBody>
       </p:sp>
+      <p:pic>
+        <p:nvPicPr>
+          <p:cNvPr id="3" name="Picture 2">
+            <a:extLst>
+              <a:ext uri="{FF2B5EF4-FFF2-40B4-BE49-F238E27FC236}">
+                <a16:creationId xmlns:a16="http://schemas.microsoft.com/office/drawing/2014/main" id="{6D6F39D6-B4A7-4FDA-91C8-78F5BC502005}"/>
+              </a:ext>
+            </a:extLst>
+          </p:cNvPr>
+          <p:cNvPicPr>
+            <a:picLocks noChangeAspect="1"/>
+          </p:cNvPicPr>
+          <p:nvPr/>
+        </p:nvPicPr>
+        <p:blipFill>
+          <a:blip r:embed="rId3"/>
+          <a:stretch>
+            <a:fillRect/>
+          </a:stretch>
+        </p:blipFill>
+        <p:spPr>
+          <a:xfrm>
+            <a:off x="1658698" y="1690688"/>
+            <a:ext cx="8391525" cy="4324350"/>
+          </a:xfrm>
+          <a:prstGeom prst="rect">
+            <a:avLst/>
+          </a:prstGeom>
+        </p:spPr>
+      </p:pic>
     </p:spTree>
     <p:extLst>
       <p:ext uri="{BB962C8B-B14F-4D97-AF65-F5344CB8AC3E}">
-        <p14:creationId xmlns:p14="http://schemas.microsoft.com/office/powerpoint/2010/main" val="2698399529"/>
+        <p14:creationId xmlns:p14="http://schemas.microsoft.com/office/powerpoint/2010/main" val="2930185223"/>
       </p:ext>
     </p:extLst>
   </p:cSld>
@@ -47582,40 +49394,6 @@
           <a:chExt cx="0" cy="0"/>
         </a:xfrm>
       </p:grpSpPr>
-      <p:sp>
-        <p:nvSpPr>
-          <p:cNvPr id="2" name="Title 1">
-            <a:extLst>
-              <a:ext uri="{FF2B5EF4-FFF2-40B4-BE49-F238E27FC236}">
-                <a16:creationId xmlns:a16="http://schemas.microsoft.com/office/drawing/2014/main" id="{3681D759-3FEC-433A-94E5-DC6F4F23EF5E}"/>
-              </a:ext>
-            </a:extLst>
-          </p:cNvPr>
-          <p:cNvSpPr>
-            <a:spLocks noGrp="1"/>
-          </p:cNvSpPr>
-          <p:nvPr>
-            <p:ph type="title"/>
-          </p:nvPr>
-        </p:nvSpPr>
-        <p:spPr/>
-        <p:txBody>
-          <a:bodyPr/>
-          <a:lstStyle/>
-          <a:p>
-            <a:r>
-              <a:rPr lang="pt-BR" dirty="0">
-                <a:solidFill>
-                  <a:srgbClr val="00B0F0"/>
-                </a:solidFill>
-                <a:latin typeface="Segoe UI" panose="020B0502040204020203" pitchFamily="34" charset="0"/>
-                <a:cs typeface="Segoe UI" panose="020B0502040204020203" pitchFamily="34" charset="0"/>
-              </a:rPr>
-              <a:t>Exceptions</a:t>
-            </a:r>
-          </a:p>
-        </p:txBody>
-      </p:sp>
       <p:pic>
         <p:nvPicPr>
           <p:cNvPr id="10" name="Picture 2" descr="GitHub - isocpp/logos: C++ logos created for isocpp.org">
@@ -47692,10 +49470,40 @@
           </a:p>
         </p:txBody>
       </p:sp>
+      <p:pic>
+        <p:nvPicPr>
+          <p:cNvPr id="5" name="Picture 4">
+            <a:extLst>
+              <a:ext uri="{FF2B5EF4-FFF2-40B4-BE49-F238E27FC236}">
+                <a16:creationId xmlns:a16="http://schemas.microsoft.com/office/drawing/2014/main" id="{2593AA3B-ABF5-4F56-87C1-A97EB1A552E1}"/>
+              </a:ext>
+            </a:extLst>
+          </p:cNvPr>
+          <p:cNvPicPr>
+            <a:picLocks noChangeAspect="1"/>
+          </p:cNvPicPr>
+          <p:nvPr/>
+        </p:nvPicPr>
+        <p:blipFill>
+          <a:blip r:embed="rId3"/>
+          <a:stretch>
+            <a:fillRect/>
+          </a:stretch>
+        </p:blipFill>
+        <p:spPr>
+          <a:xfrm>
+            <a:off x="2005012" y="1690688"/>
+            <a:ext cx="8181975" cy="4514850"/>
+          </a:xfrm>
+          <a:prstGeom prst="rect">
+            <a:avLst/>
+          </a:prstGeom>
+        </p:spPr>
+      </p:pic>
     </p:spTree>
     <p:extLst>
       <p:ext uri="{BB962C8B-B14F-4D97-AF65-F5344CB8AC3E}">
-        <p14:creationId xmlns:p14="http://schemas.microsoft.com/office/powerpoint/2010/main" val="932889925"/>
+        <p14:creationId xmlns:p14="http://schemas.microsoft.com/office/powerpoint/2010/main" val="2842271321"/>
       </p:ext>
     </p:extLst>
   </p:cSld>
@@ -47722,40 +49530,6 @@
           <a:chExt cx="0" cy="0"/>
         </a:xfrm>
       </p:grpSpPr>
-      <p:sp>
-        <p:nvSpPr>
-          <p:cNvPr id="2" name="Title 1">
-            <a:extLst>
-              <a:ext uri="{FF2B5EF4-FFF2-40B4-BE49-F238E27FC236}">
-                <a16:creationId xmlns:a16="http://schemas.microsoft.com/office/drawing/2014/main" id="{3681D759-3FEC-433A-94E5-DC6F4F23EF5E}"/>
-              </a:ext>
-            </a:extLst>
-          </p:cNvPr>
-          <p:cNvSpPr>
-            <a:spLocks noGrp="1"/>
-          </p:cNvSpPr>
-          <p:nvPr>
-            <p:ph type="title"/>
-          </p:nvPr>
-        </p:nvSpPr>
-        <p:spPr/>
-        <p:txBody>
-          <a:bodyPr/>
-          <a:lstStyle/>
-          <a:p>
-            <a:r>
-              <a:rPr lang="pt-BR" dirty="0">
-                <a:solidFill>
-                  <a:srgbClr val="00B0F0"/>
-                </a:solidFill>
-                <a:latin typeface="Segoe UI" panose="020B0502040204020203" pitchFamily="34" charset="0"/>
-                <a:cs typeface="Segoe UI" panose="020B0502040204020203" pitchFamily="34" charset="0"/>
-              </a:rPr>
-              <a:t>Constructors</a:t>
-            </a:r>
-          </a:p>
-        </p:txBody>
-      </p:sp>
       <p:pic>
         <p:nvPicPr>
           <p:cNvPr id="10" name="Picture 2" descr="GitHub - isocpp/logos: C++ logos created for isocpp.org">
@@ -47832,10 +49606,40 @@
           </a:p>
         </p:txBody>
       </p:sp>
+      <p:pic>
+        <p:nvPicPr>
+          <p:cNvPr id="3" name="Picture 2">
+            <a:extLst>
+              <a:ext uri="{FF2B5EF4-FFF2-40B4-BE49-F238E27FC236}">
+                <a16:creationId xmlns:a16="http://schemas.microsoft.com/office/drawing/2014/main" id="{A9570799-12EC-49EC-9273-4CE27BE0A130}"/>
+              </a:ext>
+            </a:extLst>
+          </p:cNvPr>
+          <p:cNvPicPr>
+            <a:picLocks noChangeAspect="1"/>
+          </p:cNvPicPr>
+          <p:nvPr/>
+        </p:nvPicPr>
+        <p:blipFill>
+          <a:blip r:embed="rId3"/>
+          <a:stretch>
+            <a:fillRect/>
+          </a:stretch>
+        </p:blipFill>
+        <p:spPr>
+          <a:xfrm>
+            <a:off x="1981200" y="1690688"/>
+            <a:ext cx="8229600" cy="4486275"/>
+          </a:xfrm>
+          <a:prstGeom prst="rect">
+            <a:avLst/>
+          </a:prstGeom>
+        </p:spPr>
+      </p:pic>
     </p:spTree>
     <p:extLst>
       <p:ext uri="{BB962C8B-B14F-4D97-AF65-F5344CB8AC3E}">
-        <p14:creationId xmlns:p14="http://schemas.microsoft.com/office/powerpoint/2010/main" val="3869309130"/>
+        <p14:creationId xmlns:p14="http://schemas.microsoft.com/office/powerpoint/2010/main" val="1597407980"/>
       </p:ext>
     </p:extLst>
   </p:cSld>
@@ -47862,40 +49666,6 @@
           <a:chExt cx="0" cy="0"/>
         </a:xfrm>
       </p:grpSpPr>
-      <p:sp>
-        <p:nvSpPr>
-          <p:cNvPr id="2" name="Title 1">
-            <a:extLst>
-              <a:ext uri="{FF2B5EF4-FFF2-40B4-BE49-F238E27FC236}">
-                <a16:creationId xmlns:a16="http://schemas.microsoft.com/office/drawing/2014/main" id="{3681D759-3FEC-433A-94E5-DC6F4F23EF5E}"/>
-              </a:ext>
-            </a:extLst>
-          </p:cNvPr>
-          <p:cNvSpPr>
-            <a:spLocks noGrp="1"/>
-          </p:cNvSpPr>
-          <p:nvPr>
-            <p:ph type="title"/>
-          </p:nvPr>
-        </p:nvSpPr>
-        <p:spPr/>
-        <p:txBody>
-          <a:bodyPr/>
-          <a:lstStyle/>
-          <a:p>
-            <a:r>
-              <a:rPr lang="pt-BR" dirty="0">
-                <a:solidFill>
-                  <a:srgbClr val="00B0F0"/>
-                </a:solidFill>
-                <a:latin typeface="Segoe UI" panose="020B0502040204020203" pitchFamily="34" charset="0"/>
-                <a:cs typeface="Segoe UI" panose="020B0502040204020203" pitchFamily="34" charset="0"/>
-              </a:rPr>
-              <a:t>Destructors</a:t>
-            </a:r>
-          </a:p>
-        </p:txBody>
-      </p:sp>
       <p:pic>
         <p:nvPicPr>
           <p:cNvPr id="10" name="Picture 2" descr="GitHub - isocpp/logos: C++ logos created for isocpp.org">
@@ -47972,10 +49742,40 @@
           </a:p>
         </p:txBody>
       </p:sp>
+      <p:pic>
+        <p:nvPicPr>
+          <p:cNvPr id="5" name="Picture 4">
+            <a:extLst>
+              <a:ext uri="{FF2B5EF4-FFF2-40B4-BE49-F238E27FC236}">
+                <a16:creationId xmlns:a16="http://schemas.microsoft.com/office/drawing/2014/main" id="{28A27F85-1D68-41DE-8DD4-99226B149D65}"/>
+              </a:ext>
+            </a:extLst>
+          </p:cNvPr>
+          <p:cNvPicPr>
+            <a:picLocks noChangeAspect="1"/>
+          </p:cNvPicPr>
+          <p:nvPr/>
+        </p:nvPicPr>
+        <p:blipFill>
+          <a:blip r:embed="rId3"/>
+          <a:stretch>
+            <a:fillRect/>
+          </a:stretch>
+        </p:blipFill>
+        <p:spPr>
+          <a:xfrm>
+            <a:off x="2100262" y="1909134"/>
+            <a:ext cx="7991475" cy="4057650"/>
+          </a:xfrm>
+          <a:prstGeom prst="rect">
+            <a:avLst/>
+          </a:prstGeom>
+        </p:spPr>
+      </p:pic>
     </p:spTree>
     <p:extLst>
       <p:ext uri="{BB962C8B-B14F-4D97-AF65-F5344CB8AC3E}">
-        <p14:creationId xmlns:p14="http://schemas.microsoft.com/office/powerpoint/2010/main" val="3535446579"/>
+        <p14:creationId xmlns:p14="http://schemas.microsoft.com/office/powerpoint/2010/main" val="615965373"/>
       </p:ext>
     </p:extLst>
   </p:cSld>
@@ -48031,7 +49831,7 @@
                 <a:latin typeface="Segoe UI" panose="020B0502040204020203" pitchFamily="34" charset="0"/>
                 <a:cs typeface="Segoe UI" panose="020B0502040204020203" pitchFamily="34" charset="0"/>
               </a:rPr>
-              <a:t>Resource Management</a:t>
+              <a:t>Classes Templates</a:t>
             </a:r>
           </a:p>
         </p:txBody>
@@ -48115,7 +49915,7 @@
     </p:spTree>
     <p:extLst>
       <p:ext uri="{BB962C8B-B14F-4D97-AF65-F5344CB8AC3E}">
-        <p14:creationId xmlns:p14="http://schemas.microsoft.com/office/powerpoint/2010/main" val="3899385258"/>
+        <p14:creationId xmlns:p14="http://schemas.microsoft.com/office/powerpoint/2010/main" val="1007957260"/>
       </p:ext>
     </p:extLst>
   </p:cSld>
@@ -48171,7 +49971,7 @@
                 <a:latin typeface="Segoe UI" panose="020B0502040204020203" pitchFamily="34" charset="0"/>
                 <a:cs typeface="Segoe UI" panose="020B0502040204020203" pitchFamily="34" charset="0"/>
               </a:rPr>
-              <a:t>Compile-time Programming</a:t>
+              <a:t>Standard Template Library</a:t>
             </a:r>
           </a:p>
         </p:txBody>
@@ -48255,7 +50055,7 @@
     </p:spTree>
     <p:extLst>
       <p:ext uri="{BB962C8B-B14F-4D97-AF65-F5344CB8AC3E}">
-        <p14:creationId xmlns:p14="http://schemas.microsoft.com/office/powerpoint/2010/main" val="2450211822"/>
+        <p14:creationId xmlns:p14="http://schemas.microsoft.com/office/powerpoint/2010/main" val="3506633628"/>
       </p:ext>
     </p:extLst>
   </p:cSld>
@@ -48311,7 +50111,7 @@
                 <a:latin typeface="Segoe UI" panose="020B0502040204020203" pitchFamily="34" charset="0"/>
                 <a:cs typeface="Segoe UI" panose="020B0502040204020203" pitchFamily="34" charset="0"/>
               </a:rPr>
-              <a:t>Pointers</a:t>
+              <a:t>Containers</a:t>
             </a:r>
           </a:p>
         </p:txBody>
@@ -48395,7 +50195,7 @@
     </p:spTree>
     <p:extLst>
       <p:ext uri="{BB962C8B-B14F-4D97-AF65-F5344CB8AC3E}">
-        <p14:creationId xmlns:p14="http://schemas.microsoft.com/office/powerpoint/2010/main" val="512212757"/>
+        <p14:creationId xmlns:p14="http://schemas.microsoft.com/office/powerpoint/2010/main" val="2167016015"/>
       </p:ext>
     </p:extLst>
   </p:cSld>
@@ -48451,7 +50251,7 @@
                 <a:latin typeface="Segoe UI" panose="020B0502040204020203" pitchFamily="34" charset="0"/>
                 <a:cs typeface="Segoe UI" panose="020B0502040204020203" pitchFamily="34" charset="0"/>
               </a:rPr>
-              <a:t>References</a:t>
+              <a:t>Iterators</a:t>
             </a:r>
           </a:p>
         </p:txBody>
@@ -48535,7 +50335,7 @@
     </p:spTree>
     <p:extLst>
       <p:ext uri="{BB962C8B-B14F-4D97-AF65-F5344CB8AC3E}">
-        <p14:creationId xmlns:p14="http://schemas.microsoft.com/office/powerpoint/2010/main" val="3547693240"/>
+        <p14:creationId xmlns:p14="http://schemas.microsoft.com/office/powerpoint/2010/main" val="4245057799"/>
       </p:ext>
     </p:extLst>
   </p:cSld>
@@ -48591,7 +50391,7 @@
                 <a:latin typeface="Segoe UI" panose="020B0502040204020203" pitchFamily="34" charset="0"/>
                 <a:cs typeface="Segoe UI" panose="020B0502040204020203" pitchFamily="34" charset="0"/>
               </a:rPr>
-              <a:t>Const and Mutable</a:t>
+              <a:t>Ranges</a:t>
             </a:r>
           </a:p>
         </p:txBody>
@@ -48675,7 +50475,7 @@
     </p:spTree>
     <p:extLst>
       <p:ext uri="{BB962C8B-B14F-4D97-AF65-F5344CB8AC3E}">
-        <p14:creationId xmlns:p14="http://schemas.microsoft.com/office/powerpoint/2010/main" val="204148954"/>
+        <p14:creationId xmlns:p14="http://schemas.microsoft.com/office/powerpoint/2010/main" val="759493610"/>
       </p:ext>
     </p:extLst>
   </p:cSld>
@@ -49009,7 +50809,7 @@
                 <a:latin typeface="Segoe UI" panose="020B0502040204020203" pitchFamily="34" charset="0"/>
                 <a:cs typeface="Segoe UI" panose="020B0502040204020203" pitchFamily="34" charset="0"/>
               </a:rPr>
-              <a:t>Move Semantics</a:t>
+              <a:t>Algorithms</a:t>
             </a:r>
           </a:p>
         </p:txBody>
@@ -49093,7 +50893,7 @@
     </p:spTree>
     <p:extLst>
       <p:ext uri="{BB962C8B-B14F-4D97-AF65-F5344CB8AC3E}">
-        <p14:creationId xmlns:p14="http://schemas.microsoft.com/office/powerpoint/2010/main" val="1201841896"/>
+        <p14:creationId xmlns:p14="http://schemas.microsoft.com/office/powerpoint/2010/main" val="2698399529"/>
       </p:ext>
     </p:extLst>
   </p:cSld>
@@ -49149,7 +50949,7 @@
                 <a:latin typeface="Segoe UI" panose="020B0502040204020203" pitchFamily="34" charset="0"/>
                 <a:cs typeface="Segoe UI" panose="020B0502040204020203" pitchFamily="34" charset="0"/>
               </a:rPr>
-              <a:t>Passing Parameters</a:t>
+              <a:t>Exceptions</a:t>
             </a:r>
           </a:p>
         </p:txBody>
@@ -49225,6 +51025,1126 @@
             <a:fld id="{5A188BD9-5E81-43C5-AE66-36AE3BDE6A9D}" type="slidenum">
               <a:rPr lang="pt-BR" smtClean="0"/>
               <a:t>91</a:t>
+            </a:fld>
+            <a:endParaRPr lang="pt-BR"/>
+          </a:p>
+        </p:txBody>
+      </p:sp>
+    </p:spTree>
+    <p:extLst>
+      <p:ext uri="{BB962C8B-B14F-4D97-AF65-F5344CB8AC3E}">
+        <p14:creationId xmlns:p14="http://schemas.microsoft.com/office/powerpoint/2010/main" val="932889925"/>
+      </p:ext>
+    </p:extLst>
+  </p:cSld>
+  <p:clrMapOvr>
+    <a:masterClrMapping/>
+  </p:clrMapOvr>
+</p:sld>
+</file>
+
+<file path=ppt/slides/slide92.xml><?xml version="1.0" encoding="utf-8"?>
+<p:sld xmlns:a="http://schemas.openxmlformats.org/drawingml/2006/main" xmlns:r="http://schemas.openxmlformats.org/officeDocument/2006/relationships" xmlns:p="http://schemas.openxmlformats.org/presentationml/2006/main">
+  <p:cSld>
+    <p:spTree>
+      <p:nvGrpSpPr>
+        <p:cNvPr id="1" name=""/>
+        <p:cNvGrpSpPr/>
+        <p:nvPr/>
+      </p:nvGrpSpPr>
+      <p:grpSpPr>
+        <a:xfrm>
+          <a:off x="0" y="0"/>
+          <a:ext cx="0" cy="0"/>
+          <a:chOff x="0" y="0"/>
+          <a:chExt cx="0" cy="0"/>
+        </a:xfrm>
+      </p:grpSpPr>
+      <p:sp>
+        <p:nvSpPr>
+          <p:cNvPr id="2" name="Title 1">
+            <a:extLst>
+              <a:ext uri="{FF2B5EF4-FFF2-40B4-BE49-F238E27FC236}">
+                <a16:creationId xmlns:a16="http://schemas.microsoft.com/office/drawing/2014/main" id="{3681D759-3FEC-433A-94E5-DC6F4F23EF5E}"/>
+              </a:ext>
+            </a:extLst>
+          </p:cNvPr>
+          <p:cNvSpPr>
+            <a:spLocks noGrp="1"/>
+          </p:cNvSpPr>
+          <p:nvPr>
+            <p:ph type="title"/>
+          </p:nvPr>
+        </p:nvSpPr>
+        <p:spPr/>
+        <p:txBody>
+          <a:bodyPr/>
+          <a:lstStyle/>
+          <a:p>
+            <a:r>
+              <a:rPr lang="pt-BR" dirty="0">
+                <a:solidFill>
+                  <a:srgbClr val="00B0F0"/>
+                </a:solidFill>
+                <a:latin typeface="Segoe UI" panose="020B0502040204020203" pitchFamily="34" charset="0"/>
+                <a:cs typeface="Segoe UI" panose="020B0502040204020203" pitchFamily="34" charset="0"/>
+              </a:rPr>
+              <a:t>Constructors</a:t>
+            </a:r>
+          </a:p>
+        </p:txBody>
+      </p:sp>
+      <p:pic>
+        <p:nvPicPr>
+          <p:cNvPr id="10" name="Picture 2" descr="GitHub - isocpp/logos: C++ logos created for isocpp.org">
+            <a:extLst>
+              <a:ext uri="{FF2B5EF4-FFF2-40B4-BE49-F238E27FC236}">
+                <a16:creationId xmlns:a16="http://schemas.microsoft.com/office/drawing/2014/main" id="{6B7F8B00-6ACA-413F-BF98-5B69C47599E9}"/>
+              </a:ext>
+            </a:extLst>
+          </p:cNvPr>
+          <p:cNvPicPr>
+            <a:picLocks noChangeAspect="1" noChangeArrowheads="1"/>
+          </p:cNvPicPr>
+          <p:nvPr/>
+        </p:nvPicPr>
+        <p:blipFill>
+          <a:blip r:embed="rId2">
+            <a:extLst>
+              <a:ext uri="{28A0092B-C50C-407E-A947-70E740481C1C}">
+                <a14:useLocalDpi xmlns:a14="http://schemas.microsoft.com/office/drawing/2010/main" val="0"/>
+              </a:ext>
+            </a:extLst>
+          </a:blip>
+          <a:srcRect/>
+          <a:stretch>
+            <a:fillRect/>
+          </a:stretch>
+        </p:blipFill>
+        <p:spPr bwMode="auto">
+          <a:xfrm>
+            <a:off x="10951233" y="365125"/>
+            <a:ext cx="805134" cy="905069"/>
+          </a:xfrm>
+          <a:prstGeom prst="rect">
+            <a:avLst/>
+          </a:prstGeom>
+          <a:noFill/>
+          <a:extLst>
+            <a:ext uri="{909E8E84-426E-40DD-AFC4-6F175D3DCCD1}">
+              <a14:hiddenFill xmlns:a14="http://schemas.microsoft.com/office/drawing/2010/main">
+                <a:solidFill>
+                  <a:srgbClr val="FFFFFF"/>
+                </a:solidFill>
+              </a14:hiddenFill>
+            </a:ext>
+          </a:extLst>
+        </p:spPr>
+      </p:pic>
+      <p:sp>
+        <p:nvSpPr>
+          <p:cNvPr id="4" name="Slide Number Placeholder 3">
+            <a:extLst>
+              <a:ext uri="{FF2B5EF4-FFF2-40B4-BE49-F238E27FC236}">
+                <a16:creationId xmlns:a16="http://schemas.microsoft.com/office/drawing/2014/main" id="{1FB7980D-6ABC-4A00-8DC8-A167ABC49549}"/>
+              </a:ext>
+            </a:extLst>
+          </p:cNvPr>
+          <p:cNvSpPr>
+            <a:spLocks noGrp="1"/>
+          </p:cNvSpPr>
+          <p:nvPr>
+            <p:ph type="sldNum" sz="quarter" idx="12"/>
+          </p:nvPr>
+        </p:nvSpPr>
+        <p:spPr/>
+        <p:txBody>
+          <a:bodyPr/>
+          <a:lstStyle/>
+          <a:p>
+            <a:fld id="{5A188BD9-5E81-43C5-AE66-36AE3BDE6A9D}" type="slidenum">
+              <a:rPr lang="pt-BR" smtClean="0"/>
+              <a:t>92</a:t>
+            </a:fld>
+            <a:endParaRPr lang="pt-BR"/>
+          </a:p>
+        </p:txBody>
+      </p:sp>
+    </p:spTree>
+    <p:extLst>
+      <p:ext uri="{BB962C8B-B14F-4D97-AF65-F5344CB8AC3E}">
+        <p14:creationId xmlns:p14="http://schemas.microsoft.com/office/powerpoint/2010/main" val="3869309130"/>
+      </p:ext>
+    </p:extLst>
+  </p:cSld>
+  <p:clrMapOvr>
+    <a:masterClrMapping/>
+  </p:clrMapOvr>
+</p:sld>
+</file>
+
+<file path=ppt/slides/slide93.xml><?xml version="1.0" encoding="utf-8"?>
+<p:sld xmlns:a="http://schemas.openxmlformats.org/drawingml/2006/main" xmlns:r="http://schemas.openxmlformats.org/officeDocument/2006/relationships" xmlns:p="http://schemas.openxmlformats.org/presentationml/2006/main">
+  <p:cSld>
+    <p:spTree>
+      <p:nvGrpSpPr>
+        <p:cNvPr id="1" name=""/>
+        <p:cNvGrpSpPr/>
+        <p:nvPr/>
+      </p:nvGrpSpPr>
+      <p:grpSpPr>
+        <a:xfrm>
+          <a:off x="0" y="0"/>
+          <a:ext cx="0" cy="0"/>
+          <a:chOff x="0" y="0"/>
+          <a:chExt cx="0" cy="0"/>
+        </a:xfrm>
+      </p:grpSpPr>
+      <p:sp>
+        <p:nvSpPr>
+          <p:cNvPr id="2" name="Title 1">
+            <a:extLst>
+              <a:ext uri="{FF2B5EF4-FFF2-40B4-BE49-F238E27FC236}">
+                <a16:creationId xmlns:a16="http://schemas.microsoft.com/office/drawing/2014/main" id="{3681D759-3FEC-433A-94E5-DC6F4F23EF5E}"/>
+              </a:ext>
+            </a:extLst>
+          </p:cNvPr>
+          <p:cNvSpPr>
+            <a:spLocks noGrp="1"/>
+          </p:cNvSpPr>
+          <p:nvPr>
+            <p:ph type="title"/>
+          </p:nvPr>
+        </p:nvSpPr>
+        <p:spPr/>
+        <p:txBody>
+          <a:bodyPr/>
+          <a:lstStyle/>
+          <a:p>
+            <a:r>
+              <a:rPr lang="pt-BR" dirty="0">
+                <a:solidFill>
+                  <a:srgbClr val="00B0F0"/>
+                </a:solidFill>
+                <a:latin typeface="Segoe UI" panose="020B0502040204020203" pitchFamily="34" charset="0"/>
+                <a:cs typeface="Segoe UI" panose="020B0502040204020203" pitchFamily="34" charset="0"/>
+              </a:rPr>
+              <a:t>Destructors</a:t>
+            </a:r>
+          </a:p>
+        </p:txBody>
+      </p:sp>
+      <p:pic>
+        <p:nvPicPr>
+          <p:cNvPr id="10" name="Picture 2" descr="GitHub - isocpp/logos: C++ logos created for isocpp.org">
+            <a:extLst>
+              <a:ext uri="{FF2B5EF4-FFF2-40B4-BE49-F238E27FC236}">
+                <a16:creationId xmlns:a16="http://schemas.microsoft.com/office/drawing/2014/main" id="{6B7F8B00-6ACA-413F-BF98-5B69C47599E9}"/>
+              </a:ext>
+            </a:extLst>
+          </p:cNvPr>
+          <p:cNvPicPr>
+            <a:picLocks noChangeAspect="1" noChangeArrowheads="1"/>
+          </p:cNvPicPr>
+          <p:nvPr/>
+        </p:nvPicPr>
+        <p:blipFill>
+          <a:blip r:embed="rId2">
+            <a:extLst>
+              <a:ext uri="{28A0092B-C50C-407E-A947-70E740481C1C}">
+                <a14:useLocalDpi xmlns:a14="http://schemas.microsoft.com/office/drawing/2010/main" val="0"/>
+              </a:ext>
+            </a:extLst>
+          </a:blip>
+          <a:srcRect/>
+          <a:stretch>
+            <a:fillRect/>
+          </a:stretch>
+        </p:blipFill>
+        <p:spPr bwMode="auto">
+          <a:xfrm>
+            <a:off x="10951233" y="365125"/>
+            <a:ext cx="805134" cy="905069"/>
+          </a:xfrm>
+          <a:prstGeom prst="rect">
+            <a:avLst/>
+          </a:prstGeom>
+          <a:noFill/>
+          <a:extLst>
+            <a:ext uri="{909E8E84-426E-40DD-AFC4-6F175D3DCCD1}">
+              <a14:hiddenFill xmlns:a14="http://schemas.microsoft.com/office/drawing/2010/main">
+                <a:solidFill>
+                  <a:srgbClr val="FFFFFF"/>
+                </a:solidFill>
+              </a14:hiddenFill>
+            </a:ext>
+          </a:extLst>
+        </p:spPr>
+      </p:pic>
+      <p:sp>
+        <p:nvSpPr>
+          <p:cNvPr id="4" name="Slide Number Placeholder 3">
+            <a:extLst>
+              <a:ext uri="{FF2B5EF4-FFF2-40B4-BE49-F238E27FC236}">
+                <a16:creationId xmlns:a16="http://schemas.microsoft.com/office/drawing/2014/main" id="{1FB7980D-6ABC-4A00-8DC8-A167ABC49549}"/>
+              </a:ext>
+            </a:extLst>
+          </p:cNvPr>
+          <p:cNvSpPr>
+            <a:spLocks noGrp="1"/>
+          </p:cNvSpPr>
+          <p:nvPr>
+            <p:ph type="sldNum" sz="quarter" idx="12"/>
+          </p:nvPr>
+        </p:nvSpPr>
+        <p:spPr/>
+        <p:txBody>
+          <a:bodyPr/>
+          <a:lstStyle/>
+          <a:p>
+            <a:fld id="{5A188BD9-5E81-43C5-AE66-36AE3BDE6A9D}" type="slidenum">
+              <a:rPr lang="pt-BR" smtClean="0"/>
+              <a:t>93</a:t>
+            </a:fld>
+            <a:endParaRPr lang="pt-BR"/>
+          </a:p>
+        </p:txBody>
+      </p:sp>
+    </p:spTree>
+    <p:extLst>
+      <p:ext uri="{BB962C8B-B14F-4D97-AF65-F5344CB8AC3E}">
+        <p14:creationId xmlns:p14="http://schemas.microsoft.com/office/powerpoint/2010/main" val="3535446579"/>
+      </p:ext>
+    </p:extLst>
+  </p:cSld>
+  <p:clrMapOvr>
+    <a:masterClrMapping/>
+  </p:clrMapOvr>
+</p:sld>
+</file>
+
+<file path=ppt/slides/slide94.xml><?xml version="1.0" encoding="utf-8"?>
+<p:sld xmlns:a="http://schemas.openxmlformats.org/drawingml/2006/main" xmlns:r="http://schemas.openxmlformats.org/officeDocument/2006/relationships" xmlns:p="http://schemas.openxmlformats.org/presentationml/2006/main">
+  <p:cSld>
+    <p:spTree>
+      <p:nvGrpSpPr>
+        <p:cNvPr id="1" name=""/>
+        <p:cNvGrpSpPr/>
+        <p:nvPr/>
+      </p:nvGrpSpPr>
+      <p:grpSpPr>
+        <a:xfrm>
+          <a:off x="0" y="0"/>
+          <a:ext cx="0" cy="0"/>
+          <a:chOff x="0" y="0"/>
+          <a:chExt cx="0" cy="0"/>
+        </a:xfrm>
+      </p:grpSpPr>
+      <p:sp>
+        <p:nvSpPr>
+          <p:cNvPr id="2" name="Title 1">
+            <a:extLst>
+              <a:ext uri="{FF2B5EF4-FFF2-40B4-BE49-F238E27FC236}">
+                <a16:creationId xmlns:a16="http://schemas.microsoft.com/office/drawing/2014/main" id="{3681D759-3FEC-433A-94E5-DC6F4F23EF5E}"/>
+              </a:ext>
+            </a:extLst>
+          </p:cNvPr>
+          <p:cNvSpPr>
+            <a:spLocks noGrp="1"/>
+          </p:cNvSpPr>
+          <p:nvPr>
+            <p:ph type="title"/>
+          </p:nvPr>
+        </p:nvSpPr>
+        <p:spPr/>
+        <p:txBody>
+          <a:bodyPr/>
+          <a:lstStyle/>
+          <a:p>
+            <a:r>
+              <a:rPr lang="pt-BR" dirty="0">
+                <a:solidFill>
+                  <a:srgbClr val="00B0F0"/>
+                </a:solidFill>
+                <a:latin typeface="Segoe UI" panose="020B0502040204020203" pitchFamily="34" charset="0"/>
+                <a:cs typeface="Segoe UI" panose="020B0502040204020203" pitchFamily="34" charset="0"/>
+              </a:rPr>
+              <a:t>Resource Management</a:t>
+            </a:r>
+          </a:p>
+        </p:txBody>
+      </p:sp>
+      <p:pic>
+        <p:nvPicPr>
+          <p:cNvPr id="10" name="Picture 2" descr="GitHub - isocpp/logos: C++ logos created for isocpp.org">
+            <a:extLst>
+              <a:ext uri="{FF2B5EF4-FFF2-40B4-BE49-F238E27FC236}">
+                <a16:creationId xmlns:a16="http://schemas.microsoft.com/office/drawing/2014/main" id="{6B7F8B00-6ACA-413F-BF98-5B69C47599E9}"/>
+              </a:ext>
+            </a:extLst>
+          </p:cNvPr>
+          <p:cNvPicPr>
+            <a:picLocks noChangeAspect="1" noChangeArrowheads="1"/>
+          </p:cNvPicPr>
+          <p:nvPr/>
+        </p:nvPicPr>
+        <p:blipFill>
+          <a:blip r:embed="rId2">
+            <a:extLst>
+              <a:ext uri="{28A0092B-C50C-407E-A947-70E740481C1C}">
+                <a14:useLocalDpi xmlns:a14="http://schemas.microsoft.com/office/drawing/2010/main" val="0"/>
+              </a:ext>
+            </a:extLst>
+          </a:blip>
+          <a:srcRect/>
+          <a:stretch>
+            <a:fillRect/>
+          </a:stretch>
+        </p:blipFill>
+        <p:spPr bwMode="auto">
+          <a:xfrm>
+            <a:off x="10951233" y="365125"/>
+            <a:ext cx="805134" cy="905069"/>
+          </a:xfrm>
+          <a:prstGeom prst="rect">
+            <a:avLst/>
+          </a:prstGeom>
+          <a:noFill/>
+          <a:extLst>
+            <a:ext uri="{909E8E84-426E-40DD-AFC4-6F175D3DCCD1}">
+              <a14:hiddenFill xmlns:a14="http://schemas.microsoft.com/office/drawing/2010/main">
+                <a:solidFill>
+                  <a:srgbClr val="FFFFFF"/>
+                </a:solidFill>
+              </a14:hiddenFill>
+            </a:ext>
+          </a:extLst>
+        </p:spPr>
+      </p:pic>
+      <p:sp>
+        <p:nvSpPr>
+          <p:cNvPr id="4" name="Slide Number Placeholder 3">
+            <a:extLst>
+              <a:ext uri="{FF2B5EF4-FFF2-40B4-BE49-F238E27FC236}">
+                <a16:creationId xmlns:a16="http://schemas.microsoft.com/office/drawing/2014/main" id="{1FB7980D-6ABC-4A00-8DC8-A167ABC49549}"/>
+              </a:ext>
+            </a:extLst>
+          </p:cNvPr>
+          <p:cNvSpPr>
+            <a:spLocks noGrp="1"/>
+          </p:cNvSpPr>
+          <p:nvPr>
+            <p:ph type="sldNum" sz="quarter" idx="12"/>
+          </p:nvPr>
+        </p:nvSpPr>
+        <p:spPr/>
+        <p:txBody>
+          <a:bodyPr/>
+          <a:lstStyle/>
+          <a:p>
+            <a:fld id="{5A188BD9-5E81-43C5-AE66-36AE3BDE6A9D}" type="slidenum">
+              <a:rPr lang="pt-BR" smtClean="0"/>
+              <a:t>94</a:t>
+            </a:fld>
+            <a:endParaRPr lang="pt-BR"/>
+          </a:p>
+        </p:txBody>
+      </p:sp>
+    </p:spTree>
+    <p:extLst>
+      <p:ext uri="{BB962C8B-B14F-4D97-AF65-F5344CB8AC3E}">
+        <p14:creationId xmlns:p14="http://schemas.microsoft.com/office/powerpoint/2010/main" val="3899385258"/>
+      </p:ext>
+    </p:extLst>
+  </p:cSld>
+  <p:clrMapOvr>
+    <a:masterClrMapping/>
+  </p:clrMapOvr>
+</p:sld>
+</file>
+
+<file path=ppt/slides/slide95.xml><?xml version="1.0" encoding="utf-8"?>
+<p:sld xmlns:a="http://schemas.openxmlformats.org/drawingml/2006/main" xmlns:r="http://schemas.openxmlformats.org/officeDocument/2006/relationships" xmlns:p="http://schemas.openxmlformats.org/presentationml/2006/main">
+  <p:cSld>
+    <p:spTree>
+      <p:nvGrpSpPr>
+        <p:cNvPr id="1" name=""/>
+        <p:cNvGrpSpPr/>
+        <p:nvPr/>
+      </p:nvGrpSpPr>
+      <p:grpSpPr>
+        <a:xfrm>
+          <a:off x="0" y="0"/>
+          <a:ext cx="0" cy="0"/>
+          <a:chOff x="0" y="0"/>
+          <a:chExt cx="0" cy="0"/>
+        </a:xfrm>
+      </p:grpSpPr>
+      <p:sp>
+        <p:nvSpPr>
+          <p:cNvPr id="2" name="Title 1">
+            <a:extLst>
+              <a:ext uri="{FF2B5EF4-FFF2-40B4-BE49-F238E27FC236}">
+                <a16:creationId xmlns:a16="http://schemas.microsoft.com/office/drawing/2014/main" id="{3681D759-3FEC-433A-94E5-DC6F4F23EF5E}"/>
+              </a:ext>
+            </a:extLst>
+          </p:cNvPr>
+          <p:cNvSpPr>
+            <a:spLocks noGrp="1"/>
+          </p:cNvSpPr>
+          <p:nvPr>
+            <p:ph type="title"/>
+          </p:nvPr>
+        </p:nvSpPr>
+        <p:spPr/>
+        <p:txBody>
+          <a:bodyPr/>
+          <a:lstStyle/>
+          <a:p>
+            <a:r>
+              <a:rPr lang="pt-BR" dirty="0">
+                <a:solidFill>
+                  <a:srgbClr val="00B0F0"/>
+                </a:solidFill>
+                <a:latin typeface="Segoe UI" panose="020B0502040204020203" pitchFamily="34" charset="0"/>
+                <a:cs typeface="Segoe UI" panose="020B0502040204020203" pitchFamily="34" charset="0"/>
+              </a:rPr>
+              <a:t>Pointers</a:t>
+            </a:r>
+          </a:p>
+        </p:txBody>
+      </p:sp>
+      <p:pic>
+        <p:nvPicPr>
+          <p:cNvPr id="10" name="Picture 2" descr="GitHub - isocpp/logos: C++ logos created for isocpp.org">
+            <a:extLst>
+              <a:ext uri="{FF2B5EF4-FFF2-40B4-BE49-F238E27FC236}">
+                <a16:creationId xmlns:a16="http://schemas.microsoft.com/office/drawing/2014/main" id="{6B7F8B00-6ACA-413F-BF98-5B69C47599E9}"/>
+              </a:ext>
+            </a:extLst>
+          </p:cNvPr>
+          <p:cNvPicPr>
+            <a:picLocks noChangeAspect="1" noChangeArrowheads="1"/>
+          </p:cNvPicPr>
+          <p:nvPr/>
+        </p:nvPicPr>
+        <p:blipFill>
+          <a:blip r:embed="rId2">
+            <a:extLst>
+              <a:ext uri="{28A0092B-C50C-407E-A947-70E740481C1C}">
+                <a14:useLocalDpi xmlns:a14="http://schemas.microsoft.com/office/drawing/2010/main" val="0"/>
+              </a:ext>
+            </a:extLst>
+          </a:blip>
+          <a:srcRect/>
+          <a:stretch>
+            <a:fillRect/>
+          </a:stretch>
+        </p:blipFill>
+        <p:spPr bwMode="auto">
+          <a:xfrm>
+            <a:off x="10951233" y="365125"/>
+            <a:ext cx="805134" cy="905069"/>
+          </a:xfrm>
+          <a:prstGeom prst="rect">
+            <a:avLst/>
+          </a:prstGeom>
+          <a:noFill/>
+          <a:extLst>
+            <a:ext uri="{909E8E84-426E-40DD-AFC4-6F175D3DCCD1}">
+              <a14:hiddenFill xmlns:a14="http://schemas.microsoft.com/office/drawing/2010/main">
+                <a:solidFill>
+                  <a:srgbClr val="FFFFFF"/>
+                </a:solidFill>
+              </a14:hiddenFill>
+            </a:ext>
+          </a:extLst>
+        </p:spPr>
+      </p:pic>
+      <p:sp>
+        <p:nvSpPr>
+          <p:cNvPr id="4" name="Slide Number Placeholder 3">
+            <a:extLst>
+              <a:ext uri="{FF2B5EF4-FFF2-40B4-BE49-F238E27FC236}">
+                <a16:creationId xmlns:a16="http://schemas.microsoft.com/office/drawing/2014/main" id="{1FB7980D-6ABC-4A00-8DC8-A167ABC49549}"/>
+              </a:ext>
+            </a:extLst>
+          </p:cNvPr>
+          <p:cNvSpPr>
+            <a:spLocks noGrp="1"/>
+          </p:cNvSpPr>
+          <p:nvPr>
+            <p:ph type="sldNum" sz="quarter" idx="12"/>
+          </p:nvPr>
+        </p:nvSpPr>
+        <p:spPr/>
+        <p:txBody>
+          <a:bodyPr/>
+          <a:lstStyle/>
+          <a:p>
+            <a:fld id="{5A188BD9-5E81-43C5-AE66-36AE3BDE6A9D}" type="slidenum">
+              <a:rPr lang="pt-BR" smtClean="0"/>
+              <a:t>95</a:t>
+            </a:fld>
+            <a:endParaRPr lang="pt-BR"/>
+          </a:p>
+        </p:txBody>
+      </p:sp>
+    </p:spTree>
+    <p:extLst>
+      <p:ext uri="{BB962C8B-B14F-4D97-AF65-F5344CB8AC3E}">
+        <p14:creationId xmlns:p14="http://schemas.microsoft.com/office/powerpoint/2010/main" val="512212757"/>
+      </p:ext>
+    </p:extLst>
+  </p:cSld>
+  <p:clrMapOvr>
+    <a:masterClrMapping/>
+  </p:clrMapOvr>
+</p:sld>
+</file>
+
+<file path=ppt/slides/slide96.xml><?xml version="1.0" encoding="utf-8"?>
+<p:sld xmlns:a="http://schemas.openxmlformats.org/drawingml/2006/main" xmlns:r="http://schemas.openxmlformats.org/officeDocument/2006/relationships" xmlns:p="http://schemas.openxmlformats.org/presentationml/2006/main">
+  <p:cSld>
+    <p:spTree>
+      <p:nvGrpSpPr>
+        <p:cNvPr id="1" name=""/>
+        <p:cNvGrpSpPr/>
+        <p:nvPr/>
+      </p:nvGrpSpPr>
+      <p:grpSpPr>
+        <a:xfrm>
+          <a:off x="0" y="0"/>
+          <a:ext cx="0" cy="0"/>
+          <a:chOff x="0" y="0"/>
+          <a:chExt cx="0" cy="0"/>
+        </a:xfrm>
+      </p:grpSpPr>
+      <p:sp>
+        <p:nvSpPr>
+          <p:cNvPr id="2" name="Title 1">
+            <a:extLst>
+              <a:ext uri="{FF2B5EF4-FFF2-40B4-BE49-F238E27FC236}">
+                <a16:creationId xmlns:a16="http://schemas.microsoft.com/office/drawing/2014/main" id="{3681D759-3FEC-433A-94E5-DC6F4F23EF5E}"/>
+              </a:ext>
+            </a:extLst>
+          </p:cNvPr>
+          <p:cNvSpPr>
+            <a:spLocks noGrp="1"/>
+          </p:cNvSpPr>
+          <p:nvPr>
+            <p:ph type="title"/>
+          </p:nvPr>
+        </p:nvSpPr>
+        <p:spPr/>
+        <p:txBody>
+          <a:bodyPr/>
+          <a:lstStyle/>
+          <a:p>
+            <a:r>
+              <a:rPr lang="pt-BR" dirty="0">
+                <a:solidFill>
+                  <a:srgbClr val="00B0F0"/>
+                </a:solidFill>
+                <a:latin typeface="Segoe UI" panose="020B0502040204020203" pitchFamily="34" charset="0"/>
+                <a:cs typeface="Segoe UI" panose="020B0502040204020203" pitchFamily="34" charset="0"/>
+              </a:rPr>
+              <a:t>References</a:t>
+            </a:r>
+          </a:p>
+        </p:txBody>
+      </p:sp>
+      <p:pic>
+        <p:nvPicPr>
+          <p:cNvPr id="10" name="Picture 2" descr="GitHub - isocpp/logos: C++ logos created for isocpp.org">
+            <a:extLst>
+              <a:ext uri="{FF2B5EF4-FFF2-40B4-BE49-F238E27FC236}">
+                <a16:creationId xmlns:a16="http://schemas.microsoft.com/office/drawing/2014/main" id="{6B7F8B00-6ACA-413F-BF98-5B69C47599E9}"/>
+              </a:ext>
+            </a:extLst>
+          </p:cNvPr>
+          <p:cNvPicPr>
+            <a:picLocks noChangeAspect="1" noChangeArrowheads="1"/>
+          </p:cNvPicPr>
+          <p:nvPr/>
+        </p:nvPicPr>
+        <p:blipFill>
+          <a:blip r:embed="rId2">
+            <a:extLst>
+              <a:ext uri="{28A0092B-C50C-407E-A947-70E740481C1C}">
+                <a14:useLocalDpi xmlns:a14="http://schemas.microsoft.com/office/drawing/2010/main" val="0"/>
+              </a:ext>
+            </a:extLst>
+          </a:blip>
+          <a:srcRect/>
+          <a:stretch>
+            <a:fillRect/>
+          </a:stretch>
+        </p:blipFill>
+        <p:spPr bwMode="auto">
+          <a:xfrm>
+            <a:off x="10951233" y="365125"/>
+            <a:ext cx="805134" cy="905069"/>
+          </a:xfrm>
+          <a:prstGeom prst="rect">
+            <a:avLst/>
+          </a:prstGeom>
+          <a:noFill/>
+          <a:extLst>
+            <a:ext uri="{909E8E84-426E-40DD-AFC4-6F175D3DCCD1}">
+              <a14:hiddenFill xmlns:a14="http://schemas.microsoft.com/office/drawing/2010/main">
+                <a:solidFill>
+                  <a:srgbClr val="FFFFFF"/>
+                </a:solidFill>
+              </a14:hiddenFill>
+            </a:ext>
+          </a:extLst>
+        </p:spPr>
+      </p:pic>
+      <p:sp>
+        <p:nvSpPr>
+          <p:cNvPr id="4" name="Slide Number Placeholder 3">
+            <a:extLst>
+              <a:ext uri="{FF2B5EF4-FFF2-40B4-BE49-F238E27FC236}">
+                <a16:creationId xmlns:a16="http://schemas.microsoft.com/office/drawing/2014/main" id="{1FB7980D-6ABC-4A00-8DC8-A167ABC49549}"/>
+              </a:ext>
+            </a:extLst>
+          </p:cNvPr>
+          <p:cNvSpPr>
+            <a:spLocks noGrp="1"/>
+          </p:cNvSpPr>
+          <p:nvPr>
+            <p:ph type="sldNum" sz="quarter" idx="12"/>
+          </p:nvPr>
+        </p:nvSpPr>
+        <p:spPr/>
+        <p:txBody>
+          <a:bodyPr/>
+          <a:lstStyle/>
+          <a:p>
+            <a:fld id="{5A188BD9-5E81-43C5-AE66-36AE3BDE6A9D}" type="slidenum">
+              <a:rPr lang="pt-BR" smtClean="0"/>
+              <a:t>96</a:t>
+            </a:fld>
+            <a:endParaRPr lang="pt-BR"/>
+          </a:p>
+        </p:txBody>
+      </p:sp>
+    </p:spTree>
+    <p:extLst>
+      <p:ext uri="{BB962C8B-B14F-4D97-AF65-F5344CB8AC3E}">
+        <p14:creationId xmlns:p14="http://schemas.microsoft.com/office/powerpoint/2010/main" val="3547693240"/>
+      </p:ext>
+    </p:extLst>
+  </p:cSld>
+  <p:clrMapOvr>
+    <a:masterClrMapping/>
+  </p:clrMapOvr>
+</p:sld>
+</file>
+
+<file path=ppt/slides/slide97.xml><?xml version="1.0" encoding="utf-8"?>
+<p:sld xmlns:a="http://schemas.openxmlformats.org/drawingml/2006/main" xmlns:r="http://schemas.openxmlformats.org/officeDocument/2006/relationships" xmlns:p="http://schemas.openxmlformats.org/presentationml/2006/main">
+  <p:cSld>
+    <p:spTree>
+      <p:nvGrpSpPr>
+        <p:cNvPr id="1" name=""/>
+        <p:cNvGrpSpPr/>
+        <p:nvPr/>
+      </p:nvGrpSpPr>
+      <p:grpSpPr>
+        <a:xfrm>
+          <a:off x="0" y="0"/>
+          <a:ext cx="0" cy="0"/>
+          <a:chOff x="0" y="0"/>
+          <a:chExt cx="0" cy="0"/>
+        </a:xfrm>
+      </p:grpSpPr>
+      <p:sp>
+        <p:nvSpPr>
+          <p:cNvPr id="2" name="Title 1">
+            <a:extLst>
+              <a:ext uri="{FF2B5EF4-FFF2-40B4-BE49-F238E27FC236}">
+                <a16:creationId xmlns:a16="http://schemas.microsoft.com/office/drawing/2014/main" id="{3681D759-3FEC-433A-94E5-DC6F4F23EF5E}"/>
+              </a:ext>
+            </a:extLst>
+          </p:cNvPr>
+          <p:cNvSpPr>
+            <a:spLocks noGrp="1"/>
+          </p:cNvSpPr>
+          <p:nvPr>
+            <p:ph type="title"/>
+          </p:nvPr>
+        </p:nvSpPr>
+        <p:spPr/>
+        <p:txBody>
+          <a:bodyPr/>
+          <a:lstStyle/>
+          <a:p>
+            <a:r>
+              <a:rPr lang="pt-BR" dirty="0">
+                <a:solidFill>
+                  <a:srgbClr val="00B0F0"/>
+                </a:solidFill>
+                <a:latin typeface="Segoe UI" panose="020B0502040204020203" pitchFamily="34" charset="0"/>
+                <a:cs typeface="Segoe UI" panose="020B0502040204020203" pitchFamily="34" charset="0"/>
+              </a:rPr>
+              <a:t>Const and Mutable</a:t>
+            </a:r>
+          </a:p>
+        </p:txBody>
+      </p:sp>
+      <p:pic>
+        <p:nvPicPr>
+          <p:cNvPr id="10" name="Picture 2" descr="GitHub - isocpp/logos: C++ logos created for isocpp.org">
+            <a:extLst>
+              <a:ext uri="{FF2B5EF4-FFF2-40B4-BE49-F238E27FC236}">
+                <a16:creationId xmlns:a16="http://schemas.microsoft.com/office/drawing/2014/main" id="{6B7F8B00-6ACA-413F-BF98-5B69C47599E9}"/>
+              </a:ext>
+            </a:extLst>
+          </p:cNvPr>
+          <p:cNvPicPr>
+            <a:picLocks noChangeAspect="1" noChangeArrowheads="1"/>
+          </p:cNvPicPr>
+          <p:nvPr/>
+        </p:nvPicPr>
+        <p:blipFill>
+          <a:blip r:embed="rId2">
+            <a:extLst>
+              <a:ext uri="{28A0092B-C50C-407E-A947-70E740481C1C}">
+                <a14:useLocalDpi xmlns:a14="http://schemas.microsoft.com/office/drawing/2010/main" val="0"/>
+              </a:ext>
+            </a:extLst>
+          </a:blip>
+          <a:srcRect/>
+          <a:stretch>
+            <a:fillRect/>
+          </a:stretch>
+        </p:blipFill>
+        <p:spPr bwMode="auto">
+          <a:xfrm>
+            <a:off x="10951233" y="365125"/>
+            <a:ext cx="805134" cy="905069"/>
+          </a:xfrm>
+          <a:prstGeom prst="rect">
+            <a:avLst/>
+          </a:prstGeom>
+          <a:noFill/>
+          <a:extLst>
+            <a:ext uri="{909E8E84-426E-40DD-AFC4-6F175D3DCCD1}">
+              <a14:hiddenFill xmlns:a14="http://schemas.microsoft.com/office/drawing/2010/main">
+                <a:solidFill>
+                  <a:srgbClr val="FFFFFF"/>
+                </a:solidFill>
+              </a14:hiddenFill>
+            </a:ext>
+          </a:extLst>
+        </p:spPr>
+      </p:pic>
+      <p:sp>
+        <p:nvSpPr>
+          <p:cNvPr id="4" name="Slide Number Placeholder 3">
+            <a:extLst>
+              <a:ext uri="{FF2B5EF4-FFF2-40B4-BE49-F238E27FC236}">
+                <a16:creationId xmlns:a16="http://schemas.microsoft.com/office/drawing/2014/main" id="{1FB7980D-6ABC-4A00-8DC8-A167ABC49549}"/>
+              </a:ext>
+            </a:extLst>
+          </p:cNvPr>
+          <p:cNvSpPr>
+            <a:spLocks noGrp="1"/>
+          </p:cNvSpPr>
+          <p:nvPr>
+            <p:ph type="sldNum" sz="quarter" idx="12"/>
+          </p:nvPr>
+        </p:nvSpPr>
+        <p:spPr/>
+        <p:txBody>
+          <a:bodyPr/>
+          <a:lstStyle/>
+          <a:p>
+            <a:fld id="{5A188BD9-5E81-43C5-AE66-36AE3BDE6A9D}" type="slidenum">
+              <a:rPr lang="pt-BR" smtClean="0"/>
+              <a:t>97</a:t>
+            </a:fld>
+            <a:endParaRPr lang="pt-BR"/>
+          </a:p>
+        </p:txBody>
+      </p:sp>
+    </p:spTree>
+    <p:extLst>
+      <p:ext uri="{BB962C8B-B14F-4D97-AF65-F5344CB8AC3E}">
+        <p14:creationId xmlns:p14="http://schemas.microsoft.com/office/powerpoint/2010/main" val="204148954"/>
+      </p:ext>
+    </p:extLst>
+  </p:cSld>
+  <p:clrMapOvr>
+    <a:masterClrMapping/>
+  </p:clrMapOvr>
+</p:sld>
+</file>
+
+<file path=ppt/slides/slide98.xml><?xml version="1.0" encoding="utf-8"?>
+<p:sld xmlns:a="http://schemas.openxmlformats.org/drawingml/2006/main" xmlns:r="http://schemas.openxmlformats.org/officeDocument/2006/relationships" xmlns:p="http://schemas.openxmlformats.org/presentationml/2006/main">
+  <p:cSld>
+    <p:spTree>
+      <p:nvGrpSpPr>
+        <p:cNvPr id="1" name=""/>
+        <p:cNvGrpSpPr/>
+        <p:nvPr/>
+      </p:nvGrpSpPr>
+      <p:grpSpPr>
+        <a:xfrm>
+          <a:off x="0" y="0"/>
+          <a:ext cx="0" cy="0"/>
+          <a:chOff x="0" y="0"/>
+          <a:chExt cx="0" cy="0"/>
+        </a:xfrm>
+      </p:grpSpPr>
+      <p:sp>
+        <p:nvSpPr>
+          <p:cNvPr id="2" name="Title 1">
+            <a:extLst>
+              <a:ext uri="{FF2B5EF4-FFF2-40B4-BE49-F238E27FC236}">
+                <a16:creationId xmlns:a16="http://schemas.microsoft.com/office/drawing/2014/main" id="{3681D759-3FEC-433A-94E5-DC6F4F23EF5E}"/>
+              </a:ext>
+            </a:extLst>
+          </p:cNvPr>
+          <p:cNvSpPr>
+            <a:spLocks noGrp="1"/>
+          </p:cNvSpPr>
+          <p:nvPr>
+            <p:ph type="title"/>
+          </p:nvPr>
+        </p:nvSpPr>
+        <p:spPr/>
+        <p:txBody>
+          <a:bodyPr/>
+          <a:lstStyle/>
+          <a:p>
+            <a:r>
+              <a:rPr lang="pt-BR" dirty="0">
+                <a:solidFill>
+                  <a:srgbClr val="00B0F0"/>
+                </a:solidFill>
+                <a:latin typeface="Segoe UI" panose="020B0502040204020203" pitchFamily="34" charset="0"/>
+                <a:cs typeface="Segoe UI" panose="020B0502040204020203" pitchFamily="34" charset="0"/>
+              </a:rPr>
+              <a:t>Move Semantics</a:t>
+            </a:r>
+          </a:p>
+        </p:txBody>
+      </p:sp>
+      <p:pic>
+        <p:nvPicPr>
+          <p:cNvPr id="10" name="Picture 2" descr="GitHub - isocpp/logos: C++ logos created for isocpp.org">
+            <a:extLst>
+              <a:ext uri="{FF2B5EF4-FFF2-40B4-BE49-F238E27FC236}">
+                <a16:creationId xmlns:a16="http://schemas.microsoft.com/office/drawing/2014/main" id="{6B7F8B00-6ACA-413F-BF98-5B69C47599E9}"/>
+              </a:ext>
+            </a:extLst>
+          </p:cNvPr>
+          <p:cNvPicPr>
+            <a:picLocks noChangeAspect="1" noChangeArrowheads="1"/>
+          </p:cNvPicPr>
+          <p:nvPr/>
+        </p:nvPicPr>
+        <p:blipFill>
+          <a:blip r:embed="rId2">
+            <a:extLst>
+              <a:ext uri="{28A0092B-C50C-407E-A947-70E740481C1C}">
+                <a14:useLocalDpi xmlns:a14="http://schemas.microsoft.com/office/drawing/2010/main" val="0"/>
+              </a:ext>
+            </a:extLst>
+          </a:blip>
+          <a:srcRect/>
+          <a:stretch>
+            <a:fillRect/>
+          </a:stretch>
+        </p:blipFill>
+        <p:spPr bwMode="auto">
+          <a:xfrm>
+            <a:off x="10951233" y="365125"/>
+            <a:ext cx="805134" cy="905069"/>
+          </a:xfrm>
+          <a:prstGeom prst="rect">
+            <a:avLst/>
+          </a:prstGeom>
+          <a:noFill/>
+          <a:extLst>
+            <a:ext uri="{909E8E84-426E-40DD-AFC4-6F175D3DCCD1}">
+              <a14:hiddenFill xmlns:a14="http://schemas.microsoft.com/office/drawing/2010/main">
+                <a:solidFill>
+                  <a:srgbClr val="FFFFFF"/>
+                </a:solidFill>
+              </a14:hiddenFill>
+            </a:ext>
+          </a:extLst>
+        </p:spPr>
+      </p:pic>
+      <p:sp>
+        <p:nvSpPr>
+          <p:cNvPr id="4" name="Slide Number Placeholder 3">
+            <a:extLst>
+              <a:ext uri="{FF2B5EF4-FFF2-40B4-BE49-F238E27FC236}">
+                <a16:creationId xmlns:a16="http://schemas.microsoft.com/office/drawing/2014/main" id="{1FB7980D-6ABC-4A00-8DC8-A167ABC49549}"/>
+              </a:ext>
+            </a:extLst>
+          </p:cNvPr>
+          <p:cNvSpPr>
+            <a:spLocks noGrp="1"/>
+          </p:cNvSpPr>
+          <p:nvPr>
+            <p:ph type="sldNum" sz="quarter" idx="12"/>
+          </p:nvPr>
+        </p:nvSpPr>
+        <p:spPr/>
+        <p:txBody>
+          <a:bodyPr/>
+          <a:lstStyle/>
+          <a:p>
+            <a:fld id="{5A188BD9-5E81-43C5-AE66-36AE3BDE6A9D}" type="slidenum">
+              <a:rPr lang="pt-BR" smtClean="0"/>
+              <a:t>98</a:t>
+            </a:fld>
+            <a:endParaRPr lang="pt-BR"/>
+          </a:p>
+        </p:txBody>
+      </p:sp>
+    </p:spTree>
+    <p:extLst>
+      <p:ext uri="{BB962C8B-B14F-4D97-AF65-F5344CB8AC3E}">
+        <p14:creationId xmlns:p14="http://schemas.microsoft.com/office/powerpoint/2010/main" val="1201841896"/>
+      </p:ext>
+    </p:extLst>
+  </p:cSld>
+  <p:clrMapOvr>
+    <a:masterClrMapping/>
+  </p:clrMapOvr>
+</p:sld>
+</file>
+
+<file path=ppt/slides/slide99.xml><?xml version="1.0" encoding="utf-8"?>
+<p:sld xmlns:a="http://schemas.openxmlformats.org/drawingml/2006/main" xmlns:r="http://schemas.openxmlformats.org/officeDocument/2006/relationships" xmlns:p="http://schemas.openxmlformats.org/presentationml/2006/main">
+  <p:cSld>
+    <p:spTree>
+      <p:nvGrpSpPr>
+        <p:cNvPr id="1" name=""/>
+        <p:cNvGrpSpPr/>
+        <p:nvPr/>
+      </p:nvGrpSpPr>
+      <p:grpSpPr>
+        <a:xfrm>
+          <a:off x="0" y="0"/>
+          <a:ext cx="0" cy="0"/>
+          <a:chOff x="0" y="0"/>
+          <a:chExt cx="0" cy="0"/>
+        </a:xfrm>
+      </p:grpSpPr>
+      <p:sp>
+        <p:nvSpPr>
+          <p:cNvPr id="2" name="Title 1">
+            <a:extLst>
+              <a:ext uri="{FF2B5EF4-FFF2-40B4-BE49-F238E27FC236}">
+                <a16:creationId xmlns:a16="http://schemas.microsoft.com/office/drawing/2014/main" id="{3681D759-3FEC-433A-94E5-DC6F4F23EF5E}"/>
+              </a:ext>
+            </a:extLst>
+          </p:cNvPr>
+          <p:cNvSpPr>
+            <a:spLocks noGrp="1"/>
+          </p:cNvSpPr>
+          <p:nvPr>
+            <p:ph type="title"/>
+          </p:nvPr>
+        </p:nvSpPr>
+        <p:spPr/>
+        <p:txBody>
+          <a:bodyPr/>
+          <a:lstStyle/>
+          <a:p>
+            <a:r>
+              <a:rPr lang="pt-BR" dirty="0">
+                <a:solidFill>
+                  <a:srgbClr val="00B0F0"/>
+                </a:solidFill>
+                <a:latin typeface="Segoe UI" panose="020B0502040204020203" pitchFamily="34" charset="0"/>
+                <a:cs typeface="Segoe UI" panose="020B0502040204020203" pitchFamily="34" charset="0"/>
+              </a:rPr>
+              <a:t>Passing Parameters</a:t>
+            </a:r>
+          </a:p>
+        </p:txBody>
+      </p:sp>
+      <p:pic>
+        <p:nvPicPr>
+          <p:cNvPr id="10" name="Picture 2" descr="GitHub - isocpp/logos: C++ logos created for isocpp.org">
+            <a:extLst>
+              <a:ext uri="{FF2B5EF4-FFF2-40B4-BE49-F238E27FC236}">
+                <a16:creationId xmlns:a16="http://schemas.microsoft.com/office/drawing/2014/main" id="{6B7F8B00-6ACA-413F-BF98-5B69C47599E9}"/>
+              </a:ext>
+            </a:extLst>
+          </p:cNvPr>
+          <p:cNvPicPr>
+            <a:picLocks noChangeAspect="1" noChangeArrowheads="1"/>
+          </p:cNvPicPr>
+          <p:nvPr/>
+        </p:nvPicPr>
+        <p:blipFill>
+          <a:blip r:embed="rId2">
+            <a:extLst>
+              <a:ext uri="{28A0092B-C50C-407E-A947-70E740481C1C}">
+                <a14:useLocalDpi xmlns:a14="http://schemas.microsoft.com/office/drawing/2010/main" val="0"/>
+              </a:ext>
+            </a:extLst>
+          </a:blip>
+          <a:srcRect/>
+          <a:stretch>
+            <a:fillRect/>
+          </a:stretch>
+        </p:blipFill>
+        <p:spPr bwMode="auto">
+          <a:xfrm>
+            <a:off x="10951233" y="365125"/>
+            <a:ext cx="805134" cy="905069"/>
+          </a:xfrm>
+          <a:prstGeom prst="rect">
+            <a:avLst/>
+          </a:prstGeom>
+          <a:noFill/>
+          <a:extLst>
+            <a:ext uri="{909E8E84-426E-40DD-AFC4-6F175D3DCCD1}">
+              <a14:hiddenFill xmlns:a14="http://schemas.microsoft.com/office/drawing/2010/main">
+                <a:solidFill>
+                  <a:srgbClr val="FFFFFF"/>
+                </a:solidFill>
+              </a14:hiddenFill>
+            </a:ext>
+          </a:extLst>
+        </p:spPr>
+      </p:pic>
+      <p:sp>
+        <p:nvSpPr>
+          <p:cNvPr id="4" name="Slide Number Placeholder 3">
+            <a:extLst>
+              <a:ext uri="{FF2B5EF4-FFF2-40B4-BE49-F238E27FC236}">
+                <a16:creationId xmlns:a16="http://schemas.microsoft.com/office/drawing/2014/main" id="{1FB7980D-6ABC-4A00-8DC8-A167ABC49549}"/>
+              </a:ext>
+            </a:extLst>
+          </p:cNvPr>
+          <p:cNvSpPr>
+            <a:spLocks noGrp="1"/>
+          </p:cNvSpPr>
+          <p:nvPr>
+            <p:ph type="sldNum" sz="quarter" idx="12"/>
+          </p:nvPr>
+        </p:nvSpPr>
+        <p:spPr/>
+        <p:txBody>
+          <a:bodyPr/>
+          <a:lstStyle/>
+          <a:p>
+            <a:fld id="{5A188BD9-5E81-43C5-AE66-36AE3BDE6A9D}" type="slidenum">
+              <a:rPr lang="pt-BR" smtClean="0"/>
+              <a:t>99</a:t>
             </a:fld>
             <a:endParaRPr lang="pt-BR"/>
           </a:p>
